--- a/Presentation.pptx
+++ b/Presentation.pptx
@@ -5,7 +5,7 @@
     <p:sldMasterId id="2147483648" r:id="rId1"/>
   </p:sldMasterIdLst>
   <p:notesMasterIdLst>
-    <p:notesMasterId r:id="rId17"/>
+    <p:notesMasterId r:id="rId21"/>
   </p:notesMasterIdLst>
   <p:sldIdLst>
     <p:sldId id="259" r:id="rId2"/>
@@ -21,8 +21,12 @@
     <p:sldId id="265" r:id="rId12"/>
     <p:sldId id="270" r:id="rId13"/>
     <p:sldId id="271" r:id="rId14"/>
-    <p:sldId id="272" r:id="rId15"/>
-    <p:sldId id="257" r:id="rId16"/>
+    <p:sldId id="274" r:id="rId15"/>
+    <p:sldId id="272" r:id="rId16"/>
+    <p:sldId id="276" r:id="rId17"/>
+    <p:sldId id="277" r:id="rId18"/>
+    <p:sldId id="273" r:id="rId19"/>
+    <p:sldId id="275" r:id="rId20"/>
   </p:sldIdLst>
   <p:sldSz cx="12192000" cy="6858000"/>
   <p:notesSz cx="6858000" cy="9144000"/>
@@ -211,7 +215,7 @@
           <a:p>
             <a:fld id="{8101EF85-1CA0-9349-8428-FF63B4B76357}" type="datetimeFigureOut">
               <a:rPr lang="en-US" smtClean="0"/>
-              <a:t>6/23/24</a:t>
+              <a:t>6/26/24</a:t>
             </a:fld>
             <a:endParaRPr lang="en-US"/>
           </a:p>
@@ -655,6 +659,114 @@
   <p:cSld>
     <p:spTree>
       <p:nvGrpSpPr>
+        <p:cNvPr id="1" name="">
+          <a:extLst>
+            <a:ext uri="{FF2B5EF4-FFF2-40B4-BE49-F238E27FC236}">
+              <a16:creationId xmlns:a16="http://schemas.microsoft.com/office/drawing/2014/main" id="{5A2F13BB-1BBB-A9EC-559B-F7E329E453F3}"/>
+            </a:ext>
+          </a:extLst>
+        </p:cNvPr>
+        <p:cNvGrpSpPr/>
+        <p:nvPr/>
+      </p:nvGrpSpPr>
+      <p:grpSpPr>
+        <a:xfrm>
+          <a:off x="0" y="0"/>
+          <a:ext cx="0" cy="0"/>
+          <a:chOff x="0" y="0"/>
+          <a:chExt cx="0" cy="0"/>
+        </a:xfrm>
+      </p:grpSpPr>
+      <p:sp>
+        <p:nvSpPr>
+          <p:cNvPr id="2" name="Folienbildplatzhalter 1">
+            <a:extLst>
+              <a:ext uri="{FF2B5EF4-FFF2-40B4-BE49-F238E27FC236}">
+                <a16:creationId xmlns:a16="http://schemas.microsoft.com/office/drawing/2014/main" id="{42F11D2E-84D9-5E5D-2C99-B39B62492A90}"/>
+              </a:ext>
+            </a:extLst>
+          </p:cNvPr>
+          <p:cNvSpPr>
+            <a:spLocks noGrp="1" noRot="1" noChangeAspect="1"/>
+          </p:cNvSpPr>
+          <p:nvPr>
+            <p:ph type="sldImg"/>
+          </p:nvPr>
+        </p:nvSpPr>
+        <p:spPr/>
+      </p:sp>
+      <p:sp>
+        <p:nvSpPr>
+          <p:cNvPr id="3" name="Notizenplatzhalter 2">
+            <a:extLst>
+              <a:ext uri="{FF2B5EF4-FFF2-40B4-BE49-F238E27FC236}">
+                <a16:creationId xmlns:a16="http://schemas.microsoft.com/office/drawing/2014/main" id="{1E91BF6D-E7EC-6516-BAC4-24A18767C28B}"/>
+              </a:ext>
+            </a:extLst>
+          </p:cNvPr>
+          <p:cNvSpPr>
+            <a:spLocks noGrp="1"/>
+          </p:cNvSpPr>
+          <p:nvPr>
+            <p:ph type="body" idx="1"/>
+          </p:nvPr>
+        </p:nvSpPr>
+        <p:spPr/>
+        <p:txBody>
+          <a:bodyPr/>
+          <a:lstStyle/>
+          <a:p>
+            <a:endParaRPr lang="en-US" dirty="0"/>
+          </a:p>
+        </p:txBody>
+      </p:sp>
+      <p:sp>
+        <p:nvSpPr>
+          <p:cNvPr id="4" name="Foliennummernplatzhalter 3">
+            <a:extLst>
+              <a:ext uri="{FF2B5EF4-FFF2-40B4-BE49-F238E27FC236}">
+                <a16:creationId xmlns:a16="http://schemas.microsoft.com/office/drawing/2014/main" id="{85551C1D-4FC9-7788-419B-419D7B3EB544}"/>
+              </a:ext>
+            </a:extLst>
+          </p:cNvPr>
+          <p:cNvSpPr>
+            <a:spLocks noGrp="1"/>
+          </p:cNvSpPr>
+          <p:nvPr>
+            <p:ph type="sldNum" sz="quarter" idx="5"/>
+          </p:nvPr>
+        </p:nvSpPr>
+        <p:spPr/>
+        <p:txBody>
+          <a:bodyPr/>
+          <a:lstStyle/>
+          <a:p>
+            <a:fld id="{39369F5A-4740-0C47-8901-3C36761C77B8}" type="slidenum">
+              <a:rPr lang="en-US" smtClean="0"/>
+              <a:t>17</a:t>
+            </a:fld>
+            <a:endParaRPr lang="en-US"/>
+          </a:p>
+        </p:txBody>
+      </p:sp>
+    </p:spTree>
+    <p:extLst>
+      <p:ext uri="{BB962C8B-B14F-4D97-AF65-F5344CB8AC3E}">
+        <p14:creationId xmlns:p14="http://schemas.microsoft.com/office/powerpoint/2010/main" val="3121094087"/>
+      </p:ext>
+    </p:extLst>
+  </p:cSld>
+  <p:clrMapOvr>
+    <a:masterClrMapping/>
+  </p:clrMapOvr>
+</p:notes>
+</file>
+
+<file path=ppt/notesSlides/notesSlide4.xml><?xml version="1.0" encoding="utf-8"?>
+<p:notes xmlns:a="http://schemas.openxmlformats.org/drawingml/2006/main" xmlns:r="http://schemas.openxmlformats.org/officeDocument/2006/relationships" xmlns:p="http://schemas.openxmlformats.org/presentationml/2006/main">
+  <p:cSld>
+    <p:spTree>
+      <p:nvGrpSpPr>
         <p:cNvPr id="1" name=""/>
         <p:cNvGrpSpPr/>
         <p:nvPr/>
@@ -715,7 +827,7 @@
           <a:p>
             <a:fld id="{39369F5A-4740-0C47-8901-3C36761C77B8}" type="slidenum">
               <a:rPr lang="en-US" smtClean="0"/>
-              <a:t>15</a:t>
+              <a:t>18</a:t>
             </a:fld>
             <a:endParaRPr lang="en-US"/>
           </a:p>
@@ -724,7 +836,94 @@
     </p:spTree>
     <p:extLst>
       <p:ext uri="{BB962C8B-B14F-4D97-AF65-F5344CB8AC3E}">
-        <p14:creationId xmlns:p14="http://schemas.microsoft.com/office/powerpoint/2010/main" val="322332840"/>
+        <p14:creationId xmlns:p14="http://schemas.microsoft.com/office/powerpoint/2010/main" val="528183431"/>
+      </p:ext>
+    </p:extLst>
+  </p:cSld>
+  <p:clrMapOvr>
+    <a:masterClrMapping/>
+  </p:clrMapOvr>
+</p:notes>
+</file>
+
+<file path=ppt/notesSlides/notesSlide5.xml><?xml version="1.0" encoding="utf-8"?>
+<p:notes xmlns:a="http://schemas.openxmlformats.org/drawingml/2006/main" xmlns:r="http://schemas.openxmlformats.org/officeDocument/2006/relationships" xmlns:p="http://schemas.openxmlformats.org/presentationml/2006/main">
+  <p:cSld>
+    <p:spTree>
+      <p:nvGrpSpPr>
+        <p:cNvPr id="1" name=""/>
+        <p:cNvGrpSpPr/>
+        <p:nvPr/>
+      </p:nvGrpSpPr>
+      <p:grpSpPr>
+        <a:xfrm>
+          <a:off x="0" y="0"/>
+          <a:ext cx="0" cy="0"/>
+          <a:chOff x="0" y="0"/>
+          <a:chExt cx="0" cy="0"/>
+        </a:xfrm>
+      </p:grpSpPr>
+      <p:sp>
+        <p:nvSpPr>
+          <p:cNvPr id="2" name="Folienbildplatzhalter 1"/>
+          <p:cNvSpPr>
+            <a:spLocks noGrp="1" noRot="1" noChangeAspect="1"/>
+          </p:cNvSpPr>
+          <p:nvPr>
+            <p:ph type="sldImg"/>
+          </p:nvPr>
+        </p:nvSpPr>
+        <p:spPr/>
+      </p:sp>
+      <p:sp>
+        <p:nvSpPr>
+          <p:cNvPr id="3" name="Notizenplatzhalter 2"/>
+          <p:cNvSpPr>
+            <a:spLocks noGrp="1"/>
+          </p:cNvSpPr>
+          <p:nvPr>
+            <p:ph type="body" idx="1"/>
+          </p:nvPr>
+        </p:nvSpPr>
+        <p:spPr/>
+        <p:txBody>
+          <a:bodyPr/>
+          <a:lstStyle/>
+          <a:p>
+            <a:r>
+              <a:rPr lang="en-US" dirty="0"/>
+              <a:t>Looking into the actual predictions, I have seen, that the models struggle to distinguish between very mild ad and mild ad…</a:t>
+            </a:r>
+          </a:p>
+        </p:txBody>
+      </p:sp>
+      <p:sp>
+        <p:nvSpPr>
+          <p:cNvPr id="4" name="Foliennummernplatzhalter 3"/>
+          <p:cNvSpPr>
+            <a:spLocks noGrp="1"/>
+          </p:cNvSpPr>
+          <p:nvPr>
+            <p:ph type="sldNum" sz="quarter" idx="5"/>
+          </p:nvPr>
+        </p:nvSpPr>
+        <p:spPr/>
+        <p:txBody>
+          <a:bodyPr/>
+          <a:lstStyle/>
+          <a:p>
+            <a:fld id="{39369F5A-4740-0C47-8901-3C36761C77B8}" type="slidenum">
+              <a:rPr lang="en-US" smtClean="0"/>
+              <a:t>19</a:t>
+            </a:fld>
+            <a:endParaRPr lang="en-US"/>
+          </a:p>
+        </p:txBody>
+      </p:sp>
+    </p:spTree>
+    <p:extLst>
+      <p:ext uri="{BB962C8B-B14F-4D97-AF65-F5344CB8AC3E}">
+        <p14:creationId xmlns:p14="http://schemas.microsoft.com/office/powerpoint/2010/main" val="4221666331"/>
       </p:ext>
     </p:extLst>
   </p:cSld>
@@ -881,7 +1080,7 @@
           <a:p>
             <a:fld id="{777F19AD-4A9B-FA4E-B9CD-F9E9FFC24D44}" type="datetime1">
               <a:rPr lang="de-DE" smtClean="0"/>
-              <a:t>23.06.24</a:t>
+              <a:t>26.06.24</a:t>
             </a:fld>
             <a:endParaRPr lang="de-DE"/>
           </a:p>
@@ -1079,7 +1278,7 @@
           <a:p>
             <a:fld id="{D3D5D3D5-5D5F-9841-B8AD-9296B0F2CC79}" type="datetime1">
               <a:rPr lang="de-DE" smtClean="0"/>
-              <a:t>23.06.24</a:t>
+              <a:t>26.06.24</a:t>
             </a:fld>
             <a:endParaRPr lang="de-DE"/>
           </a:p>
@@ -1287,7 +1486,7 @@
           <a:p>
             <a:fld id="{8BC3A0AD-F86D-7742-AC76-98D3781C5291}" type="datetime1">
               <a:rPr lang="de-DE" smtClean="0"/>
-              <a:t>23.06.24</a:t>
+              <a:t>26.06.24</a:t>
             </a:fld>
             <a:endParaRPr lang="de-DE"/>
           </a:p>
@@ -1424,7 +1623,43 @@
         <p:spPr/>
         <p:txBody>
           <a:bodyPr/>
-          <a:lstStyle/>
+          <a:lstStyle>
+            <a:lvl1pPr>
+              <a:defRPr>
+                <a:latin typeface="Libertinus Serif" panose="02000503000000000000" pitchFamily="2" charset="0"/>
+                <a:ea typeface="Libertinus Serif" panose="02000503000000000000" pitchFamily="2" charset="0"/>
+                <a:cs typeface="Libertinus Serif" panose="02000503000000000000" pitchFamily="2" charset="0"/>
+              </a:defRPr>
+            </a:lvl1pPr>
+            <a:lvl2pPr>
+              <a:defRPr>
+                <a:latin typeface="Libertinus Serif" panose="02000503000000000000" pitchFamily="2" charset="0"/>
+                <a:ea typeface="Libertinus Serif" panose="02000503000000000000" pitchFamily="2" charset="0"/>
+                <a:cs typeface="Libertinus Serif" panose="02000503000000000000" pitchFamily="2" charset="0"/>
+              </a:defRPr>
+            </a:lvl2pPr>
+            <a:lvl3pPr>
+              <a:defRPr>
+                <a:latin typeface="Libertinus Serif" panose="02000503000000000000" pitchFamily="2" charset="0"/>
+                <a:ea typeface="Libertinus Serif" panose="02000503000000000000" pitchFamily="2" charset="0"/>
+                <a:cs typeface="Libertinus Serif" panose="02000503000000000000" pitchFamily="2" charset="0"/>
+              </a:defRPr>
+            </a:lvl3pPr>
+            <a:lvl4pPr>
+              <a:defRPr>
+                <a:latin typeface="Libertinus Serif" panose="02000503000000000000" pitchFamily="2" charset="0"/>
+                <a:ea typeface="Libertinus Serif" panose="02000503000000000000" pitchFamily="2" charset="0"/>
+                <a:cs typeface="Libertinus Serif" panose="02000503000000000000" pitchFamily="2" charset="0"/>
+              </a:defRPr>
+            </a:lvl4pPr>
+            <a:lvl5pPr>
+              <a:defRPr>
+                <a:latin typeface="Libertinus Serif" panose="02000503000000000000" pitchFamily="2" charset="0"/>
+                <a:ea typeface="Libertinus Serif" panose="02000503000000000000" pitchFamily="2" charset="0"/>
+                <a:cs typeface="Libertinus Serif" panose="02000503000000000000" pitchFamily="2" charset="0"/>
+              </a:defRPr>
+            </a:lvl5pPr>
+          </a:lstStyle>
           <a:p>
             <a:pPr lvl="0"/>
             <a:r>
@@ -1485,7 +1720,7 @@
           <a:p>
             <a:fld id="{70B9BB2C-E35F-3F44-A222-5706A0A95DFA}" type="datetime1">
               <a:rPr lang="de-DE" smtClean="0"/>
-              <a:t>23.06.24</a:t>
+              <a:t>26.06.24</a:t>
             </a:fld>
             <a:endParaRPr lang="de-DE"/>
           </a:p>
@@ -1535,10 +1770,19 @@
         <p:spPr/>
         <p:txBody>
           <a:bodyPr/>
-          <a:lstStyle/>
+          <a:lstStyle>
+            <a:lvl1pPr>
+              <a:defRPr>
+                <a:latin typeface="Libertinus Serif" panose="02000503000000000000" pitchFamily="2" charset="0"/>
+                <a:ea typeface="Libertinus Serif" panose="02000503000000000000" pitchFamily="2" charset="0"/>
+                <a:cs typeface="Libertinus Serif" panose="02000503000000000000" pitchFamily="2" charset="0"/>
+              </a:defRPr>
+            </a:lvl1pPr>
+          </a:lstStyle>
           <a:p>
             <a:fld id="{4BEC7EF7-4506-1E42-9433-EDC596BA2DDB}" type="slidenum">
               <a:rPr lang="de-DE" smtClean="0"/>
+              <a:pPr/>
               <a:t>‹Nr.›</a:t>
             </a:fld>
             <a:endParaRPr lang="de-DE"/>
@@ -1760,7 +2004,7 @@
           <a:p>
             <a:fld id="{CE83DDFF-8BCB-F04E-BEA9-F20D22EE2240}" type="datetime1">
               <a:rPr lang="de-DE" smtClean="0"/>
-              <a:t>23.06.24</a:t>
+              <a:t>26.06.24</a:t>
             </a:fld>
             <a:endParaRPr lang="de-DE"/>
           </a:p>
@@ -2025,7 +2269,7 @@
           <a:p>
             <a:fld id="{A22A238F-A945-DD42-AD0C-82AAC9A5186E}" type="datetime1">
               <a:rPr lang="de-DE" smtClean="0"/>
-              <a:t>23.06.24</a:t>
+              <a:t>26.06.24</a:t>
             </a:fld>
             <a:endParaRPr lang="de-DE"/>
           </a:p>
@@ -2437,7 +2681,7 @@
           <a:p>
             <a:fld id="{8EC57FC3-5049-B846-A69B-EB3036080AB3}" type="datetime1">
               <a:rPr lang="de-DE" smtClean="0"/>
-              <a:t>23.06.24</a:t>
+              <a:t>26.06.24</a:t>
             </a:fld>
             <a:endParaRPr lang="de-DE"/>
           </a:p>
@@ -2578,7 +2822,7 @@
           <a:p>
             <a:fld id="{480116AB-0C33-D341-8A7D-D9D1B828050C}" type="datetime1">
               <a:rPr lang="de-DE" smtClean="0"/>
-              <a:t>23.06.24</a:t>
+              <a:t>26.06.24</a:t>
             </a:fld>
             <a:endParaRPr lang="de-DE"/>
           </a:p>
@@ -2691,7 +2935,7 @@
           <a:p>
             <a:fld id="{7C1A25BF-E695-C442-A855-7D3191E8267D}" type="datetime1">
               <a:rPr lang="de-DE" smtClean="0"/>
-              <a:t>23.06.24</a:t>
+              <a:t>26.06.24</a:t>
             </a:fld>
             <a:endParaRPr lang="de-DE"/>
           </a:p>
@@ -3002,7 +3246,7 @@
           <a:p>
             <a:fld id="{D765B615-7FF6-8542-A64F-1FACCA84B841}" type="datetime1">
               <a:rPr lang="de-DE" smtClean="0"/>
-              <a:t>23.06.24</a:t>
+              <a:t>26.06.24</a:t>
             </a:fld>
             <a:endParaRPr lang="de-DE"/>
           </a:p>
@@ -3290,7 +3534,7 @@
           <a:p>
             <a:fld id="{94796C04-FB0E-F947-AC55-2890DD9CA095}" type="datetime1">
               <a:rPr lang="de-DE" smtClean="0"/>
-              <a:t>23.06.24</a:t>
+              <a:t>26.06.24</a:t>
             </a:fld>
             <a:endParaRPr lang="de-DE"/>
           </a:p>
@@ -3531,7 +3775,7 @@
           <a:p>
             <a:fld id="{EECEB347-55B1-064D-B225-85E3B3955E16}" type="datetime1">
               <a:rPr lang="de-DE" smtClean="0"/>
-              <a:t>23.06.24</a:t>
+              <a:t>26.06.24</a:t>
             </a:fld>
             <a:endParaRPr lang="de-DE"/>
           </a:p>
@@ -4116,7 +4360,11 @@
           <a:p>
             <a:pPr algn="l"/>
             <a:r>
-              <a:rPr lang="en-US" dirty="0"/>
+              <a:rPr lang="en-US" dirty="0">
+                <a:latin typeface="Libertinus Serif" panose="02000503000000000000" pitchFamily="2" charset="0"/>
+                <a:ea typeface="Libertinus Serif" panose="02000503000000000000" pitchFamily="2" charset="0"/>
+                <a:cs typeface="Libertinus Serif" panose="02000503000000000000" pitchFamily="2" charset="0"/>
+              </a:rPr>
               <a:t>by Henri Smidt</a:t>
             </a:r>
           </a:p>
@@ -4607,7 +4855,7 @@
               <a:rPr lang="de-DE" smtClean="0"/>
               <a:t>10</a:t>
             </a:fld>
-            <a:endParaRPr lang="de-DE"/>
+            <a:endParaRPr lang="de-DE" dirty="0"/>
           </a:p>
         </p:txBody>
       </p:sp>
@@ -4657,7 +4905,11 @@
           <a:p>
             <a:pPr algn="ctr"/>
             <a:r>
-              <a:rPr lang="en-US" dirty="0"/>
+              <a:rPr lang="en-US" dirty="0">
+                <a:latin typeface="Libertinus Serif" panose="02000503000000000000" pitchFamily="2" charset="0"/>
+                <a:ea typeface="Libertinus Serif" panose="02000503000000000000" pitchFamily="2" charset="0"/>
+                <a:cs typeface="Libertinus Serif" panose="02000503000000000000" pitchFamily="2" charset="0"/>
+              </a:rPr>
               <a:t>Teacher Model</a:t>
             </a:r>
           </a:p>
@@ -4709,7 +4961,11 @@
           <a:p>
             <a:pPr algn="ctr"/>
             <a:r>
-              <a:rPr lang="en-US" dirty="0"/>
+              <a:rPr lang="en-US" dirty="0">
+                <a:latin typeface="Libertinus Serif" panose="02000503000000000000" pitchFamily="2" charset="0"/>
+                <a:ea typeface="Libertinus Serif" panose="02000503000000000000" pitchFamily="2" charset="0"/>
+                <a:cs typeface="Libertinus Serif" panose="02000503000000000000" pitchFamily="2" charset="0"/>
+              </a:rPr>
               <a:t>Student Model</a:t>
             </a:r>
           </a:p>
@@ -4761,7 +5017,11 @@
           <a:p>
             <a:pPr algn="ctr"/>
             <a:r>
-              <a:rPr lang="en-US" dirty="0"/>
+              <a:rPr lang="en-US" dirty="0">
+                <a:latin typeface="Libertinus Serif" panose="02000503000000000000" pitchFamily="2" charset="0"/>
+                <a:ea typeface="Libertinus Serif" panose="02000503000000000000" pitchFamily="2" charset="0"/>
+                <a:cs typeface="Libertinus Serif" panose="02000503000000000000" pitchFamily="2" charset="0"/>
+              </a:rPr>
               <a:t>Predictions</a:t>
             </a:r>
           </a:p>
@@ -4813,7 +5073,11 @@
           <a:p>
             <a:pPr algn="ctr"/>
             <a:r>
-              <a:rPr lang="en-US" dirty="0"/>
+              <a:rPr lang="en-US" dirty="0">
+                <a:latin typeface="Libertinus Serif" panose="02000503000000000000" pitchFamily="2" charset="0"/>
+                <a:ea typeface="Libertinus Serif" panose="02000503000000000000" pitchFamily="2" charset="0"/>
+                <a:cs typeface="Libertinus Serif" panose="02000503000000000000" pitchFamily="2" charset="0"/>
+              </a:rPr>
               <a:t>Predictions</a:t>
             </a:r>
           </a:p>
@@ -4955,7 +5219,11 @@
               <a:p>
                 <a:pPr algn="ctr"/>
                 <a:r>
-                  <a:rPr lang="en-US" sz="1600" dirty="0"/>
+                  <a:rPr lang="en-US" sz="1600" dirty="0">
+                    <a:latin typeface="Libertinus Serif" panose="02000503000000000000" pitchFamily="2" charset="0"/>
+                    <a:ea typeface="Libertinus Serif" panose="02000503000000000000" pitchFamily="2" charset="0"/>
+                    <a:cs typeface="Libertinus Serif" panose="02000503000000000000" pitchFamily="2" charset="0"/>
+                  </a:rPr>
                   <a:t>KLD-Loss </a:t>
                 </a:r>
                 <a14:m>
@@ -4990,7 +5258,11 @@
                     </m:r>
                   </m:oMath>
                 </a14:m>
-                <a:endParaRPr lang="en-US" sz="1600" dirty="0"/>
+                <a:endParaRPr lang="en-US" sz="1600" dirty="0">
+                  <a:latin typeface="Libertinus Serif" panose="02000503000000000000" pitchFamily="2" charset="0"/>
+                  <a:ea typeface="Libertinus Serif" panose="02000503000000000000" pitchFamily="2" charset="0"/>
+                  <a:cs typeface="Libertinus Serif" panose="02000503000000000000" pitchFamily="2" charset="0"/>
+                </a:endParaRPr>
               </a:p>
             </p:txBody>
           </p:sp>
@@ -5177,7 +5449,11 @@
               <a:p>
                 <a:pPr algn="ctr"/>
                 <a:r>
-                  <a:rPr lang="en-US" sz="1600" dirty="0"/>
+                  <a:rPr lang="en-US" sz="1600" dirty="0">
+                    <a:latin typeface="Libertinus Serif" panose="02000503000000000000" pitchFamily="2" charset="0"/>
+                    <a:ea typeface="Libertinus Serif" panose="02000503000000000000" pitchFamily="2" charset="0"/>
+                    <a:cs typeface="Libertinus Serif" panose="02000503000000000000" pitchFamily="2" charset="0"/>
+                  </a:rPr>
                   <a:t>CE-Loss </a:t>
                 </a:r>
                 <a14:m>
@@ -5198,7 +5474,11 @@
                     </m:r>
                   </m:oMath>
                 </a14:m>
-                <a:endParaRPr lang="en-US" sz="1600" dirty="0"/>
+                <a:endParaRPr lang="en-US" sz="1600" dirty="0">
+                  <a:latin typeface="Libertinus Serif" panose="02000503000000000000" pitchFamily="2" charset="0"/>
+                  <a:ea typeface="Libertinus Serif" panose="02000503000000000000" pitchFamily="2" charset="0"/>
+                  <a:cs typeface="Libertinus Serif" panose="02000503000000000000" pitchFamily="2" charset="0"/>
+                </a:endParaRPr>
               </a:p>
             </p:txBody>
           </p:sp>
@@ -5341,7 +5621,11 @@
           <a:p>
             <a:pPr algn="ctr"/>
             <a:r>
-              <a:rPr lang="en-US" dirty="0"/>
+              <a:rPr lang="en-US" dirty="0">
+                <a:latin typeface="Libertinus Serif" panose="02000503000000000000" pitchFamily="2" charset="0"/>
+                <a:ea typeface="Libertinus Serif" panose="02000503000000000000" pitchFamily="2" charset="0"/>
+                <a:cs typeface="Libertinus Serif" panose="02000503000000000000" pitchFamily="2" charset="0"/>
+              </a:rPr>
               <a:t>Reference Labels</a:t>
             </a:r>
           </a:p>
@@ -5683,7 +5967,9 @@
                 <a:solidFill>
                   <a:srgbClr val="000000"/>
                 </a:solidFill>
-                <a:latin typeface="-webkit-standard"/>
+                <a:latin typeface="Libertinus Serif" panose="02000503000000000000" pitchFamily="2" charset="0"/>
+                <a:ea typeface="Libertinus Serif" panose="02000503000000000000" pitchFamily="2" charset="0"/>
+                <a:cs typeface="Libertinus Serif" panose="02000503000000000000" pitchFamily="2" charset="0"/>
               </a:rPr>
               <a:t>Soft </a:t>
             </a:r>
@@ -5692,7 +5978,9 @@
                 <a:solidFill>
                   <a:srgbClr val="000000"/>
                 </a:solidFill>
-                <a:latin typeface="-webkit-standard"/>
+                <a:latin typeface="Libertinus Serif" panose="02000503000000000000" pitchFamily="2" charset="0"/>
+                <a:ea typeface="Libertinus Serif" panose="02000503000000000000" pitchFamily="2" charset="0"/>
+                <a:cs typeface="Libertinus Serif" panose="02000503000000000000" pitchFamily="2" charset="0"/>
               </a:rPr>
               <a:t>labels</a:t>
             </a:r>
@@ -5701,7 +5989,9 @@
                 <a:solidFill>
                   <a:srgbClr val="000000"/>
                 </a:solidFill>
-                <a:latin typeface="-webkit-standard"/>
+                <a:latin typeface="Libertinus Serif" panose="02000503000000000000" pitchFamily="2" charset="0"/>
+                <a:ea typeface="Libertinus Serif" panose="02000503000000000000" pitchFamily="2" charset="0"/>
+                <a:cs typeface="Libertinus Serif" panose="02000503000000000000" pitchFamily="2" charset="0"/>
               </a:rPr>
               <a:t> </a:t>
             </a:r>
@@ -5710,7 +6000,9 @@
                 <a:solidFill>
                   <a:srgbClr val="000000"/>
                 </a:solidFill>
-                <a:latin typeface="-webkit-standard"/>
+                <a:latin typeface="Libertinus Serif" panose="02000503000000000000" pitchFamily="2" charset="0"/>
+                <a:ea typeface="Libertinus Serif" panose="02000503000000000000" pitchFamily="2" charset="0"/>
+                <a:cs typeface="Libertinus Serif" panose="02000503000000000000" pitchFamily="2" charset="0"/>
               </a:rPr>
               <a:t>generated</a:t>
             </a:r>
@@ -5719,7 +6011,9 @@
                 <a:solidFill>
                   <a:srgbClr val="000000"/>
                 </a:solidFill>
-                <a:latin typeface="-webkit-standard"/>
+                <a:latin typeface="Libertinus Serif" panose="02000503000000000000" pitchFamily="2" charset="0"/>
+                <a:ea typeface="Libertinus Serif" panose="02000503000000000000" pitchFamily="2" charset="0"/>
+                <a:cs typeface="Libertinus Serif" panose="02000503000000000000" pitchFamily="2" charset="0"/>
               </a:rPr>
               <a:t> </a:t>
             </a:r>
@@ -5728,7 +6022,9 @@
                 <a:solidFill>
                   <a:srgbClr val="000000"/>
                 </a:solidFill>
-                <a:latin typeface="-webkit-standard"/>
+                <a:latin typeface="Libertinus Serif" panose="02000503000000000000" pitchFamily="2" charset="0"/>
+                <a:ea typeface="Libertinus Serif" panose="02000503000000000000" pitchFamily="2" charset="0"/>
+                <a:cs typeface="Libertinus Serif" panose="02000503000000000000" pitchFamily="2" charset="0"/>
               </a:rPr>
               <a:t>by</a:t>
             </a:r>
@@ -5737,7 +6033,9 @@
                 <a:solidFill>
                   <a:srgbClr val="000000"/>
                 </a:solidFill>
-                <a:latin typeface="-webkit-standard"/>
+                <a:latin typeface="Libertinus Serif" panose="02000503000000000000" pitchFamily="2" charset="0"/>
+                <a:ea typeface="Libertinus Serif" panose="02000503000000000000" pitchFamily="2" charset="0"/>
+                <a:cs typeface="Libertinus Serif" panose="02000503000000000000" pitchFamily="2" charset="0"/>
               </a:rPr>
               <a:t> </a:t>
             </a:r>
@@ -5746,7 +6044,9 @@
                 <a:solidFill>
                   <a:srgbClr val="000000"/>
                 </a:solidFill>
-                <a:latin typeface="-webkit-standard"/>
+                <a:latin typeface="Libertinus Serif" panose="02000503000000000000" pitchFamily="2" charset="0"/>
+                <a:ea typeface="Libertinus Serif" panose="02000503000000000000" pitchFamily="2" charset="0"/>
+                <a:cs typeface="Libertinus Serif" panose="02000503000000000000" pitchFamily="2" charset="0"/>
               </a:rPr>
               <a:t>the</a:t>
             </a:r>
@@ -5755,7 +6055,9 @@
                 <a:solidFill>
                   <a:srgbClr val="000000"/>
                 </a:solidFill>
-                <a:latin typeface="-webkit-standard"/>
+                <a:latin typeface="Libertinus Serif" panose="02000503000000000000" pitchFamily="2" charset="0"/>
+                <a:ea typeface="Libertinus Serif" panose="02000503000000000000" pitchFamily="2" charset="0"/>
+                <a:cs typeface="Libertinus Serif" panose="02000503000000000000" pitchFamily="2" charset="0"/>
               </a:rPr>
               <a:t> </a:t>
             </a:r>
@@ -5764,7 +6066,9 @@
                 <a:solidFill>
                   <a:srgbClr val="000000"/>
                 </a:solidFill>
-                <a:latin typeface="-webkit-standard"/>
+                <a:latin typeface="Libertinus Serif" panose="02000503000000000000" pitchFamily="2" charset="0"/>
+                <a:ea typeface="Libertinus Serif" panose="02000503000000000000" pitchFamily="2" charset="0"/>
+                <a:cs typeface="Libertinus Serif" panose="02000503000000000000" pitchFamily="2" charset="0"/>
               </a:rPr>
               <a:t>teacher</a:t>
             </a:r>
@@ -5773,7 +6077,9 @@
                 <a:solidFill>
                   <a:srgbClr val="000000"/>
                 </a:solidFill>
-                <a:latin typeface="-webkit-standard"/>
+                <a:latin typeface="Libertinus Serif" panose="02000503000000000000" pitchFamily="2" charset="0"/>
+                <a:ea typeface="Libertinus Serif" panose="02000503000000000000" pitchFamily="2" charset="0"/>
+                <a:cs typeface="Libertinus Serif" panose="02000503000000000000" pitchFamily="2" charset="0"/>
               </a:rPr>
               <a:t> </a:t>
             </a:r>
@@ -5782,7 +6088,9 @@
                 <a:solidFill>
                   <a:srgbClr val="000000"/>
                 </a:solidFill>
-                <a:latin typeface="-webkit-standard"/>
+                <a:latin typeface="Libertinus Serif" panose="02000503000000000000" pitchFamily="2" charset="0"/>
+                <a:ea typeface="Libertinus Serif" panose="02000503000000000000" pitchFamily="2" charset="0"/>
+                <a:cs typeface="Libertinus Serif" panose="02000503000000000000" pitchFamily="2" charset="0"/>
               </a:rPr>
               <a:t>model</a:t>
             </a:r>
@@ -5791,7 +6099,9 @@
                 <a:solidFill>
                   <a:srgbClr val="000000"/>
                 </a:solidFill>
-                <a:latin typeface="-webkit-standard"/>
+                <a:latin typeface="Libertinus Serif" panose="02000503000000000000" pitchFamily="2" charset="0"/>
+                <a:ea typeface="Libertinus Serif" panose="02000503000000000000" pitchFamily="2" charset="0"/>
+                <a:cs typeface="Libertinus Serif" panose="02000503000000000000" pitchFamily="2" charset="0"/>
               </a:rPr>
               <a:t> </a:t>
             </a:r>
@@ -5800,7 +6110,9 @@
                 <a:solidFill>
                   <a:srgbClr val="000000"/>
                 </a:solidFill>
-                <a:latin typeface="-webkit-standard"/>
+                <a:latin typeface="Libertinus Serif" panose="02000503000000000000" pitchFamily="2" charset="0"/>
+                <a:ea typeface="Libertinus Serif" panose="02000503000000000000" pitchFamily="2" charset="0"/>
+                <a:cs typeface="Libertinus Serif" panose="02000503000000000000" pitchFamily="2" charset="0"/>
               </a:rPr>
               <a:t>capture</a:t>
             </a:r>
@@ -5809,7 +6121,9 @@
                 <a:solidFill>
                   <a:srgbClr val="000000"/>
                 </a:solidFill>
-                <a:latin typeface="-webkit-standard"/>
+                <a:latin typeface="Libertinus Serif" panose="02000503000000000000" pitchFamily="2" charset="0"/>
+                <a:ea typeface="Libertinus Serif" panose="02000503000000000000" pitchFamily="2" charset="0"/>
+                <a:cs typeface="Libertinus Serif" panose="02000503000000000000" pitchFamily="2" charset="0"/>
               </a:rPr>
               <a:t> </a:t>
             </a:r>
@@ -5818,7 +6132,9 @@
                 <a:solidFill>
                   <a:srgbClr val="000000"/>
                 </a:solidFill>
-                <a:latin typeface="-webkit-standard"/>
+                <a:latin typeface="Libertinus Serif" panose="02000503000000000000" pitchFamily="2" charset="0"/>
+                <a:ea typeface="Libertinus Serif" panose="02000503000000000000" pitchFamily="2" charset="0"/>
+                <a:cs typeface="Libertinus Serif" panose="02000503000000000000" pitchFamily="2" charset="0"/>
               </a:rPr>
               <a:t>information</a:t>
             </a:r>
@@ -5827,7 +6143,9 @@
                 <a:solidFill>
                   <a:srgbClr val="000000"/>
                 </a:solidFill>
-                <a:latin typeface="-webkit-standard"/>
+                <a:latin typeface="Libertinus Serif" panose="02000503000000000000" pitchFamily="2" charset="0"/>
+                <a:ea typeface="Libertinus Serif" panose="02000503000000000000" pitchFamily="2" charset="0"/>
+                <a:cs typeface="Libertinus Serif" panose="02000503000000000000" pitchFamily="2" charset="0"/>
               </a:rPr>
               <a:t> </a:t>
             </a:r>
@@ -5836,7 +6154,9 @@
                 <a:solidFill>
                   <a:srgbClr val="000000"/>
                 </a:solidFill>
-                <a:latin typeface="-webkit-standard"/>
+                <a:latin typeface="Libertinus Serif" panose="02000503000000000000" pitchFamily="2" charset="0"/>
+                <a:ea typeface="Libertinus Serif" panose="02000503000000000000" pitchFamily="2" charset="0"/>
+                <a:cs typeface="Libertinus Serif" panose="02000503000000000000" pitchFamily="2" charset="0"/>
               </a:rPr>
               <a:t>nonexistend</a:t>
             </a:r>
@@ -5845,7 +6165,9 @@
                 <a:solidFill>
                   <a:srgbClr val="000000"/>
                 </a:solidFill>
-                <a:latin typeface="-webkit-standard"/>
+                <a:latin typeface="Libertinus Serif" panose="02000503000000000000" pitchFamily="2" charset="0"/>
+                <a:ea typeface="Libertinus Serif" panose="02000503000000000000" pitchFamily="2" charset="0"/>
+                <a:cs typeface="Libertinus Serif" panose="02000503000000000000" pitchFamily="2" charset="0"/>
               </a:rPr>
               <a:t> in </a:t>
             </a:r>
@@ -5854,7 +6176,9 @@
                 <a:solidFill>
                   <a:srgbClr val="000000"/>
                 </a:solidFill>
-                <a:latin typeface="-webkit-standard"/>
+                <a:latin typeface="Libertinus Serif" panose="02000503000000000000" pitchFamily="2" charset="0"/>
+                <a:ea typeface="Libertinus Serif" panose="02000503000000000000" pitchFamily="2" charset="0"/>
+                <a:cs typeface="Libertinus Serif" panose="02000503000000000000" pitchFamily="2" charset="0"/>
               </a:rPr>
               <a:t>the</a:t>
             </a:r>
@@ -5863,7 +6187,9 @@
                 <a:solidFill>
                   <a:srgbClr val="000000"/>
                 </a:solidFill>
-                <a:latin typeface="-webkit-standard"/>
+                <a:latin typeface="Libertinus Serif" panose="02000503000000000000" pitchFamily="2" charset="0"/>
+                <a:ea typeface="Libertinus Serif" panose="02000503000000000000" pitchFamily="2" charset="0"/>
+                <a:cs typeface="Libertinus Serif" panose="02000503000000000000" pitchFamily="2" charset="0"/>
               </a:rPr>
               <a:t> </a:t>
             </a:r>
@@ -5872,7 +6198,9 @@
                 <a:solidFill>
                   <a:srgbClr val="000000"/>
                 </a:solidFill>
-                <a:latin typeface="-webkit-standard"/>
+                <a:latin typeface="Libertinus Serif" panose="02000503000000000000" pitchFamily="2" charset="0"/>
+                <a:ea typeface="Libertinus Serif" panose="02000503000000000000" pitchFamily="2" charset="0"/>
+                <a:cs typeface="Libertinus Serif" panose="02000503000000000000" pitchFamily="2" charset="0"/>
               </a:rPr>
               <a:t>hard</a:t>
             </a:r>
@@ -5881,7 +6209,9 @@
                 <a:solidFill>
                   <a:srgbClr val="000000"/>
                 </a:solidFill>
-                <a:latin typeface="-webkit-standard"/>
+                <a:latin typeface="Libertinus Serif" panose="02000503000000000000" pitchFamily="2" charset="0"/>
+                <a:ea typeface="Libertinus Serif" panose="02000503000000000000" pitchFamily="2" charset="0"/>
+                <a:cs typeface="Libertinus Serif" panose="02000503000000000000" pitchFamily="2" charset="0"/>
               </a:rPr>
               <a:t> </a:t>
             </a:r>
@@ -5890,7 +6220,9 @@
                 <a:solidFill>
                   <a:srgbClr val="000000"/>
                 </a:solidFill>
-                <a:latin typeface="-webkit-standard"/>
+                <a:latin typeface="Libertinus Serif" panose="02000503000000000000" pitchFamily="2" charset="0"/>
+                <a:ea typeface="Libertinus Serif" panose="02000503000000000000" pitchFamily="2" charset="0"/>
+                <a:cs typeface="Libertinus Serif" panose="02000503000000000000" pitchFamily="2" charset="0"/>
               </a:rPr>
               <a:t>labels</a:t>
             </a:r>
@@ -5899,7 +6231,9 @@
                 <a:solidFill>
                   <a:srgbClr val="000000"/>
                 </a:solidFill>
-                <a:latin typeface="-webkit-standard"/>
+                <a:latin typeface="Libertinus Serif" panose="02000503000000000000" pitchFamily="2" charset="0"/>
+                <a:ea typeface="Libertinus Serif" panose="02000503000000000000" pitchFamily="2" charset="0"/>
+                <a:cs typeface="Libertinus Serif" panose="02000503000000000000" pitchFamily="2" charset="0"/>
               </a:rPr>
               <a:t>, such </a:t>
             </a:r>
@@ -5908,7 +6242,9 @@
                 <a:solidFill>
                   <a:srgbClr val="000000"/>
                 </a:solidFill>
-                <a:latin typeface="-webkit-standard"/>
+                <a:latin typeface="Libertinus Serif" panose="02000503000000000000" pitchFamily="2" charset="0"/>
+                <a:ea typeface="Libertinus Serif" panose="02000503000000000000" pitchFamily="2" charset="0"/>
+                <a:cs typeface="Libertinus Serif" panose="02000503000000000000" pitchFamily="2" charset="0"/>
               </a:rPr>
               <a:t>as</a:t>
             </a:r>
@@ -5917,7 +6253,9 @@
                 <a:solidFill>
                   <a:srgbClr val="000000"/>
                 </a:solidFill>
-                <a:latin typeface="-webkit-standard"/>
+                <a:latin typeface="Libertinus Serif" panose="02000503000000000000" pitchFamily="2" charset="0"/>
+                <a:ea typeface="Libertinus Serif" panose="02000503000000000000" pitchFamily="2" charset="0"/>
+                <a:cs typeface="Libertinus Serif" panose="02000503000000000000" pitchFamily="2" charset="0"/>
               </a:rPr>
               <a:t> </a:t>
             </a:r>
@@ -5926,7 +6264,9 @@
                 <a:solidFill>
                   <a:srgbClr val="000000"/>
                 </a:solidFill>
-                <a:latin typeface="-webkit-standard"/>
+                <a:latin typeface="Libertinus Serif" panose="02000503000000000000" pitchFamily="2" charset="0"/>
+                <a:ea typeface="Libertinus Serif" panose="02000503000000000000" pitchFamily="2" charset="0"/>
+                <a:cs typeface="Libertinus Serif" panose="02000503000000000000" pitchFamily="2" charset="0"/>
               </a:rPr>
               <a:t>data</a:t>
             </a:r>
@@ -5935,7 +6275,9 @@
                 <a:solidFill>
                   <a:srgbClr val="000000"/>
                 </a:solidFill>
-                <a:latin typeface="-webkit-standard"/>
+                <a:latin typeface="Libertinus Serif" panose="02000503000000000000" pitchFamily="2" charset="0"/>
+                <a:ea typeface="Libertinus Serif" panose="02000503000000000000" pitchFamily="2" charset="0"/>
+                <a:cs typeface="Libertinus Serif" panose="02000503000000000000" pitchFamily="2" charset="0"/>
               </a:rPr>
               <a:t> </a:t>
             </a:r>
@@ -5944,7 +6286,9 @@
                 <a:solidFill>
                   <a:srgbClr val="000000"/>
                 </a:solidFill>
-                <a:latin typeface="-webkit-standard"/>
+                <a:latin typeface="Libertinus Serif" panose="02000503000000000000" pitchFamily="2" charset="0"/>
+                <a:ea typeface="Libertinus Serif" panose="02000503000000000000" pitchFamily="2" charset="0"/>
+                <a:cs typeface="Libertinus Serif" panose="02000503000000000000" pitchFamily="2" charset="0"/>
               </a:rPr>
               <a:t>ambiguities</a:t>
             </a:r>
@@ -5953,7 +6297,9 @@
                 <a:solidFill>
                   <a:srgbClr val="000000"/>
                 </a:solidFill>
-                <a:latin typeface="-webkit-standard"/>
+                <a:latin typeface="Libertinus Serif" panose="02000503000000000000" pitchFamily="2" charset="0"/>
+                <a:ea typeface="Libertinus Serif" panose="02000503000000000000" pitchFamily="2" charset="0"/>
+                <a:cs typeface="Libertinus Serif" panose="02000503000000000000" pitchFamily="2" charset="0"/>
               </a:rPr>
               <a:t>.</a:t>
             </a:r>
@@ -5971,7 +6317,9 @@
                 <a:solidFill>
                   <a:srgbClr val="000000"/>
                 </a:solidFill>
-                <a:latin typeface="-webkit-standard"/>
+                <a:latin typeface="Libertinus Serif" panose="02000503000000000000" pitchFamily="2" charset="0"/>
+                <a:ea typeface="Libertinus Serif" panose="02000503000000000000" pitchFamily="2" charset="0"/>
+                <a:cs typeface="Libertinus Serif" panose="02000503000000000000" pitchFamily="2" charset="0"/>
               </a:rPr>
               <a:t>Enhances</a:t>
             </a:r>
@@ -5980,7 +6328,9 @@
                 <a:solidFill>
                   <a:srgbClr val="000000"/>
                 </a:solidFill>
-                <a:latin typeface="-webkit-standard"/>
+                <a:latin typeface="Libertinus Serif" panose="02000503000000000000" pitchFamily="2" charset="0"/>
+                <a:ea typeface="Libertinus Serif" panose="02000503000000000000" pitchFamily="2" charset="0"/>
+                <a:cs typeface="Libertinus Serif" panose="02000503000000000000" pitchFamily="2" charset="0"/>
               </a:rPr>
               <a:t> </a:t>
             </a:r>
@@ -5989,7 +6339,9 @@
                 <a:solidFill>
                   <a:srgbClr val="000000"/>
                 </a:solidFill>
-                <a:latin typeface="-webkit-standard"/>
+                <a:latin typeface="Libertinus Serif" panose="02000503000000000000" pitchFamily="2" charset="0"/>
+                <a:ea typeface="Libertinus Serif" panose="02000503000000000000" pitchFamily="2" charset="0"/>
+                <a:cs typeface="Libertinus Serif" panose="02000503000000000000" pitchFamily="2" charset="0"/>
               </a:rPr>
               <a:t>generalization</a:t>
             </a:r>
@@ -5998,7 +6350,9 @@
                 <a:solidFill>
                   <a:srgbClr val="000000"/>
                 </a:solidFill>
-                <a:latin typeface="-webkit-standard"/>
+                <a:latin typeface="Libertinus Serif" panose="02000503000000000000" pitchFamily="2" charset="0"/>
+                <a:ea typeface="Libertinus Serif" panose="02000503000000000000" pitchFamily="2" charset="0"/>
+                <a:cs typeface="Libertinus Serif" panose="02000503000000000000" pitchFamily="2" charset="0"/>
               </a:rPr>
               <a:t> &amp; </a:t>
             </a:r>
@@ -6007,7 +6361,9 @@
                 <a:solidFill>
                   <a:srgbClr val="000000"/>
                 </a:solidFill>
-                <a:latin typeface="-webkit-standard"/>
+                <a:latin typeface="Libertinus Serif" panose="02000503000000000000" pitchFamily="2" charset="0"/>
+                <a:ea typeface="Libertinus Serif" panose="02000503000000000000" pitchFamily="2" charset="0"/>
+                <a:cs typeface="Libertinus Serif" panose="02000503000000000000" pitchFamily="2" charset="0"/>
               </a:rPr>
               <a:t>robustness</a:t>
             </a:r>
@@ -6015,7 +6371,9 @@
               <a:solidFill>
                 <a:srgbClr val="000000"/>
               </a:solidFill>
-              <a:latin typeface="-webkit-standard"/>
+              <a:latin typeface="Libertinus Serif" panose="02000503000000000000" pitchFamily="2" charset="0"/>
+              <a:ea typeface="Libertinus Serif" panose="02000503000000000000" pitchFamily="2" charset="0"/>
+              <a:cs typeface="Libertinus Serif" panose="02000503000000000000" pitchFamily="2" charset="0"/>
             </a:endParaRPr>
           </a:p>
           <a:p>
@@ -6031,7 +6389,9 @@
                 <a:solidFill>
                   <a:srgbClr val="000000"/>
                 </a:solidFill>
-                <a:latin typeface="-webkit-standard"/>
+                <a:latin typeface="Libertinus Serif" panose="02000503000000000000" pitchFamily="2" charset="0"/>
+                <a:ea typeface="Libertinus Serif" panose="02000503000000000000" pitchFamily="2" charset="0"/>
+                <a:cs typeface="Libertinus Serif" panose="02000503000000000000" pitchFamily="2" charset="0"/>
               </a:rPr>
               <a:t>Stabilizes</a:t>
             </a:r>
@@ -6040,7 +6400,9 @@
                 <a:solidFill>
                   <a:srgbClr val="000000"/>
                 </a:solidFill>
-                <a:latin typeface="-webkit-standard"/>
+                <a:latin typeface="Libertinus Serif" panose="02000503000000000000" pitchFamily="2" charset="0"/>
+                <a:ea typeface="Libertinus Serif" panose="02000503000000000000" pitchFamily="2" charset="0"/>
+                <a:cs typeface="Libertinus Serif" panose="02000503000000000000" pitchFamily="2" charset="0"/>
               </a:rPr>
               <a:t> </a:t>
             </a:r>
@@ -6049,7 +6411,9 @@
                 <a:solidFill>
                   <a:srgbClr val="000000"/>
                 </a:solidFill>
-                <a:latin typeface="-webkit-standard"/>
+                <a:latin typeface="Libertinus Serif" panose="02000503000000000000" pitchFamily="2" charset="0"/>
+                <a:ea typeface="Libertinus Serif" panose="02000503000000000000" pitchFamily="2" charset="0"/>
+                <a:cs typeface="Libertinus Serif" panose="02000503000000000000" pitchFamily="2" charset="0"/>
               </a:rPr>
               <a:t>training</a:t>
             </a:r>
@@ -6058,7 +6422,9 @@
                 <a:solidFill>
                   <a:srgbClr val="000000"/>
                 </a:solidFill>
-                <a:latin typeface="-webkit-standard"/>
+                <a:latin typeface="Libertinus Serif" panose="02000503000000000000" pitchFamily="2" charset="0"/>
+                <a:ea typeface="Libertinus Serif" panose="02000503000000000000" pitchFamily="2" charset="0"/>
+                <a:cs typeface="Libertinus Serif" panose="02000503000000000000" pitchFamily="2" charset="0"/>
               </a:rPr>
               <a:t> &amp; </a:t>
             </a:r>
@@ -6067,7 +6433,9 @@
                 <a:solidFill>
                   <a:srgbClr val="000000"/>
                 </a:solidFill>
-                <a:latin typeface="-webkit-standard"/>
+                <a:latin typeface="Libertinus Serif" panose="02000503000000000000" pitchFamily="2" charset="0"/>
+                <a:ea typeface="Libertinus Serif" panose="02000503000000000000" pitchFamily="2" charset="0"/>
+                <a:cs typeface="Libertinus Serif" panose="02000503000000000000" pitchFamily="2" charset="0"/>
               </a:rPr>
               <a:t>prevents</a:t>
             </a:r>
@@ -6076,7 +6444,9 @@
                 <a:solidFill>
                   <a:srgbClr val="000000"/>
                 </a:solidFill>
-                <a:latin typeface="-webkit-standard"/>
+                <a:latin typeface="Libertinus Serif" panose="02000503000000000000" pitchFamily="2" charset="0"/>
+                <a:ea typeface="Libertinus Serif" panose="02000503000000000000" pitchFamily="2" charset="0"/>
+                <a:cs typeface="Libertinus Serif" panose="02000503000000000000" pitchFamily="2" charset="0"/>
               </a:rPr>
               <a:t> </a:t>
             </a:r>
@@ -6085,7 +6455,9 @@
                 <a:solidFill>
                   <a:srgbClr val="000000"/>
                 </a:solidFill>
-                <a:latin typeface="-webkit-standard"/>
+                <a:latin typeface="Libertinus Serif" panose="02000503000000000000" pitchFamily="2" charset="0"/>
+                <a:ea typeface="Libertinus Serif" panose="02000503000000000000" pitchFamily="2" charset="0"/>
+                <a:cs typeface="Libertinus Serif" panose="02000503000000000000" pitchFamily="2" charset="0"/>
               </a:rPr>
               <a:t>overfitting</a:t>
             </a:r>
@@ -6093,7 +6465,9 @@
               <a:solidFill>
                 <a:srgbClr val="000000"/>
               </a:solidFill>
-              <a:latin typeface="-webkit-standard"/>
+              <a:latin typeface="Libertinus Serif" panose="02000503000000000000" pitchFamily="2" charset="0"/>
+              <a:ea typeface="Libertinus Serif" panose="02000503000000000000" pitchFamily="2" charset="0"/>
+              <a:cs typeface="Libertinus Serif" panose="02000503000000000000" pitchFamily="2" charset="0"/>
             </a:endParaRPr>
           </a:p>
           <a:p>
@@ -6105,7 +6479,9 @@
               <a:solidFill>
                 <a:srgbClr val="000000"/>
               </a:solidFill>
-              <a:latin typeface="-webkit-standard"/>
+              <a:latin typeface="Libertinus Serif" panose="02000503000000000000" pitchFamily="2" charset="0"/>
+              <a:ea typeface="Libertinus Serif" panose="02000503000000000000" pitchFamily="2" charset="0"/>
+              <a:cs typeface="Libertinus Serif" panose="02000503000000000000" pitchFamily="2" charset="0"/>
             </a:endParaRPr>
           </a:p>
         </p:txBody>
@@ -6161,7 +6537,6 @@
           <a:bodyPr/>
           <a:lstStyle/>
           <a:p>
-            <a:pPr algn="ctr"/>
             <a:r>
               <a:rPr lang="en-US" dirty="0"/>
               <a:t>Prediction Fusion</a:t>
@@ -6659,7 +7034,11 @@
           <a:p>
             <a:pPr algn="ctr"/>
             <a:r>
-              <a:rPr lang="en-US" sz="1400" dirty="0"/>
+              <a:rPr lang="en-US" sz="1400" dirty="0">
+                <a:latin typeface="Libertinus Serif" panose="02000503000000000000" pitchFamily="2" charset="0"/>
+                <a:ea typeface="Libertinus Serif" panose="02000503000000000000" pitchFamily="2" charset="0"/>
+                <a:cs typeface="Libertinus Serif" panose="02000503000000000000" pitchFamily="2" charset="0"/>
+              </a:rPr>
               <a:t>CV Model1</a:t>
             </a:r>
           </a:p>
@@ -6711,7 +7090,11 @@
           <a:p>
             <a:pPr algn="ctr"/>
             <a:r>
-              <a:rPr lang="en-US" sz="1400" dirty="0"/>
+              <a:rPr lang="en-US" sz="1400" dirty="0">
+                <a:latin typeface="Libertinus Serif" panose="02000503000000000000" pitchFamily="2" charset="0"/>
+                <a:ea typeface="Libertinus Serif" panose="02000503000000000000" pitchFamily="2" charset="0"/>
+                <a:cs typeface="Libertinus Serif" panose="02000503000000000000" pitchFamily="2" charset="0"/>
+              </a:rPr>
               <a:t>CV Model2</a:t>
             </a:r>
           </a:p>
@@ -6763,7 +7146,11 @@
           <a:p>
             <a:pPr algn="ctr"/>
             <a:r>
-              <a:rPr lang="en-US" sz="1400" dirty="0"/>
+              <a:rPr lang="en-US" sz="1400" dirty="0">
+                <a:latin typeface="Libertinus Serif" panose="02000503000000000000" pitchFamily="2" charset="0"/>
+                <a:ea typeface="Libertinus Serif" panose="02000503000000000000" pitchFamily="2" charset="0"/>
+                <a:cs typeface="Libertinus Serif" panose="02000503000000000000" pitchFamily="2" charset="0"/>
+              </a:rPr>
               <a:t>…</a:t>
             </a:r>
           </a:p>
@@ -6815,7 +7202,11 @@
           <a:p>
             <a:pPr algn="ctr"/>
             <a:r>
-              <a:rPr lang="en-US" sz="1400" dirty="0"/>
+              <a:rPr lang="en-US" sz="1400" dirty="0">
+                <a:latin typeface="Libertinus Serif" panose="02000503000000000000" pitchFamily="2" charset="0"/>
+                <a:ea typeface="Libertinus Serif" panose="02000503000000000000" pitchFamily="2" charset="0"/>
+                <a:cs typeface="Libertinus Serif" panose="02000503000000000000" pitchFamily="2" charset="0"/>
+              </a:rPr>
               <a:t>CV Model10</a:t>
             </a:r>
           </a:p>
@@ -7076,7 +7467,11 @@
           <a:p>
             <a:pPr algn="ctr"/>
             <a:r>
-              <a:rPr lang="en-US" sz="1400" dirty="0"/>
+              <a:rPr lang="en-US" sz="1400" dirty="0">
+                <a:latin typeface="Libertinus Serif" panose="02000503000000000000" pitchFamily="2" charset="0"/>
+                <a:ea typeface="Libertinus Serif" panose="02000503000000000000" pitchFamily="2" charset="0"/>
+                <a:cs typeface="Libertinus Serif" panose="02000503000000000000" pitchFamily="2" charset="0"/>
+              </a:rPr>
               <a:t>Averaging</a:t>
             </a:r>
           </a:p>
@@ -7257,7 +7652,11 @@
           <a:p>
             <a:pPr algn="ctr"/>
             <a:r>
-              <a:rPr lang="en-US" sz="1400" dirty="0"/>
+              <a:rPr lang="en-US" sz="1400" dirty="0">
+                <a:latin typeface="Libertinus Serif" panose="02000503000000000000" pitchFamily="2" charset="0"/>
+                <a:ea typeface="Libertinus Serif" panose="02000503000000000000" pitchFamily="2" charset="0"/>
+                <a:cs typeface="Libertinus Serif" panose="02000503000000000000" pitchFamily="2" charset="0"/>
+              </a:rPr>
               <a:t>Final Prediction</a:t>
             </a:r>
           </a:p>
@@ -7335,10 +7734,18 @@
           <a:lstStyle/>
           <a:p>
             <a:r>
-              <a:rPr lang="en-US" sz="1600" dirty="0"/>
+              <a:rPr lang="en-US" sz="1600" dirty="0">
+                <a:latin typeface="Libertinus Serif" panose="02000503000000000000" pitchFamily="2" charset="0"/>
+                <a:ea typeface="Libertinus Serif" panose="02000503000000000000" pitchFamily="2" charset="0"/>
+                <a:cs typeface="Libertinus Serif" panose="02000503000000000000" pitchFamily="2" charset="0"/>
+              </a:rPr>
               <a:t>Predictions</a:t>
             </a:r>
-            <a:endParaRPr lang="en-US" sz="1200" dirty="0"/>
+            <a:endParaRPr lang="en-US" sz="1200" dirty="0">
+              <a:latin typeface="Libertinus Serif" panose="02000503000000000000" pitchFamily="2" charset="0"/>
+              <a:ea typeface="Libertinus Serif" panose="02000503000000000000" pitchFamily="2" charset="0"/>
+              <a:cs typeface="Libertinus Serif" panose="02000503000000000000" pitchFamily="2" charset="0"/>
+            </a:endParaRPr>
           </a:p>
         </p:txBody>
       </p:sp>
@@ -7354,13 +7761,14 @@
           <p:cNvCxnSpPr>
             <a:cxnSpLocks/>
             <a:stCxn id="9" idx="1"/>
+            <a:endCxn id="39" idx="3"/>
           </p:cNvCxnSpPr>
           <p:nvPr/>
         </p:nvCxnSpPr>
         <p:spPr>
-          <a:xfrm flipH="1" flipV="1">
-            <a:off x="3268487" y="1952225"/>
-            <a:ext cx="1188470" cy="1336942"/>
+          <a:xfrm flipH="1">
+            <a:off x="3892777" y="3289167"/>
+            <a:ext cx="564180" cy="5678"/>
           </a:xfrm>
           <a:prstGeom prst="straightConnector1">
             <a:avLst/>
@@ -7398,7 +7806,7 @@
         </p:nvSpPr>
         <p:spPr>
           <a:xfrm>
-            <a:off x="383294" y="1176968"/>
+            <a:off x="466839" y="2971679"/>
             <a:ext cx="3425938" cy="646331"/>
           </a:xfrm>
           <a:prstGeom prst="rect">
@@ -7414,14 +7822,22 @@
           <a:p>
             <a:pPr algn="ctr"/>
             <a:r>
-              <a:rPr lang="en-US" b="1" dirty="0"/>
+              <a:rPr lang="en-US" b="1" dirty="0">
+                <a:latin typeface="Libertinus Serif" panose="02000503000000000000" pitchFamily="2" charset="0"/>
+                <a:ea typeface="Libertinus Serif" panose="02000503000000000000" pitchFamily="2" charset="0"/>
+                <a:cs typeface="Libertinus Serif" panose="02000503000000000000" pitchFamily="2" charset="0"/>
+              </a:rPr>
               <a:t>EfficientNet-b2</a:t>
             </a:r>
           </a:p>
           <a:p>
             <a:pPr algn="ctr"/>
             <a:r>
-              <a:rPr lang="en-US" b="1" dirty="0"/>
+              <a:rPr lang="en-US" b="1" dirty="0">
+                <a:latin typeface="Libertinus Serif" panose="02000503000000000000" pitchFamily="2" charset="0"/>
+                <a:ea typeface="Libertinus Serif" panose="02000503000000000000" pitchFamily="2" charset="0"/>
+                <a:cs typeface="Libertinus Serif" panose="02000503000000000000" pitchFamily="2" charset="0"/>
+              </a:rPr>
               <a:t>(9.2 M parameters, CNN based)</a:t>
             </a:r>
           </a:p>
@@ -7439,13 +7855,14 @@
           <p:cNvCxnSpPr>
             <a:cxnSpLocks/>
             <a:stCxn id="12" idx="3"/>
+            <a:endCxn id="46" idx="1"/>
           </p:cNvCxnSpPr>
           <p:nvPr/>
         </p:nvCxnSpPr>
         <p:spPr>
-          <a:xfrm flipV="1">
-            <a:off x="7897078" y="1952225"/>
-            <a:ext cx="1128361" cy="1336942"/>
+          <a:xfrm>
+            <a:off x="7897078" y="3289167"/>
+            <a:ext cx="564180" cy="0"/>
           </a:xfrm>
           <a:prstGeom prst="straightConnector1">
             <a:avLst/>
@@ -7483,7 +7900,7 @@
         </p:nvSpPr>
         <p:spPr>
           <a:xfrm>
-            <a:off x="8486221" y="1178729"/>
+            <a:off x="8461258" y="2966001"/>
             <a:ext cx="3251211" cy="646331"/>
           </a:xfrm>
           <a:prstGeom prst="rect">
@@ -7499,26 +7916,46 @@
           <a:p>
             <a:pPr algn="ctr"/>
             <a:r>
-              <a:rPr lang="en-US" b="1" dirty="0" err="1"/>
+              <a:rPr lang="en-US" b="1" dirty="0" err="1">
+                <a:latin typeface="Libertinus Serif" panose="02000503000000000000" pitchFamily="2" charset="0"/>
+                <a:ea typeface="Libertinus Serif" panose="02000503000000000000" pitchFamily="2" charset="0"/>
+                <a:cs typeface="Libertinus Serif" panose="02000503000000000000" pitchFamily="2" charset="0"/>
+              </a:rPr>
               <a:t>MobileVit</a:t>
             </a:r>
             <a:r>
-              <a:rPr lang="en-US" b="1" dirty="0"/>
+              <a:rPr lang="en-US" b="1" dirty="0">
+                <a:latin typeface="Libertinus Serif" panose="02000503000000000000" pitchFamily="2" charset="0"/>
+                <a:ea typeface="Libertinus Serif" panose="02000503000000000000" pitchFamily="2" charset="0"/>
+                <a:cs typeface="Libertinus Serif" panose="02000503000000000000" pitchFamily="2" charset="0"/>
+              </a:rPr>
               <a:t>-s</a:t>
             </a:r>
           </a:p>
           <a:p>
             <a:pPr algn="ctr"/>
             <a:r>
-              <a:rPr lang="en-US" b="1" dirty="0"/>
+              <a:rPr lang="en-US" b="1" dirty="0">
+                <a:latin typeface="Libertinus Serif" panose="02000503000000000000" pitchFamily="2" charset="0"/>
+                <a:ea typeface="Libertinus Serif" panose="02000503000000000000" pitchFamily="2" charset="0"/>
+                <a:cs typeface="Libertinus Serif" panose="02000503000000000000" pitchFamily="2" charset="0"/>
+              </a:rPr>
               <a:t>(5.6 M parameters, </a:t>
             </a:r>
             <a:r>
-              <a:rPr lang="en-US" b="1" dirty="0" err="1"/>
+              <a:rPr lang="en-US" b="1" dirty="0" err="1">
+                <a:latin typeface="Libertinus Serif" panose="02000503000000000000" pitchFamily="2" charset="0"/>
+                <a:ea typeface="Libertinus Serif" panose="02000503000000000000" pitchFamily="2" charset="0"/>
+                <a:cs typeface="Libertinus Serif" panose="02000503000000000000" pitchFamily="2" charset="0"/>
+              </a:rPr>
               <a:t>ViT</a:t>
             </a:r>
             <a:r>
-              <a:rPr lang="en-US" b="1" dirty="0"/>
+              <a:rPr lang="en-US" b="1" dirty="0">
+                <a:latin typeface="Libertinus Serif" panose="02000503000000000000" pitchFamily="2" charset="0"/>
+                <a:ea typeface="Libertinus Serif" panose="02000503000000000000" pitchFamily="2" charset="0"/>
+                <a:cs typeface="Libertinus Serif" panose="02000503000000000000" pitchFamily="2" charset="0"/>
+              </a:rPr>
               <a:t> based)</a:t>
             </a:r>
           </a:p>
@@ -7546,10 +7983,18 @@
           <a:lstStyle/>
           <a:p>
             <a:fld id="{4BEC7EF7-4506-1E42-9433-EDC596BA2DDB}" type="slidenum">
-              <a:rPr lang="de-DE" smtClean="0"/>
+              <a:rPr lang="de-DE" smtClean="0">
+                <a:latin typeface="Libertinus Serif" panose="02000503000000000000" pitchFamily="2" charset="0"/>
+                <a:ea typeface="Libertinus Serif" panose="02000503000000000000" pitchFamily="2" charset="0"/>
+                <a:cs typeface="Libertinus Serif" panose="02000503000000000000" pitchFamily="2" charset="0"/>
+              </a:rPr>
               <a:t>11</a:t>
             </a:fld>
-            <a:endParaRPr lang="de-DE"/>
+            <a:endParaRPr lang="de-DE">
+              <a:latin typeface="Libertinus Serif" panose="02000503000000000000" pitchFamily="2" charset="0"/>
+              <a:ea typeface="Libertinus Serif" panose="02000503000000000000" pitchFamily="2" charset="0"/>
+              <a:cs typeface="Libertinus Serif" panose="02000503000000000000" pitchFamily="2" charset="0"/>
+            </a:endParaRPr>
           </a:p>
         </p:txBody>
       </p:sp>
@@ -7610,7 +8055,6 @@
           <a:bodyPr/>
           <a:lstStyle/>
           <a:p>
-            <a:pPr algn="ctr"/>
             <a:r>
               <a:rPr lang="en-US" dirty="0"/>
               <a:t>Features Fusion</a:t>
@@ -8105,7 +8549,11 @@
           <a:p>
             <a:pPr algn="ctr"/>
             <a:r>
-              <a:rPr lang="en-US" sz="1400" dirty="0"/>
+              <a:rPr lang="en-US" sz="1400" dirty="0">
+                <a:latin typeface="Libertinus Serif" panose="02000503000000000000" pitchFamily="2" charset="0"/>
+                <a:ea typeface="Libertinus Serif" panose="02000503000000000000" pitchFamily="2" charset="0"/>
+                <a:cs typeface="Libertinus Serif" panose="02000503000000000000" pitchFamily="2" charset="0"/>
+              </a:rPr>
               <a:t>CV Model1</a:t>
             </a:r>
           </a:p>
@@ -8154,7 +8602,11 @@
           <a:p>
             <a:pPr algn="ctr"/>
             <a:r>
-              <a:rPr lang="en-US" sz="1400" dirty="0"/>
+              <a:rPr lang="en-US" sz="1400" dirty="0">
+                <a:latin typeface="Libertinus Serif" panose="02000503000000000000" pitchFamily="2" charset="0"/>
+                <a:ea typeface="Libertinus Serif" panose="02000503000000000000" pitchFamily="2" charset="0"/>
+                <a:cs typeface="Libertinus Serif" panose="02000503000000000000" pitchFamily="2" charset="0"/>
+              </a:rPr>
               <a:t>CV Model2</a:t>
             </a:r>
           </a:p>
@@ -8203,7 +8655,11 @@
           <a:p>
             <a:pPr algn="ctr"/>
             <a:r>
-              <a:rPr lang="en-US" sz="1400" dirty="0"/>
+              <a:rPr lang="en-US" sz="1400" dirty="0">
+                <a:latin typeface="Libertinus Serif" panose="02000503000000000000" pitchFamily="2" charset="0"/>
+                <a:ea typeface="Libertinus Serif" panose="02000503000000000000" pitchFamily="2" charset="0"/>
+                <a:cs typeface="Libertinus Serif" panose="02000503000000000000" pitchFamily="2" charset="0"/>
+              </a:rPr>
               <a:t>…</a:t>
             </a:r>
           </a:p>
@@ -8252,7 +8708,11 @@
           <a:p>
             <a:pPr algn="ctr"/>
             <a:r>
-              <a:rPr lang="en-US" sz="1400" dirty="0"/>
+              <a:rPr lang="en-US" sz="1400" dirty="0">
+                <a:latin typeface="Libertinus Serif" panose="02000503000000000000" pitchFamily="2" charset="0"/>
+                <a:ea typeface="Libertinus Serif" panose="02000503000000000000" pitchFamily="2" charset="0"/>
+                <a:cs typeface="Libertinus Serif" panose="02000503000000000000" pitchFamily="2" charset="0"/>
+              </a:rPr>
               <a:t>CV Model10</a:t>
             </a:r>
           </a:p>
@@ -8510,7 +8970,11 @@
           <a:p>
             <a:pPr algn="ctr"/>
             <a:r>
-              <a:rPr lang="en-US" sz="1400" dirty="0"/>
+              <a:rPr lang="en-US" sz="1400" dirty="0">
+                <a:latin typeface="Libertinus Serif" panose="02000503000000000000" pitchFamily="2" charset="0"/>
+                <a:ea typeface="Libertinus Serif" panose="02000503000000000000" pitchFamily="2" charset="0"/>
+                <a:cs typeface="Libertinus Serif" panose="02000503000000000000" pitchFamily="2" charset="0"/>
+              </a:rPr>
               <a:t>Classification Head</a:t>
             </a:r>
           </a:p>
@@ -8688,7 +9152,11 @@
           <a:p>
             <a:pPr algn="ctr"/>
             <a:r>
-              <a:rPr lang="en-US" sz="1400" dirty="0"/>
+              <a:rPr lang="en-US" sz="1400" dirty="0">
+                <a:latin typeface="Libertinus Serif" panose="02000503000000000000" pitchFamily="2" charset="0"/>
+                <a:ea typeface="Libertinus Serif" panose="02000503000000000000" pitchFamily="2" charset="0"/>
+                <a:cs typeface="Libertinus Serif" panose="02000503000000000000" pitchFamily="2" charset="0"/>
+              </a:rPr>
               <a:t>Final Prediction</a:t>
             </a:r>
           </a:p>
@@ -8766,10 +9234,18 @@
           <a:lstStyle/>
           <a:p>
             <a:r>
-              <a:rPr lang="en-US" sz="1600" dirty="0"/>
+              <a:rPr lang="en-US" sz="1600" dirty="0">
+                <a:latin typeface="Libertinus Serif" panose="02000503000000000000" pitchFamily="2" charset="0"/>
+                <a:ea typeface="Libertinus Serif" panose="02000503000000000000" pitchFamily="2" charset="0"/>
+                <a:cs typeface="Libertinus Serif" panose="02000503000000000000" pitchFamily="2" charset="0"/>
+              </a:rPr>
               <a:t>Features</a:t>
             </a:r>
-            <a:endParaRPr lang="en-US" sz="1200" dirty="0"/>
+            <a:endParaRPr lang="en-US" sz="1200" dirty="0">
+              <a:latin typeface="Libertinus Serif" panose="02000503000000000000" pitchFamily="2" charset="0"/>
+              <a:ea typeface="Libertinus Serif" panose="02000503000000000000" pitchFamily="2" charset="0"/>
+              <a:cs typeface="Libertinus Serif" panose="02000503000000000000" pitchFamily="2" charset="0"/>
+            </a:endParaRPr>
           </a:p>
         </p:txBody>
       </p:sp>
@@ -8785,13 +9261,14 @@
           <p:cNvCxnSpPr>
             <a:cxnSpLocks/>
             <a:stCxn id="9" idx="1"/>
+            <a:endCxn id="39" idx="3"/>
           </p:cNvCxnSpPr>
           <p:nvPr/>
         </p:nvCxnSpPr>
         <p:spPr>
           <a:xfrm flipH="1" flipV="1">
-            <a:off x="3268487" y="1952225"/>
-            <a:ext cx="1188470" cy="1336942"/>
+            <a:off x="3744419" y="2599048"/>
+            <a:ext cx="712538" cy="690119"/>
           </a:xfrm>
           <a:prstGeom prst="straightConnector1">
             <a:avLst/>
@@ -8829,7 +9306,7 @@
         </p:nvSpPr>
         <p:spPr>
           <a:xfrm>
-            <a:off x="383294" y="1176968"/>
+            <a:off x="318481" y="1860384"/>
             <a:ext cx="3425938" cy="1477328"/>
           </a:xfrm>
           <a:prstGeom prst="rect">
@@ -8845,29 +9322,49 @@
           <a:p>
             <a:pPr algn="ctr"/>
             <a:r>
-              <a:rPr lang="en-US" b="1" dirty="0"/>
+              <a:rPr lang="en-US" b="1" dirty="0">
+                <a:latin typeface="Libertinus Serif" panose="02000503000000000000" pitchFamily="2" charset="0"/>
+                <a:ea typeface="Libertinus Serif" panose="02000503000000000000" pitchFamily="2" charset="0"/>
+                <a:cs typeface="Libertinus Serif" panose="02000503000000000000" pitchFamily="2" charset="0"/>
+              </a:rPr>
               <a:t>EfficientNet-b2</a:t>
             </a:r>
           </a:p>
           <a:p>
             <a:pPr algn="ctr"/>
             <a:r>
-              <a:rPr lang="en-US" b="1" dirty="0"/>
+              <a:rPr lang="en-US" b="1" dirty="0">
+                <a:latin typeface="Libertinus Serif" panose="02000503000000000000" pitchFamily="2" charset="0"/>
+                <a:ea typeface="Libertinus Serif" panose="02000503000000000000" pitchFamily="2" charset="0"/>
+                <a:cs typeface="Libertinus Serif" panose="02000503000000000000" pitchFamily="2" charset="0"/>
+              </a:rPr>
               <a:t>(9.2 M parameters, CNN based)</a:t>
             </a:r>
           </a:p>
           <a:p>
             <a:pPr algn="ctr"/>
-            <a:endParaRPr lang="en-US" b="1" dirty="0"/>
+            <a:endParaRPr lang="en-US" b="1" dirty="0">
+              <a:latin typeface="Libertinus Serif" panose="02000503000000000000" pitchFamily="2" charset="0"/>
+              <a:ea typeface="Libertinus Serif" panose="02000503000000000000" pitchFamily="2" charset="0"/>
+              <a:cs typeface="Libertinus Serif" panose="02000503000000000000" pitchFamily="2" charset="0"/>
+            </a:endParaRPr>
           </a:p>
           <a:p>
             <a:pPr algn="ctr"/>
-            <a:endParaRPr lang="en-US" b="1" dirty="0"/>
+            <a:endParaRPr lang="en-US" b="1" dirty="0">
+              <a:latin typeface="Libertinus Serif" panose="02000503000000000000" pitchFamily="2" charset="0"/>
+              <a:ea typeface="Libertinus Serif" panose="02000503000000000000" pitchFamily="2" charset="0"/>
+              <a:cs typeface="Libertinus Serif" panose="02000503000000000000" pitchFamily="2" charset="0"/>
+            </a:endParaRPr>
           </a:p>
           <a:p>
             <a:pPr algn="ctr"/>
             <a:r>
-              <a:rPr lang="en-US" dirty="0"/>
+              <a:rPr lang="en-US" dirty="0">
+                <a:latin typeface="Libertinus Serif" panose="02000503000000000000" pitchFamily="2" charset="0"/>
+                <a:ea typeface="Libertinus Serif" panose="02000503000000000000" pitchFamily="2" charset="0"/>
+                <a:cs typeface="Libertinus Serif" panose="02000503000000000000" pitchFamily="2" charset="0"/>
+              </a:rPr>
               <a:t>Feature size: 1408</a:t>
             </a:r>
           </a:p>
@@ -8885,13 +9382,14 @@
           <p:cNvCxnSpPr>
             <a:cxnSpLocks/>
             <a:stCxn id="12" idx="3"/>
+            <a:endCxn id="46" idx="1"/>
           </p:cNvCxnSpPr>
           <p:nvPr/>
         </p:nvCxnSpPr>
         <p:spPr>
           <a:xfrm flipV="1">
-            <a:off x="7897078" y="1952225"/>
-            <a:ext cx="1128361" cy="1336942"/>
+            <a:off x="7897078" y="2599048"/>
+            <a:ext cx="781528" cy="690119"/>
           </a:xfrm>
           <a:prstGeom prst="straightConnector1">
             <a:avLst/>
@@ -8929,7 +9427,7 @@
         </p:nvSpPr>
         <p:spPr>
           <a:xfrm>
-            <a:off x="8486221" y="1178729"/>
+            <a:off x="8678606" y="1860384"/>
             <a:ext cx="3251210" cy="1477328"/>
           </a:xfrm>
           <a:prstGeom prst="rect">
@@ -8945,41 +9443,73 @@
           <a:p>
             <a:pPr algn="ctr"/>
             <a:r>
-              <a:rPr lang="en-US" b="1" dirty="0" err="1"/>
+              <a:rPr lang="en-US" b="1" dirty="0" err="1">
+                <a:latin typeface="Libertinus Serif" panose="02000503000000000000" pitchFamily="2" charset="0"/>
+                <a:ea typeface="Libertinus Serif" panose="02000503000000000000" pitchFamily="2" charset="0"/>
+                <a:cs typeface="Libertinus Serif" panose="02000503000000000000" pitchFamily="2" charset="0"/>
+              </a:rPr>
               <a:t>MobileVit</a:t>
             </a:r>
             <a:r>
-              <a:rPr lang="en-US" b="1" dirty="0"/>
+              <a:rPr lang="en-US" b="1" dirty="0">
+                <a:latin typeface="Libertinus Serif" panose="02000503000000000000" pitchFamily="2" charset="0"/>
+                <a:ea typeface="Libertinus Serif" panose="02000503000000000000" pitchFamily="2" charset="0"/>
+                <a:cs typeface="Libertinus Serif" panose="02000503000000000000" pitchFamily="2" charset="0"/>
+              </a:rPr>
               <a:t>-s</a:t>
             </a:r>
           </a:p>
           <a:p>
             <a:pPr algn="ctr"/>
             <a:r>
-              <a:rPr lang="en-US" b="1" dirty="0"/>
+              <a:rPr lang="en-US" b="1" dirty="0">
+                <a:latin typeface="Libertinus Serif" panose="02000503000000000000" pitchFamily="2" charset="0"/>
+                <a:ea typeface="Libertinus Serif" panose="02000503000000000000" pitchFamily="2" charset="0"/>
+                <a:cs typeface="Libertinus Serif" panose="02000503000000000000" pitchFamily="2" charset="0"/>
+              </a:rPr>
               <a:t>(5.6 M parameters, </a:t>
             </a:r>
             <a:r>
-              <a:rPr lang="en-US" b="1" dirty="0" err="1"/>
+              <a:rPr lang="en-US" b="1" dirty="0" err="1">
+                <a:latin typeface="Libertinus Serif" panose="02000503000000000000" pitchFamily="2" charset="0"/>
+                <a:ea typeface="Libertinus Serif" panose="02000503000000000000" pitchFamily="2" charset="0"/>
+                <a:cs typeface="Libertinus Serif" panose="02000503000000000000" pitchFamily="2" charset="0"/>
+              </a:rPr>
               <a:t>ViT</a:t>
             </a:r>
             <a:r>
-              <a:rPr lang="en-US" b="1" dirty="0"/>
+              <a:rPr lang="en-US" b="1" dirty="0">
+                <a:latin typeface="Libertinus Serif" panose="02000503000000000000" pitchFamily="2" charset="0"/>
+                <a:ea typeface="Libertinus Serif" panose="02000503000000000000" pitchFamily="2" charset="0"/>
+                <a:cs typeface="Libertinus Serif" panose="02000503000000000000" pitchFamily="2" charset="0"/>
+              </a:rPr>
               <a:t> based)</a:t>
             </a:r>
           </a:p>
           <a:p>
             <a:pPr algn="ctr"/>
-            <a:endParaRPr lang="en-US" b="1" dirty="0"/>
+            <a:endParaRPr lang="en-US" b="1" dirty="0">
+              <a:latin typeface="Libertinus Serif" panose="02000503000000000000" pitchFamily="2" charset="0"/>
+              <a:ea typeface="Libertinus Serif" panose="02000503000000000000" pitchFamily="2" charset="0"/>
+              <a:cs typeface="Libertinus Serif" panose="02000503000000000000" pitchFamily="2" charset="0"/>
+            </a:endParaRPr>
           </a:p>
           <a:p>
             <a:pPr algn="ctr"/>
-            <a:endParaRPr lang="en-US" dirty="0"/>
+            <a:endParaRPr lang="en-US" dirty="0">
+              <a:latin typeface="Libertinus Serif" panose="02000503000000000000" pitchFamily="2" charset="0"/>
+              <a:ea typeface="Libertinus Serif" panose="02000503000000000000" pitchFamily="2" charset="0"/>
+              <a:cs typeface="Libertinus Serif" panose="02000503000000000000" pitchFamily="2" charset="0"/>
+            </a:endParaRPr>
           </a:p>
           <a:p>
             <a:pPr algn="ctr"/>
             <a:r>
-              <a:rPr lang="en-US" dirty="0"/>
+              <a:rPr lang="en-US" dirty="0">
+                <a:latin typeface="Libertinus Serif" panose="02000503000000000000" pitchFamily="2" charset="0"/>
+                <a:ea typeface="Libertinus Serif" panose="02000503000000000000" pitchFamily="2" charset="0"/>
+                <a:cs typeface="Libertinus Serif" panose="02000503000000000000" pitchFamily="2" charset="0"/>
+              </a:rPr>
               <a:t>Feature size: 160</a:t>
             </a:r>
           </a:p>
@@ -9057,7 +9587,11 @@
           <a:lstStyle/>
           <a:p>
             <a:pPr algn="ctr"/>
-            <a:endParaRPr lang="en-US" sz="1100"/>
+            <a:endParaRPr lang="en-US" sz="1100">
+              <a:latin typeface="Libertinus Serif" panose="02000503000000000000" pitchFamily="2" charset="0"/>
+              <a:ea typeface="Libertinus Serif" panose="02000503000000000000" pitchFamily="2" charset="0"/>
+              <a:cs typeface="Libertinus Serif" panose="02000503000000000000" pitchFamily="2" charset="0"/>
+            </a:endParaRPr>
           </a:p>
         </p:txBody>
       </p:sp>
@@ -9104,7 +9638,11 @@
           <a:lstStyle/>
           <a:p>
             <a:pPr algn="ctr"/>
-            <a:endParaRPr lang="en-US" sz="1100"/>
+            <a:endParaRPr lang="en-US" sz="1100">
+              <a:latin typeface="Libertinus Serif" panose="02000503000000000000" pitchFamily="2" charset="0"/>
+              <a:ea typeface="Libertinus Serif" panose="02000503000000000000" pitchFamily="2" charset="0"/>
+              <a:cs typeface="Libertinus Serif" panose="02000503000000000000" pitchFamily="2" charset="0"/>
+            </a:endParaRPr>
           </a:p>
         </p:txBody>
       </p:sp>
@@ -9151,7 +9689,11 @@
           <a:lstStyle/>
           <a:p>
             <a:pPr algn="ctr"/>
-            <a:endParaRPr lang="en-US" sz="1100"/>
+            <a:endParaRPr lang="en-US" sz="1100">
+              <a:latin typeface="Libertinus Serif" panose="02000503000000000000" pitchFamily="2" charset="0"/>
+              <a:ea typeface="Libertinus Serif" panose="02000503000000000000" pitchFamily="2" charset="0"/>
+              <a:cs typeface="Libertinus Serif" panose="02000503000000000000" pitchFamily="2" charset="0"/>
+            </a:endParaRPr>
           </a:p>
         </p:txBody>
       </p:sp>
@@ -9198,7 +9740,11 @@
           <a:lstStyle/>
           <a:p>
             <a:pPr algn="ctr"/>
-            <a:endParaRPr lang="en-US" sz="1100"/>
+            <a:endParaRPr lang="en-US" sz="1100">
+              <a:latin typeface="Libertinus Serif" panose="02000503000000000000" pitchFamily="2" charset="0"/>
+              <a:ea typeface="Libertinus Serif" panose="02000503000000000000" pitchFamily="2" charset="0"/>
+              <a:cs typeface="Libertinus Serif" panose="02000503000000000000" pitchFamily="2" charset="0"/>
+            </a:endParaRPr>
           </a:p>
         </p:txBody>
       </p:sp>
@@ -9245,7 +9791,11 @@
           <a:lstStyle/>
           <a:p>
             <a:pPr algn="ctr"/>
-            <a:endParaRPr lang="en-US" sz="1100"/>
+            <a:endParaRPr lang="en-US" sz="1100">
+              <a:latin typeface="Libertinus Serif" panose="02000503000000000000" pitchFamily="2" charset="0"/>
+              <a:ea typeface="Libertinus Serif" panose="02000503000000000000" pitchFamily="2" charset="0"/>
+              <a:cs typeface="Libertinus Serif" panose="02000503000000000000" pitchFamily="2" charset="0"/>
+            </a:endParaRPr>
           </a:p>
         </p:txBody>
       </p:sp>
@@ -9292,7 +9842,11 @@
           <a:lstStyle/>
           <a:p>
             <a:pPr algn="ctr"/>
-            <a:endParaRPr lang="en-US" sz="1100"/>
+            <a:endParaRPr lang="en-US" sz="1100">
+              <a:latin typeface="Libertinus Serif" panose="02000503000000000000" pitchFamily="2" charset="0"/>
+              <a:ea typeface="Libertinus Serif" panose="02000503000000000000" pitchFamily="2" charset="0"/>
+              <a:cs typeface="Libertinus Serif" panose="02000503000000000000" pitchFamily="2" charset="0"/>
+            </a:endParaRPr>
           </a:p>
         </p:txBody>
       </p:sp>
@@ -9339,7 +9893,11 @@
           <a:lstStyle/>
           <a:p>
             <a:pPr algn="ctr"/>
-            <a:endParaRPr lang="en-US" sz="1100"/>
+            <a:endParaRPr lang="en-US" sz="1100">
+              <a:latin typeface="Libertinus Serif" panose="02000503000000000000" pitchFamily="2" charset="0"/>
+              <a:ea typeface="Libertinus Serif" panose="02000503000000000000" pitchFamily="2" charset="0"/>
+              <a:cs typeface="Libertinus Serif" panose="02000503000000000000" pitchFamily="2" charset="0"/>
+            </a:endParaRPr>
           </a:p>
         </p:txBody>
       </p:sp>
@@ -9386,7 +9944,11 @@
           <a:lstStyle/>
           <a:p>
             <a:pPr algn="ctr"/>
-            <a:endParaRPr lang="en-US" sz="1100"/>
+            <a:endParaRPr lang="en-US" sz="1100">
+              <a:latin typeface="Libertinus Serif" panose="02000503000000000000" pitchFamily="2" charset="0"/>
+              <a:ea typeface="Libertinus Serif" panose="02000503000000000000" pitchFamily="2" charset="0"/>
+              <a:cs typeface="Libertinus Serif" panose="02000503000000000000" pitchFamily="2" charset="0"/>
+            </a:endParaRPr>
           </a:p>
         </p:txBody>
       </p:sp>
@@ -9433,7 +9995,11 @@
           <a:lstStyle/>
           <a:p>
             <a:pPr algn="ctr"/>
-            <a:endParaRPr lang="en-US" sz="1100"/>
+            <a:endParaRPr lang="en-US" sz="1100">
+              <a:latin typeface="Libertinus Serif" panose="02000503000000000000" pitchFamily="2" charset="0"/>
+              <a:ea typeface="Libertinus Serif" panose="02000503000000000000" pitchFamily="2" charset="0"/>
+              <a:cs typeface="Libertinus Serif" panose="02000503000000000000" pitchFamily="2" charset="0"/>
+            </a:endParaRPr>
           </a:p>
         </p:txBody>
       </p:sp>
@@ -9480,7 +10046,11 @@
           <a:lstStyle/>
           <a:p>
             <a:pPr algn="ctr"/>
-            <a:endParaRPr lang="en-US" sz="1100"/>
+            <a:endParaRPr lang="en-US" sz="1100">
+              <a:latin typeface="Libertinus Serif" panose="02000503000000000000" pitchFamily="2" charset="0"/>
+              <a:ea typeface="Libertinus Serif" panose="02000503000000000000" pitchFamily="2" charset="0"/>
+              <a:cs typeface="Libertinus Serif" panose="02000503000000000000" pitchFamily="2" charset="0"/>
+            </a:endParaRPr>
           </a:p>
         </p:txBody>
       </p:sp>
@@ -9527,7 +10097,11 @@
           <a:lstStyle/>
           <a:p>
             <a:pPr algn="ctr"/>
-            <a:endParaRPr lang="en-US" sz="1100"/>
+            <a:endParaRPr lang="en-US" sz="1100">
+              <a:latin typeface="Libertinus Serif" panose="02000503000000000000" pitchFamily="2" charset="0"/>
+              <a:ea typeface="Libertinus Serif" panose="02000503000000000000" pitchFamily="2" charset="0"/>
+              <a:cs typeface="Libertinus Serif" panose="02000503000000000000" pitchFamily="2" charset="0"/>
+            </a:endParaRPr>
           </a:p>
         </p:txBody>
       </p:sp>
@@ -9574,7 +10148,11 @@
           <a:lstStyle/>
           <a:p>
             <a:pPr algn="ctr"/>
-            <a:endParaRPr lang="en-US" sz="1100"/>
+            <a:endParaRPr lang="en-US" sz="1100">
+              <a:latin typeface="Libertinus Serif" panose="02000503000000000000" pitchFamily="2" charset="0"/>
+              <a:ea typeface="Libertinus Serif" panose="02000503000000000000" pitchFamily="2" charset="0"/>
+              <a:cs typeface="Libertinus Serif" panose="02000503000000000000" pitchFamily="2" charset="0"/>
+            </a:endParaRPr>
           </a:p>
         </p:txBody>
       </p:sp>
@@ -9621,7 +10199,11 @@
           <a:lstStyle/>
           <a:p>
             <a:pPr algn="ctr"/>
-            <a:endParaRPr lang="en-US" sz="1100"/>
+            <a:endParaRPr lang="en-US" sz="1100">
+              <a:latin typeface="Libertinus Serif" panose="02000503000000000000" pitchFamily="2" charset="0"/>
+              <a:ea typeface="Libertinus Serif" panose="02000503000000000000" pitchFamily="2" charset="0"/>
+              <a:cs typeface="Libertinus Serif" panose="02000503000000000000" pitchFamily="2" charset="0"/>
+            </a:endParaRPr>
           </a:p>
         </p:txBody>
       </p:sp>
@@ -9668,7 +10250,11 @@
           <a:lstStyle/>
           <a:p>
             <a:pPr algn="ctr"/>
-            <a:endParaRPr lang="en-US" sz="1100"/>
+            <a:endParaRPr lang="en-US" sz="1100">
+              <a:latin typeface="Libertinus Serif" panose="02000503000000000000" pitchFamily="2" charset="0"/>
+              <a:ea typeface="Libertinus Serif" panose="02000503000000000000" pitchFamily="2" charset="0"/>
+              <a:cs typeface="Libertinus Serif" panose="02000503000000000000" pitchFamily="2" charset="0"/>
+            </a:endParaRPr>
           </a:p>
         </p:txBody>
       </p:sp>
@@ -9715,7 +10301,11 @@
           <a:lstStyle/>
           <a:p>
             <a:pPr algn="ctr"/>
-            <a:endParaRPr lang="en-US" sz="1100"/>
+            <a:endParaRPr lang="en-US" sz="1100">
+              <a:latin typeface="Libertinus Serif" panose="02000503000000000000" pitchFamily="2" charset="0"/>
+              <a:ea typeface="Libertinus Serif" panose="02000503000000000000" pitchFamily="2" charset="0"/>
+              <a:cs typeface="Libertinus Serif" panose="02000503000000000000" pitchFamily="2" charset="0"/>
+            </a:endParaRPr>
           </a:p>
         </p:txBody>
       </p:sp>
@@ -9762,7 +10352,11 @@
           <a:lstStyle/>
           <a:p>
             <a:pPr algn="ctr"/>
-            <a:endParaRPr lang="en-US" sz="1100"/>
+            <a:endParaRPr lang="en-US" sz="1100">
+              <a:latin typeface="Libertinus Serif" panose="02000503000000000000" pitchFamily="2" charset="0"/>
+              <a:ea typeface="Libertinus Serif" panose="02000503000000000000" pitchFamily="2" charset="0"/>
+              <a:cs typeface="Libertinus Serif" panose="02000503000000000000" pitchFamily="2" charset="0"/>
+            </a:endParaRPr>
           </a:p>
         </p:txBody>
       </p:sp>
@@ -12241,7 +12835,11 @@
             <a:lstStyle/>
             <a:p>
               <a:pPr algn="ctr"/>
-              <a:endParaRPr lang="en-US" sz="1100"/>
+              <a:endParaRPr lang="en-US" sz="1100">
+                <a:latin typeface="Libertinus Serif" panose="02000503000000000000" pitchFamily="2" charset="0"/>
+                <a:ea typeface="Libertinus Serif" panose="02000503000000000000" pitchFamily="2" charset="0"/>
+                <a:cs typeface="Libertinus Serif" panose="02000503000000000000" pitchFamily="2" charset="0"/>
+              </a:endParaRPr>
             </a:p>
           </p:txBody>
         </p:sp>
@@ -12288,7 +12886,11 @@
             <a:lstStyle/>
             <a:p>
               <a:pPr algn="ctr"/>
-              <a:endParaRPr lang="en-US" sz="1100"/>
+              <a:endParaRPr lang="en-US" sz="1100">
+                <a:latin typeface="Libertinus Serif" panose="02000503000000000000" pitchFamily="2" charset="0"/>
+                <a:ea typeface="Libertinus Serif" panose="02000503000000000000" pitchFamily="2" charset="0"/>
+                <a:cs typeface="Libertinus Serif" panose="02000503000000000000" pitchFamily="2" charset="0"/>
+              </a:endParaRPr>
             </a:p>
           </p:txBody>
         </p:sp>
@@ -12335,7 +12937,11 @@
             <a:lstStyle/>
             <a:p>
               <a:pPr algn="ctr"/>
-              <a:endParaRPr lang="en-US" sz="1100"/>
+              <a:endParaRPr lang="en-US" sz="1100">
+                <a:latin typeface="Libertinus Serif" panose="02000503000000000000" pitchFamily="2" charset="0"/>
+                <a:ea typeface="Libertinus Serif" panose="02000503000000000000" pitchFamily="2" charset="0"/>
+                <a:cs typeface="Libertinus Serif" panose="02000503000000000000" pitchFamily="2" charset="0"/>
+              </a:endParaRPr>
             </a:p>
           </p:txBody>
         </p:sp>
@@ -12382,7 +12988,11 @@
             <a:lstStyle/>
             <a:p>
               <a:pPr algn="ctr"/>
-              <a:endParaRPr lang="en-US" sz="1100"/>
+              <a:endParaRPr lang="en-US" sz="1100">
+                <a:latin typeface="Libertinus Serif" panose="02000503000000000000" pitchFamily="2" charset="0"/>
+                <a:ea typeface="Libertinus Serif" panose="02000503000000000000" pitchFamily="2" charset="0"/>
+                <a:cs typeface="Libertinus Serif" panose="02000503000000000000" pitchFamily="2" charset="0"/>
+              </a:endParaRPr>
             </a:p>
           </p:txBody>
         </p:sp>
@@ -13362,7 +13972,7 @@
         <p:spPr>
           <a:xfrm>
             <a:off x="571455" y="4525471"/>
-            <a:ext cx="575568" cy="248368"/>
+            <a:ext cx="598241" cy="261610"/>
           </a:xfrm>
           <a:prstGeom prst="rect">
             <a:avLst/>
@@ -13376,7 +13986,11 @@
           <a:lstStyle/>
           <a:p>
             <a:r>
-              <a:rPr lang="en-US" sz="1100" dirty="0"/>
+              <a:rPr lang="en-US" sz="1100" dirty="0">
+                <a:latin typeface="Libertinus Serif" panose="02000503000000000000" pitchFamily="2" charset="0"/>
+                <a:ea typeface="Libertinus Serif" panose="02000503000000000000" pitchFamily="2" charset="0"/>
+                <a:cs typeface="Libertinus Serif" panose="02000503000000000000" pitchFamily="2" charset="0"/>
+              </a:rPr>
               <a:t>Input 1</a:t>
             </a:r>
           </a:p>
@@ -13397,7 +14011,7 @@
         <p:spPr>
           <a:xfrm>
             <a:off x="573314" y="4762825"/>
-            <a:ext cx="575568" cy="248368"/>
+            <a:ext cx="598241" cy="261610"/>
           </a:xfrm>
           <a:prstGeom prst="rect">
             <a:avLst/>
@@ -13411,7 +14025,11 @@
           <a:lstStyle/>
           <a:p>
             <a:r>
-              <a:rPr lang="en-US" sz="1100" dirty="0"/>
+              <a:rPr lang="en-US" sz="1100" dirty="0">
+                <a:latin typeface="Libertinus Serif" panose="02000503000000000000" pitchFamily="2" charset="0"/>
+                <a:ea typeface="Libertinus Serif" panose="02000503000000000000" pitchFamily="2" charset="0"/>
+                <a:cs typeface="Libertinus Serif" panose="02000503000000000000" pitchFamily="2" charset="0"/>
+              </a:rPr>
               <a:t>Input 2</a:t>
             </a:r>
           </a:p>
@@ -13432,7 +14050,7 @@
         <p:spPr>
           <a:xfrm>
             <a:off x="569596" y="5009211"/>
-            <a:ext cx="575568" cy="248368"/>
+            <a:ext cx="598241" cy="261610"/>
           </a:xfrm>
           <a:prstGeom prst="rect">
             <a:avLst/>
@@ -13446,7 +14064,11 @@
           <a:lstStyle/>
           <a:p>
             <a:r>
-              <a:rPr lang="en-US" sz="1100" dirty="0"/>
+              <a:rPr lang="en-US" sz="1100" dirty="0">
+                <a:latin typeface="Libertinus Serif" panose="02000503000000000000" pitchFamily="2" charset="0"/>
+                <a:ea typeface="Libertinus Serif" panose="02000503000000000000" pitchFamily="2" charset="0"/>
+                <a:cs typeface="Libertinus Serif" panose="02000503000000000000" pitchFamily="2" charset="0"/>
+              </a:rPr>
               <a:t>Input 3</a:t>
             </a:r>
           </a:p>
@@ -13467,7 +14089,7 @@
         <p:spPr>
           <a:xfrm>
             <a:off x="571455" y="5246565"/>
-            <a:ext cx="575568" cy="248368"/>
+            <a:ext cx="598241" cy="261610"/>
           </a:xfrm>
           <a:prstGeom prst="rect">
             <a:avLst/>
@@ -13481,7 +14103,11 @@
           <a:lstStyle/>
           <a:p>
             <a:r>
-              <a:rPr lang="en-US" sz="1100" dirty="0"/>
+              <a:rPr lang="en-US" sz="1100" dirty="0">
+                <a:latin typeface="Libertinus Serif" panose="02000503000000000000" pitchFamily="2" charset="0"/>
+                <a:ea typeface="Libertinus Serif" panose="02000503000000000000" pitchFamily="2" charset="0"/>
+                <a:cs typeface="Libertinus Serif" panose="02000503000000000000" pitchFamily="2" charset="0"/>
+              </a:rPr>
               <a:t>Input 4</a:t>
             </a:r>
           </a:p>
@@ -13502,7 +14128,7 @@
         <p:spPr>
           <a:xfrm>
             <a:off x="2690414" y="4523587"/>
-            <a:ext cx="1371501" cy="248368"/>
+            <a:ext cx="1374094" cy="261610"/>
           </a:xfrm>
           <a:prstGeom prst="rect">
             <a:avLst/>
@@ -13516,7 +14142,11 @@
           <a:lstStyle/>
           <a:p>
             <a:r>
-              <a:rPr lang="en-US" sz="1100" dirty="0"/>
+              <a:rPr lang="en-US" sz="1100" dirty="0">
+                <a:latin typeface="Libertinus Serif" panose="02000503000000000000" pitchFamily="2" charset="0"/>
+                <a:ea typeface="Libertinus Serif" panose="02000503000000000000" pitchFamily="2" charset="0"/>
+                <a:cs typeface="Libertinus Serif" panose="02000503000000000000" pitchFamily="2" charset="0"/>
+              </a:rPr>
               <a:t>Probability of class 1</a:t>
             </a:r>
           </a:p>
@@ -13537,7 +14167,7 @@
         <p:spPr>
           <a:xfrm>
             <a:off x="2692272" y="4760942"/>
-            <a:ext cx="1371501" cy="248368"/>
+            <a:ext cx="1374094" cy="261610"/>
           </a:xfrm>
           <a:prstGeom prst="rect">
             <a:avLst/>
@@ -13551,7 +14181,11 @@
           <a:lstStyle/>
           <a:p>
             <a:r>
-              <a:rPr lang="en-US" sz="1100" dirty="0"/>
+              <a:rPr lang="en-US" sz="1100" dirty="0">
+                <a:latin typeface="Libertinus Serif" panose="02000503000000000000" pitchFamily="2" charset="0"/>
+                <a:ea typeface="Libertinus Serif" panose="02000503000000000000" pitchFamily="2" charset="0"/>
+                <a:cs typeface="Libertinus Serif" panose="02000503000000000000" pitchFamily="2" charset="0"/>
+              </a:rPr>
               <a:t>Probability of class 2</a:t>
             </a:r>
           </a:p>
@@ -13572,7 +14206,7 @@
         <p:spPr>
           <a:xfrm>
             <a:off x="2688556" y="5007327"/>
-            <a:ext cx="1371501" cy="248368"/>
+            <a:ext cx="1374094" cy="261610"/>
           </a:xfrm>
           <a:prstGeom prst="rect">
             <a:avLst/>
@@ -13586,7 +14220,11 @@
           <a:lstStyle/>
           <a:p>
             <a:r>
-              <a:rPr lang="en-US" sz="1100" dirty="0"/>
+              <a:rPr lang="en-US" sz="1100" dirty="0">
+                <a:latin typeface="Libertinus Serif" panose="02000503000000000000" pitchFamily="2" charset="0"/>
+                <a:ea typeface="Libertinus Serif" panose="02000503000000000000" pitchFamily="2" charset="0"/>
+                <a:cs typeface="Libertinus Serif" panose="02000503000000000000" pitchFamily="2" charset="0"/>
+              </a:rPr>
               <a:t>Probability of class 3</a:t>
             </a:r>
           </a:p>
@@ -13607,7 +14245,7 @@
         <p:spPr>
           <a:xfrm>
             <a:off x="2690414" y="5244682"/>
-            <a:ext cx="1371501" cy="248368"/>
+            <a:ext cx="1374094" cy="261610"/>
           </a:xfrm>
           <a:prstGeom prst="rect">
             <a:avLst/>
@@ -13621,7 +14259,11 @@
           <a:lstStyle/>
           <a:p>
             <a:r>
-              <a:rPr lang="en-US" sz="1100" dirty="0"/>
+              <a:rPr lang="en-US" sz="1100" dirty="0">
+                <a:latin typeface="Libertinus Serif" panose="02000503000000000000" pitchFamily="2" charset="0"/>
+                <a:ea typeface="Libertinus Serif" panose="02000503000000000000" pitchFamily="2" charset="0"/>
+                <a:cs typeface="Libertinus Serif" panose="02000503000000000000" pitchFamily="2" charset="0"/>
+              </a:rPr>
               <a:t>Probability of class 4</a:t>
             </a:r>
           </a:p>
@@ -13676,7 +14318,11 @@
           <a:lstStyle/>
           <a:p>
             <a:pPr algn="ctr"/>
-            <a:endParaRPr lang="en-US" sz="1100"/>
+            <a:endParaRPr lang="en-US" sz="1100">
+              <a:latin typeface="Libertinus Serif" panose="02000503000000000000" pitchFamily="2" charset="0"/>
+              <a:ea typeface="Libertinus Serif" panose="02000503000000000000" pitchFamily="2" charset="0"/>
+              <a:cs typeface="Libertinus Serif" panose="02000503000000000000" pitchFamily="2" charset="0"/>
+            </a:endParaRPr>
           </a:p>
         </p:txBody>
       </p:sp>
@@ -13729,7 +14375,11 @@
           <a:lstStyle/>
           <a:p>
             <a:pPr algn="ctr"/>
-            <a:endParaRPr lang="en-US" sz="1100"/>
+            <a:endParaRPr lang="en-US" sz="1100">
+              <a:latin typeface="Libertinus Serif" panose="02000503000000000000" pitchFamily="2" charset="0"/>
+              <a:ea typeface="Libertinus Serif" panose="02000503000000000000" pitchFamily="2" charset="0"/>
+              <a:cs typeface="Libertinus Serif" panose="02000503000000000000" pitchFamily="2" charset="0"/>
+            </a:endParaRPr>
           </a:p>
         </p:txBody>
       </p:sp>
@@ -13748,7 +14398,7 @@
         <p:spPr>
           <a:xfrm>
             <a:off x="1236115" y="6084378"/>
-            <a:ext cx="978860" cy="409076"/>
+            <a:ext cx="987771" cy="430887"/>
           </a:xfrm>
           <a:prstGeom prst="rect">
             <a:avLst/>
@@ -13762,13 +14412,21 @@
           <a:lstStyle/>
           <a:p>
             <a:r>
-              <a:rPr lang="en-US" sz="1100" dirty="0"/>
+              <a:rPr lang="en-US" sz="1100" dirty="0">
+                <a:latin typeface="Libertinus Serif" panose="02000503000000000000" pitchFamily="2" charset="0"/>
+                <a:ea typeface="Libertinus Serif" panose="02000503000000000000" pitchFamily="2" charset="0"/>
+                <a:cs typeface="Libertinus Serif" panose="02000503000000000000" pitchFamily="2" charset="0"/>
+              </a:rPr>
               <a:t>feature map/</a:t>
             </a:r>
           </a:p>
           <a:p>
             <a:r>
-              <a:rPr lang="en-US" sz="1100" dirty="0"/>
+              <a:rPr lang="en-US" sz="1100" dirty="0">
+                <a:latin typeface="Libertinus Serif" panose="02000503000000000000" pitchFamily="2" charset="0"/>
+                <a:ea typeface="Libertinus Serif" panose="02000503000000000000" pitchFamily="2" charset="0"/>
+                <a:cs typeface="Libertinus Serif" panose="02000503000000000000" pitchFamily="2" charset="0"/>
+              </a:rPr>
               <a:t>feature vector</a:t>
             </a:r>
           </a:p>
@@ -13789,7 +14447,7 @@
         <p:spPr>
           <a:xfrm>
             <a:off x="2688556" y="5842486"/>
-            <a:ext cx="829718" cy="248368"/>
+            <a:ext cx="830677" cy="261610"/>
           </a:xfrm>
           <a:prstGeom prst="rect">
             <a:avLst/>
@@ -13803,7 +14461,11 @@
           <a:lstStyle/>
           <a:p>
             <a:r>
-              <a:rPr lang="en-US" sz="1100" dirty="0"/>
+              <a:rPr lang="en-US" sz="1100" dirty="0">
+                <a:latin typeface="Libertinus Serif" panose="02000503000000000000" pitchFamily="2" charset="0"/>
+                <a:ea typeface="Libertinus Serif" panose="02000503000000000000" pitchFamily="2" charset="0"/>
+                <a:cs typeface="Libertinus Serif" panose="02000503000000000000" pitchFamily="2" charset="0"/>
+              </a:rPr>
               <a:t>predictions</a:t>
             </a:r>
           </a:p>
@@ -13826,8 +14488,8 @@
         </p:nvCxnSpPr>
         <p:spPr>
           <a:xfrm flipV="1">
-            <a:off x="1725546" y="5868731"/>
-            <a:ext cx="401845" cy="215647"/>
+            <a:off x="1730001" y="5868731"/>
+            <a:ext cx="397390" cy="215647"/>
           </a:xfrm>
           <a:prstGeom prst="line">
             <a:avLst/>
@@ -13867,7 +14529,7 @@
         <p:spPr>
           <a:xfrm>
             <a:off x="2598227" y="5655328"/>
-            <a:ext cx="505189" cy="187157"/>
+            <a:ext cx="505668" cy="187158"/>
           </a:xfrm>
           <a:prstGeom prst="line">
             <a:avLst/>
@@ -14067,439 +14729,451 @@
           </a:p>
         </p:txBody>
       </p:sp>
-      <p:grpSp>
-        <p:nvGrpSpPr>
-          <p:cNvPr id="22" name="Gruppieren 21">
-            <a:extLst>
-              <a:ext uri="{FF2B5EF4-FFF2-40B4-BE49-F238E27FC236}">
-                <a16:creationId xmlns:a16="http://schemas.microsoft.com/office/drawing/2014/main" id="{8852F52B-DB3E-5EEF-851B-9768C7B17461}"/>
-              </a:ext>
-            </a:extLst>
-          </p:cNvPr>
-          <p:cNvGrpSpPr/>
-          <p:nvPr/>
-        </p:nvGrpSpPr>
-        <p:grpSpPr>
+      <p:sp>
+        <p:nvSpPr>
+          <p:cNvPr id="5" name="Titel 1">
+            <a:extLst>
+              <a:ext uri="{FF2B5EF4-FFF2-40B4-BE49-F238E27FC236}">
+                <a16:creationId xmlns:a16="http://schemas.microsoft.com/office/drawing/2014/main" id="{EC41795B-93E7-300C-7CE3-6D630C6907D0}"/>
+              </a:ext>
+            </a:extLst>
+          </p:cNvPr>
+          <p:cNvSpPr txBox="1">
+            <a:spLocks/>
+          </p:cNvSpPr>
+          <p:nvPr/>
+        </p:nvSpPr>
+        <p:spPr>
           <a:xfrm>
             <a:off x="4283677" y="422913"/>
-            <a:ext cx="3624648" cy="5832823"/>
-            <a:chOff x="4283677" y="509412"/>
-            <a:chExt cx="3624648" cy="5832823"/>
-          </a:xfrm>
-        </p:grpSpPr>
-        <p:sp>
-          <p:nvSpPr>
-            <p:cNvPr id="5" name="Titel 1">
-              <a:extLst>
-                <a:ext uri="{FF2B5EF4-FFF2-40B4-BE49-F238E27FC236}">
-                  <a16:creationId xmlns:a16="http://schemas.microsoft.com/office/drawing/2014/main" id="{EC41795B-93E7-300C-7CE3-6D630C6907D0}"/>
-                </a:ext>
-              </a:extLst>
-            </p:cNvPr>
-            <p:cNvSpPr txBox="1">
-              <a:spLocks/>
-            </p:cNvSpPr>
-            <p:nvPr/>
-          </p:nvSpPr>
-          <p:spPr>
-            <a:xfrm>
-              <a:off x="4283677" y="509412"/>
-              <a:ext cx="3624648" cy="1325563"/>
-            </a:xfrm>
-            <a:prstGeom prst="rect">
-              <a:avLst/>
-            </a:prstGeom>
-          </p:spPr>
-          <p:txBody>
-            <a:bodyPr vert="horz" lIns="91440" tIns="45720" rIns="91440" bIns="45720" rtlCol="0" anchor="ctr">
-              <a:noAutofit/>
-            </a:bodyPr>
-            <a:lstStyle>
-              <a:lvl1pPr algn="l" defTabSz="914400" rtl="0" eaLnBrk="1" latinLnBrk="0" hangingPunct="1">
-                <a:lnSpc>
-                  <a:spcPct val="90000"/>
-                </a:lnSpc>
-                <a:spcBef>
-                  <a:spcPct val="0"/>
-                </a:spcBef>
-                <a:buNone/>
-                <a:defRPr sz="4400" kern="1200">
-                  <a:solidFill>
-                    <a:schemeClr val="tx1"/>
-                  </a:solidFill>
-                  <a:latin typeface="+mj-lt"/>
-                  <a:ea typeface="+mj-ea"/>
-                  <a:cs typeface="+mj-cs"/>
-                </a:defRPr>
-              </a:lvl1pPr>
-            </a:lstStyle>
-            <a:p>
-              <a:pPr algn="ctr"/>
-              <a:r>
-                <a:rPr lang="en-US" sz="3200" dirty="0"/>
-                <a:t>Advanced Feature Fusion Head</a:t>
-              </a:r>
-            </a:p>
-          </p:txBody>
-        </p:sp>
-        <p:sp>
-          <p:nvSpPr>
-            <p:cNvPr id="6" name="Inhaltsplatzhalter 2">
-              <a:extLst>
-                <a:ext uri="{FF2B5EF4-FFF2-40B4-BE49-F238E27FC236}">
-                  <a16:creationId xmlns:a16="http://schemas.microsoft.com/office/drawing/2014/main" id="{D0D579DC-BD2F-53E3-DBCB-0161F7E7A88D}"/>
-                </a:ext>
-              </a:extLst>
-            </p:cNvPr>
-            <p:cNvSpPr txBox="1">
-              <a:spLocks/>
-            </p:cNvSpPr>
-            <p:nvPr/>
-          </p:nvSpPr>
-          <p:spPr>
-            <a:xfrm>
-              <a:off x="4517199" y="1834974"/>
-              <a:ext cx="3157603" cy="4507261"/>
-            </a:xfrm>
-            <a:prstGeom prst="rect">
-              <a:avLst/>
-            </a:prstGeom>
-          </p:spPr>
-          <p:txBody>
-            <a:bodyPr vert="horz" lIns="91440" tIns="45720" rIns="91440" bIns="45720" rtlCol="0" anchor="ctr">
-              <a:normAutofit fontScale="92500" lnSpcReduction="10000"/>
-            </a:bodyPr>
-            <a:lstStyle>
-              <a:lvl1pPr marL="228600" indent="-228600" algn="l" defTabSz="914400" rtl="0" eaLnBrk="1" latinLnBrk="0" hangingPunct="1">
-                <a:lnSpc>
-                  <a:spcPct val="90000"/>
-                </a:lnSpc>
-                <a:spcBef>
-                  <a:spcPts val="1000"/>
-                </a:spcBef>
-                <a:buFont typeface="Arial" panose="020B0604020202020204" pitchFamily="34" charset="0"/>
-                <a:buChar char="•"/>
-                <a:defRPr sz="2800" kern="1200">
-                  <a:solidFill>
-                    <a:schemeClr val="tx1"/>
-                  </a:solidFill>
-                  <a:latin typeface="+mn-lt"/>
-                  <a:ea typeface="+mn-ea"/>
-                  <a:cs typeface="+mn-cs"/>
-                </a:defRPr>
-              </a:lvl1pPr>
-              <a:lvl2pPr marL="685800" indent="-228600" algn="l" defTabSz="914400" rtl="0" eaLnBrk="1" latinLnBrk="0" hangingPunct="1">
-                <a:lnSpc>
-                  <a:spcPct val="90000"/>
-                </a:lnSpc>
-                <a:spcBef>
-                  <a:spcPts val="500"/>
-                </a:spcBef>
-                <a:buFont typeface="Arial" panose="020B0604020202020204" pitchFamily="34" charset="0"/>
-                <a:buChar char="•"/>
-                <a:defRPr sz="2400" kern="1200">
-                  <a:solidFill>
-                    <a:schemeClr val="tx1"/>
-                  </a:solidFill>
-                  <a:latin typeface="+mn-lt"/>
-                  <a:ea typeface="+mn-ea"/>
-                  <a:cs typeface="+mn-cs"/>
-                </a:defRPr>
-              </a:lvl2pPr>
-              <a:lvl3pPr marL="1143000" indent="-228600" algn="l" defTabSz="914400" rtl="0" eaLnBrk="1" latinLnBrk="0" hangingPunct="1">
-                <a:lnSpc>
-                  <a:spcPct val="90000"/>
-                </a:lnSpc>
-                <a:spcBef>
-                  <a:spcPts val="500"/>
-                </a:spcBef>
-                <a:buFont typeface="Arial" panose="020B0604020202020204" pitchFamily="34" charset="0"/>
-                <a:buChar char="•"/>
-                <a:defRPr sz="2000" kern="1200">
-                  <a:solidFill>
-                    <a:schemeClr val="tx1"/>
-                  </a:solidFill>
-                  <a:latin typeface="+mn-lt"/>
-                  <a:ea typeface="+mn-ea"/>
-                  <a:cs typeface="+mn-cs"/>
-                </a:defRPr>
-              </a:lvl3pPr>
-              <a:lvl4pPr marL="1600200" indent="-228600" algn="l" defTabSz="914400" rtl="0" eaLnBrk="1" latinLnBrk="0" hangingPunct="1">
-                <a:lnSpc>
-                  <a:spcPct val="90000"/>
-                </a:lnSpc>
-                <a:spcBef>
-                  <a:spcPts val="500"/>
-                </a:spcBef>
-                <a:buFont typeface="Arial" panose="020B0604020202020204" pitchFamily="34" charset="0"/>
-                <a:buChar char="•"/>
-                <a:defRPr sz="1800" kern="1200">
-                  <a:solidFill>
-                    <a:schemeClr val="tx1"/>
-                  </a:solidFill>
-                  <a:latin typeface="+mn-lt"/>
-                  <a:ea typeface="+mn-ea"/>
-                  <a:cs typeface="+mn-cs"/>
-                </a:defRPr>
-              </a:lvl4pPr>
-              <a:lvl5pPr marL="2057400" indent="-228600" algn="l" defTabSz="914400" rtl="0" eaLnBrk="1" latinLnBrk="0" hangingPunct="1">
-                <a:lnSpc>
-                  <a:spcPct val="90000"/>
-                </a:lnSpc>
-                <a:spcBef>
-                  <a:spcPts val="500"/>
-                </a:spcBef>
-                <a:buFont typeface="Arial" panose="020B0604020202020204" pitchFamily="34" charset="0"/>
-                <a:buChar char="•"/>
-                <a:defRPr sz="1800" kern="1200">
-                  <a:solidFill>
-                    <a:schemeClr val="tx1"/>
-                  </a:solidFill>
-                  <a:latin typeface="+mn-lt"/>
-                  <a:ea typeface="+mn-ea"/>
-                  <a:cs typeface="+mn-cs"/>
-                </a:defRPr>
-              </a:lvl5pPr>
-              <a:lvl6pPr marL="2514600" indent="-228600" algn="l" defTabSz="914400" rtl="0" eaLnBrk="1" latinLnBrk="0" hangingPunct="1">
-                <a:lnSpc>
-                  <a:spcPct val="90000"/>
-                </a:lnSpc>
-                <a:spcBef>
-                  <a:spcPts val="500"/>
-                </a:spcBef>
-                <a:buFont typeface="Arial" panose="020B0604020202020204" pitchFamily="34" charset="0"/>
-                <a:buChar char="•"/>
-                <a:defRPr sz="1800" kern="1200">
-                  <a:solidFill>
-                    <a:schemeClr val="tx1"/>
-                  </a:solidFill>
-                  <a:latin typeface="+mn-lt"/>
-                  <a:ea typeface="+mn-ea"/>
-                  <a:cs typeface="+mn-cs"/>
-                </a:defRPr>
-              </a:lvl6pPr>
-              <a:lvl7pPr marL="2971800" indent="-228600" algn="l" defTabSz="914400" rtl="0" eaLnBrk="1" latinLnBrk="0" hangingPunct="1">
-                <a:lnSpc>
-                  <a:spcPct val="90000"/>
-                </a:lnSpc>
-                <a:spcBef>
-                  <a:spcPts val="500"/>
-                </a:spcBef>
-                <a:buFont typeface="Arial" panose="020B0604020202020204" pitchFamily="34" charset="0"/>
-                <a:buChar char="•"/>
-                <a:defRPr sz="1800" kern="1200">
-                  <a:solidFill>
-                    <a:schemeClr val="tx1"/>
-                  </a:solidFill>
-                  <a:latin typeface="+mn-lt"/>
-                  <a:ea typeface="+mn-ea"/>
-                  <a:cs typeface="+mn-cs"/>
-                </a:defRPr>
-              </a:lvl7pPr>
-              <a:lvl8pPr marL="3429000" indent="-228600" algn="l" defTabSz="914400" rtl="0" eaLnBrk="1" latinLnBrk="0" hangingPunct="1">
-                <a:lnSpc>
-                  <a:spcPct val="90000"/>
-                </a:lnSpc>
-                <a:spcBef>
-                  <a:spcPts val="500"/>
-                </a:spcBef>
-                <a:buFont typeface="Arial" panose="020B0604020202020204" pitchFamily="34" charset="0"/>
-                <a:buChar char="•"/>
-                <a:defRPr sz="1800" kern="1200">
-                  <a:solidFill>
-                    <a:schemeClr val="tx1"/>
-                  </a:solidFill>
-                  <a:latin typeface="+mn-lt"/>
-                  <a:ea typeface="+mn-ea"/>
-                  <a:cs typeface="+mn-cs"/>
-                </a:defRPr>
-              </a:lvl8pPr>
-              <a:lvl9pPr marL="3886200" indent="-228600" algn="l" defTabSz="914400" rtl="0" eaLnBrk="1" latinLnBrk="0" hangingPunct="1">
-                <a:lnSpc>
-                  <a:spcPct val="90000"/>
-                </a:lnSpc>
-                <a:spcBef>
-                  <a:spcPts val="500"/>
-                </a:spcBef>
-                <a:buFont typeface="Arial" panose="020B0604020202020204" pitchFamily="34" charset="0"/>
-                <a:buChar char="•"/>
-                <a:defRPr sz="1800" kern="1200">
-                  <a:solidFill>
-                    <a:schemeClr val="tx1"/>
-                  </a:solidFill>
-                  <a:latin typeface="+mn-lt"/>
-                  <a:ea typeface="+mn-ea"/>
-                  <a:cs typeface="+mn-cs"/>
-                </a:defRPr>
-              </a:lvl9pPr>
-            </a:lstStyle>
-            <a:p>
-              <a:pPr marL="0" indent="0" algn="ctr">
-                <a:buFont typeface="Arial" panose="020B0604020202020204" pitchFamily="34" charset="0"/>
-                <a:buNone/>
-              </a:pPr>
-              <a:r>
-                <a:rPr lang="en-US" sz="2400" dirty="0">
-                  <a:solidFill>
-                    <a:schemeClr val="accent1">
-                      <a:lumMod val="75000"/>
-                    </a:schemeClr>
-                  </a:solidFill>
-                </a:rPr>
-                <a:t>Fully Connected Layer (Feature Size x 256)</a:t>
-              </a:r>
-            </a:p>
-            <a:p>
-              <a:pPr marL="0" indent="0" algn="ctr">
-                <a:buFont typeface="Arial" panose="020B0604020202020204" pitchFamily="34" charset="0"/>
-                <a:buNone/>
-              </a:pPr>
-              <a:r>
-                <a:rPr lang="en-US" sz="2400" dirty="0">
-                  <a:solidFill>
-                    <a:schemeClr val="accent2">
-                      <a:lumMod val="75000"/>
-                    </a:schemeClr>
-                  </a:solidFill>
-                </a:rPr>
-                <a:t>Batch Normalization</a:t>
-              </a:r>
-            </a:p>
-            <a:p>
-              <a:pPr marL="0" indent="0" algn="ctr">
-                <a:buFont typeface="Arial" panose="020B0604020202020204" pitchFamily="34" charset="0"/>
-                <a:buNone/>
-              </a:pPr>
-              <a:r>
-                <a:rPr lang="en-US" sz="2400" dirty="0" err="1">
-                  <a:solidFill>
-                    <a:schemeClr val="accent5">
-                      <a:lumMod val="75000"/>
-                    </a:schemeClr>
-                  </a:solidFill>
-                </a:rPr>
-                <a:t>ReLU</a:t>
-              </a:r>
-              <a:r>
-                <a:rPr lang="en-US" sz="2400" dirty="0">
-                  <a:solidFill>
-                    <a:schemeClr val="accent5">
-                      <a:lumMod val="75000"/>
-                    </a:schemeClr>
-                  </a:solidFill>
-                </a:rPr>
-                <a:t> Activation</a:t>
-              </a:r>
-            </a:p>
-            <a:p>
-              <a:pPr marL="0" indent="0" algn="ctr">
-                <a:buFont typeface="Arial" panose="020B0604020202020204" pitchFamily="34" charset="0"/>
-                <a:buNone/>
-              </a:pPr>
-              <a:r>
-                <a:rPr lang="en-US" sz="2400" dirty="0">
-                  <a:solidFill>
-                    <a:schemeClr val="accent6">
-                      <a:lumMod val="75000"/>
-                    </a:schemeClr>
-                  </a:solidFill>
-                </a:rPr>
-                <a:t>Dropout (0.5)</a:t>
-              </a:r>
-            </a:p>
-            <a:p>
-              <a:pPr marL="0" indent="0" algn="ctr">
-                <a:buFont typeface="Arial" panose="020B0604020202020204" pitchFamily="34" charset="0"/>
-                <a:buNone/>
-              </a:pPr>
-              <a:r>
-                <a:rPr lang="en-US" sz="2400" dirty="0">
-                  <a:solidFill>
-                    <a:schemeClr val="accent1">
-                      <a:lumMod val="75000"/>
-                    </a:schemeClr>
-                  </a:solidFill>
-                </a:rPr>
-                <a:t>Fully Connected Layer (256 x 128)</a:t>
-              </a:r>
-            </a:p>
-            <a:p>
-              <a:pPr marL="0" indent="0" algn="ctr">
-                <a:buFont typeface="Arial" panose="020B0604020202020204" pitchFamily="34" charset="0"/>
-                <a:buNone/>
-              </a:pPr>
-              <a:r>
-                <a:rPr lang="en-US" sz="2400" dirty="0">
-                  <a:solidFill>
-                    <a:schemeClr val="accent2">
-                      <a:lumMod val="75000"/>
-                    </a:schemeClr>
-                  </a:solidFill>
-                </a:rPr>
-                <a:t>Batch Normalization</a:t>
-              </a:r>
-            </a:p>
-            <a:p>
-              <a:pPr marL="0" indent="0" algn="ctr">
-                <a:buFont typeface="Arial" panose="020B0604020202020204" pitchFamily="34" charset="0"/>
-                <a:buNone/>
-              </a:pPr>
-              <a:r>
-                <a:rPr lang="en-US" sz="2400" dirty="0" err="1">
-                  <a:solidFill>
-                    <a:schemeClr val="accent5">
-                      <a:lumMod val="75000"/>
-                    </a:schemeClr>
-                  </a:solidFill>
-                </a:rPr>
-                <a:t>ReLU</a:t>
-              </a:r>
-              <a:r>
-                <a:rPr lang="en-US" sz="2400" dirty="0">
-                  <a:solidFill>
-                    <a:schemeClr val="accent5">
-                      <a:lumMod val="75000"/>
-                    </a:schemeClr>
-                  </a:solidFill>
-                </a:rPr>
-                <a:t> Activation</a:t>
-              </a:r>
-            </a:p>
-            <a:p>
-              <a:pPr marL="0" indent="0" algn="ctr">
-                <a:buFont typeface="Arial" panose="020B0604020202020204" pitchFamily="34" charset="0"/>
-                <a:buNone/>
-              </a:pPr>
-              <a:r>
-                <a:rPr lang="en-US" sz="2400" dirty="0">
-                  <a:solidFill>
-                    <a:schemeClr val="accent6">
-                      <a:lumMod val="75000"/>
-                    </a:schemeClr>
-                  </a:solidFill>
-                </a:rPr>
-                <a:t>Dropout (0.5)</a:t>
-              </a:r>
-            </a:p>
-            <a:p>
-              <a:pPr marL="0" indent="0" algn="ctr">
-                <a:buFont typeface="Arial" panose="020B0604020202020204" pitchFamily="34" charset="0"/>
-                <a:buNone/>
-              </a:pPr>
-              <a:r>
-                <a:rPr lang="en-US" sz="2400" dirty="0">
-                  <a:solidFill>
-                    <a:schemeClr val="accent1">
-                      <a:lumMod val="75000"/>
-                    </a:schemeClr>
-                  </a:solidFill>
-                </a:rPr>
-                <a:t>Fully Connected Layer (128 x Num Classes)</a:t>
-              </a:r>
-            </a:p>
-          </p:txBody>
-        </p:sp>
-      </p:grpSp>
+            <a:ext cx="3624648" cy="1325563"/>
+          </a:xfrm>
+          <a:prstGeom prst="rect">
+            <a:avLst/>
+          </a:prstGeom>
+        </p:spPr>
+        <p:txBody>
+          <a:bodyPr vert="horz" lIns="91440" tIns="45720" rIns="91440" bIns="45720" rtlCol="0" anchor="ctr">
+            <a:noAutofit/>
+          </a:bodyPr>
+          <a:lstStyle>
+            <a:lvl1pPr algn="l" defTabSz="914400" rtl="0" eaLnBrk="1" latinLnBrk="0" hangingPunct="1">
+              <a:lnSpc>
+                <a:spcPct val="90000"/>
+              </a:lnSpc>
+              <a:spcBef>
+                <a:spcPct val="0"/>
+              </a:spcBef>
+              <a:buNone/>
+              <a:defRPr sz="4400" kern="1200">
+                <a:solidFill>
+                  <a:schemeClr val="tx1"/>
+                </a:solidFill>
+                <a:latin typeface="+mj-lt"/>
+                <a:ea typeface="+mj-ea"/>
+                <a:cs typeface="+mj-cs"/>
+              </a:defRPr>
+            </a:lvl1pPr>
+          </a:lstStyle>
+          <a:p>
+            <a:pPr algn="ctr"/>
+            <a:r>
+              <a:rPr lang="en-US" sz="3200" dirty="0"/>
+              <a:t>Advanced Feature Fusion Head</a:t>
+            </a:r>
+          </a:p>
+        </p:txBody>
+      </p:sp>
+      <p:sp>
+        <p:nvSpPr>
+          <p:cNvPr id="6" name="Inhaltsplatzhalter 2">
+            <a:extLst>
+              <a:ext uri="{FF2B5EF4-FFF2-40B4-BE49-F238E27FC236}">
+                <a16:creationId xmlns:a16="http://schemas.microsoft.com/office/drawing/2014/main" id="{D0D579DC-BD2F-53E3-DBCB-0161F7E7A88D}"/>
+              </a:ext>
+            </a:extLst>
+          </p:cNvPr>
+          <p:cNvSpPr txBox="1">
+            <a:spLocks/>
+          </p:cNvSpPr>
+          <p:nvPr/>
+        </p:nvSpPr>
+        <p:spPr>
+          <a:xfrm>
+            <a:off x="4517199" y="1748475"/>
+            <a:ext cx="3157603" cy="4507261"/>
+          </a:xfrm>
+          <a:prstGeom prst="rect">
+            <a:avLst/>
+          </a:prstGeom>
+        </p:spPr>
+        <p:txBody>
+          <a:bodyPr vert="horz" lIns="91440" tIns="45720" rIns="91440" bIns="45720" rtlCol="0" anchor="ctr">
+            <a:normAutofit fontScale="92500" lnSpcReduction="10000"/>
+          </a:bodyPr>
+          <a:lstStyle>
+            <a:lvl1pPr marL="228600" indent="-228600" algn="l" defTabSz="914400" rtl="0" eaLnBrk="1" latinLnBrk="0" hangingPunct="1">
+              <a:lnSpc>
+                <a:spcPct val="90000"/>
+              </a:lnSpc>
+              <a:spcBef>
+                <a:spcPts val="1000"/>
+              </a:spcBef>
+              <a:buFont typeface="Arial" panose="020B0604020202020204" pitchFamily="34" charset="0"/>
+              <a:buChar char="•"/>
+              <a:defRPr sz="2800" kern="1200">
+                <a:solidFill>
+                  <a:schemeClr val="tx1"/>
+                </a:solidFill>
+                <a:latin typeface="+mn-lt"/>
+                <a:ea typeface="+mn-ea"/>
+                <a:cs typeface="+mn-cs"/>
+              </a:defRPr>
+            </a:lvl1pPr>
+            <a:lvl2pPr marL="685800" indent="-228600" algn="l" defTabSz="914400" rtl="0" eaLnBrk="1" latinLnBrk="0" hangingPunct="1">
+              <a:lnSpc>
+                <a:spcPct val="90000"/>
+              </a:lnSpc>
+              <a:spcBef>
+                <a:spcPts val="500"/>
+              </a:spcBef>
+              <a:buFont typeface="Arial" panose="020B0604020202020204" pitchFamily="34" charset="0"/>
+              <a:buChar char="•"/>
+              <a:defRPr sz="2400" kern="1200">
+                <a:solidFill>
+                  <a:schemeClr val="tx1"/>
+                </a:solidFill>
+                <a:latin typeface="+mn-lt"/>
+                <a:ea typeface="+mn-ea"/>
+                <a:cs typeface="+mn-cs"/>
+              </a:defRPr>
+            </a:lvl2pPr>
+            <a:lvl3pPr marL="1143000" indent="-228600" algn="l" defTabSz="914400" rtl="0" eaLnBrk="1" latinLnBrk="0" hangingPunct="1">
+              <a:lnSpc>
+                <a:spcPct val="90000"/>
+              </a:lnSpc>
+              <a:spcBef>
+                <a:spcPts val="500"/>
+              </a:spcBef>
+              <a:buFont typeface="Arial" panose="020B0604020202020204" pitchFamily="34" charset="0"/>
+              <a:buChar char="•"/>
+              <a:defRPr sz="2000" kern="1200">
+                <a:solidFill>
+                  <a:schemeClr val="tx1"/>
+                </a:solidFill>
+                <a:latin typeface="+mn-lt"/>
+                <a:ea typeface="+mn-ea"/>
+                <a:cs typeface="+mn-cs"/>
+              </a:defRPr>
+            </a:lvl3pPr>
+            <a:lvl4pPr marL="1600200" indent="-228600" algn="l" defTabSz="914400" rtl="0" eaLnBrk="1" latinLnBrk="0" hangingPunct="1">
+              <a:lnSpc>
+                <a:spcPct val="90000"/>
+              </a:lnSpc>
+              <a:spcBef>
+                <a:spcPts val="500"/>
+              </a:spcBef>
+              <a:buFont typeface="Arial" panose="020B0604020202020204" pitchFamily="34" charset="0"/>
+              <a:buChar char="•"/>
+              <a:defRPr sz="1800" kern="1200">
+                <a:solidFill>
+                  <a:schemeClr val="tx1"/>
+                </a:solidFill>
+                <a:latin typeface="+mn-lt"/>
+                <a:ea typeface="+mn-ea"/>
+                <a:cs typeface="+mn-cs"/>
+              </a:defRPr>
+            </a:lvl4pPr>
+            <a:lvl5pPr marL="2057400" indent="-228600" algn="l" defTabSz="914400" rtl="0" eaLnBrk="1" latinLnBrk="0" hangingPunct="1">
+              <a:lnSpc>
+                <a:spcPct val="90000"/>
+              </a:lnSpc>
+              <a:spcBef>
+                <a:spcPts val="500"/>
+              </a:spcBef>
+              <a:buFont typeface="Arial" panose="020B0604020202020204" pitchFamily="34" charset="0"/>
+              <a:buChar char="•"/>
+              <a:defRPr sz="1800" kern="1200">
+                <a:solidFill>
+                  <a:schemeClr val="tx1"/>
+                </a:solidFill>
+                <a:latin typeface="+mn-lt"/>
+                <a:ea typeface="+mn-ea"/>
+                <a:cs typeface="+mn-cs"/>
+              </a:defRPr>
+            </a:lvl5pPr>
+            <a:lvl6pPr marL="2514600" indent="-228600" algn="l" defTabSz="914400" rtl="0" eaLnBrk="1" latinLnBrk="0" hangingPunct="1">
+              <a:lnSpc>
+                <a:spcPct val="90000"/>
+              </a:lnSpc>
+              <a:spcBef>
+                <a:spcPts val="500"/>
+              </a:spcBef>
+              <a:buFont typeface="Arial" panose="020B0604020202020204" pitchFamily="34" charset="0"/>
+              <a:buChar char="•"/>
+              <a:defRPr sz="1800" kern="1200">
+                <a:solidFill>
+                  <a:schemeClr val="tx1"/>
+                </a:solidFill>
+                <a:latin typeface="+mn-lt"/>
+                <a:ea typeface="+mn-ea"/>
+                <a:cs typeface="+mn-cs"/>
+              </a:defRPr>
+            </a:lvl6pPr>
+            <a:lvl7pPr marL="2971800" indent="-228600" algn="l" defTabSz="914400" rtl="0" eaLnBrk="1" latinLnBrk="0" hangingPunct="1">
+              <a:lnSpc>
+                <a:spcPct val="90000"/>
+              </a:lnSpc>
+              <a:spcBef>
+                <a:spcPts val="500"/>
+              </a:spcBef>
+              <a:buFont typeface="Arial" panose="020B0604020202020204" pitchFamily="34" charset="0"/>
+              <a:buChar char="•"/>
+              <a:defRPr sz="1800" kern="1200">
+                <a:solidFill>
+                  <a:schemeClr val="tx1"/>
+                </a:solidFill>
+                <a:latin typeface="+mn-lt"/>
+                <a:ea typeface="+mn-ea"/>
+                <a:cs typeface="+mn-cs"/>
+              </a:defRPr>
+            </a:lvl7pPr>
+            <a:lvl8pPr marL="3429000" indent="-228600" algn="l" defTabSz="914400" rtl="0" eaLnBrk="1" latinLnBrk="0" hangingPunct="1">
+              <a:lnSpc>
+                <a:spcPct val="90000"/>
+              </a:lnSpc>
+              <a:spcBef>
+                <a:spcPts val="500"/>
+              </a:spcBef>
+              <a:buFont typeface="Arial" panose="020B0604020202020204" pitchFamily="34" charset="0"/>
+              <a:buChar char="•"/>
+              <a:defRPr sz="1800" kern="1200">
+                <a:solidFill>
+                  <a:schemeClr val="tx1"/>
+                </a:solidFill>
+                <a:latin typeface="+mn-lt"/>
+                <a:ea typeface="+mn-ea"/>
+                <a:cs typeface="+mn-cs"/>
+              </a:defRPr>
+            </a:lvl8pPr>
+            <a:lvl9pPr marL="3886200" indent="-228600" algn="l" defTabSz="914400" rtl="0" eaLnBrk="1" latinLnBrk="0" hangingPunct="1">
+              <a:lnSpc>
+                <a:spcPct val="90000"/>
+              </a:lnSpc>
+              <a:spcBef>
+                <a:spcPts val="500"/>
+              </a:spcBef>
+              <a:buFont typeface="Arial" panose="020B0604020202020204" pitchFamily="34" charset="0"/>
+              <a:buChar char="•"/>
+              <a:defRPr sz="1800" kern="1200">
+                <a:solidFill>
+                  <a:schemeClr val="tx1"/>
+                </a:solidFill>
+                <a:latin typeface="+mn-lt"/>
+                <a:ea typeface="+mn-ea"/>
+                <a:cs typeface="+mn-cs"/>
+              </a:defRPr>
+            </a:lvl9pPr>
+          </a:lstStyle>
+          <a:p>
+            <a:pPr marL="0" indent="0" algn="ctr">
+              <a:buFont typeface="Arial" panose="020B0604020202020204" pitchFamily="34" charset="0"/>
+              <a:buNone/>
+            </a:pPr>
+            <a:r>
+              <a:rPr lang="en-US" sz="2400" dirty="0">
+                <a:solidFill>
+                  <a:schemeClr val="accent1">
+                    <a:lumMod val="75000"/>
+                  </a:schemeClr>
+                </a:solidFill>
+                <a:latin typeface="Libertinus Serif" panose="02000503000000000000" pitchFamily="2" charset="0"/>
+                <a:ea typeface="Libertinus Serif" panose="02000503000000000000" pitchFamily="2" charset="0"/>
+                <a:cs typeface="Libertinus Serif" panose="02000503000000000000" pitchFamily="2" charset="0"/>
+              </a:rPr>
+              <a:t>Fully Connected Layer (Feature Size x 256)</a:t>
+            </a:r>
+          </a:p>
+          <a:p>
+            <a:pPr marL="0" indent="0" algn="ctr">
+              <a:buFont typeface="Arial" panose="020B0604020202020204" pitchFamily="34" charset="0"/>
+              <a:buNone/>
+            </a:pPr>
+            <a:r>
+              <a:rPr lang="en-US" sz="2400" dirty="0">
+                <a:solidFill>
+                  <a:schemeClr val="accent2">
+                    <a:lumMod val="75000"/>
+                  </a:schemeClr>
+                </a:solidFill>
+                <a:latin typeface="Libertinus Serif" panose="02000503000000000000" pitchFamily="2" charset="0"/>
+                <a:ea typeface="Libertinus Serif" panose="02000503000000000000" pitchFamily="2" charset="0"/>
+                <a:cs typeface="Libertinus Serif" panose="02000503000000000000" pitchFamily="2" charset="0"/>
+              </a:rPr>
+              <a:t>Batch Normalization</a:t>
+            </a:r>
+          </a:p>
+          <a:p>
+            <a:pPr marL="0" indent="0" algn="ctr">
+              <a:buFont typeface="Arial" panose="020B0604020202020204" pitchFamily="34" charset="0"/>
+              <a:buNone/>
+            </a:pPr>
+            <a:r>
+              <a:rPr lang="en-US" sz="2400" dirty="0" err="1">
+                <a:solidFill>
+                  <a:schemeClr val="accent5">
+                    <a:lumMod val="75000"/>
+                  </a:schemeClr>
+                </a:solidFill>
+                <a:latin typeface="Libertinus Serif" panose="02000503000000000000" pitchFamily="2" charset="0"/>
+                <a:ea typeface="Libertinus Serif" panose="02000503000000000000" pitchFamily="2" charset="0"/>
+                <a:cs typeface="Libertinus Serif" panose="02000503000000000000" pitchFamily="2" charset="0"/>
+              </a:rPr>
+              <a:t>ReLU</a:t>
+            </a:r>
+            <a:r>
+              <a:rPr lang="en-US" sz="2400" dirty="0">
+                <a:solidFill>
+                  <a:schemeClr val="accent5">
+                    <a:lumMod val="75000"/>
+                  </a:schemeClr>
+                </a:solidFill>
+                <a:latin typeface="Libertinus Serif" panose="02000503000000000000" pitchFamily="2" charset="0"/>
+                <a:ea typeface="Libertinus Serif" panose="02000503000000000000" pitchFamily="2" charset="0"/>
+                <a:cs typeface="Libertinus Serif" panose="02000503000000000000" pitchFamily="2" charset="0"/>
+              </a:rPr>
+              <a:t> Activation</a:t>
+            </a:r>
+          </a:p>
+          <a:p>
+            <a:pPr marL="0" indent="0" algn="ctr">
+              <a:buFont typeface="Arial" panose="020B0604020202020204" pitchFamily="34" charset="0"/>
+              <a:buNone/>
+            </a:pPr>
+            <a:r>
+              <a:rPr lang="en-US" sz="2400" dirty="0">
+                <a:solidFill>
+                  <a:schemeClr val="accent6">
+                    <a:lumMod val="75000"/>
+                  </a:schemeClr>
+                </a:solidFill>
+                <a:latin typeface="Libertinus Serif" panose="02000503000000000000" pitchFamily="2" charset="0"/>
+                <a:ea typeface="Libertinus Serif" panose="02000503000000000000" pitchFamily="2" charset="0"/>
+                <a:cs typeface="Libertinus Serif" panose="02000503000000000000" pitchFamily="2" charset="0"/>
+              </a:rPr>
+              <a:t>Dropout (0.5)</a:t>
+            </a:r>
+          </a:p>
+          <a:p>
+            <a:pPr marL="0" indent="0" algn="ctr">
+              <a:buFont typeface="Arial" panose="020B0604020202020204" pitchFamily="34" charset="0"/>
+              <a:buNone/>
+            </a:pPr>
+            <a:r>
+              <a:rPr lang="en-US" sz="2400" dirty="0">
+                <a:solidFill>
+                  <a:schemeClr val="accent1">
+                    <a:lumMod val="75000"/>
+                  </a:schemeClr>
+                </a:solidFill>
+                <a:latin typeface="Libertinus Serif" panose="02000503000000000000" pitchFamily="2" charset="0"/>
+                <a:ea typeface="Libertinus Serif" panose="02000503000000000000" pitchFamily="2" charset="0"/>
+                <a:cs typeface="Libertinus Serif" panose="02000503000000000000" pitchFamily="2" charset="0"/>
+              </a:rPr>
+              <a:t>Fully Connected Layer (256 x 128)</a:t>
+            </a:r>
+          </a:p>
+          <a:p>
+            <a:pPr marL="0" indent="0" algn="ctr">
+              <a:buFont typeface="Arial" panose="020B0604020202020204" pitchFamily="34" charset="0"/>
+              <a:buNone/>
+            </a:pPr>
+            <a:r>
+              <a:rPr lang="en-US" sz="2400" dirty="0">
+                <a:solidFill>
+                  <a:schemeClr val="accent2">
+                    <a:lumMod val="75000"/>
+                  </a:schemeClr>
+                </a:solidFill>
+                <a:latin typeface="Libertinus Serif" panose="02000503000000000000" pitchFamily="2" charset="0"/>
+                <a:ea typeface="Libertinus Serif" panose="02000503000000000000" pitchFamily="2" charset="0"/>
+                <a:cs typeface="Libertinus Serif" panose="02000503000000000000" pitchFamily="2" charset="0"/>
+              </a:rPr>
+              <a:t>Batch Normalization</a:t>
+            </a:r>
+          </a:p>
+          <a:p>
+            <a:pPr marL="0" indent="0" algn="ctr">
+              <a:buFont typeface="Arial" panose="020B0604020202020204" pitchFamily="34" charset="0"/>
+              <a:buNone/>
+            </a:pPr>
+            <a:r>
+              <a:rPr lang="en-US" sz="2400" dirty="0" err="1">
+                <a:solidFill>
+                  <a:schemeClr val="accent5">
+                    <a:lumMod val="75000"/>
+                  </a:schemeClr>
+                </a:solidFill>
+                <a:latin typeface="Libertinus Serif" panose="02000503000000000000" pitchFamily="2" charset="0"/>
+                <a:ea typeface="Libertinus Serif" panose="02000503000000000000" pitchFamily="2" charset="0"/>
+                <a:cs typeface="Libertinus Serif" panose="02000503000000000000" pitchFamily="2" charset="0"/>
+              </a:rPr>
+              <a:t>ReLU</a:t>
+            </a:r>
+            <a:r>
+              <a:rPr lang="en-US" sz="2400" dirty="0">
+                <a:solidFill>
+                  <a:schemeClr val="accent5">
+                    <a:lumMod val="75000"/>
+                  </a:schemeClr>
+                </a:solidFill>
+                <a:latin typeface="Libertinus Serif" panose="02000503000000000000" pitchFamily="2" charset="0"/>
+                <a:ea typeface="Libertinus Serif" panose="02000503000000000000" pitchFamily="2" charset="0"/>
+                <a:cs typeface="Libertinus Serif" panose="02000503000000000000" pitchFamily="2" charset="0"/>
+              </a:rPr>
+              <a:t> Activation</a:t>
+            </a:r>
+          </a:p>
+          <a:p>
+            <a:pPr marL="0" indent="0" algn="ctr">
+              <a:buFont typeface="Arial" panose="020B0604020202020204" pitchFamily="34" charset="0"/>
+              <a:buNone/>
+            </a:pPr>
+            <a:r>
+              <a:rPr lang="en-US" sz="2400" dirty="0">
+                <a:solidFill>
+                  <a:schemeClr val="accent6">
+                    <a:lumMod val="75000"/>
+                  </a:schemeClr>
+                </a:solidFill>
+                <a:latin typeface="Libertinus Serif" panose="02000503000000000000" pitchFamily="2" charset="0"/>
+                <a:ea typeface="Libertinus Serif" panose="02000503000000000000" pitchFamily="2" charset="0"/>
+                <a:cs typeface="Libertinus Serif" panose="02000503000000000000" pitchFamily="2" charset="0"/>
+              </a:rPr>
+              <a:t>Dropout (0.5)</a:t>
+            </a:r>
+          </a:p>
+          <a:p>
+            <a:pPr marL="0" indent="0" algn="ctr">
+              <a:buFont typeface="Arial" panose="020B0604020202020204" pitchFamily="34" charset="0"/>
+              <a:buNone/>
+            </a:pPr>
+            <a:r>
+              <a:rPr lang="en-US" sz="2400" dirty="0">
+                <a:solidFill>
+                  <a:schemeClr val="accent1">
+                    <a:lumMod val="75000"/>
+                  </a:schemeClr>
+                </a:solidFill>
+                <a:latin typeface="Libertinus Serif" panose="02000503000000000000" pitchFamily="2" charset="0"/>
+                <a:ea typeface="Libertinus Serif" panose="02000503000000000000" pitchFamily="2" charset="0"/>
+                <a:cs typeface="Libertinus Serif" panose="02000503000000000000" pitchFamily="2" charset="0"/>
+              </a:rPr>
+              <a:t>Fully Connected Layer (128 x Num Classes)</a:t>
+            </a:r>
+          </a:p>
+        </p:txBody>
+      </p:sp>
       <p:sp>
         <p:nvSpPr>
           <p:cNvPr id="7" name="Titel 1">
@@ -14752,7 +15426,11 @@
               <a:buNone/>
             </a:pPr>
             <a:r>
-              <a:rPr lang="en-US" sz="2400" dirty="0"/>
+              <a:rPr lang="en-US" sz="2400" dirty="0">
+                <a:latin typeface="Libertinus Serif" panose="02000503000000000000" pitchFamily="2" charset="0"/>
+                <a:ea typeface="Libertinus Serif" panose="02000503000000000000" pitchFamily="2" charset="0"/>
+                <a:cs typeface="Libertinus Serif" panose="02000503000000000000" pitchFamily="2" charset="0"/>
+              </a:rPr>
               <a:t>Add Positional Encoding</a:t>
             </a:r>
           </a:p>
@@ -14762,7 +15440,11 @@
               <a:buNone/>
             </a:pPr>
             <a:r>
-              <a:rPr lang="en-US" sz="2400" dirty="0"/>
+              <a:rPr lang="en-US" sz="2400" dirty="0">
+                <a:latin typeface="Libertinus Serif" panose="02000503000000000000" pitchFamily="2" charset="0"/>
+                <a:ea typeface="Libertinus Serif" panose="02000503000000000000" pitchFamily="2" charset="0"/>
+                <a:cs typeface="Libertinus Serif" panose="02000503000000000000" pitchFamily="2" charset="0"/>
+              </a:rPr>
               <a:t>Layer Normalization</a:t>
             </a:r>
           </a:p>
@@ -14772,7 +15454,11 @@
               <a:buNone/>
             </a:pPr>
             <a:r>
-              <a:rPr lang="en-US" sz="2400" dirty="0"/>
+              <a:rPr lang="en-US" sz="2400" dirty="0">
+                <a:latin typeface="Libertinus Serif" panose="02000503000000000000" pitchFamily="2" charset="0"/>
+                <a:ea typeface="Libertinus Serif" panose="02000503000000000000" pitchFamily="2" charset="0"/>
+                <a:cs typeface="Libertinus Serif" panose="02000503000000000000" pitchFamily="2" charset="0"/>
+              </a:rPr>
               <a:t>Multi-Head Attention</a:t>
             </a:r>
           </a:p>
@@ -14782,7 +15468,11 @@
               <a:buNone/>
             </a:pPr>
             <a:r>
-              <a:rPr lang="en-US" sz="2400" dirty="0"/>
+              <a:rPr lang="en-US" sz="2400" dirty="0">
+                <a:latin typeface="Libertinus Serif" panose="02000503000000000000" pitchFamily="2" charset="0"/>
+                <a:ea typeface="Libertinus Serif" panose="02000503000000000000" pitchFamily="2" charset="0"/>
+                <a:cs typeface="Libertinus Serif" panose="02000503000000000000" pitchFamily="2" charset="0"/>
+              </a:rPr>
               <a:t>Layer Normalization</a:t>
             </a:r>
           </a:p>
@@ -14798,6 +15488,9 @@
                     <a:lumMod val="75000"/>
                   </a:schemeClr>
                 </a:solidFill>
+                <a:latin typeface="Libertinus Serif" panose="02000503000000000000" pitchFamily="2" charset="0"/>
+                <a:ea typeface="Libertinus Serif" panose="02000503000000000000" pitchFamily="2" charset="0"/>
+                <a:cs typeface="Libertinus Serif" panose="02000503000000000000" pitchFamily="2" charset="0"/>
               </a:rPr>
               <a:t>Dropout (0.5)</a:t>
             </a:r>
@@ -14808,7 +15501,11 @@
               <a:buNone/>
             </a:pPr>
             <a:r>
-              <a:rPr lang="en-US" sz="2400" dirty="0"/>
+              <a:rPr lang="en-US" sz="2400" dirty="0">
+                <a:latin typeface="Libertinus Serif" panose="02000503000000000000" pitchFamily="2" charset="0"/>
+                <a:ea typeface="Libertinus Serif" panose="02000503000000000000" pitchFamily="2" charset="0"/>
+                <a:cs typeface="Libertinus Serif" panose="02000503000000000000" pitchFamily="2" charset="0"/>
+              </a:rPr>
               <a:t>Mean Across Sequence Dimension</a:t>
             </a:r>
           </a:p>
@@ -14818,7 +15515,11 @@
               <a:buNone/>
             </a:pPr>
             <a:r>
-              <a:rPr lang="en-US" sz="2400" dirty="0"/>
+              <a:rPr lang="en-US" sz="2400" dirty="0">
+                <a:latin typeface="Libertinus Serif" panose="02000503000000000000" pitchFamily="2" charset="0"/>
+                <a:ea typeface="Libertinus Serif" panose="02000503000000000000" pitchFamily="2" charset="0"/>
+                <a:cs typeface="Libertinus Serif" panose="02000503000000000000" pitchFamily="2" charset="0"/>
+              </a:rPr>
               <a:t>Advanced Feature Fusion Head</a:t>
             </a:r>
           </a:p>
@@ -14877,6 +15578,9 @@
                 <a:solidFill>
                   <a:sysClr val="windowText" lastClr="000000"/>
                 </a:solidFill>
+                <a:latin typeface="Libertinus Serif" panose="02000503000000000000" pitchFamily="2" charset="0"/>
+                <a:ea typeface="Libertinus Serif" panose="02000503000000000000" pitchFamily="2" charset="0"/>
+                <a:cs typeface="Libertinus Serif" panose="02000503000000000000" pitchFamily="2" charset="0"/>
               </a:rPr>
               <a:t>Attention Mechanism</a:t>
             </a:r>
@@ -15060,10 +15764,120 @@
       </p:grpSpPr>
       <p:sp>
         <p:nvSpPr>
+          <p:cNvPr id="2" name="Titel 1">
+            <a:extLst>
+              <a:ext uri="{FF2B5EF4-FFF2-40B4-BE49-F238E27FC236}">
+                <a16:creationId xmlns:a16="http://schemas.microsoft.com/office/drawing/2014/main" id="{1B1AB6B3-9FEA-1CF6-4E7C-D638C49C35B2}"/>
+              </a:ext>
+            </a:extLst>
+          </p:cNvPr>
+          <p:cNvSpPr>
+            <a:spLocks noGrp="1"/>
+          </p:cNvSpPr>
+          <p:nvPr>
+            <p:ph type="title"/>
+          </p:nvPr>
+        </p:nvSpPr>
+        <p:spPr/>
+        <p:txBody>
+          <a:bodyPr/>
+          <a:lstStyle/>
+          <a:p>
+            <a:r>
+              <a:rPr lang="en-US" dirty="0"/>
+              <a:t>Results</a:t>
+            </a:r>
+          </a:p>
+        </p:txBody>
+      </p:sp>
+      <p:sp>
+        <p:nvSpPr>
+          <p:cNvPr id="3" name="Inhaltsplatzhalter 2">
+            <a:extLst>
+              <a:ext uri="{FF2B5EF4-FFF2-40B4-BE49-F238E27FC236}">
+                <a16:creationId xmlns:a16="http://schemas.microsoft.com/office/drawing/2014/main" id="{5F221679-24FC-BB25-1F10-B4599E0343D7}"/>
+              </a:ext>
+            </a:extLst>
+          </p:cNvPr>
+          <p:cNvSpPr>
+            <a:spLocks noGrp="1"/>
+          </p:cNvSpPr>
+          <p:nvPr>
+            <p:ph idx="1"/>
+          </p:nvPr>
+        </p:nvSpPr>
+        <p:spPr/>
+        <p:txBody>
+          <a:bodyPr/>
+          <a:lstStyle/>
+          <a:p>
+            <a:pPr marL="0" indent="0">
+              <a:buNone/>
+            </a:pPr>
+            <a:r>
+              <a:rPr lang="en-US" b="1" dirty="0"/>
+              <a:t>Test set:</a:t>
+            </a:r>
+          </a:p>
+          <a:p>
+            <a:pPr marL="0" indent="0">
+              <a:buNone/>
+            </a:pPr>
+            <a:r>
+              <a:rPr lang="en-US" dirty="0"/>
+              <a:t>Non-demented: 41</a:t>
+            </a:r>
+          </a:p>
+          <a:p>
+            <a:pPr marL="0" indent="0">
+              <a:buNone/>
+            </a:pPr>
+            <a:r>
+              <a:rPr lang="en-US" dirty="0"/>
+              <a:t>Very mild dementia: 11</a:t>
+            </a:r>
+          </a:p>
+          <a:p>
+            <a:pPr marL="0" indent="0">
+              <a:buNone/>
+            </a:pPr>
+            <a:r>
+              <a:rPr lang="en-US" dirty="0"/>
+              <a:t>Mild dementia: 3</a:t>
+            </a:r>
+          </a:p>
+          <a:p>
+            <a:pPr marL="0" indent="0">
+              <a:buNone/>
+            </a:pPr>
+            <a:endParaRPr lang="en-US" dirty="0"/>
+          </a:p>
+          <a:p>
+            <a:pPr marL="0" indent="0">
+              <a:buNone/>
+            </a:pPr>
+            <a:r>
+              <a:rPr lang="en-US" dirty="0"/>
+              <a:t>10 tests per model with a different seed</a:t>
+            </a:r>
+          </a:p>
+          <a:p>
+            <a:pPr marL="0" indent="0">
+              <a:buNone/>
+            </a:pPr>
+            <a:r>
+              <a:rPr lang="en-US" dirty="0"/>
+              <a:t>Hyperparameter search and sampling strategy evaluation was performed on a single slice group and just once.</a:t>
+            </a:r>
+          </a:p>
+        </p:txBody>
+      </p:sp>
+      <p:sp>
+        <p:nvSpPr>
           <p:cNvPr id="4" name="Foliennummernplatzhalter 3">
             <a:extLst>
               <a:ext uri="{FF2B5EF4-FFF2-40B4-BE49-F238E27FC236}">
-                <a16:creationId xmlns:a16="http://schemas.microsoft.com/office/drawing/2014/main" id="{CEC8E0B7-32B8-5726-AB42-2F03FB4A01F9}"/>
+                <a16:creationId xmlns:a16="http://schemas.microsoft.com/office/drawing/2014/main" id="{DBB3341F-9375-7F5B-835B-11594BCB212E}"/>
               </a:ext>
             </a:extLst>
           </p:cNvPr>
@@ -15087,70 +15901,10 @@
           </a:p>
         </p:txBody>
       </p:sp>
-      <p:pic>
-        <p:nvPicPr>
-          <p:cNvPr id="8" name="Grafik 7">
-            <a:extLst>
-              <a:ext uri="{FF2B5EF4-FFF2-40B4-BE49-F238E27FC236}">
-                <a16:creationId xmlns:a16="http://schemas.microsoft.com/office/drawing/2014/main" id="{5E014EA5-C497-577E-343C-842AC8761B41}"/>
-              </a:ext>
-            </a:extLst>
-          </p:cNvPr>
-          <p:cNvPicPr>
-            <a:picLocks noChangeAspect="1"/>
-          </p:cNvPicPr>
-          <p:nvPr/>
-        </p:nvPicPr>
-        <p:blipFill>
-          <a:blip r:embed="rId2"/>
-          <a:stretch>
-            <a:fillRect/>
-          </a:stretch>
-        </p:blipFill>
-        <p:spPr>
-          <a:xfrm>
-            <a:off x="2418586" y="0"/>
-            <a:ext cx="7772400" cy="3211132"/>
-          </a:xfrm>
-          <a:prstGeom prst="rect">
-            <a:avLst/>
-          </a:prstGeom>
-        </p:spPr>
-      </p:pic>
-      <p:pic>
-        <p:nvPicPr>
-          <p:cNvPr id="10" name="Grafik 9">
-            <a:extLst>
-              <a:ext uri="{FF2B5EF4-FFF2-40B4-BE49-F238E27FC236}">
-                <a16:creationId xmlns:a16="http://schemas.microsoft.com/office/drawing/2014/main" id="{AEC5087F-DE2E-9CBB-E0DC-2B726E32237D}"/>
-              </a:ext>
-            </a:extLst>
-          </p:cNvPr>
-          <p:cNvPicPr>
-            <a:picLocks noChangeAspect="1"/>
-          </p:cNvPicPr>
-          <p:nvPr/>
-        </p:nvPicPr>
-        <p:blipFill>
-          <a:blip r:embed="rId3"/>
-          <a:stretch>
-            <a:fillRect/>
-          </a:stretch>
-        </p:blipFill>
-        <p:spPr>
-          <a:xfrm>
-            <a:off x="2418586" y="3510343"/>
-            <a:ext cx="7772400" cy="3211132"/>
-          </a:xfrm>
-          <a:prstGeom prst="rect">
-            <a:avLst/>
-          </a:prstGeom>
-        </p:spPr>
-      </p:pic>
     </p:spTree>
     <p:extLst>
       <p:ext uri="{BB962C8B-B14F-4D97-AF65-F5344CB8AC3E}">
-        <p14:creationId xmlns:p14="http://schemas.microsoft.com/office/powerpoint/2010/main" val="2807720630"/>
+        <p14:creationId xmlns:p14="http://schemas.microsoft.com/office/powerpoint/2010/main" val="3666089194"/>
       </p:ext>
     </p:extLst>
   </p:cSld>
@@ -15177,1843 +15931,770 @@
           <a:chExt cx="0" cy="0"/>
         </a:xfrm>
       </p:grpSpPr>
-      <p:grpSp>
-        <p:nvGrpSpPr>
-          <p:cNvPr id="101" name="Gruppieren 100">
-            <a:extLst>
-              <a:ext uri="{FF2B5EF4-FFF2-40B4-BE49-F238E27FC236}">
-                <a16:creationId xmlns:a16="http://schemas.microsoft.com/office/drawing/2014/main" id="{07B8580F-A79E-B179-2F1E-305508CF1474}"/>
-              </a:ext>
-            </a:extLst>
-          </p:cNvPr>
-          <p:cNvGrpSpPr/>
-          <p:nvPr/>
-        </p:nvGrpSpPr>
-        <p:grpSpPr>
-          <a:xfrm>
-            <a:off x="7369019" y="1375335"/>
-            <a:ext cx="4280661" cy="4657268"/>
-            <a:chOff x="285883" y="1060952"/>
-            <a:chExt cx="4280661" cy="4657268"/>
-          </a:xfrm>
-        </p:grpSpPr>
-        <p:grpSp>
-          <p:nvGrpSpPr>
-            <p:cNvPr id="33" name="Gruppieren 32">
-              <a:extLst>
-                <a:ext uri="{FF2B5EF4-FFF2-40B4-BE49-F238E27FC236}">
-                  <a16:creationId xmlns:a16="http://schemas.microsoft.com/office/drawing/2014/main" id="{6CFECF5C-7419-D013-01F9-E33CE132C31D}"/>
-                </a:ext>
-              </a:extLst>
-            </p:cNvPr>
-            <p:cNvGrpSpPr/>
-            <p:nvPr/>
-          </p:nvGrpSpPr>
-          <p:grpSpPr>
-            <a:xfrm>
-              <a:off x="1121767" y="1060952"/>
-              <a:ext cx="825162" cy="825162"/>
-              <a:chOff x="922071" y="1060952"/>
-              <a:chExt cx="825162" cy="825162"/>
-            </a:xfrm>
-          </p:grpSpPr>
-          <p:pic>
-            <p:nvPicPr>
-              <p:cNvPr id="6" name="Grafik 5" descr="Ein Bild, das Erde, Krater, Schwarzweiß, Raum enthält.&#10;&#10;Automatisch generierte Beschreibung">
-                <a:extLst>
-                  <a:ext uri="{FF2B5EF4-FFF2-40B4-BE49-F238E27FC236}">
-                    <a16:creationId xmlns:a16="http://schemas.microsoft.com/office/drawing/2014/main" id="{B61A20F4-943B-1976-9435-7944144EEF7E}"/>
-                  </a:ext>
-                </a:extLst>
-              </p:cNvPr>
-              <p:cNvPicPr>
-                <a:picLocks noChangeAspect="1"/>
-              </p:cNvPicPr>
-              <p:nvPr/>
-            </p:nvPicPr>
-            <p:blipFill>
-              <a:blip r:embed="rId3"/>
-              <a:stretch>
-                <a:fillRect/>
-              </a:stretch>
-            </p:blipFill>
-            <p:spPr>
-              <a:xfrm>
-                <a:off x="922071" y="1060952"/>
-                <a:ext cx="672762" cy="672762"/>
-              </a:xfrm>
-              <a:prstGeom prst="rect">
-                <a:avLst/>
-              </a:prstGeom>
-            </p:spPr>
-          </p:pic>
-          <p:pic>
-            <p:nvPicPr>
-              <p:cNvPr id="12" name="Grafik 11" descr="Ein Bild, das Erde, Krater, Schwarzweiß, Raum enthält.&#10;&#10;Automatisch generierte Beschreibung">
-                <a:extLst>
-                  <a:ext uri="{FF2B5EF4-FFF2-40B4-BE49-F238E27FC236}">
-                    <a16:creationId xmlns:a16="http://schemas.microsoft.com/office/drawing/2014/main" id="{2D5ADFCF-A350-BF61-B0E8-6754C151F28D}"/>
-                  </a:ext>
-                </a:extLst>
-              </p:cNvPr>
-              <p:cNvPicPr>
-                <a:picLocks noChangeAspect="1"/>
-              </p:cNvPicPr>
-              <p:nvPr/>
-            </p:nvPicPr>
-            <p:blipFill>
-              <a:blip r:embed="rId3"/>
-              <a:stretch>
-                <a:fillRect/>
-              </a:stretch>
-            </p:blipFill>
-            <p:spPr>
-              <a:xfrm>
-                <a:off x="988122" y="1139780"/>
-                <a:ext cx="672762" cy="672762"/>
-              </a:xfrm>
-              <a:prstGeom prst="rect">
-                <a:avLst/>
-              </a:prstGeom>
-            </p:spPr>
-          </p:pic>
-          <p:pic>
-            <p:nvPicPr>
-              <p:cNvPr id="16" name="Grafik 15" descr="Ein Bild, das Erde, Krater, Schwarzweiß, Raum enthält.&#10;&#10;Automatisch generierte Beschreibung">
-                <a:extLst>
-                  <a:ext uri="{FF2B5EF4-FFF2-40B4-BE49-F238E27FC236}">
-                    <a16:creationId xmlns:a16="http://schemas.microsoft.com/office/drawing/2014/main" id="{0C4EB2A8-D16B-0171-C070-D1126509E023}"/>
-                  </a:ext>
-                </a:extLst>
-              </p:cNvPr>
-              <p:cNvPicPr>
-                <a:picLocks noChangeAspect="1"/>
-              </p:cNvPicPr>
-              <p:nvPr/>
-            </p:nvPicPr>
-            <p:blipFill>
-              <a:blip r:embed="rId3"/>
-              <a:stretch>
-                <a:fillRect/>
-              </a:stretch>
-            </p:blipFill>
-            <p:spPr>
-              <a:xfrm>
-                <a:off x="1074471" y="1213352"/>
-                <a:ext cx="672762" cy="672762"/>
-              </a:xfrm>
-              <a:prstGeom prst="rect">
-                <a:avLst/>
-              </a:prstGeom>
-            </p:spPr>
-          </p:pic>
-        </p:grpSp>
-        <p:grpSp>
-          <p:nvGrpSpPr>
-            <p:cNvPr id="36" name="Gruppieren 35">
-              <a:extLst>
-                <a:ext uri="{FF2B5EF4-FFF2-40B4-BE49-F238E27FC236}">
-                  <a16:creationId xmlns:a16="http://schemas.microsoft.com/office/drawing/2014/main" id="{354A7A84-DDCA-63F2-5621-7E3E695A8A20}"/>
-                </a:ext>
-              </a:extLst>
-            </p:cNvPr>
-            <p:cNvGrpSpPr/>
-            <p:nvPr/>
-          </p:nvGrpSpPr>
-          <p:grpSpPr>
-            <a:xfrm>
-              <a:off x="1994972" y="1060952"/>
-              <a:ext cx="825162" cy="825162"/>
-              <a:chOff x="1795276" y="1060952"/>
-              <a:chExt cx="825162" cy="825162"/>
-            </a:xfrm>
-          </p:grpSpPr>
-          <p:pic>
-            <p:nvPicPr>
-              <p:cNvPr id="7" name="Grafik 6" descr="Ein Bild, das Schwarzweiß, monochrom enthält.&#10;&#10;Automatisch generierte Beschreibung">
-                <a:extLst>
-                  <a:ext uri="{FF2B5EF4-FFF2-40B4-BE49-F238E27FC236}">
-                    <a16:creationId xmlns:a16="http://schemas.microsoft.com/office/drawing/2014/main" id="{1850D466-DDCE-6B76-B493-1D4A0CA12639}"/>
-                  </a:ext>
-                </a:extLst>
-              </p:cNvPr>
-              <p:cNvPicPr>
-                <a:picLocks noChangeAspect="1"/>
-              </p:cNvPicPr>
-              <p:nvPr/>
-            </p:nvPicPr>
-            <p:blipFill>
-              <a:blip r:embed="rId4"/>
-              <a:stretch>
-                <a:fillRect/>
-              </a:stretch>
-            </p:blipFill>
-            <p:spPr>
-              <a:xfrm>
-                <a:off x="1795276" y="1060952"/>
-                <a:ext cx="672762" cy="672762"/>
-              </a:xfrm>
-              <a:prstGeom prst="rect">
-                <a:avLst/>
-              </a:prstGeom>
-            </p:spPr>
-          </p:pic>
-          <p:pic>
-            <p:nvPicPr>
-              <p:cNvPr id="13" name="Grafik 12" descr="Ein Bild, das Schwarzweiß, monochrom enthält.&#10;&#10;Automatisch generierte Beschreibung">
-                <a:extLst>
-                  <a:ext uri="{FF2B5EF4-FFF2-40B4-BE49-F238E27FC236}">
-                    <a16:creationId xmlns:a16="http://schemas.microsoft.com/office/drawing/2014/main" id="{60073161-A9D5-0152-CA47-EBC7CE55B9C4}"/>
-                  </a:ext>
-                </a:extLst>
-              </p:cNvPr>
-              <p:cNvPicPr>
-                <a:picLocks noChangeAspect="1"/>
-              </p:cNvPicPr>
-              <p:nvPr/>
-            </p:nvPicPr>
-            <p:blipFill>
-              <a:blip r:embed="rId4"/>
-              <a:stretch>
-                <a:fillRect/>
-              </a:stretch>
-            </p:blipFill>
-            <p:spPr>
-              <a:xfrm>
-                <a:off x="1861327" y="1139780"/>
-                <a:ext cx="672762" cy="672762"/>
-              </a:xfrm>
-              <a:prstGeom prst="rect">
-                <a:avLst/>
-              </a:prstGeom>
-            </p:spPr>
-          </p:pic>
-          <p:pic>
-            <p:nvPicPr>
-              <p:cNvPr id="17" name="Grafik 16" descr="Ein Bild, das Schwarzweiß, monochrom enthält.&#10;&#10;Automatisch generierte Beschreibung">
-                <a:extLst>
-                  <a:ext uri="{FF2B5EF4-FFF2-40B4-BE49-F238E27FC236}">
-                    <a16:creationId xmlns:a16="http://schemas.microsoft.com/office/drawing/2014/main" id="{ADEE8280-FCF5-B51D-2CF8-9FF504DD2FAB}"/>
-                  </a:ext>
-                </a:extLst>
-              </p:cNvPr>
-              <p:cNvPicPr>
-                <a:picLocks noChangeAspect="1"/>
-              </p:cNvPicPr>
-              <p:nvPr/>
-            </p:nvPicPr>
-            <p:blipFill>
-              <a:blip r:embed="rId4"/>
-              <a:stretch>
-                <a:fillRect/>
-              </a:stretch>
-            </p:blipFill>
-            <p:spPr>
-              <a:xfrm>
-                <a:off x="1947676" y="1213352"/>
-                <a:ext cx="672762" cy="672762"/>
-              </a:xfrm>
-              <a:prstGeom prst="rect">
-                <a:avLst/>
-              </a:prstGeom>
-            </p:spPr>
-          </p:pic>
-        </p:grpSp>
-        <p:grpSp>
-          <p:nvGrpSpPr>
-            <p:cNvPr id="37" name="Gruppieren 36">
-              <a:extLst>
-                <a:ext uri="{FF2B5EF4-FFF2-40B4-BE49-F238E27FC236}">
-                  <a16:creationId xmlns:a16="http://schemas.microsoft.com/office/drawing/2014/main" id="{85D2E503-1647-E819-46BD-588298D7B79B}"/>
-                </a:ext>
-              </a:extLst>
-            </p:cNvPr>
-            <p:cNvGrpSpPr/>
-            <p:nvPr/>
-          </p:nvGrpSpPr>
-          <p:grpSpPr>
-            <a:xfrm>
-              <a:off x="2868177" y="1060952"/>
-              <a:ext cx="825162" cy="825162"/>
-              <a:chOff x="2668481" y="1060952"/>
-              <a:chExt cx="825162" cy="825162"/>
-            </a:xfrm>
-          </p:grpSpPr>
-          <p:pic>
-            <p:nvPicPr>
-              <p:cNvPr id="8" name="Grafik 7" descr="Ein Bild, das Kreis, Schwarzweiß, monochrom enthält.&#10;&#10;Automatisch generierte Beschreibung">
-                <a:extLst>
-                  <a:ext uri="{FF2B5EF4-FFF2-40B4-BE49-F238E27FC236}">
-                    <a16:creationId xmlns:a16="http://schemas.microsoft.com/office/drawing/2014/main" id="{95650B0C-9C0E-755C-7C38-06FC88DB49F2}"/>
-                  </a:ext>
-                </a:extLst>
-              </p:cNvPr>
-              <p:cNvPicPr>
-                <a:picLocks noChangeAspect="1"/>
-              </p:cNvPicPr>
-              <p:nvPr/>
-            </p:nvPicPr>
-            <p:blipFill>
-              <a:blip r:embed="rId5"/>
-              <a:stretch>
-                <a:fillRect/>
-              </a:stretch>
-            </p:blipFill>
-            <p:spPr>
-              <a:xfrm>
-                <a:off x="2668481" y="1060952"/>
-                <a:ext cx="672762" cy="672762"/>
-              </a:xfrm>
-              <a:prstGeom prst="rect">
-                <a:avLst/>
-              </a:prstGeom>
-            </p:spPr>
-          </p:pic>
-          <p:pic>
-            <p:nvPicPr>
-              <p:cNvPr id="14" name="Grafik 13" descr="Ein Bild, das Kreis, Schwarzweiß, monochrom enthält.&#10;&#10;Automatisch generierte Beschreibung">
-                <a:extLst>
-                  <a:ext uri="{FF2B5EF4-FFF2-40B4-BE49-F238E27FC236}">
-                    <a16:creationId xmlns:a16="http://schemas.microsoft.com/office/drawing/2014/main" id="{555F25AB-143F-DC1A-716F-0B6BA2D9F48C}"/>
-                  </a:ext>
-                </a:extLst>
-              </p:cNvPr>
-              <p:cNvPicPr>
-                <a:picLocks noChangeAspect="1"/>
-              </p:cNvPicPr>
-              <p:nvPr/>
-            </p:nvPicPr>
-            <p:blipFill>
-              <a:blip r:embed="rId5"/>
-              <a:stretch>
-                <a:fillRect/>
-              </a:stretch>
-            </p:blipFill>
-            <p:spPr>
-              <a:xfrm>
-                <a:off x="2734532" y="1139780"/>
-                <a:ext cx="672762" cy="672762"/>
-              </a:xfrm>
-              <a:prstGeom prst="rect">
-                <a:avLst/>
-              </a:prstGeom>
-            </p:spPr>
-          </p:pic>
-          <p:pic>
-            <p:nvPicPr>
-              <p:cNvPr id="18" name="Grafik 17" descr="Ein Bild, das Kreis, Schwarzweiß, monochrom enthält.&#10;&#10;Automatisch generierte Beschreibung">
-                <a:extLst>
-                  <a:ext uri="{FF2B5EF4-FFF2-40B4-BE49-F238E27FC236}">
-                    <a16:creationId xmlns:a16="http://schemas.microsoft.com/office/drawing/2014/main" id="{8A479AA0-D640-41D7-B8EF-7E68ABD9C51F}"/>
-                  </a:ext>
-                </a:extLst>
-              </p:cNvPr>
-              <p:cNvPicPr>
-                <a:picLocks noChangeAspect="1"/>
-              </p:cNvPicPr>
-              <p:nvPr/>
-            </p:nvPicPr>
-            <p:blipFill>
-              <a:blip r:embed="rId5"/>
-              <a:stretch>
-                <a:fillRect/>
-              </a:stretch>
-            </p:blipFill>
-            <p:spPr>
-              <a:xfrm>
-                <a:off x="2820881" y="1213352"/>
-                <a:ext cx="672762" cy="672762"/>
-              </a:xfrm>
-              <a:prstGeom prst="rect">
-                <a:avLst/>
-              </a:prstGeom>
-            </p:spPr>
-          </p:pic>
-        </p:grpSp>
-        <p:grpSp>
-          <p:nvGrpSpPr>
-            <p:cNvPr id="38" name="Gruppieren 37">
-              <a:extLst>
-                <a:ext uri="{FF2B5EF4-FFF2-40B4-BE49-F238E27FC236}">
-                  <a16:creationId xmlns:a16="http://schemas.microsoft.com/office/drawing/2014/main" id="{4795A578-FE79-AF18-F7AC-012B860FF969}"/>
-                </a:ext>
-              </a:extLst>
-            </p:cNvPr>
-            <p:cNvGrpSpPr/>
-            <p:nvPr/>
-          </p:nvGrpSpPr>
-          <p:grpSpPr>
-            <a:xfrm>
-              <a:off x="3741382" y="1060952"/>
-              <a:ext cx="825162" cy="825162"/>
-              <a:chOff x="3541686" y="1060952"/>
-              <a:chExt cx="825162" cy="825162"/>
-            </a:xfrm>
-          </p:grpSpPr>
-          <p:pic>
-            <p:nvPicPr>
-              <p:cNvPr id="9" name="Grafik 8" descr="Ein Bild, das Wurm, Schwarzweiß, monochrom enthält.&#10;&#10;Automatisch generierte Beschreibung mit mittlerer Zuverlässigkeit">
-                <a:extLst>
-                  <a:ext uri="{FF2B5EF4-FFF2-40B4-BE49-F238E27FC236}">
-                    <a16:creationId xmlns:a16="http://schemas.microsoft.com/office/drawing/2014/main" id="{12073C52-6E5B-7612-12F9-5AEEFD3BE462}"/>
-                  </a:ext>
-                </a:extLst>
-              </p:cNvPr>
-              <p:cNvPicPr>
-                <a:picLocks noChangeAspect="1"/>
-              </p:cNvPicPr>
-              <p:nvPr/>
-            </p:nvPicPr>
-            <p:blipFill>
-              <a:blip r:embed="rId6"/>
-              <a:stretch>
-                <a:fillRect/>
-              </a:stretch>
-            </p:blipFill>
-            <p:spPr>
-              <a:xfrm>
-                <a:off x="3541686" y="1060952"/>
-                <a:ext cx="672762" cy="672762"/>
-              </a:xfrm>
-              <a:prstGeom prst="rect">
-                <a:avLst/>
-              </a:prstGeom>
-            </p:spPr>
-          </p:pic>
-          <p:pic>
-            <p:nvPicPr>
-              <p:cNvPr id="15" name="Grafik 14" descr="Ein Bild, das Wurm, Schwarzweiß, monochrom enthält.&#10;&#10;Automatisch generierte Beschreibung mit mittlerer Zuverlässigkeit">
-                <a:extLst>
-                  <a:ext uri="{FF2B5EF4-FFF2-40B4-BE49-F238E27FC236}">
-                    <a16:creationId xmlns:a16="http://schemas.microsoft.com/office/drawing/2014/main" id="{EB4778CD-094B-A476-5F68-62E835802710}"/>
-                  </a:ext>
-                </a:extLst>
-              </p:cNvPr>
-              <p:cNvPicPr>
-                <a:picLocks noChangeAspect="1"/>
-              </p:cNvPicPr>
-              <p:nvPr/>
-            </p:nvPicPr>
-            <p:blipFill>
-              <a:blip r:embed="rId6"/>
-              <a:stretch>
-                <a:fillRect/>
-              </a:stretch>
-            </p:blipFill>
-            <p:spPr>
-              <a:xfrm>
-                <a:off x="3607737" y="1139780"/>
-                <a:ext cx="672762" cy="672762"/>
-              </a:xfrm>
-              <a:prstGeom prst="rect">
-                <a:avLst/>
-              </a:prstGeom>
-            </p:spPr>
-          </p:pic>
-          <p:pic>
-            <p:nvPicPr>
-              <p:cNvPr id="19" name="Grafik 18" descr="Ein Bild, das Wurm, Schwarzweiß, monochrom enthält.&#10;&#10;Automatisch generierte Beschreibung mit mittlerer Zuverlässigkeit">
-                <a:extLst>
-                  <a:ext uri="{FF2B5EF4-FFF2-40B4-BE49-F238E27FC236}">
-                    <a16:creationId xmlns:a16="http://schemas.microsoft.com/office/drawing/2014/main" id="{A467F6B3-E046-B817-CF1E-0FA8497AB620}"/>
-                  </a:ext>
-                </a:extLst>
-              </p:cNvPr>
-              <p:cNvPicPr>
-                <a:picLocks noChangeAspect="1"/>
-              </p:cNvPicPr>
-              <p:nvPr/>
-            </p:nvPicPr>
-            <p:blipFill>
-              <a:blip r:embed="rId6"/>
-              <a:stretch>
-                <a:fillRect/>
-              </a:stretch>
-            </p:blipFill>
-            <p:spPr>
-              <a:xfrm>
-                <a:off x="3694086" y="1213352"/>
-                <a:ext cx="672762" cy="672762"/>
-              </a:xfrm>
-              <a:prstGeom prst="rect">
-                <a:avLst/>
-              </a:prstGeom>
-            </p:spPr>
-          </p:pic>
-        </p:grpSp>
-        <p:sp>
-          <p:nvSpPr>
-            <p:cNvPr id="20" name="Abgerundetes Rechteck 19">
-              <a:extLst>
-                <a:ext uri="{FF2B5EF4-FFF2-40B4-BE49-F238E27FC236}">
-                  <a16:creationId xmlns:a16="http://schemas.microsoft.com/office/drawing/2014/main" id="{CA90C672-8F55-5F39-ADDE-5F8C7188E162}"/>
-                </a:ext>
-              </a:extLst>
-            </p:cNvPr>
-            <p:cNvSpPr/>
-            <p:nvPr/>
-          </p:nvSpPr>
-          <p:spPr>
-            <a:xfrm>
-              <a:off x="1126423" y="2332598"/>
-              <a:ext cx="769000" cy="689722"/>
-            </a:xfrm>
-            <a:prstGeom prst="roundRect">
-              <a:avLst/>
-            </a:prstGeom>
-          </p:spPr>
-          <p:style>
-            <a:lnRef idx="2">
-              <a:schemeClr val="accent1">
-                <a:shade val="15000"/>
-              </a:schemeClr>
-            </a:lnRef>
-            <a:fillRef idx="1">
-              <a:schemeClr val="accent1"/>
-            </a:fillRef>
-            <a:effectRef idx="0">
-              <a:schemeClr val="accent1"/>
-            </a:effectRef>
-            <a:fontRef idx="minor">
-              <a:schemeClr val="lt1"/>
-            </a:fontRef>
-          </p:style>
-          <p:txBody>
-            <a:bodyPr rtlCol="0" anchor="ctr"/>
-            <a:lstStyle/>
-            <a:p>
-              <a:pPr algn="ctr"/>
-              <a:r>
-                <a:rPr lang="en-US" sz="1400" dirty="0"/>
-                <a:t>CV Model1</a:t>
-              </a:r>
-            </a:p>
-          </p:txBody>
-        </p:sp>
-        <p:sp>
-          <p:nvSpPr>
-            <p:cNvPr id="22" name="Abgerundetes Rechteck 21">
-              <a:extLst>
-                <a:ext uri="{FF2B5EF4-FFF2-40B4-BE49-F238E27FC236}">
-                  <a16:creationId xmlns:a16="http://schemas.microsoft.com/office/drawing/2014/main" id="{B77D9EB1-19E5-001E-CE61-7D4B2249F5EA}"/>
-                </a:ext>
-              </a:extLst>
-            </p:cNvPr>
-            <p:cNvSpPr/>
-            <p:nvPr/>
-          </p:nvSpPr>
-          <p:spPr>
-            <a:xfrm>
-              <a:off x="2015568" y="2332598"/>
-              <a:ext cx="769000" cy="689722"/>
-            </a:xfrm>
-            <a:prstGeom prst="roundRect">
-              <a:avLst/>
-            </a:prstGeom>
-          </p:spPr>
-          <p:style>
-            <a:lnRef idx="2">
-              <a:schemeClr val="accent1">
-                <a:shade val="15000"/>
-              </a:schemeClr>
-            </a:lnRef>
-            <a:fillRef idx="1">
-              <a:schemeClr val="accent1"/>
-            </a:fillRef>
-            <a:effectRef idx="0">
-              <a:schemeClr val="accent1"/>
-            </a:effectRef>
-            <a:fontRef idx="minor">
-              <a:schemeClr val="lt1"/>
-            </a:fontRef>
-          </p:style>
-          <p:txBody>
-            <a:bodyPr rtlCol="0" anchor="ctr"/>
-            <a:lstStyle/>
-            <a:p>
-              <a:pPr algn="ctr"/>
-              <a:r>
-                <a:rPr lang="en-US" sz="1400" dirty="0"/>
-                <a:t>CV Model2</a:t>
-              </a:r>
-            </a:p>
-          </p:txBody>
-        </p:sp>
-        <p:sp>
-          <p:nvSpPr>
-            <p:cNvPr id="24" name="Abgerundetes Rechteck 23">
-              <a:extLst>
-                <a:ext uri="{FF2B5EF4-FFF2-40B4-BE49-F238E27FC236}">
-                  <a16:creationId xmlns:a16="http://schemas.microsoft.com/office/drawing/2014/main" id="{1A1F3A50-BC19-30D9-7817-DC4F11ADBFB3}"/>
-                </a:ext>
-              </a:extLst>
-            </p:cNvPr>
-            <p:cNvSpPr/>
-            <p:nvPr/>
-          </p:nvSpPr>
-          <p:spPr>
-            <a:xfrm>
-              <a:off x="2908399" y="2332598"/>
-              <a:ext cx="769000" cy="689722"/>
-            </a:xfrm>
-            <a:prstGeom prst="roundRect">
-              <a:avLst/>
-            </a:prstGeom>
-          </p:spPr>
-          <p:style>
-            <a:lnRef idx="2">
-              <a:schemeClr val="accent1">
-                <a:shade val="15000"/>
-              </a:schemeClr>
-            </a:lnRef>
-            <a:fillRef idx="1">
-              <a:schemeClr val="accent1"/>
-            </a:fillRef>
-            <a:effectRef idx="0">
-              <a:schemeClr val="accent1"/>
-            </a:effectRef>
-            <a:fontRef idx="minor">
-              <a:schemeClr val="lt1"/>
-            </a:fontRef>
-          </p:style>
-          <p:txBody>
-            <a:bodyPr rtlCol="0" anchor="ctr"/>
-            <a:lstStyle/>
-            <a:p>
-              <a:pPr algn="ctr"/>
-              <a:r>
-                <a:rPr lang="en-US" sz="1400" dirty="0"/>
-                <a:t>…</a:t>
-              </a:r>
-            </a:p>
-          </p:txBody>
-        </p:sp>
-        <p:sp>
-          <p:nvSpPr>
-            <p:cNvPr id="25" name="Abgerundetes Rechteck 24">
-              <a:extLst>
-                <a:ext uri="{FF2B5EF4-FFF2-40B4-BE49-F238E27FC236}">
-                  <a16:creationId xmlns:a16="http://schemas.microsoft.com/office/drawing/2014/main" id="{A4791E86-446D-F15A-4338-74FF6D3483AC}"/>
-                </a:ext>
-              </a:extLst>
-            </p:cNvPr>
-            <p:cNvSpPr/>
-            <p:nvPr/>
-          </p:nvSpPr>
-          <p:spPr>
-            <a:xfrm>
-              <a:off x="3797544" y="2332598"/>
-              <a:ext cx="769000" cy="689722"/>
-            </a:xfrm>
-            <a:prstGeom prst="roundRect">
-              <a:avLst/>
-            </a:prstGeom>
-          </p:spPr>
-          <p:style>
-            <a:lnRef idx="2">
-              <a:schemeClr val="accent1">
-                <a:shade val="15000"/>
-              </a:schemeClr>
-            </a:lnRef>
-            <a:fillRef idx="1">
-              <a:schemeClr val="accent1"/>
-            </a:fillRef>
-            <a:effectRef idx="0">
-              <a:schemeClr val="accent1"/>
-            </a:effectRef>
-            <a:fontRef idx="minor">
-              <a:schemeClr val="lt1"/>
-            </a:fontRef>
-          </p:style>
-          <p:txBody>
-            <a:bodyPr rtlCol="0" anchor="ctr"/>
-            <a:lstStyle/>
-            <a:p>
-              <a:pPr algn="ctr"/>
-              <a:r>
-                <a:rPr lang="en-US" sz="1400" dirty="0"/>
-                <a:t>CV Model10</a:t>
-              </a:r>
-            </a:p>
-          </p:txBody>
-        </p:sp>
-        <p:cxnSp>
-          <p:nvCxnSpPr>
-            <p:cNvPr id="27" name="Gerade Verbindung mit Pfeil 26">
-              <a:extLst>
-                <a:ext uri="{FF2B5EF4-FFF2-40B4-BE49-F238E27FC236}">
-                  <a16:creationId xmlns:a16="http://schemas.microsoft.com/office/drawing/2014/main" id="{C5D35968-F7B9-2B0F-D338-3B9ACB62DB12}"/>
-                </a:ext>
-              </a:extLst>
-            </p:cNvPr>
-            <p:cNvCxnSpPr>
-              <a:cxnSpLocks/>
-              <a:endCxn id="20" idx="0"/>
-            </p:cNvCxnSpPr>
-            <p:nvPr/>
-          </p:nvCxnSpPr>
-          <p:spPr>
-            <a:xfrm>
-              <a:off x="1510922" y="1886114"/>
-              <a:ext cx="1" cy="446484"/>
-            </a:xfrm>
-            <a:prstGeom prst="straightConnector1">
-              <a:avLst/>
-            </a:prstGeom>
-            <a:ln>
-              <a:tailEnd type="triangle"/>
-            </a:ln>
-          </p:spPr>
-          <p:style>
-            <a:lnRef idx="2">
-              <a:schemeClr val="accent1"/>
-            </a:lnRef>
-            <a:fillRef idx="0">
-              <a:schemeClr val="accent1"/>
-            </a:fillRef>
-            <a:effectRef idx="1">
-              <a:schemeClr val="accent1"/>
-            </a:effectRef>
-            <a:fontRef idx="minor">
-              <a:schemeClr val="tx1"/>
-            </a:fontRef>
-          </p:style>
-        </p:cxnSp>
-        <p:cxnSp>
-          <p:nvCxnSpPr>
-            <p:cNvPr id="30" name="Gerade Verbindung mit Pfeil 29">
-              <a:extLst>
-                <a:ext uri="{FF2B5EF4-FFF2-40B4-BE49-F238E27FC236}">
-                  <a16:creationId xmlns:a16="http://schemas.microsoft.com/office/drawing/2014/main" id="{58434AB9-F182-BA8F-2689-B5043C69CAB8}"/>
-                </a:ext>
-              </a:extLst>
-            </p:cNvPr>
-            <p:cNvCxnSpPr>
-              <a:cxnSpLocks/>
-              <a:endCxn id="22" idx="0"/>
-            </p:cNvCxnSpPr>
-            <p:nvPr/>
-          </p:nvCxnSpPr>
-          <p:spPr>
-            <a:xfrm>
-              <a:off x="2397404" y="1790207"/>
-              <a:ext cx="2664" cy="542391"/>
-            </a:xfrm>
-            <a:prstGeom prst="straightConnector1">
-              <a:avLst/>
-            </a:prstGeom>
-            <a:ln>
-              <a:tailEnd type="triangle"/>
-            </a:ln>
-          </p:spPr>
-          <p:style>
-            <a:lnRef idx="2">
-              <a:schemeClr val="accent1"/>
-            </a:lnRef>
-            <a:fillRef idx="0">
-              <a:schemeClr val="accent1"/>
-            </a:fillRef>
-            <a:effectRef idx="1">
-              <a:schemeClr val="accent1"/>
-            </a:effectRef>
-            <a:fontRef idx="minor">
-              <a:schemeClr val="tx1"/>
-            </a:fontRef>
-          </p:style>
-        </p:cxnSp>
-        <p:cxnSp>
-          <p:nvCxnSpPr>
-            <p:cNvPr id="41" name="Gerade Verbindung mit Pfeil 40">
-              <a:extLst>
-                <a:ext uri="{FF2B5EF4-FFF2-40B4-BE49-F238E27FC236}">
-                  <a16:creationId xmlns:a16="http://schemas.microsoft.com/office/drawing/2014/main" id="{3ADDD330-B4DC-0393-910E-4AB1E5540CE8}"/>
-                </a:ext>
-              </a:extLst>
-            </p:cNvPr>
-            <p:cNvCxnSpPr>
-              <a:cxnSpLocks/>
-            </p:cNvCxnSpPr>
-            <p:nvPr/>
-          </p:nvCxnSpPr>
-          <p:spPr>
-            <a:xfrm>
-              <a:off x="3318229" y="1784655"/>
-              <a:ext cx="2664" cy="548242"/>
-            </a:xfrm>
-            <a:prstGeom prst="straightConnector1">
-              <a:avLst/>
-            </a:prstGeom>
-            <a:ln>
-              <a:tailEnd type="triangle"/>
-            </a:ln>
-          </p:spPr>
-          <p:style>
-            <a:lnRef idx="2">
-              <a:schemeClr val="accent1"/>
-            </a:lnRef>
-            <a:fillRef idx="0">
-              <a:schemeClr val="accent1"/>
-            </a:fillRef>
-            <a:effectRef idx="1">
-              <a:schemeClr val="accent1"/>
-            </a:effectRef>
-            <a:fontRef idx="minor">
-              <a:schemeClr val="tx1"/>
-            </a:fontRef>
-          </p:style>
-        </p:cxnSp>
-        <p:cxnSp>
-          <p:nvCxnSpPr>
-            <p:cNvPr id="42" name="Gerade Verbindung mit Pfeil 41">
-              <a:extLst>
-                <a:ext uri="{FF2B5EF4-FFF2-40B4-BE49-F238E27FC236}">
-                  <a16:creationId xmlns:a16="http://schemas.microsoft.com/office/drawing/2014/main" id="{720DDA44-2FCD-99A0-B99B-ACC4ADC0726A}"/>
-                </a:ext>
-              </a:extLst>
-            </p:cNvPr>
-            <p:cNvCxnSpPr>
-              <a:cxnSpLocks/>
-            </p:cNvCxnSpPr>
-            <p:nvPr/>
-          </p:nvCxnSpPr>
-          <p:spPr>
-            <a:xfrm>
-              <a:off x="4188770" y="1784356"/>
-              <a:ext cx="2664" cy="548242"/>
-            </a:xfrm>
-            <a:prstGeom prst="straightConnector1">
-              <a:avLst/>
-            </a:prstGeom>
-            <a:ln>
-              <a:tailEnd type="triangle"/>
-            </a:ln>
-          </p:spPr>
-          <p:style>
-            <a:lnRef idx="2">
-              <a:schemeClr val="accent1"/>
-            </a:lnRef>
-            <a:fillRef idx="0">
-              <a:schemeClr val="accent1"/>
-            </a:fillRef>
-            <a:effectRef idx="1">
-              <a:schemeClr val="accent1"/>
-            </a:effectRef>
-            <a:fontRef idx="minor">
-              <a:schemeClr val="tx1"/>
-            </a:fontRef>
-          </p:style>
-        </p:cxnSp>
-        <p:cxnSp>
-          <p:nvCxnSpPr>
-            <p:cNvPr id="46" name="Gekrümmte Verbindung 45">
-              <a:extLst>
-                <a:ext uri="{FF2B5EF4-FFF2-40B4-BE49-F238E27FC236}">
-                  <a16:creationId xmlns:a16="http://schemas.microsoft.com/office/drawing/2014/main" id="{3E5FB7FD-9259-A876-EC8C-65D12B92AD37}"/>
-                </a:ext>
-              </a:extLst>
-            </p:cNvPr>
-            <p:cNvCxnSpPr>
-              <a:cxnSpLocks/>
-              <a:stCxn id="20" idx="2"/>
-              <a:endCxn id="47" idx="0"/>
-            </p:cNvCxnSpPr>
-            <p:nvPr/>
-          </p:nvCxnSpPr>
-          <p:spPr>
-            <a:xfrm rot="16200000" flipH="1">
-              <a:off x="1837837" y="2695406"/>
-              <a:ext cx="672169" cy="1325996"/>
-            </a:xfrm>
-            <a:prstGeom prst="curvedConnector3">
-              <a:avLst/>
-            </a:prstGeom>
-            <a:ln>
-              <a:tailEnd type="triangle"/>
-            </a:ln>
-          </p:spPr>
-          <p:style>
-            <a:lnRef idx="2">
-              <a:schemeClr val="accent1"/>
-            </a:lnRef>
-            <a:fillRef idx="0">
-              <a:schemeClr val="accent1"/>
-            </a:fillRef>
-            <a:effectRef idx="1">
-              <a:schemeClr val="accent1"/>
-            </a:effectRef>
-            <a:fontRef idx="minor">
-              <a:schemeClr val="tx1"/>
-            </a:fontRef>
-          </p:style>
-        </p:cxnSp>
-        <p:sp>
-          <p:nvSpPr>
-            <p:cNvPr id="47" name="Abgerundetes Rechteck 46">
-              <a:extLst>
-                <a:ext uri="{FF2B5EF4-FFF2-40B4-BE49-F238E27FC236}">
-                  <a16:creationId xmlns:a16="http://schemas.microsoft.com/office/drawing/2014/main" id="{60207FD5-2703-87A0-1F19-2DE7321F4F34}"/>
-                </a:ext>
-              </a:extLst>
-            </p:cNvPr>
-            <p:cNvSpPr/>
-            <p:nvPr/>
-          </p:nvSpPr>
-          <p:spPr>
-            <a:xfrm>
-              <a:off x="1780056" y="3694489"/>
-              <a:ext cx="2113726" cy="792694"/>
-            </a:xfrm>
-            <a:prstGeom prst="roundRect">
-              <a:avLst/>
-            </a:prstGeom>
-          </p:spPr>
-          <p:style>
-            <a:lnRef idx="2">
-              <a:schemeClr val="accent1">
-                <a:shade val="15000"/>
-              </a:schemeClr>
-            </a:lnRef>
-            <a:fillRef idx="1">
-              <a:schemeClr val="accent1"/>
-            </a:fillRef>
-            <a:effectRef idx="0">
-              <a:schemeClr val="accent1"/>
-            </a:effectRef>
-            <a:fontRef idx="minor">
-              <a:schemeClr val="lt1"/>
-            </a:fontRef>
-          </p:style>
-          <p:txBody>
-            <a:bodyPr rtlCol="0" anchor="ctr"/>
-            <a:lstStyle/>
-            <a:p>
-              <a:pPr algn="ctr"/>
-              <a:r>
-                <a:rPr lang="en-US" sz="1400" dirty="0"/>
-                <a:t>Prediction Aggregation (3.-5.) or Classification Head (6.)</a:t>
-              </a:r>
-            </a:p>
-          </p:txBody>
-        </p:sp>
-        <p:cxnSp>
-          <p:nvCxnSpPr>
-            <p:cNvPr id="49" name="Gekrümmte Verbindung 48">
-              <a:extLst>
-                <a:ext uri="{FF2B5EF4-FFF2-40B4-BE49-F238E27FC236}">
-                  <a16:creationId xmlns:a16="http://schemas.microsoft.com/office/drawing/2014/main" id="{EA13F107-747A-661C-54BF-B346A4CD2BBD}"/>
-                </a:ext>
-              </a:extLst>
-            </p:cNvPr>
-            <p:cNvCxnSpPr>
-              <a:cxnSpLocks/>
-              <a:stCxn id="22" idx="2"/>
-              <a:endCxn id="47" idx="0"/>
-            </p:cNvCxnSpPr>
-            <p:nvPr/>
-          </p:nvCxnSpPr>
-          <p:spPr>
-            <a:xfrm rot="16200000" flipH="1">
-              <a:off x="2282409" y="3139978"/>
-              <a:ext cx="672169" cy="436851"/>
-            </a:xfrm>
-            <a:prstGeom prst="curvedConnector3">
-              <a:avLst/>
-            </a:prstGeom>
-            <a:ln>
-              <a:tailEnd type="triangle"/>
-            </a:ln>
-          </p:spPr>
-          <p:style>
-            <a:lnRef idx="2">
-              <a:schemeClr val="accent1"/>
-            </a:lnRef>
-            <a:fillRef idx="0">
-              <a:schemeClr val="accent1"/>
-            </a:fillRef>
-            <a:effectRef idx="1">
-              <a:schemeClr val="accent1"/>
-            </a:effectRef>
-            <a:fontRef idx="minor">
-              <a:schemeClr val="tx1"/>
-            </a:fontRef>
-          </p:style>
-        </p:cxnSp>
-        <p:cxnSp>
-          <p:nvCxnSpPr>
-            <p:cNvPr id="50" name="Gekrümmte Verbindung 49">
-              <a:extLst>
-                <a:ext uri="{FF2B5EF4-FFF2-40B4-BE49-F238E27FC236}">
-                  <a16:creationId xmlns:a16="http://schemas.microsoft.com/office/drawing/2014/main" id="{A6DCF840-6AB4-0AF2-4ED2-7B9C5C600C12}"/>
-                </a:ext>
-              </a:extLst>
-            </p:cNvPr>
-            <p:cNvCxnSpPr>
-              <a:cxnSpLocks/>
-              <a:stCxn id="24" idx="2"/>
-              <a:endCxn id="47" idx="0"/>
-            </p:cNvCxnSpPr>
-            <p:nvPr/>
-          </p:nvCxnSpPr>
-          <p:spPr>
-            <a:xfrm rot="5400000">
-              <a:off x="2728825" y="3130414"/>
-              <a:ext cx="672169" cy="455980"/>
-            </a:xfrm>
-            <a:prstGeom prst="curvedConnector3">
-              <a:avLst/>
-            </a:prstGeom>
-            <a:ln>
-              <a:tailEnd type="triangle"/>
-            </a:ln>
-          </p:spPr>
-          <p:style>
-            <a:lnRef idx="2">
-              <a:schemeClr val="accent1"/>
-            </a:lnRef>
-            <a:fillRef idx="0">
-              <a:schemeClr val="accent1"/>
-            </a:fillRef>
-            <a:effectRef idx="1">
-              <a:schemeClr val="accent1"/>
-            </a:effectRef>
-            <a:fontRef idx="minor">
-              <a:schemeClr val="tx1"/>
-            </a:fontRef>
-          </p:style>
-        </p:cxnSp>
-        <p:cxnSp>
-          <p:nvCxnSpPr>
-            <p:cNvPr id="51" name="Gekrümmte Verbindung 50">
-              <a:extLst>
-                <a:ext uri="{FF2B5EF4-FFF2-40B4-BE49-F238E27FC236}">
-                  <a16:creationId xmlns:a16="http://schemas.microsoft.com/office/drawing/2014/main" id="{8BDA69B3-A073-1119-EB90-21FB070F1849}"/>
-                </a:ext>
-              </a:extLst>
-            </p:cNvPr>
-            <p:cNvCxnSpPr>
-              <a:cxnSpLocks/>
-              <a:stCxn id="25" idx="2"/>
-              <a:endCxn id="47" idx="0"/>
-            </p:cNvCxnSpPr>
-            <p:nvPr/>
-          </p:nvCxnSpPr>
-          <p:spPr>
-            <a:xfrm rot="5400000">
-              <a:off x="3173398" y="2685842"/>
-              <a:ext cx="672169" cy="1345125"/>
-            </a:xfrm>
-            <a:prstGeom prst="curvedConnector3">
-              <a:avLst/>
-            </a:prstGeom>
-            <a:ln>
-              <a:tailEnd type="triangle"/>
-            </a:ln>
-          </p:spPr>
-          <p:style>
-            <a:lnRef idx="2">
-              <a:schemeClr val="accent1"/>
-            </a:lnRef>
-            <a:fillRef idx="0">
-              <a:schemeClr val="accent1"/>
-            </a:fillRef>
-            <a:effectRef idx="1">
-              <a:schemeClr val="accent1"/>
-            </a:effectRef>
-            <a:fontRef idx="minor">
-              <a:schemeClr val="tx1"/>
-            </a:fontRef>
-          </p:style>
-        </p:cxnSp>
-        <p:sp>
-          <p:nvSpPr>
-            <p:cNvPr id="58" name="Abgerundetes Rechteck 57">
-              <a:extLst>
-                <a:ext uri="{FF2B5EF4-FFF2-40B4-BE49-F238E27FC236}">
-                  <a16:creationId xmlns:a16="http://schemas.microsoft.com/office/drawing/2014/main" id="{AE61FEE7-7EDC-0BE0-AA49-033E923D1A1D}"/>
-                </a:ext>
-              </a:extLst>
-            </p:cNvPr>
-            <p:cNvSpPr/>
-            <p:nvPr/>
-          </p:nvSpPr>
-          <p:spPr>
-            <a:xfrm>
-              <a:off x="2219897" y="4925526"/>
-              <a:ext cx="1234044" cy="792694"/>
-            </a:xfrm>
-            <a:prstGeom prst="roundRect">
-              <a:avLst/>
-            </a:prstGeom>
-          </p:spPr>
-          <p:style>
-            <a:lnRef idx="2">
-              <a:schemeClr val="accent1">
-                <a:shade val="15000"/>
-              </a:schemeClr>
-            </a:lnRef>
-            <a:fillRef idx="1">
-              <a:schemeClr val="accent1"/>
-            </a:fillRef>
-            <a:effectRef idx="0">
-              <a:schemeClr val="accent1"/>
-            </a:effectRef>
-            <a:fontRef idx="minor">
-              <a:schemeClr val="lt1"/>
-            </a:fontRef>
-          </p:style>
-          <p:txBody>
-            <a:bodyPr rtlCol="0" anchor="ctr"/>
-            <a:lstStyle/>
-            <a:p>
-              <a:pPr algn="ctr"/>
-              <a:r>
-                <a:rPr lang="en-US" sz="1400" dirty="0"/>
-                <a:t>Final Prediction</a:t>
-              </a:r>
-            </a:p>
-          </p:txBody>
-        </p:sp>
-        <p:cxnSp>
-          <p:nvCxnSpPr>
-            <p:cNvPr id="62" name="Gerade Verbindung mit Pfeil 61">
-              <a:extLst>
-                <a:ext uri="{FF2B5EF4-FFF2-40B4-BE49-F238E27FC236}">
-                  <a16:creationId xmlns:a16="http://schemas.microsoft.com/office/drawing/2014/main" id="{53D3579A-7154-A41D-ED0E-6BD7407E8025}"/>
-                </a:ext>
-              </a:extLst>
-            </p:cNvPr>
-            <p:cNvCxnSpPr>
-              <a:cxnSpLocks/>
-              <a:stCxn id="47" idx="2"/>
-              <a:endCxn id="58" idx="0"/>
-            </p:cNvCxnSpPr>
-            <p:nvPr/>
-          </p:nvCxnSpPr>
-          <p:spPr>
-            <a:xfrm>
-              <a:off x="2836919" y="4487183"/>
-              <a:ext cx="0" cy="438343"/>
-            </a:xfrm>
-            <a:prstGeom prst="straightConnector1">
-              <a:avLst/>
-            </a:prstGeom>
-            <a:ln>
-              <a:tailEnd type="triangle"/>
-            </a:ln>
-          </p:spPr>
-          <p:style>
-            <a:lnRef idx="2">
-              <a:schemeClr val="accent1"/>
-            </a:lnRef>
-            <a:fillRef idx="0">
-              <a:schemeClr val="accent1"/>
-            </a:fillRef>
-            <a:effectRef idx="1">
-              <a:schemeClr val="accent1"/>
-            </a:effectRef>
-            <a:fontRef idx="minor">
-              <a:schemeClr val="tx1"/>
-            </a:fontRef>
-          </p:style>
-        </p:cxnSp>
-        <p:sp>
-          <p:nvSpPr>
-            <p:cNvPr id="95" name="Textfeld 94">
-              <a:extLst>
-                <a:ext uri="{FF2B5EF4-FFF2-40B4-BE49-F238E27FC236}">
-                  <a16:creationId xmlns:a16="http://schemas.microsoft.com/office/drawing/2014/main" id="{A2E2ADA8-F6CF-C823-B266-F3C52A2D5EF3}"/>
-                </a:ext>
-              </a:extLst>
-            </p:cNvPr>
-            <p:cNvSpPr txBox="1"/>
-            <p:nvPr/>
-          </p:nvSpPr>
-          <p:spPr>
-            <a:xfrm>
-              <a:off x="285883" y="3174719"/>
-              <a:ext cx="2151655" cy="461665"/>
-            </a:xfrm>
-            <a:prstGeom prst="rect">
-              <a:avLst/>
-            </a:prstGeom>
-            <a:noFill/>
-          </p:spPr>
-          <p:txBody>
-            <a:bodyPr wrap="square" rtlCol="0">
-              <a:spAutoFit/>
-            </a:bodyPr>
-            <a:lstStyle/>
-            <a:p>
-              <a:r>
-                <a:rPr lang="en-US" sz="1200" dirty="0"/>
-                <a:t>Predictions (3.-5.) or </a:t>
-              </a:r>
-            </a:p>
-            <a:p>
-              <a:r>
-                <a:rPr lang="en-US" sz="1200" dirty="0"/>
-                <a:t>feature representation (6.)</a:t>
-              </a:r>
-            </a:p>
-          </p:txBody>
-        </p:sp>
-      </p:grpSp>
-      <p:grpSp>
-        <p:nvGrpSpPr>
-          <p:cNvPr id="99" name="Gruppieren 98">
-            <a:extLst>
-              <a:ext uri="{FF2B5EF4-FFF2-40B4-BE49-F238E27FC236}">
-                <a16:creationId xmlns:a16="http://schemas.microsoft.com/office/drawing/2014/main" id="{E8EE9106-D440-F35D-6EBE-4DD1442AF087}"/>
-              </a:ext>
-            </a:extLst>
-          </p:cNvPr>
-          <p:cNvGrpSpPr/>
-          <p:nvPr/>
-        </p:nvGrpSpPr>
-        <p:grpSpPr>
-          <a:xfrm>
-            <a:off x="597921" y="1291753"/>
-            <a:ext cx="6369269" cy="4740850"/>
-            <a:chOff x="5433848" y="1262877"/>
-            <a:chExt cx="6369269" cy="4740850"/>
-          </a:xfrm>
-        </p:grpSpPr>
-        <p:sp>
-          <p:nvSpPr>
-            <p:cNvPr id="5" name="Textfeld 4">
-              <a:extLst>
-                <a:ext uri="{FF2B5EF4-FFF2-40B4-BE49-F238E27FC236}">
-                  <a16:creationId xmlns:a16="http://schemas.microsoft.com/office/drawing/2014/main" id="{460A888B-086E-4E1C-DB23-94742FB5E4BE}"/>
-                </a:ext>
-              </a:extLst>
-            </p:cNvPr>
-            <p:cNvSpPr txBox="1"/>
-            <p:nvPr/>
-          </p:nvSpPr>
-          <p:spPr>
-            <a:xfrm>
-              <a:off x="5707117" y="1262877"/>
-              <a:ext cx="6096000" cy="4740850"/>
-            </a:xfrm>
-            <a:prstGeom prst="rect">
-              <a:avLst/>
-            </a:prstGeom>
-            <a:noFill/>
-          </p:spPr>
-          <p:txBody>
-            <a:bodyPr wrap="square">
-              <a:spAutoFit/>
-            </a:bodyPr>
-            <a:lstStyle/>
-            <a:p>
-              <a:pPr>
-                <a:lnSpc>
-                  <a:spcPts val="2560"/>
-                </a:lnSpc>
-              </a:pPr>
-              <a:r>
-                <a:rPr lang="de-DE" sz="2000" b="1" dirty="0"/>
-                <a:t>Roadmap:</a:t>
-              </a:r>
-            </a:p>
-            <a:p>
-              <a:pPr marL="342900" indent="-342900">
-                <a:lnSpc>
-                  <a:spcPts val="2560"/>
-                </a:lnSpc>
-                <a:buFont typeface="+mj-lt"/>
-                <a:buAutoNum type="arabicPeriod"/>
-              </a:pPr>
-              <a:r>
-                <a:rPr lang="de-DE" dirty="0" err="1"/>
-                <a:t>Exploratory</a:t>
-              </a:r>
-              <a:r>
-                <a:rPr lang="de-DE" dirty="0"/>
-                <a:t> Data Analysis </a:t>
-              </a:r>
-            </a:p>
-            <a:p>
-              <a:pPr marL="342900" indent="-342900">
-                <a:lnSpc>
-                  <a:spcPts val="2560"/>
-                </a:lnSpc>
-                <a:buFont typeface="+mj-lt"/>
-                <a:buAutoNum type="arabicPeriod"/>
-              </a:pPr>
-              <a:r>
-                <a:rPr lang="de-DE" dirty="0"/>
-                <a:t>Data </a:t>
-              </a:r>
-              <a:r>
-                <a:rPr lang="de-DE" dirty="0" err="1"/>
-                <a:t>Preprocessing</a:t>
-              </a:r>
-              <a:endParaRPr lang="de-DE" dirty="0"/>
-            </a:p>
-            <a:p>
-              <a:pPr marL="342900" indent="-342900">
-                <a:lnSpc>
-                  <a:spcPts val="2560"/>
-                </a:lnSpc>
-                <a:buFont typeface="+mj-lt"/>
-                <a:buAutoNum type="arabicPeriod"/>
-              </a:pPr>
-              <a:r>
-                <a:rPr lang="de-DE" dirty="0"/>
-                <a:t>Implement Baseline Model: Use </a:t>
-              </a:r>
-              <a:r>
-                <a:rPr lang="de-DE" dirty="0" err="1"/>
-                <a:t>the</a:t>
-              </a:r>
-              <a:r>
-                <a:rPr lang="de-DE" dirty="0"/>
-                <a:t> </a:t>
-              </a:r>
-              <a:r>
-                <a:rPr lang="de-DE" dirty="0" err="1"/>
-                <a:t>average</a:t>
-              </a:r>
-              <a:r>
-                <a:rPr lang="de-DE" dirty="0"/>
-                <a:t> </a:t>
-              </a:r>
-              <a:r>
-                <a:rPr lang="de-DE" dirty="0" err="1"/>
-                <a:t>prediction</a:t>
-              </a:r>
-              <a:r>
-                <a:rPr lang="de-DE" dirty="0"/>
-                <a:t> </a:t>
-              </a:r>
-              <a:r>
-                <a:rPr lang="de-DE" dirty="0" err="1"/>
-                <a:t>from</a:t>
-              </a:r>
-              <a:r>
-                <a:rPr lang="de-DE" dirty="0"/>
-                <a:t> 10 </a:t>
-              </a:r>
-              <a:r>
-                <a:rPr lang="de-DE" dirty="0" err="1"/>
-                <a:t>EfficientNets</a:t>
-              </a:r>
-              <a:r>
-                <a:rPr lang="de-DE" dirty="0"/>
-                <a:t> on </a:t>
-              </a:r>
-              <a:r>
-                <a:rPr lang="de-DE" dirty="0" err="1"/>
-                <a:t>the</a:t>
-              </a:r>
-              <a:r>
-                <a:rPr lang="de-DE" dirty="0"/>
-                <a:t> 10 </a:t>
-              </a:r>
-              <a:r>
-                <a:rPr lang="de-DE" dirty="0" err="1"/>
-                <a:t>most</a:t>
-              </a:r>
-              <a:r>
-                <a:rPr lang="de-DE" dirty="0"/>
-                <a:t> relevant </a:t>
-              </a:r>
-              <a:r>
-                <a:rPr lang="de-DE" dirty="0" err="1"/>
-                <a:t>slices</a:t>
-              </a:r>
-              <a:r>
-                <a:rPr lang="de-DE" dirty="0"/>
-                <a:t>.</a:t>
-              </a:r>
-            </a:p>
-            <a:p>
-              <a:pPr marL="342900" indent="-342900">
-                <a:lnSpc>
-                  <a:spcPts val="2560"/>
-                </a:lnSpc>
-                <a:buFont typeface="+mj-lt"/>
-                <a:buAutoNum type="arabicPeriod"/>
-              </a:pPr>
-              <a:r>
-                <a:rPr lang="de-DE" dirty="0" err="1"/>
-                <a:t>Weighted</a:t>
-              </a:r>
-              <a:r>
-                <a:rPr lang="de-DE" dirty="0"/>
-                <a:t> </a:t>
-              </a:r>
-              <a:r>
-                <a:rPr lang="de-DE" dirty="0" err="1"/>
-                <a:t>Prediction</a:t>
-              </a:r>
-              <a:r>
-                <a:rPr lang="de-DE" dirty="0"/>
-                <a:t> Aggregation</a:t>
-              </a:r>
-            </a:p>
-            <a:p>
-              <a:pPr marL="342900" indent="-342900">
-                <a:lnSpc>
-                  <a:spcPts val="2560"/>
-                </a:lnSpc>
-                <a:buFont typeface="+mj-lt"/>
-                <a:buAutoNum type="arabicPeriod"/>
-              </a:pPr>
-              <a:r>
-                <a:rPr lang="de-DE" dirty="0" err="1"/>
-                <a:t>Replace</a:t>
-              </a:r>
-              <a:r>
-                <a:rPr lang="de-DE" dirty="0"/>
-                <a:t> </a:t>
-              </a:r>
-              <a:r>
-                <a:rPr lang="de-DE" dirty="0" err="1"/>
-                <a:t>EfficientNets</a:t>
-              </a:r>
-              <a:r>
-                <a:rPr lang="de-DE" dirty="0"/>
-                <a:t> </a:t>
-              </a:r>
-              <a:r>
-                <a:rPr lang="de-DE" dirty="0" err="1"/>
-                <a:t>with</a:t>
-              </a:r>
-              <a:r>
-                <a:rPr lang="de-DE" dirty="0"/>
-                <a:t> Transformer-</a:t>
-              </a:r>
-              <a:r>
-                <a:rPr lang="de-DE" dirty="0" err="1"/>
-                <a:t>based</a:t>
-              </a:r>
-              <a:r>
-                <a:rPr lang="de-DE" dirty="0"/>
-                <a:t> </a:t>
-              </a:r>
-              <a:r>
-                <a:rPr lang="de-DE" dirty="0" err="1"/>
-                <a:t>model</a:t>
-              </a:r>
-              <a:endParaRPr lang="de-DE" dirty="0"/>
-            </a:p>
-            <a:p>
-              <a:pPr marL="342900" indent="-342900">
-                <a:lnSpc>
-                  <a:spcPts val="2560"/>
-                </a:lnSpc>
-                <a:buFont typeface="+mj-lt"/>
-                <a:buAutoNum type="arabicPeriod"/>
-              </a:pPr>
-              <a:r>
-                <a:rPr lang="de-DE" dirty="0"/>
-                <a:t>Remove </a:t>
-              </a:r>
-              <a:r>
-                <a:rPr lang="de-DE" dirty="0" err="1"/>
-                <a:t>the</a:t>
-              </a:r>
-              <a:r>
-                <a:rPr lang="de-DE" dirty="0"/>
-                <a:t> Classification Head </a:t>
-              </a:r>
-              <a:r>
-                <a:rPr lang="de-DE" dirty="0" err="1"/>
-                <a:t>from</a:t>
-              </a:r>
-              <a:r>
-                <a:rPr lang="de-DE" dirty="0"/>
-                <a:t> </a:t>
-              </a:r>
-              <a:r>
-                <a:rPr lang="de-DE" dirty="0" err="1"/>
-                <a:t>the</a:t>
-              </a:r>
-              <a:r>
-                <a:rPr lang="de-DE" dirty="0"/>
-                <a:t> </a:t>
-              </a:r>
-              <a:r>
-                <a:rPr lang="de-DE" dirty="0" err="1"/>
-                <a:t>model</a:t>
-              </a:r>
-              <a:r>
-                <a:rPr lang="de-DE" dirty="0"/>
-                <a:t>, </a:t>
-              </a:r>
-              <a:r>
-                <a:rPr lang="de-DE" dirty="0" err="1"/>
-                <a:t>concatenate</a:t>
-              </a:r>
-              <a:r>
-                <a:rPr lang="de-DE" dirty="0"/>
-                <a:t> </a:t>
-              </a:r>
-              <a:r>
-                <a:rPr lang="de-DE" dirty="0" err="1"/>
-                <a:t>the</a:t>
-              </a:r>
-              <a:r>
-                <a:rPr lang="de-DE" dirty="0"/>
-                <a:t> feature </a:t>
-              </a:r>
-              <a:r>
-                <a:rPr lang="de-DE" dirty="0" err="1"/>
-                <a:t>representations</a:t>
-              </a:r>
-              <a:r>
-                <a:rPr lang="de-DE" dirty="0"/>
-                <a:t>, and </a:t>
-              </a:r>
-              <a:r>
-                <a:rPr lang="de-DE" dirty="0" err="1"/>
-                <a:t>use</a:t>
-              </a:r>
-              <a:r>
-                <a:rPr lang="de-DE" dirty="0"/>
-                <a:t> a </a:t>
-              </a:r>
-              <a:r>
-                <a:rPr lang="de-DE" dirty="0" err="1"/>
-                <a:t>new</a:t>
-              </a:r>
-              <a:r>
-                <a:rPr lang="de-DE" dirty="0"/>
-                <a:t> Classification Head </a:t>
-              </a:r>
-              <a:r>
-                <a:rPr lang="de-DE" dirty="0" err="1"/>
-                <a:t>for</a:t>
-              </a:r>
-              <a:r>
-                <a:rPr lang="de-DE" dirty="0"/>
-                <a:t> </a:t>
-              </a:r>
-              <a:r>
-                <a:rPr lang="de-DE" dirty="0" err="1"/>
-                <a:t>prediction</a:t>
-              </a:r>
-              <a:r>
-                <a:rPr lang="de-DE" dirty="0"/>
-                <a:t> </a:t>
-              </a:r>
-              <a:r>
-                <a:rPr lang="de-DE" dirty="0" err="1"/>
-                <a:t>based</a:t>
-              </a:r>
-              <a:r>
-                <a:rPr lang="de-DE" dirty="0"/>
-                <a:t> on </a:t>
-              </a:r>
-              <a:r>
-                <a:rPr lang="de-DE" dirty="0" err="1"/>
-                <a:t>these</a:t>
-              </a:r>
-              <a:r>
-                <a:rPr lang="de-DE" dirty="0"/>
-                <a:t> feature </a:t>
-              </a:r>
-              <a:r>
-                <a:rPr lang="de-DE" dirty="0" err="1"/>
-                <a:t>representations</a:t>
-              </a:r>
-              <a:r>
-                <a:rPr lang="de-DE" dirty="0"/>
-                <a:t>.</a:t>
-              </a:r>
-            </a:p>
-            <a:p>
-              <a:pPr marL="342900" indent="-342900">
-                <a:lnSpc>
-                  <a:spcPts val="2560"/>
-                </a:lnSpc>
-                <a:buFont typeface="+mj-lt"/>
-                <a:buAutoNum type="arabicPeriod"/>
-              </a:pPr>
-              <a:r>
-                <a:rPr lang="de-DE" dirty="0"/>
-                <a:t>Implement Attention </a:t>
-              </a:r>
-              <a:r>
-                <a:rPr lang="de-DE" dirty="0" err="1"/>
-                <a:t>into</a:t>
-              </a:r>
-              <a:r>
-                <a:rPr lang="de-DE" dirty="0"/>
-                <a:t> </a:t>
-              </a:r>
-              <a:r>
-                <a:rPr lang="de-DE" dirty="0" err="1"/>
-                <a:t>the</a:t>
-              </a:r>
-              <a:r>
-                <a:rPr lang="de-DE" dirty="0"/>
-                <a:t> Classification Head</a:t>
-              </a:r>
-            </a:p>
-            <a:p>
-              <a:pPr marL="342900" indent="-342900">
-                <a:lnSpc>
-                  <a:spcPts val="2560"/>
-                </a:lnSpc>
-                <a:buFont typeface="+mj-lt"/>
-                <a:buAutoNum type="arabicPeriod"/>
-              </a:pPr>
-              <a:r>
-                <a:rPr lang="de-DE" dirty="0" err="1"/>
-                <a:t>Self</a:t>
-              </a:r>
-              <a:r>
-                <a:rPr lang="de-DE" dirty="0"/>
-                <a:t> </a:t>
-              </a:r>
-              <a:r>
-                <a:rPr lang="de-DE" dirty="0" err="1"/>
-                <a:t>Distillation</a:t>
-              </a:r>
-              <a:r>
-                <a:rPr lang="de-DE" dirty="0"/>
-                <a:t> </a:t>
-              </a:r>
-              <a:r>
-                <a:rPr lang="de-DE" dirty="0" err="1"/>
-                <a:t>of</a:t>
-              </a:r>
-              <a:r>
-                <a:rPr lang="de-DE" dirty="0"/>
-                <a:t> Training Labels</a:t>
-              </a:r>
-            </a:p>
-            <a:p>
-              <a:pPr marL="342900" indent="-342900">
-                <a:lnSpc>
-                  <a:spcPts val="2560"/>
-                </a:lnSpc>
-                <a:buFont typeface="+mj-lt"/>
-                <a:buAutoNum type="arabicPeriod"/>
-              </a:pPr>
-              <a:r>
-                <a:rPr lang="de-DE" dirty="0"/>
-                <a:t>Implement </a:t>
-              </a:r>
-              <a:r>
-                <a:rPr lang="de-DE" dirty="0" err="1"/>
-                <a:t>other</a:t>
-              </a:r>
-              <a:r>
-                <a:rPr lang="de-DE" dirty="0"/>
-                <a:t> </a:t>
-              </a:r>
-              <a:r>
-                <a:rPr lang="de-DE" dirty="0" err="1"/>
-                <a:t>state</a:t>
-              </a:r>
-              <a:r>
-                <a:rPr lang="de-DE" dirty="0"/>
-                <a:t>-</a:t>
-              </a:r>
-              <a:r>
-                <a:rPr lang="de-DE" dirty="0" err="1"/>
-                <a:t>of</a:t>
-              </a:r>
-              <a:r>
-                <a:rPr lang="de-DE" dirty="0"/>
-                <a:t>-</a:t>
-              </a:r>
-              <a:r>
-                <a:rPr lang="de-DE" dirty="0" err="1"/>
-                <a:t>the</a:t>
-              </a:r>
-              <a:r>
-                <a:rPr lang="de-DE" dirty="0"/>
-                <a:t>-art </a:t>
-              </a:r>
-              <a:r>
-                <a:rPr lang="de-DE" dirty="0" err="1"/>
-                <a:t>methodologies</a:t>
-              </a:r>
-              <a:endParaRPr lang="de-DE" dirty="0"/>
-            </a:p>
-          </p:txBody>
-        </p:sp>
-        <p:sp>
-          <p:nvSpPr>
-            <p:cNvPr id="96" name="Rechteck 95">
-              <a:extLst>
-                <a:ext uri="{FF2B5EF4-FFF2-40B4-BE49-F238E27FC236}">
-                  <a16:creationId xmlns:a16="http://schemas.microsoft.com/office/drawing/2014/main" id="{2BB163DD-4991-DB00-4483-0101D8A91CC4}"/>
-                </a:ext>
-              </a:extLst>
-            </p:cNvPr>
-            <p:cNvSpPr/>
-            <p:nvPr/>
-          </p:nvSpPr>
-          <p:spPr>
-            <a:xfrm>
-              <a:off x="5433848" y="1723204"/>
-              <a:ext cx="273269" cy="1902670"/>
-            </a:xfrm>
-            <a:prstGeom prst="rect">
-              <a:avLst/>
-            </a:prstGeom>
-            <a:solidFill>
-              <a:schemeClr val="accent6">
-                <a:lumMod val="50000"/>
-              </a:schemeClr>
-            </a:solidFill>
-            <a:ln>
-              <a:noFill/>
-            </a:ln>
-          </p:spPr>
-          <p:style>
-            <a:lnRef idx="2">
-              <a:schemeClr val="accent1">
-                <a:shade val="15000"/>
-              </a:schemeClr>
-            </a:lnRef>
-            <a:fillRef idx="1">
-              <a:schemeClr val="accent1"/>
-            </a:fillRef>
-            <a:effectRef idx="0">
-              <a:schemeClr val="accent1"/>
-            </a:effectRef>
-            <a:fontRef idx="minor">
-              <a:schemeClr val="lt1"/>
-            </a:fontRef>
-          </p:style>
-          <p:txBody>
-            <a:bodyPr vert="vert270" rtlCol="0" anchor="ctr"/>
-            <a:lstStyle/>
-            <a:p>
-              <a:pPr algn="ctr"/>
-              <a:r>
-                <a:rPr lang="en-US" sz="1600" dirty="0"/>
-                <a:t>Must have</a:t>
-              </a:r>
-            </a:p>
-          </p:txBody>
-        </p:sp>
-        <p:sp>
-          <p:nvSpPr>
-            <p:cNvPr id="97" name="Rechteck 96">
-              <a:extLst>
-                <a:ext uri="{FF2B5EF4-FFF2-40B4-BE49-F238E27FC236}">
-                  <a16:creationId xmlns:a16="http://schemas.microsoft.com/office/drawing/2014/main" id="{33412D13-3A73-CB8E-58FF-EFB40A5BD154}"/>
-                </a:ext>
-              </a:extLst>
-            </p:cNvPr>
-            <p:cNvSpPr/>
-            <p:nvPr/>
-          </p:nvSpPr>
-          <p:spPr>
-            <a:xfrm>
-              <a:off x="5433848" y="3636384"/>
-              <a:ext cx="273269" cy="1289142"/>
-            </a:xfrm>
-            <a:prstGeom prst="rect">
-              <a:avLst/>
-            </a:prstGeom>
-            <a:solidFill>
-              <a:schemeClr val="accent2"/>
-            </a:solidFill>
-            <a:ln>
-              <a:noFill/>
-            </a:ln>
-          </p:spPr>
-          <p:style>
-            <a:lnRef idx="2">
-              <a:schemeClr val="accent1">
-                <a:shade val="15000"/>
-              </a:schemeClr>
-            </a:lnRef>
-            <a:fillRef idx="1">
-              <a:schemeClr val="accent1"/>
-            </a:fillRef>
-            <a:effectRef idx="0">
-              <a:schemeClr val="accent1"/>
-            </a:effectRef>
-            <a:fontRef idx="minor">
-              <a:schemeClr val="lt1"/>
-            </a:fontRef>
-          </p:style>
-          <p:txBody>
-            <a:bodyPr vert="vert270" rtlCol="0" anchor="ctr"/>
-            <a:lstStyle/>
-            <a:p>
-              <a:pPr algn="ctr"/>
-              <a:r>
-                <a:rPr lang="en-US" sz="1600" dirty="0"/>
-                <a:t>Nice to have</a:t>
-              </a:r>
-            </a:p>
-          </p:txBody>
-        </p:sp>
-        <p:sp>
-          <p:nvSpPr>
-            <p:cNvPr id="98" name="Rechteck 97">
-              <a:extLst>
-                <a:ext uri="{FF2B5EF4-FFF2-40B4-BE49-F238E27FC236}">
-                  <a16:creationId xmlns:a16="http://schemas.microsoft.com/office/drawing/2014/main" id="{D5161A43-2CEF-32C4-8D34-B71C313AB9B5}"/>
-                </a:ext>
-              </a:extLst>
-            </p:cNvPr>
-            <p:cNvSpPr/>
-            <p:nvPr/>
-          </p:nvSpPr>
-          <p:spPr>
-            <a:xfrm>
-              <a:off x="5433848" y="4940042"/>
-              <a:ext cx="273269" cy="964196"/>
-            </a:xfrm>
-            <a:prstGeom prst="rect">
-              <a:avLst/>
-            </a:prstGeom>
-            <a:solidFill>
-              <a:schemeClr val="accent5">
-                <a:lumMod val="50000"/>
-              </a:schemeClr>
-            </a:solidFill>
-            <a:ln>
-              <a:noFill/>
-            </a:ln>
-          </p:spPr>
-          <p:style>
-            <a:lnRef idx="2">
-              <a:schemeClr val="accent1">
-                <a:shade val="15000"/>
-              </a:schemeClr>
-            </a:lnRef>
-            <a:fillRef idx="1">
-              <a:schemeClr val="accent1"/>
-            </a:fillRef>
-            <a:effectRef idx="0">
-              <a:schemeClr val="accent1"/>
-            </a:effectRef>
-            <a:fontRef idx="minor">
-              <a:schemeClr val="lt1"/>
-            </a:fontRef>
-          </p:style>
-          <p:txBody>
-            <a:bodyPr vert="vert270" rtlCol="0" anchor="ctr"/>
-            <a:lstStyle/>
-            <a:p>
-              <a:pPr algn="ctr"/>
-              <a:r>
-                <a:rPr lang="en-US" sz="1600" dirty="0"/>
-                <a:t>Let’s see</a:t>
-              </a:r>
-            </a:p>
-          </p:txBody>
-        </p:sp>
-      </p:grpSp>
       <p:sp>
         <p:nvSpPr>
-          <p:cNvPr id="104" name="Titel 1">
-            <a:extLst>
-              <a:ext uri="{FF2B5EF4-FFF2-40B4-BE49-F238E27FC236}">
-                <a16:creationId xmlns:a16="http://schemas.microsoft.com/office/drawing/2014/main" id="{2BE328A2-E7A7-7E6D-AA6C-27FCB0E6D4D7}"/>
+          <p:cNvPr id="4" name="Foliennummernplatzhalter 3">
+            <a:extLst>
+              <a:ext uri="{FF2B5EF4-FFF2-40B4-BE49-F238E27FC236}">
+                <a16:creationId xmlns:a16="http://schemas.microsoft.com/office/drawing/2014/main" id="{CEC8E0B7-32B8-5726-AB42-2F03FB4A01F9}"/>
+              </a:ext>
+            </a:extLst>
+          </p:cNvPr>
+          <p:cNvSpPr>
+            <a:spLocks noGrp="1"/>
+          </p:cNvSpPr>
+          <p:nvPr>
+            <p:ph type="sldNum" sz="quarter" idx="12"/>
+          </p:nvPr>
+        </p:nvSpPr>
+        <p:spPr/>
+        <p:txBody>
+          <a:bodyPr/>
+          <a:lstStyle/>
+          <a:p>
+            <a:fld id="{4BEC7EF7-4506-1E42-9433-EDC596BA2DDB}" type="slidenum">
+              <a:rPr lang="de-DE" smtClean="0"/>
+              <a:t>15</a:t>
+            </a:fld>
+            <a:endParaRPr lang="de-DE"/>
+          </a:p>
+        </p:txBody>
+      </p:sp>
+      <p:pic>
+        <p:nvPicPr>
+          <p:cNvPr id="3" name="Grafik 2">
+            <a:extLst>
+              <a:ext uri="{FF2B5EF4-FFF2-40B4-BE49-F238E27FC236}">
+                <a16:creationId xmlns:a16="http://schemas.microsoft.com/office/drawing/2014/main" id="{08AA295A-F688-2A9A-1315-B3032985F52B}"/>
+              </a:ext>
+            </a:extLst>
+          </p:cNvPr>
+          <p:cNvPicPr>
+            <a:picLocks noChangeAspect="1"/>
+          </p:cNvPicPr>
+          <p:nvPr/>
+        </p:nvPicPr>
+        <p:blipFill>
+          <a:blip r:embed="rId2"/>
+          <a:stretch>
+            <a:fillRect/>
+          </a:stretch>
+        </p:blipFill>
+        <p:spPr>
+          <a:xfrm>
+            <a:off x="367201" y="326452"/>
+            <a:ext cx="11457598" cy="4733655"/>
+          </a:xfrm>
+          <a:prstGeom prst="rect">
+            <a:avLst/>
+          </a:prstGeom>
+        </p:spPr>
+      </p:pic>
+      <p:sp>
+        <p:nvSpPr>
+          <p:cNvPr id="11" name="Textfeld 10">
+            <a:extLst>
+              <a:ext uri="{FF2B5EF4-FFF2-40B4-BE49-F238E27FC236}">
+                <a16:creationId xmlns:a16="http://schemas.microsoft.com/office/drawing/2014/main" id="{1BCF7468-DE5A-06BC-502C-E50507C896FA}"/>
+              </a:ext>
+            </a:extLst>
+          </p:cNvPr>
+          <p:cNvSpPr txBox="1"/>
+          <p:nvPr/>
+        </p:nvSpPr>
+        <p:spPr>
+          <a:xfrm>
+            <a:off x="838200" y="5054220"/>
+            <a:ext cx="7438639" cy="1477328"/>
+          </a:xfrm>
+          <a:prstGeom prst="rect">
+            <a:avLst/>
+          </a:prstGeom>
+          <a:noFill/>
+        </p:spPr>
+        <p:txBody>
+          <a:bodyPr wrap="none" rtlCol="0">
+            <a:spAutoFit/>
+          </a:bodyPr>
+          <a:lstStyle/>
+          <a:p>
+            <a:pPr marL="285750" indent="-285750">
+              <a:buFont typeface="Wingdings" pitchFamily="2" charset="2"/>
+              <a:buChar char="Ø"/>
+            </a:pPr>
+            <a:r>
+              <a:rPr lang="en-US" dirty="0">
+                <a:latin typeface="Libertinus Serif" panose="02000503000000000000" pitchFamily="2" charset="0"/>
+                <a:ea typeface="Libertinus Serif" panose="02000503000000000000" pitchFamily="2" charset="0"/>
+                <a:cs typeface="Libertinus Serif" panose="02000503000000000000" pitchFamily="2" charset="0"/>
+              </a:rPr>
+              <a:t>Aggregation of other slice models improves the performance</a:t>
+            </a:r>
+          </a:p>
+          <a:p>
+            <a:pPr marL="285750" indent="-285750">
+              <a:buFont typeface="Wingdings" pitchFamily="2" charset="2"/>
+              <a:buChar char="Ø"/>
+            </a:pPr>
+            <a:r>
+              <a:rPr lang="en-US" dirty="0">
+                <a:latin typeface="Libertinus Serif" panose="02000503000000000000" pitchFamily="2" charset="0"/>
+                <a:ea typeface="Libertinus Serif" panose="02000503000000000000" pitchFamily="2" charset="0"/>
+                <a:cs typeface="Libertinus Serif" panose="02000503000000000000" pitchFamily="2" charset="0"/>
+              </a:rPr>
+              <a:t>Sampling strategy improves </a:t>
+            </a:r>
+            <a:r>
+              <a:rPr lang="en-US" dirty="0" err="1">
+                <a:latin typeface="Libertinus Serif" panose="02000503000000000000" pitchFamily="2" charset="0"/>
+                <a:ea typeface="Libertinus Serif" panose="02000503000000000000" pitchFamily="2" charset="0"/>
+                <a:cs typeface="Libertinus Serif" panose="02000503000000000000" pitchFamily="2" charset="0"/>
+              </a:rPr>
+              <a:t>EfficientNet</a:t>
+            </a:r>
+            <a:r>
+              <a:rPr lang="en-US" dirty="0">
+                <a:latin typeface="Libertinus Serif" panose="02000503000000000000" pitchFamily="2" charset="0"/>
+                <a:ea typeface="Libertinus Serif" panose="02000503000000000000" pitchFamily="2" charset="0"/>
+                <a:cs typeface="Libertinus Serif" panose="02000503000000000000" pitchFamily="2" charset="0"/>
+              </a:rPr>
+              <a:t> based model significantly</a:t>
+            </a:r>
+          </a:p>
+          <a:p>
+            <a:pPr marL="285750" indent="-285750">
+              <a:buFont typeface="Wingdings" pitchFamily="2" charset="2"/>
+              <a:buChar char="Ø"/>
+            </a:pPr>
+            <a:r>
+              <a:rPr lang="en-US" dirty="0" err="1">
+                <a:latin typeface="Libertinus Serif" panose="02000503000000000000" pitchFamily="2" charset="0"/>
+                <a:ea typeface="Libertinus Serif" panose="02000503000000000000" pitchFamily="2" charset="0"/>
+                <a:cs typeface="Libertinus Serif" panose="02000503000000000000" pitchFamily="2" charset="0"/>
+              </a:rPr>
+              <a:t>MobileVit</a:t>
+            </a:r>
+            <a:r>
+              <a:rPr lang="en-US" dirty="0">
+                <a:latin typeface="Libertinus Serif" panose="02000503000000000000" pitchFamily="2" charset="0"/>
+                <a:ea typeface="Libertinus Serif" panose="02000503000000000000" pitchFamily="2" charset="0"/>
+                <a:cs typeface="Libertinus Serif" panose="02000503000000000000" pitchFamily="2" charset="0"/>
+              </a:rPr>
+              <a:t> strategies all on relatively high level compared to </a:t>
+            </a:r>
+            <a:r>
+              <a:rPr lang="en-US" dirty="0" err="1">
+                <a:latin typeface="Libertinus Serif" panose="02000503000000000000" pitchFamily="2" charset="0"/>
+                <a:ea typeface="Libertinus Serif" panose="02000503000000000000" pitchFamily="2" charset="0"/>
+                <a:cs typeface="Libertinus Serif" panose="02000503000000000000" pitchFamily="2" charset="0"/>
+              </a:rPr>
+              <a:t>Efficientnet</a:t>
+            </a:r>
+            <a:endParaRPr lang="en-US" dirty="0">
+              <a:latin typeface="Libertinus Serif" panose="02000503000000000000" pitchFamily="2" charset="0"/>
+              <a:ea typeface="Libertinus Serif" panose="02000503000000000000" pitchFamily="2" charset="0"/>
+              <a:cs typeface="Libertinus Serif" panose="02000503000000000000" pitchFamily="2" charset="0"/>
+            </a:endParaRPr>
+          </a:p>
+          <a:p>
+            <a:pPr marL="285750" indent="-285750">
+              <a:buFont typeface="Wingdings" pitchFamily="2" charset="2"/>
+              <a:buChar char="Ø"/>
+            </a:pPr>
+            <a:r>
+              <a:rPr lang="en-US" dirty="0">
+                <a:latin typeface="Libertinus Serif" panose="02000503000000000000" pitchFamily="2" charset="0"/>
+                <a:ea typeface="Libertinus Serif" panose="02000503000000000000" pitchFamily="2" charset="0"/>
+                <a:cs typeface="Libertinus Serif" panose="02000503000000000000" pitchFamily="2" charset="0"/>
+              </a:rPr>
+              <a:t>Self Distillation weakened performance</a:t>
+            </a:r>
+          </a:p>
+          <a:p>
+            <a:pPr marL="285750" indent="-285750">
+              <a:buFont typeface="Wingdings" pitchFamily="2" charset="2"/>
+              <a:buChar char="Ø"/>
+            </a:pPr>
+            <a:r>
+              <a:rPr lang="en-US" dirty="0">
+                <a:latin typeface="Libertinus Serif" panose="02000503000000000000" pitchFamily="2" charset="0"/>
+                <a:ea typeface="Libertinus Serif" panose="02000503000000000000" pitchFamily="2" charset="0"/>
+                <a:cs typeface="Libertinus Serif" panose="02000503000000000000" pitchFamily="2" charset="0"/>
+              </a:rPr>
+              <a:t>Average F1 Score is generally very low</a:t>
+            </a:r>
+          </a:p>
+        </p:txBody>
+      </p:sp>
+    </p:spTree>
+    <p:extLst>
+      <p:ext uri="{BB962C8B-B14F-4D97-AF65-F5344CB8AC3E}">
+        <p14:creationId xmlns:p14="http://schemas.microsoft.com/office/powerpoint/2010/main" val="2807720630"/>
+      </p:ext>
+    </p:extLst>
+  </p:cSld>
+  <p:clrMapOvr>
+    <a:masterClrMapping/>
+  </p:clrMapOvr>
+</p:sld>
+</file>
+
+<file path=ppt/slides/slide16.xml><?xml version="1.0" encoding="utf-8"?>
+<p:sld xmlns:a="http://schemas.openxmlformats.org/drawingml/2006/main" xmlns:r="http://schemas.openxmlformats.org/officeDocument/2006/relationships" xmlns:p="http://schemas.openxmlformats.org/presentationml/2006/main">
+  <p:cSld>
+    <p:spTree>
+      <p:nvGrpSpPr>
+        <p:cNvPr id="1" name="">
+          <a:extLst>
+            <a:ext uri="{FF2B5EF4-FFF2-40B4-BE49-F238E27FC236}">
+              <a16:creationId xmlns:a16="http://schemas.microsoft.com/office/drawing/2014/main" id="{E354F627-5034-3318-6E4E-935B83387E19}"/>
+            </a:ext>
+          </a:extLst>
+        </p:cNvPr>
+        <p:cNvGrpSpPr/>
+        <p:nvPr/>
+      </p:nvGrpSpPr>
+      <p:grpSpPr>
+        <a:xfrm>
+          <a:off x="0" y="0"/>
+          <a:ext cx="0" cy="0"/>
+          <a:chOff x="0" y="0"/>
+          <a:chExt cx="0" cy="0"/>
+        </a:xfrm>
+      </p:grpSpPr>
+      <p:sp>
+        <p:nvSpPr>
+          <p:cNvPr id="4" name="Foliennummernplatzhalter 3">
+            <a:extLst>
+              <a:ext uri="{FF2B5EF4-FFF2-40B4-BE49-F238E27FC236}">
+                <a16:creationId xmlns:a16="http://schemas.microsoft.com/office/drawing/2014/main" id="{F9DBCCA2-0910-BFCD-1BA9-4EB099B5F309}"/>
+              </a:ext>
+            </a:extLst>
+          </p:cNvPr>
+          <p:cNvSpPr>
+            <a:spLocks noGrp="1"/>
+          </p:cNvSpPr>
+          <p:nvPr>
+            <p:ph type="sldNum" sz="quarter" idx="12"/>
+          </p:nvPr>
+        </p:nvSpPr>
+        <p:spPr/>
+        <p:txBody>
+          <a:bodyPr/>
+          <a:lstStyle/>
+          <a:p>
+            <a:fld id="{4BEC7EF7-4506-1E42-9433-EDC596BA2DDB}" type="slidenum">
+              <a:rPr lang="de-DE" smtClean="0"/>
+              <a:t>16</a:t>
+            </a:fld>
+            <a:endParaRPr lang="de-DE"/>
+          </a:p>
+        </p:txBody>
+      </p:sp>
+      <p:pic>
+        <p:nvPicPr>
+          <p:cNvPr id="9" name="Grafik 8">
+            <a:extLst>
+              <a:ext uri="{FF2B5EF4-FFF2-40B4-BE49-F238E27FC236}">
+                <a16:creationId xmlns:a16="http://schemas.microsoft.com/office/drawing/2014/main" id="{03CA68A7-0593-D315-B132-34D7D8E8391E}"/>
+              </a:ext>
+            </a:extLst>
+          </p:cNvPr>
+          <p:cNvPicPr>
+            <a:picLocks noChangeAspect="1"/>
+          </p:cNvPicPr>
+          <p:nvPr/>
+        </p:nvPicPr>
+        <p:blipFill>
+          <a:blip r:embed="rId2"/>
+          <a:stretch>
+            <a:fillRect/>
+          </a:stretch>
+        </p:blipFill>
+        <p:spPr>
+          <a:xfrm>
+            <a:off x="129746" y="1004405"/>
+            <a:ext cx="11932508" cy="4196046"/>
+          </a:xfrm>
+          <a:prstGeom prst="rect">
+            <a:avLst/>
+          </a:prstGeom>
+        </p:spPr>
+      </p:pic>
+      <p:sp>
+        <p:nvSpPr>
+          <p:cNvPr id="2" name="Textfeld 1">
+            <a:extLst>
+              <a:ext uri="{FF2B5EF4-FFF2-40B4-BE49-F238E27FC236}">
+                <a16:creationId xmlns:a16="http://schemas.microsoft.com/office/drawing/2014/main" id="{F6C3D026-50DA-1EA8-4B7E-B3B09E4835AA}"/>
+              </a:ext>
+            </a:extLst>
+          </p:cNvPr>
+          <p:cNvSpPr txBox="1"/>
+          <p:nvPr/>
+        </p:nvSpPr>
+        <p:spPr>
+          <a:xfrm>
+            <a:off x="838200" y="5430446"/>
+            <a:ext cx="5524269" cy="646331"/>
+          </a:xfrm>
+          <a:prstGeom prst="rect">
+            <a:avLst/>
+          </a:prstGeom>
+          <a:noFill/>
+        </p:spPr>
+        <p:txBody>
+          <a:bodyPr wrap="none" rtlCol="0">
+            <a:spAutoFit/>
+          </a:bodyPr>
+          <a:lstStyle/>
+          <a:p>
+            <a:pPr marL="285750" indent="-285750">
+              <a:buFont typeface="Wingdings" pitchFamily="2" charset="2"/>
+              <a:buChar char="Ø"/>
+            </a:pPr>
+            <a:r>
+              <a:rPr lang="en-US" dirty="0">
+                <a:latin typeface="Libertinus Serif" panose="02000503000000000000" pitchFamily="2" charset="0"/>
+                <a:ea typeface="Libertinus Serif" panose="02000503000000000000" pitchFamily="2" charset="0"/>
+                <a:cs typeface="Libertinus Serif" panose="02000503000000000000" pitchFamily="2" charset="0"/>
+              </a:rPr>
+              <a:t>Low overall score due to </a:t>
+            </a:r>
+            <a:r>
+              <a:rPr lang="en-US" dirty="0" err="1">
+                <a:latin typeface="Libertinus Serif" panose="02000503000000000000" pitchFamily="2" charset="0"/>
+                <a:ea typeface="Libertinus Serif" panose="02000503000000000000" pitchFamily="2" charset="0"/>
+                <a:cs typeface="Libertinus Serif" panose="02000503000000000000" pitchFamily="2" charset="0"/>
+              </a:rPr>
+              <a:t>unability</a:t>
+            </a:r>
+            <a:r>
+              <a:rPr lang="en-US" dirty="0">
+                <a:latin typeface="Libertinus Serif" panose="02000503000000000000" pitchFamily="2" charset="0"/>
+                <a:ea typeface="Libertinus Serif" panose="02000503000000000000" pitchFamily="2" charset="0"/>
+                <a:cs typeface="Libertinus Serif" panose="02000503000000000000" pitchFamily="2" charset="0"/>
+              </a:rPr>
+              <a:t> to predict mild AD</a:t>
+            </a:r>
+          </a:p>
+          <a:p>
+            <a:pPr marL="285750" indent="-285750">
+              <a:buFont typeface="Wingdings" pitchFamily="2" charset="2"/>
+              <a:buChar char="Ø"/>
+            </a:pPr>
+            <a:r>
+              <a:rPr lang="en-US" dirty="0">
+                <a:latin typeface="Libertinus Serif" panose="02000503000000000000" pitchFamily="2" charset="0"/>
+                <a:ea typeface="Libertinus Serif" panose="02000503000000000000" pitchFamily="2" charset="0"/>
+                <a:cs typeface="Libertinus Serif" panose="02000503000000000000" pitchFamily="2" charset="0"/>
+              </a:rPr>
+              <a:t>Change in score mostly for very mild AD</a:t>
+            </a:r>
+          </a:p>
+        </p:txBody>
+      </p:sp>
+    </p:spTree>
+    <p:extLst>
+      <p:ext uri="{BB962C8B-B14F-4D97-AF65-F5344CB8AC3E}">
+        <p14:creationId xmlns:p14="http://schemas.microsoft.com/office/powerpoint/2010/main" val="1424075501"/>
+      </p:ext>
+    </p:extLst>
+  </p:cSld>
+  <p:clrMapOvr>
+    <a:masterClrMapping/>
+  </p:clrMapOvr>
+</p:sld>
+</file>
+
+<file path=ppt/slides/slide17.xml><?xml version="1.0" encoding="utf-8"?>
+<p:sld xmlns:a="http://schemas.openxmlformats.org/drawingml/2006/main" xmlns:r="http://schemas.openxmlformats.org/officeDocument/2006/relationships" xmlns:p="http://schemas.openxmlformats.org/presentationml/2006/main">
+  <p:cSld>
+    <p:spTree>
+      <p:nvGrpSpPr>
+        <p:cNvPr id="1" name="">
+          <a:extLst>
+            <a:ext uri="{FF2B5EF4-FFF2-40B4-BE49-F238E27FC236}">
+              <a16:creationId xmlns:a16="http://schemas.microsoft.com/office/drawing/2014/main" id="{97F41EDE-7787-9C4A-AE2C-F05FBD0DDA20}"/>
+            </a:ext>
+          </a:extLst>
+        </p:cNvPr>
+        <p:cNvGrpSpPr/>
+        <p:nvPr/>
+      </p:nvGrpSpPr>
+      <p:grpSpPr>
+        <a:xfrm>
+          <a:off x="0" y="0"/>
+          <a:ext cx="0" cy="0"/>
+          <a:chOff x="0" y="0"/>
+          <a:chExt cx="0" cy="0"/>
+        </a:xfrm>
+      </p:grpSpPr>
+      <p:sp>
+        <p:nvSpPr>
+          <p:cNvPr id="4" name="Foliennummernplatzhalter 3">
+            <a:extLst>
+              <a:ext uri="{FF2B5EF4-FFF2-40B4-BE49-F238E27FC236}">
+                <a16:creationId xmlns:a16="http://schemas.microsoft.com/office/drawing/2014/main" id="{1B87B66A-EA2C-5C8F-5196-C27A584F09CF}"/>
+              </a:ext>
+            </a:extLst>
+          </p:cNvPr>
+          <p:cNvSpPr>
+            <a:spLocks noGrp="1"/>
+          </p:cNvSpPr>
+          <p:nvPr>
+            <p:ph type="sldNum" sz="quarter" idx="12"/>
+          </p:nvPr>
+        </p:nvSpPr>
+        <p:spPr/>
+        <p:txBody>
+          <a:bodyPr/>
+          <a:lstStyle/>
+          <a:p>
+            <a:fld id="{4BEC7EF7-4506-1E42-9433-EDC596BA2DDB}" type="slidenum">
+              <a:rPr lang="de-DE" smtClean="0"/>
+              <a:t>17</a:t>
+            </a:fld>
+            <a:endParaRPr lang="de-DE"/>
+          </a:p>
+        </p:txBody>
+      </p:sp>
+      <p:pic>
+        <p:nvPicPr>
+          <p:cNvPr id="6" name="Grafik 5">
+            <a:extLst>
+              <a:ext uri="{FF2B5EF4-FFF2-40B4-BE49-F238E27FC236}">
+                <a16:creationId xmlns:a16="http://schemas.microsoft.com/office/drawing/2014/main" id="{D64E379A-57A1-D2B6-FB2E-55158EED423D}"/>
+              </a:ext>
+            </a:extLst>
+          </p:cNvPr>
+          <p:cNvPicPr>
+            <a:picLocks noChangeAspect="1"/>
+          </p:cNvPicPr>
+          <p:nvPr/>
+        </p:nvPicPr>
+        <p:blipFill>
+          <a:blip r:embed="rId3"/>
+          <a:stretch>
+            <a:fillRect/>
+          </a:stretch>
+        </p:blipFill>
+        <p:spPr>
+          <a:xfrm>
+            <a:off x="344848" y="1066800"/>
+            <a:ext cx="11502304" cy="4724400"/>
+          </a:xfrm>
+          <a:prstGeom prst="rect">
+            <a:avLst/>
+          </a:prstGeom>
+        </p:spPr>
+      </p:pic>
+    </p:spTree>
+    <p:extLst>
+      <p:ext uri="{BB962C8B-B14F-4D97-AF65-F5344CB8AC3E}">
+        <p14:creationId xmlns:p14="http://schemas.microsoft.com/office/powerpoint/2010/main" val="3261657148"/>
+      </p:ext>
+    </p:extLst>
+  </p:cSld>
+  <p:clrMapOvr>
+    <a:masterClrMapping/>
+  </p:clrMapOvr>
+</p:sld>
+</file>
+
+<file path=ppt/slides/slide18.xml><?xml version="1.0" encoding="utf-8"?>
+<p:sld xmlns:a="http://schemas.openxmlformats.org/drawingml/2006/main" xmlns:r="http://schemas.openxmlformats.org/officeDocument/2006/relationships" xmlns:p="http://schemas.openxmlformats.org/presentationml/2006/main">
+  <p:cSld>
+    <p:spTree>
+      <p:nvGrpSpPr>
+        <p:cNvPr id="1" name=""/>
+        <p:cNvGrpSpPr/>
+        <p:nvPr/>
+      </p:nvGrpSpPr>
+      <p:grpSpPr>
+        <a:xfrm>
+          <a:off x="0" y="0"/>
+          <a:ext cx="0" cy="0"/>
+          <a:chOff x="0" y="0"/>
+          <a:chExt cx="0" cy="0"/>
+        </a:xfrm>
+      </p:grpSpPr>
+      <p:sp>
+        <p:nvSpPr>
+          <p:cNvPr id="4" name="Foliennummernplatzhalter 3">
+            <a:extLst>
+              <a:ext uri="{FF2B5EF4-FFF2-40B4-BE49-F238E27FC236}">
+                <a16:creationId xmlns:a16="http://schemas.microsoft.com/office/drawing/2014/main" id="{7C8643E3-766B-B14A-18B2-2C9A9ECF7B0B}"/>
+              </a:ext>
+            </a:extLst>
+          </p:cNvPr>
+          <p:cNvSpPr>
+            <a:spLocks noGrp="1"/>
+          </p:cNvSpPr>
+          <p:nvPr>
+            <p:ph type="sldNum" sz="quarter" idx="12"/>
+          </p:nvPr>
+        </p:nvSpPr>
+        <p:spPr/>
+        <p:txBody>
+          <a:bodyPr/>
+          <a:lstStyle/>
+          <a:p>
+            <a:fld id="{4BEC7EF7-4506-1E42-9433-EDC596BA2DDB}" type="slidenum">
+              <a:rPr lang="de-DE" smtClean="0"/>
+              <a:t>18</a:t>
+            </a:fld>
+            <a:endParaRPr lang="de-DE"/>
+          </a:p>
+        </p:txBody>
+      </p:sp>
+      <p:pic>
+        <p:nvPicPr>
+          <p:cNvPr id="6" name="Grafik 5">
+            <a:extLst>
+              <a:ext uri="{FF2B5EF4-FFF2-40B4-BE49-F238E27FC236}">
+                <a16:creationId xmlns:a16="http://schemas.microsoft.com/office/drawing/2014/main" id="{373E9F6B-6A18-12FB-B684-B1D008878A27}"/>
+              </a:ext>
+            </a:extLst>
+          </p:cNvPr>
+          <p:cNvPicPr>
+            <a:picLocks noChangeAspect="1"/>
+          </p:cNvPicPr>
+          <p:nvPr/>
+        </p:nvPicPr>
+        <p:blipFill>
+          <a:blip r:embed="rId3"/>
+          <a:stretch>
+            <a:fillRect/>
+          </a:stretch>
+        </p:blipFill>
+        <p:spPr>
+          <a:xfrm>
+            <a:off x="119743" y="1162359"/>
+            <a:ext cx="11952514" cy="4203081"/>
+          </a:xfrm>
+          <a:prstGeom prst="rect">
+            <a:avLst/>
+          </a:prstGeom>
+        </p:spPr>
+      </p:pic>
+      <p:sp>
+        <p:nvSpPr>
+          <p:cNvPr id="7" name="Textfeld 6">
+            <a:extLst>
+              <a:ext uri="{FF2B5EF4-FFF2-40B4-BE49-F238E27FC236}">
+                <a16:creationId xmlns:a16="http://schemas.microsoft.com/office/drawing/2014/main" id="{4C3F6DBC-316A-8A54-3519-9AECF57E92C6}"/>
+              </a:ext>
+            </a:extLst>
+          </p:cNvPr>
+          <p:cNvSpPr txBox="1"/>
+          <p:nvPr/>
+        </p:nvSpPr>
+        <p:spPr>
+          <a:xfrm>
+            <a:off x="838200" y="5430446"/>
+            <a:ext cx="8217314" cy="369332"/>
+          </a:xfrm>
+          <a:prstGeom prst="rect">
+            <a:avLst/>
+          </a:prstGeom>
+          <a:noFill/>
+        </p:spPr>
+        <p:txBody>
+          <a:bodyPr wrap="none" rtlCol="0">
+            <a:spAutoFit/>
+          </a:bodyPr>
+          <a:lstStyle/>
+          <a:p>
+            <a:pPr marL="285750" indent="-285750">
+              <a:buFont typeface="Wingdings" pitchFamily="2" charset="2"/>
+              <a:buChar char="Ø"/>
+            </a:pPr>
+            <a:r>
+              <a:rPr lang="en-US" dirty="0">
+                <a:latin typeface="Libertinus Serif" panose="02000503000000000000" pitchFamily="2" charset="0"/>
+                <a:ea typeface="Libertinus Serif" panose="02000503000000000000" pitchFamily="2" charset="0"/>
+                <a:cs typeface="Libertinus Serif" panose="02000503000000000000" pitchFamily="2" charset="0"/>
+              </a:rPr>
+              <a:t>Improvements in classification of “mild dementia” class with </a:t>
+            </a:r>
+            <a:r>
+              <a:rPr lang="en-US" dirty="0" err="1">
+                <a:latin typeface="Libertinus Serif" panose="02000503000000000000" pitchFamily="2" charset="0"/>
+                <a:ea typeface="Libertinus Serif" panose="02000503000000000000" pitchFamily="2" charset="0"/>
+                <a:cs typeface="Libertinus Serif" panose="02000503000000000000" pitchFamily="2" charset="0"/>
+              </a:rPr>
+              <a:t>MobileVit</a:t>
+            </a:r>
+            <a:r>
+              <a:rPr lang="en-US" dirty="0">
+                <a:latin typeface="Libertinus Serif" panose="02000503000000000000" pitchFamily="2" charset="0"/>
+                <a:ea typeface="Libertinus Serif" panose="02000503000000000000" pitchFamily="2" charset="0"/>
+                <a:cs typeface="Libertinus Serif" panose="02000503000000000000" pitchFamily="2" charset="0"/>
+              </a:rPr>
+              <a:t> ensembles</a:t>
+            </a:r>
+          </a:p>
+        </p:txBody>
+      </p:sp>
+    </p:spTree>
+    <p:extLst>
+      <p:ext uri="{BB962C8B-B14F-4D97-AF65-F5344CB8AC3E}">
+        <p14:creationId xmlns:p14="http://schemas.microsoft.com/office/powerpoint/2010/main" val="3442710511"/>
+      </p:ext>
+    </p:extLst>
+  </p:cSld>
+  <p:clrMapOvr>
+    <a:masterClrMapping/>
+  </p:clrMapOvr>
+</p:sld>
+</file>
+
+<file path=ppt/slides/slide19.xml><?xml version="1.0" encoding="utf-8"?>
+<p:sld xmlns:a="http://schemas.openxmlformats.org/drawingml/2006/main" xmlns:r="http://schemas.openxmlformats.org/officeDocument/2006/relationships" xmlns:p="http://schemas.openxmlformats.org/presentationml/2006/main">
+  <p:cSld>
+    <p:spTree>
+      <p:nvGrpSpPr>
+        <p:cNvPr id="1" name=""/>
+        <p:cNvGrpSpPr/>
+        <p:nvPr/>
+      </p:nvGrpSpPr>
+      <p:grpSpPr>
+        <a:xfrm>
+          <a:off x="0" y="0"/>
+          <a:ext cx="0" cy="0"/>
+          <a:chOff x="0" y="0"/>
+          <a:chExt cx="0" cy="0"/>
+        </a:xfrm>
+      </p:grpSpPr>
+      <p:sp>
+        <p:nvSpPr>
+          <p:cNvPr id="2" name="Titel 1">
+            <a:extLst>
+              <a:ext uri="{FF2B5EF4-FFF2-40B4-BE49-F238E27FC236}">
+                <a16:creationId xmlns:a16="http://schemas.microsoft.com/office/drawing/2014/main" id="{2072F90C-D253-89BF-EC68-3D3242F600C3}"/>
+              </a:ext>
+            </a:extLst>
+          </p:cNvPr>
+          <p:cNvSpPr>
+            <a:spLocks noGrp="1"/>
+          </p:cNvSpPr>
+          <p:nvPr>
+            <p:ph type="title"/>
+          </p:nvPr>
+        </p:nvSpPr>
+        <p:spPr/>
+        <p:txBody>
+          <a:bodyPr>
+            <a:normAutofit/>
+          </a:bodyPr>
+          <a:lstStyle/>
+          <a:p>
+            <a:r>
+              <a:rPr lang="en-US" sz="3200" dirty="0">
+                <a:latin typeface="Libertinus Serif" panose="02000503000000000000" pitchFamily="2" charset="0"/>
+                <a:ea typeface="Libertinus Serif" panose="02000503000000000000" pitchFamily="2" charset="0"/>
+                <a:cs typeface="Libertinus Serif" panose="02000503000000000000" pitchFamily="2" charset="0"/>
+              </a:rPr>
+              <a:t>Last but not least…</a:t>
+            </a:r>
+          </a:p>
+        </p:txBody>
+      </p:sp>
+      <p:pic>
+        <p:nvPicPr>
+          <p:cNvPr id="6" name="Inhaltsplatzhalter 5">
+            <a:extLst>
+              <a:ext uri="{FF2B5EF4-FFF2-40B4-BE49-F238E27FC236}">
+                <a16:creationId xmlns:a16="http://schemas.microsoft.com/office/drawing/2014/main" id="{258C6F63-DC25-D0DD-914D-E13E1DFA3B5A}"/>
+              </a:ext>
+            </a:extLst>
+          </p:cNvPr>
+          <p:cNvPicPr>
+            <a:picLocks noGrp="1" noChangeAspect="1"/>
+          </p:cNvPicPr>
+          <p:nvPr>
+            <p:ph idx="1"/>
+          </p:nvPr>
+        </p:nvPicPr>
+        <p:blipFill>
+          <a:blip r:embed="rId3"/>
+          <a:stretch>
+            <a:fillRect/>
+          </a:stretch>
+        </p:blipFill>
+        <p:spPr>
+          <a:xfrm>
+            <a:off x="6756908" y="1386928"/>
+            <a:ext cx="4257934" cy="3768846"/>
+          </a:xfrm>
+        </p:spPr>
+      </p:pic>
+      <p:sp>
+        <p:nvSpPr>
+          <p:cNvPr id="4" name="Foliennummernplatzhalter 3">
+            <a:extLst>
+              <a:ext uri="{FF2B5EF4-FFF2-40B4-BE49-F238E27FC236}">
+                <a16:creationId xmlns:a16="http://schemas.microsoft.com/office/drawing/2014/main" id="{8096C1EA-E357-E4CB-F89A-56A04A0B1946}"/>
+              </a:ext>
+            </a:extLst>
+          </p:cNvPr>
+          <p:cNvSpPr>
+            <a:spLocks noGrp="1"/>
+          </p:cNvSpPr>
+          <p:nvPr>
+            <p:ph type="sldNum" sz="quarter" idx="12"/>
+          </p:nvPr>
+        </p:nvSpPr>
+        <p:spPr/>
+        <p:txBody>
+          <a:bodyPr/>
+          <a:lstStyle/>
+          <a:p>
+            <a:fld id="{4BEC7EF7-4506-1E42-9433-EDC596BA2DDB}" type="slidenum">
+              <a:rPr lang="de-DE" smtClean="0"/>
+              <a:t>19</a:t>
+            </a:fld>
+            <a:endParaRPr lang="de-DE"/>
+          </a:p>
+        </p:txBody>
+      </p:sp>
+      <p:pic>
+        <p:nvPicPr>
+          <p:cNvPr id="8" name="Grafik 7">
+            <a:extLst>
+              <a:ext uri="{FF2B5EF4-FFF2-40B4-BE49-F238E27FC236}">
+                <a16:creationId xmlns:a16="http://schemas.microsoft.com/office/drawing/2014/main" id="{D118FDDF-774E-D536-D835-E7342D71A9A0}"/>
+              </a:ext>
+            </a:extLst>
+          </p:cNvPr>
+          <p:cNvPicPr>
+            <a:picLocks noChangeAspect="1"/>
+          </p:cNvPicPr>
+          <p:nvPr/>
+        </p:nvPicPr>
+        <p:blipFill>
+          <a:blip r:embed="rId4"/>
+          <a:stretch>
+            <a:fillRect/>
+          </a:stretch>
+        </p:blipFill>
+        <p:spPr>
+          <a:xfrm>
+            <a:off x="1177160" y="1451659"/>
+            <a:ext cx="4257934" cy="3639382"/>
+          </a:xfrm>
+          <a:prstGeom prst="rect">
+            <a:avLst/>
+          </a:prstGeom>
+        </p:spPr>
+      </p:pic>
+      <p:sp>
+        <p:nvSpPr>
+          <p:cNvPr id="9" name="Titel 1">
+            <a:extLst>
+              <a:ext uri="{FF2B5EF4-FFF2-40B4-BE49-F238E27FC236}">
+                <a16:creationId xmlns:a16="http://schemas.microsoft.com/office/drawing/2014/main" id="{4B01868E-D0FC-18E0-4E73-E42E64F285B7}"/>
               </a:ext>
             </a:extLst>
           </p:cNvPr>
@@ -17024,8 +16705,8 @@
         </p:nvSpPr>
         <p:spPr>
           <a:xfrm>
-            <a:off x="1524000" y="323576"/>
-            <a:ext cx="9144000" cy="937665"/>
+            <a:off x="838200" y="5030787"/>
+            <a:ext cx="9630103" cy="1325563"/>
           </a:xfrm>
           <a:prstGeom prst="rect">
             <a:avLst/>
@@ -17033,7 +16714,7 @@
         </p:spPr>
         <p:txBody>
           <a:bodyPr vert="horz" lIns="91440" tIns="45720" rIns="91440" bIns="45720" rtlCol="0" anchor="ctr">
-            <a:normAutofit fontScale="97500" lnSpcReduction="10000"/>
+            <a:normAutofit/>
           </a:bodyPr>
           <a:lstStyle>
             <a:lvl1pPr algn="l" defTabSz="914400" rtl="0" eaLnBrk="1" latinLnBrk="0" hangingPunct="1">
@@ -17055,50 +16736,22 @@
             </a:lvl1pPr>
           </a:lstStyle>
           <a:p>
-            <a:pPr algn="ctr"/>
-            <a:r>
-              <a:rPr lang="de-DE" sz="3200">
-                <a:latin typeface="Söhne"/>
-              </a:rPr>
-              <a:t>Decoding Alzheimer's: Advanced MRI Analysis Through Computer Vision Techniques</a:t>
-            </a:r>
-            <a:endParaRPr lang="de-DE" sz="3200" dirty="0"/>
-          </a:p>
-        </p:txBody>
-      </p:sp>
-      <p:sp>
-        <p:nvSpPr>
-          <p:cNvPr id="2" name="Foliennummernplatzhalter 1">
-            <a:extLst>
-              <a:ext uri="{FF2B5EF4-FFF2-40B4-BE49-F238E27FC236}">
-                <a16:creationId xmlns:a16="http://schemas.microsoft.com/office/drawing/2014/main" id="{2F1B74CA-80C3-25E1-96D1-A10E73F84CC1}"/>
-              </a:ext>
-            </a:extLst>
-          </p:cNvPr>
-          <p:cNvSpPr>
-            <a:spLocks noGrp="1"/>
-          </p:cNvSpPr>
-          <p:nvPr>
-            <p:ph type="sldNum" sz="quarter" idx="12"/>
-          </p:nvPr>
-        </p:nvSpPr>
-        <p:spPr/>
-        <p:txBody>
-          <a:bodyPr/>
-          <a:lstStyle/>
-          <a:p>
-            <a:fld id="{4BEC7EF7-4506-1E42-9433-EDC596BA2DDB}" type="slidenum">
-              <a:rPr lang="de-DE" smtClean="0"/>
-              <a:t>15</a:t>
-            </a:fld>
-            <a:endParaRPr lang="de-DE"/>
+            <a:pPr algn="r"/>
+            <a:r>
+              <a:rPr lang="en-US" sz="3200" dirty="0">
+                <a:latin typeface="Libertinus Serif" panose="02000503000000000000" pitchFamily="2" charset="0"/>
+                <a:ea typeface="Libertinus Serif" panose="02000503000000000000" pitchFamily="2" charset="0"/>
+                <a:cs typeface="Libertinus Serif" panose="02000503000000000000" pitchFamily="2" charset="0"/>
+              </a:rPr>
+              <a:t>…74% of work could be saved.</a:t>
+            </a:r>
           </a:p>
         </p:txBody>
       </p:sp>
     </p:spTree>
     <p:extLst>
       <p:ext uri="{BB962C8B-B14F-4D97-AF65-F5344CB8AC3E}">
-        <p14:creationId xmlns:p14="http://schemas.microsoft.com/office/powerpoint/2010/main" val="4008317197"/>
+        <p14:creationId xmlns:p14="http://schemas.microsoft.com/office/powerpoint/2010/main" val="2380441944"/>
       </p:ext>
     </p:extLst>
   </p:cSld>
@@ -17195,7 +16848,11 @@
           <a:lstStyle/>
           <a:p>
             <a:pPr algn="ctr"/>
-            <a:endParaRPr lang="en-US"/>
+            <a:endParaRPr lang="en-US">
+              <a:latin typeface="Libertinus Serif" panose="02000503000000000000" pitchFamily="2" charset="0"/>
+              <a:ea typeface="Libertinus Serif" panose="02000503000000000000" pitchFamily="2" charset="0"/>
+              <a:cs typeface="Libertinus Serif" panose="02000503000000000000" pitchFamily="2" charset="0"/>
+            </a:endParaRPr>
           </a:p>
         </p:txBody>
       </p:sp>
@@ -17241,7 +16898,11 @@
           <a:lstStyle/>
           <a:p>
             <a:pPr algn="ctr"/>
-            <a:endParaRPr lang="en-US"/>
+            <a:endParaRPr lang="en-US">
+              <a:latin typeface="Libertinus Serif" panose="02000503000000000000" pitchFamily="2" charset="0"/>
+              <a:ea typeface="Libertinus Serif" panose="02000503000000000000" pitchFamily="2" charset="0"/>
+              <a:cs typeface="Libertinus Serif" panose="02000503000000000000" pitchFamily="2" charset="0"/>
+            </a:endParaRPr>
           </a:p>
         </p:txBody>
       </p:sp>
@@ -17287,7 +16948,11 @@
           <a:lstStyle/>
           <a:p>
             <a:pPr algn="ctr"/>
-            <a:endParaRPr lang="en-US"/>
+            <a:endParaRPr lang="en-US">
+              <a:latin typeface="Libertinus Serif" panose="02000503000000000000" pitchFamily="2" charset="0"/>
+              <a:ea typeface="Libertinus Serif" panose="02000503000000000000" pitchFamily="2" charset="0"/>
+              <a:cs typeface="Libertinus Serif" panose="02000503000000000000" pitchFamily="2" charset="0"/>
+            </a:endParaRPr>
           </a:p>
         </p:txBody>
       </p:sp>
@@ -17333,7 +16998,11 @@
           <a:lstStyle/>
           <a:p>
             <a:pPr algn="ctr"/>
-            <a:endParaRPr lang="en-US"/>
+            <a:endParaRPr lang="en-US">
+              <a:latin typeface="Libertinus Serif" panose="02000503000000000000" pitchFamily="2" charset="0"/>
+              <a:ea typeface="Libertinus Serif" panose="02000503000000000000" pitchFamily="2" charset="0"/>
+              <a:cs typeface="Libertinus Serif" panose="02000503000000000000" pitchFamily="2" charset="0"/>
+            </a:endParaRPr>
           </a:p>
         </p:txBody>
       </p:sp>
@@ -17379,7 +17048,11 @@
           <a:lstStyle/>
           <a:p>
             <a:pPr algn="ctr"/>
-            <a:endParaRPr lang="en-US"/>
+            <a:endParaRPr lang="en-US">
+              <a:latin typeface="Libertinus Serif" panose="02000503000000000000" pitchFamily="2" charset="0"/>
+              <a:ea typeface="Libertinus Serif" panose="02000503000000000000" pitchFamily="2" charset="0"/>
+              <a:cs typeface="Libertinus Serif" panose="02000503000000000000" pitchFamily="2" charset="0"/>
+            </a:endParaRPr>
           </a:p>
         </p:txBody>
       </p:sp>
@@ -17425,7 +17098,11 @@
           <a:lstStyle/>
           <a:p>
             <a:pPr algn="ctr"/>
-            <a:endParaRPr lang="en-US"/>
+            <a:endParaRPr lang="en-US">
+              <a:latin typeface="Libertinus Serif" panose="02000503000000000000" pitchFamily="2" charset="0"/>
+              <a:ea typeface="Libertinus Serif" panose="02000503000000000000" pitchFamily="2" charset="0"/>
+              <a:cs typeface="Libertinus Serif" panose="02000503000000000000" pitchFamily="2" charset="0"/>
+            </a:endParaRPr>
           </a:p>
         </p:txBody>
       </p:sp>
@@ -17471,7 +17148,11 @@
           <a:lstStyle/>
           <a:p>
             <a:pPr algn="ctr"/>
-            <a:endParaRPr lang="en-US"/>
+            <a:endParaRPr lang="en-US">
+              <a:latin typeface="Libertinus Serif" panose="02000503000000000000" pitchFamily="2" charset="0"/>
+              <a:ea typeface="Libertinus Serif" panose="02000503000000000000" pitchFamily="2" charset="0"/>
+              <a:cs typeface="Libertinus Serif" panose="02000503000000000000" pitchFamily="2" charset="0"/>
+            </a:endParaRPr>
           </a:p>
         </p:txBody>
       </p:sp>
@@ -17517,7 +17198,11 @@
           <a:lstStyle/>
           <a:p>
             <a:pPr algn="ctr"/>
-            <a:endParaRPr lang="en-US"/>
+            <a:endParaRPr lang="en-US">
+              <a:latin typeface="Libertinus Serif" panose="02000503000000000000" pitchFamily="2" charset="0"/>
+              <a:ea typeface="Libertinus Serif" panose="02000503000000000000" pitchFamily="2" charset="0"/>
+              <a:cs typeface="Libertinus Serif" panose="02000503000000000000" pitchFamily="2" charset="0"/>
+            </a:endParaRPr>
           </a:p>
         </p:txBody>
       </p:sp>
@@ -17563,7 +17248,11 @@
           <a:lstStyle/>
           <a:p>
             <a:pPr algn="ctr"/>
-            <a:endParaRPr lang="en-US"/>
+            <a:endParaRPr lang="en-US">
+              <a:latin typeface="Libertinus Serif" panose="02000503000000000000" pitchFamily="2" charset="0"/>
+              <a:ea typeface="Libertinus Serif" panose="02000503000000000000" pitchFamily="2" charset="0"/>
+              <a:cs typeface="Libertinus Serif" panose="02000503000000000000" pitchFamily="2" charset="0"/>
+            </a:endParaRPr>
           </a:p>
         </p:txBody>
       </p:sp>
@@ -17609,7 +17298,11 @@
           <a:lstStyle/>
           <a:p>
             <a:pPr algn="ctr"/>
-            <a:endParaRPr lang="en-US"/>
+            <a:endParaRPr lang="en-US">
+              <a:latin typeface="Libertinus Serif" panose="02000503000000000000" pitchFamily="2" charset="0"/>
+              <a:ea typeface="Libertinus Serif" panose="02000503000000000000" pitchFamily="2" charset="0"/>
+              <a:cs typeface="Libertinus Serif" panose="02000503000000000000" pitchFamily="2" charset="0"/>
+            </a:endParaRPr>
           </a:p>
         </p:txBody>
       </p:sp>
@@ -17655,7 +17348,11 @@
           <a:lstStyle/>
           <a:p>
             <a:pPr algn="ctr"/>
-            <a:endParaRPr lang="en-US"/>
+            <a:endParaRPr lang="en-US">
+              <a:latin typeface="Libertinus Serif" panose="02000503000000000000" pitchFamily="2" charset="0"/>
+              <a:ea typeface="Libertinus Serif" panose="02000503000000000000" pitchFamily="2" charset="0"/>
+              <a:cs typeface="Libertinus Serif" panose="02000503000000000000" pitchFamily="2" charset="0"/>
+            </a:endParaRPr>
           </a:p>
         </p:txBody>
       </p:sp>
@@ -17701,7 +17398,11 @@
           <a:lstStyle/>
           <a:p>
             <a:pPr algn="ctr"/>
-            <a:endParaRPr lang="en-US"/>
+            <a:endParaRPr lang="en-US">
+              <a:latin typeface="Libertinus Serif" panose="02000503000000000000" pitchFamily="2" charset="0"/>
+              <a:ea typeface="Libertinus Serif" panose="02000503000000000000" pitchFamily="2" charset="0"/>
+              <a:cs typeface="Libertinus Serif" panose="02000503000000000000" pitchFamily="2" charset="0"/>
+            </a:endParaRPr>
           </a:p>
         </p:txBody>
       </p:sp>
@@ -17747,7 +17448,11 @@
           <a:lstStyle/>
           <a:p>
             <a:pPr algn="ctr"/>
-            <a:endParaRPr lang="en-US"/>
+            <a:endParaRPr lang="en-US">
+              <a:latin typeface="Libertinus Serif" panose="02000503000000000000" pitchFamily="2" charset="0"/>
+              <a:ea typeface="Libertinus Serif" panose="02000503000000000000" pitchFamily="2" charset="0"/>
+              <a:cs typeface="Libertinus Serif" panose="02000503000000000000" pitchFamily="2" charset="0"/>
+            </a:endParaRPr>
           </a:p>
         </p:txBody>
       </p:sp>
@@ -17793,7 +17498,11 @@
           <a:lstStyle/>
           <a:p>
             <a:pPr algn="ctr"/>
-            <a:endParaRPr lang="en-US"/>
+            <a:endParaRPr lang="en-US">
+              <a:latin typeface="Libertinus Serif" panose="02000503000000000000" pitchFamily="2" charset="0"/>
+              <a:ea typeface="Libertinus Serif" panose="02000503000000000000" pitchFamily="2" charset="0"/>
+              <a:cs typeface="Libertinus Serif" panose="02000503000000000000" pitchFamily="2" charset="0"/>
+            </a:endParaRPr>
           </a:p>
         </p:txBody>
       </p:sp>
@@ -17839,7 +17548,11 @@
           <a:lstStyle/>
           <a:p>
             <a:pPr algn="ctr"/>
-            <a:endParaRPr lang="en-US"/>
+            <a:endParaRPr lang="en-US">
+              <a:latin typeface="Libertinus Serif" panose="02000503000000000000" pitchFamily="2" charset="0"/>
+              <a:ea typeface="Libertinus Serif" panose="02000503000000000000" pitchFamily="2" charset="0"/>
+              <a:cs typeface="Libertinus Serif" panose="02000503000000000000" pitchFamily="2" charset="0"/>
+            </a:endParaRPr>
           </a:p>
         </p:txBody>
       </p:sp>
@@ -17885,7 +17598,11 @@
           <a:lstStyle/>
           <a:p>
             <a:pPr algn="ctr"/>
-            <a:endParaRPr lang="en-US"/>
+            <a:endParaRPr lang="en-US">
+              <a:latin typeface="Libertinus Serif" panose="02000503000000000000" pitchFamily="2" charset="0"/>
+              <a:ea typeface="Libertinus Serif" panose="02000503000000000000" pitchFamily="2" charset="0"/>
+              <a:cs typeface="Libertinus Serif" panose="02000503000000000000" pitchFamily="2" charset="0"/>
+            </a:endParaRPr>
           </a:p>
         </p:txBody>
       </p:sp>
@@ -21098,7 +20815,11 @@
                     </m:oMath>
                   </m:oMathPara>
                 </a14:m>
-                <a:endParaRPr lang="en-US" dirty="0"/>
+                <a:endParaRPr lang="en-US" dirty="0">
+                  <a:latin typeface="Libertinus Serif" panose="02000503000000000000" pitchFamily="2" charset="0"/>
+                  <a:ea typeface="Libertinus Serif" panose="02000503000000000000" pitchFamily="2" charset="0"/>
+                  <a:cs typeface="Libertinus Serif" panose="02000503000000000000" pitchFamily="2" charset="0"/>
+                </a:endParaRPr>
               </a:p>
               <a:p>
                 <a14:m>
@@ -21137,7 +20858,11 @@
                   </m:oMath>
                 </a14:m>
                 <a:r>
-                  <a:rPr lang="en-US" dirty="0"/>
+                  <a:rPr lang="en-US" dirty="0">
+                    <a:latin typeface="Libertinus Serif" panose="02000503000000000000" pitchFamily="2" charset="0"/>
+                    <a:ea typeface="Libertinus Serif" panose="02000503000000000000" pitchFamily="2" charset="0"/>
+                    <a:cs typeface="Libertinus Serif" panose="02000503000000000000" pitchFamily="2" charset="0"/>
+                  </a:rPr>
                   <a:t>= input from dendrite </a:t>
                 </a:r>
                 <a14:m>
@@ -21150,7 +20875,11 @@
                     </m:r>
                   </m:oMath>
                 </a14:m>
-                <a:endParaRPr lang="de-DE" b="0" dirty="0"/>
+                <a:endParaRPr lang="de-DE" b="0" dirty="0">
+                  <a:latin typeface="Libertinus Serif" panose="02000503000000000000" pitchFamily="2" charset="0"/>
+                  <a:ea typeface="Libertinus Serif" panose="02000503000000000000" pitchFamily="2" charset="0"/>
+                  <a:cs typeface="Libertinus Serif" panose="02000503000000000000" pitchFamily="2" charset="0"/>
+                </a:endParaRPr>
               </a:p>
               <a:p>
                 <a14:m>
@@ -21189,11 +20918,19 @@
                   </m:oMath>
                 </a14:m>
                 <a:r>
-                  <a:rPr lang="en-US" dirty="0"/>
+                  <a:rPr lang="en-US" dirty="0">
+                    <a:latin typeface="Libertinus Serif" panose="02000503000000000000" pitchFamily="2" charset="0"/>
+                    <a:ea typeface="Libertinus Serif" panose="02000503000000000000" pitchFamily="2" charset="0"/>
+                    <a:cs typeface="Libertinus Serif" panose="02000503000000000000" pitchFamily="2" charset="0"/>
+                  </a:rPr>
                   <a:t>= synaptic strength, </a:t>
                 </a:r>
                 <a:r>
-                  <a:rPr lang="en-US" b="0" dirty="0"/>
+                  <a:rPr lang="en-US" b="0" dirty="0">
+                    <a:latin typeface="Libertinus Serif" panose="02000503000000000000" pitchFamily="2" charset="0"/>
+                    <a:ea typeface="Libertinus Serif" panose="02000503000000000000" pitchFamily="2" charset="0"/>
+                    <a:cs typeface="Libertinus Serif" panose="02000503000000000000" pitchFamily="2" charset="0"/>
+                  </a:rPr>
                   <a:t>exhibitory/inhibitory</a:t>
                 </a:r>
               </a:p>
@@ -21209,7 +20946,11 @@
                   </m:oMath>
                 </a14:m>
                 <a:r>
-                  <a:rPr lang="en-US" b="0" dirty="0"/>
+                  <a:rPr lang="en-US" b="0" dirty="0">
+                    <a:latin typeface="Libertinus Serif" panose="02000503000000000000" pitchFamily="2" charset="0"/>
+                    <a:ea typeface="Libertinus Serif" panose="02000503000000000000" pitchFamily="2" charset="0"/>
+                    <a:cs typeface="Libertinus Serif" panose="02000503000000000000" pitchFamily="2" charset="0"/>
+                  </a:rPr>
                   <a:t> = resting potential</a:t>
                 </a:r>
               </a:p>
@@ -21225,15 +20966,27 @@
                   </m:oMath>
                 </a14:m>
                 <a:r>
-                  <a:rPr lang="de-DE" b="0" dirty="0"/>
+                  <a:rPr lang="de-DE" b="0" dirty="0">
+                    <a:latin typeface="Libertinus Serif" panose="02000503000000000000" pitchFamily="2" charset="0"/>
+                    <a:ea typeface="Libertinus Serif" panose="02000503000000000000" pitchFamily="2" charset="0"/>
+                    <a:cs typeface="Libertinus Serif" panose="02000503000000000000" pitchFamily="2" charset="0"/>
+                  </a:rPr>
                   <a:t> = </a:t>
                 </a:r>
                 <a:r>
-                  <a:rPr lang="de-DE" b="0" dirty="0" err="1"/>
+                  <a:rPr lang="de-DE" b="0" dirty="0" err="1">
+                    <a:latin typeface="Libertinus Serif" panose="02000503000000000000" pitchFamily="2" charset="0"/>
+                    <a:ea typeface="Libertinus Serif" panose="02000503000000000000" pitchFamily="2" charset="0"/>
+                    <a:cs typeface="Libertinus Serif" panose="02000503000000000000" pitchFamily="2" charset="0"/>
+                  </a:rPr>
                   <a:t>action</a:t>
                 </a:r>
                 <a:r>
-                  <a:rPr lang="de-DE" b="0" dirty="0"/>
+                  <a:rPr lang="de-DE" b="0" dirty="0">
+                    <a:latin typeface="Libertinus Serif" panose="02000503000000000000" pitchFamily="2" charset="0"/>
+                    <a:ea typeface="Libertinus Serif" panose="02000503000000000000" pitchFamily="2" charset="0"/>
+                    <a:cs typeface="Libertinus Serif" panose="02000503000000000000" pitchFamily="2" charset="0"/>
+                  </a:rPr>
                   <a:t> potential</a:t>
                 </a:r>
               </a:p>
@@ -21347,7 +21100,11 @@
             <a:lstStyle/>
             <a:p>
               <a:pPr algn="ctr"/>
-              <a:endParaRPr lang="en-US"/>
+              <a:endParaRPr lang="en-US">
+                <a:latin typeface="Libertinus Serif" panose="02000503000000000000" pitchFamily="2" charset="0"/>
+                <a:ea typeface="Libertinus Serif" panose="02000503000000000000" pitchFamily="2" charset="0"/>
+                <a:cs typeface="Libertinus Serif" panose="02000503000000000000" pitchFamily="2" charset="0"/>
+              </a:endParaRPr>
             </a:p>
           </p:txBody>
         </p:sp>
@@ -21393,7 +21150,11 @@
             <a:lstStyle/>
             <a:p>
               <a:pPr algn="ctr"/>
-              <a:endParaRPr lang="en-US"/>
+              <a:endParaRPr lang="en-US">
+                <a:latin typeface="Libertinus Serif" panose="02000503000000000000" pitchFamily="2" charset="0"/>
+                <a:ea typeface="Libertinus Serif" panose="02000503000000000000" pitchFamily="2" charset="0"/>
+                <a:cs typeface="Libertinus Serif" panose="02000503000000000000" pitchFamily="2" charset="0"/>
+              </a:endParaRPr>
             </a:p>
           </p:txBody>
         </p:sp>
@@ -21439,7 +21200,11 @@
             <a:lstStyle/>
             <a:p>
               <a:pPr algn="ctr"/>
-              <a:endParaRPr lang="en-US"/>
+              <a:endParaRPr lang="en-US">
+                <a:latin typeface="Libertinus Serif" panose="02000503000000000000" pitchFamily="2" charset="0"/>
+                <a:ea typeface="Libertinus Serif" panose="02000503000000000000" pitchFamily="2" charset="0"/>
+                <a:cs typeface="Libertinus Serif" panose="02000503000000000000" pitchFamily="2" charset="0"/>
+              </a:endParaRPr>
             </a:p>
           </p:txBody>
         </p:sp>
@@ -21485,7 +21250,11 @@
             <a:lstStyle/>
             <a:p>
               <a:pPr algn="ctr"/>
-              <a:endParaRPr lang="en-US"/>
+              <a:endParaRPr lang="en-US">
+                <a:latin typeface="Libertinus Serif" panose="02000503000000000000" pitchFamily="2" charset="0"/>
+                <a:ea typeface="Libertinus Serif" panose="02000503000000000000" pitchFamily="2" charset="0"/>
+                <a:cs typeface="Libertinus Serif" panose="02000503000000000000" pitchFamily="2" charset="0"/>
+              </a:endParaRPr>
             </a:p>
           </p:txBody>
         </p:sp>
@@ -22455,7 +22224,11 @@
           <a:lstStyle/>
           <a:p>
             <a:r>
-              <a:rPr lang="en-US" dirty="0"/>
+              <a:rPr lang="en-US" dirty="0">
+                <a:latin typeface="Libertinus Serif" panose="02000503000000000000" pitchFamily="2" charset="0"/>
+                <a:ea typeface="Libertinus Serif" panose="02000503000000000000" pitchFamily="2" charset="0"/>
+                <a:cs typeface="Libertinus Serif" panose="02000503000000000000" pitchFamily="2" charset="0"/>
+              </a:rPr>
               <a:t>Input 1</a:t>
             </a:r>
           </a:p>
@@ -22490,7 +22263,11 @@
           <a:lstStyle/>
           <a:p>
             <a:r>
-              <a:rPr lang="en-US" dirty="0"/>
+              <a:rPr lang="en-US" dirty="0">
+                <a:latin typeface="Libertinus Serif" panose="02000503000000000000" pitchFamily="2" charset="0"/>
+                <a:ea typeface="Libertinus Serif" panose="02000503000000000000" pitchFamily="2" charset="0"/>
+                <a:cs typeface="Libertinus Serif" panose="02000503000000000000" pitchFamily="2" charset="0"/>
+              </a:rPr>
               <a:t>Input 2</a:t>
             </a:r>
           </a:p>
@@ -22525,7 +22302,11 @@
           <a:lstStyle/>
           <a:p>
             <a:r>
-              <a:rPr lang="en-US" dirty="0"/>
+              <a:rPr lang="en-US" dirty="0">
+                <a:latin typeface="Libertinus Serif" panose="02000503000000000000" pitchFamily="2" charset="0"/>
+                <a:ea typeface="Libertinus Serif" panose="02000503000000000000" pitchFamily="2" charset="0"/>
+                <a:cs typeface="Libertinus Serif" panose="02000503000000000000" pitchFamily="2" charset="0"/>
+              </a:rPr>
               <a:t>Input 3</a:t>
             </a:r>
           </a:p>
@@ -22560,7 +22341,11 @@
           <a:lstStyle/>
           <a:p>
             <a:r>
-              <a:rPr lang="en-US" dirty="0"/>
+              <a:rPr lang="en-US" dirty="0">
+                <a:latin typeface="Libertinus Serif" panose="02000503000000000000" pitchFamily="2" charset="0"/>
+                <a:ea typeface="Libertinus Serif" panose="02000503000000000000" pitchFamily="2" charset="0"/>
+                <a:cs typeface="Libertinus Serif" panose="02000503000000000000" pitchFamily="2" charset="0"/>
+              </a:rPr>
               <a:t>Input 4</a:t>
             </a:r>
           </a:p>
@@ -22581,7 +22366,7 @@
         <p:spPr>
           <a:xfrm>
             <a:off x="8982443" y="2658878"/>
-            <a:ext cx="2234330" cy="369332"/>
+            <a:ext cx="2140330" cy="369332"/>
           </a:xfrm>
           <a:prstGeom prst="rect">
             <a:avLst/>
@@ -22595,7 +22380,11 @@
           <a:lstStyle/>
           <a:p>
             <a:r>
-              <a:rPr lang="en-US" dirty="0"/>
+              <a:rPr lang="en-US" dirty="0">
+                <a:latin typeface="Libertinus Serif" panose="02000503000000000000" pitchFamily="2" charset="0"/>
+                <a:ea typeface="Libertinus Serif" panose="02000503000000000000" pitchFamily="2" charset="0"/>
+                <a:cs typeface="Libertinus Serif" panose="02000503000000000000" pitchFamily="2" charset="0"/>
+              </a:rPr>
               <a:t>Probability of class 1</a:t>
             </a:r>
           </a:p>
@@ -22616,7 +22405,7 @@
         <p:spPr>
           <a:xfrm>
             <a:off x="8985378" y="3033678"/>
-            <a:ext cx="2234330" cy="369332"/>
+            <a:ext cx="2140330" cy="369332"/>
           </a:xfrm>
           <a:prstGeom prst="rect">
             <a:avLst/>
@@ -22630,7 +22419,11 @@
           <a:lstStyle/>
           <a:p>
             <a:r>
-              <a:rPr lang="en-US" dirty="0"/>
+              <a:rPr lang="en-US" dirty="0">
+                <a:latin typeface="Libertinus Serif" panose="02000503000000000000" pitchFamily="2" charset="0"/>
+                <a:ea typeface="Libertinus Serif" panose="02000503000000000000" pitchFamily="2" charset="0"/>
+                <a:cs typeface="Libertinus Serif" panose="02000503000000000000" pitchFamily="2" charset="0"/>
+              </a:rPr>
               <a:t>Probability of class 2</a:t>
             </a:r>
           </a:p>
@@ -22651,7 +22444,7 @@
         <p:spPr>
           <a:xfrm>
             <a:off x="8979508" y="3422739"/>
-            <a:ext cx="2234330" cy="369332"/>
+            <a:ext cx="2140330" cy="369332"/>
           </a:xfrm>
           <a:prstGeom prst="rect">
             <a:avLst/>
@@ -22665,7 +22458,11 @@
           <a:lstStyle/>
           <a:p>
             <a:r>
-              <a:rPr lang="en-US" dirty="0"/>
+              <a:rPr lang="en-US" dirty="0">
+                <a:latin typeface="Libertinus Serif" panose="02000503000000000000" pitchFamily="2" charset="0"/>
+                <a:ea typeface="Libertinus Serif" panose="02000503000000000000" pitchFamily="2" charset="0"/>
+                <a:cs typeface="Libertinus Serif" panose="02000503000000000000" pitchFamily="2" charset="0"/>
+              </a:rPr>
               <a:t>Probability of class 3</a:t>
             </a:r>
           </a:p>
@@ -22686,7 +22483,7 @@
         <p:spPr>
           <a:xfrm>
             <a:off x="8982443" y="3797539"/>
-            <a:ext cx="2234330" cy="369332"/>
+            <a:ext cx="2140330" cy="369332"/>
           </a:xfrm>
           <a:prstGeom prst="rect">
             <a:avLst/>
@@ -22700,7 +22497,11 @@
           <a:lstStyle/>
           <a:p>
             <a:r>
-              <a:rPr lang="en-US" dirty="0"/>
+              <a:rPr lang="en-US" dirty="0">
+                <a:latin typeface="Libertinus Serif" panose="02000503000000000000" pitchFamily="2" charset="0"/>
+                <a:ea typeface="Libertinus Serif" panose="02000503000000000000" pitchFamily="2" charset="0"/>
+                <a:cs typeface="Libertinus Serif" panose="02000503000000000000" pitchFamily="2" charset="0"/>
+              </a:rPr>
               <a:t>Probability of class 4</a:t>
             </a:r>
           </a:p>
@@ -22755,7 +22556,11 @@
           <a:lstStyle/>
           <a:p>
             <a:pPr algn="ctr"/>
-            <a:endParaRPr lang="en-US"/>
+            <a:endParaRPr lang="en-US">
+              <a:latin typeface="Libertinus Serif" panose="02000503000000000000" pitchFamily="2" charset="0"/>
+              <a:ea typeface="Libertinus Serif" panose="02000503000000000000" pitchFamily="2" charset="0"/>
+              <a:cs typeface="Libertinus Serif" panose="02000503000000000000" pitchFamily="2" charset="0"/>
+            </a:endParaRPr>
           </a:p>
         </p:txBody>
       </p:sp>
@@ -22808,7 +22613,11 @@
           <a:lstStyle/>
           <a:p>
             <a:pPr algn="ctr"/>
-            <a:endParaRPr lang="en-US"/>
+            <a:endParaRPr lang="en-US">
+              <a:latin typeface="Libertinus Serif" panose="02000503000000000000" pitchFamily="2" charset="0"/>
+              <a:ea typeface="Libertinus Serif" panose="02000503000000000000" pitchFamily="2" charset="0"/>
+              <a:cs typeface="Libertinus Serif" panose="02000503000000000000" pitchFamily="2" charset="0"/>
+            </a:endParaRPr>
           </a:p>
         </p:txBody>
       </p:sp>
@@ -22827,7 +22636,7 @@
         <p:spPr>
           <a:xfrm>
             <a:off x="6686000" y="5123481"/>
-            <a:ext cx="1562928" cy="646331"/>
+            <a:ext cx="1502334" cy="646331"/>
           </a:xfrm>
           <a:prstGeom prst="rect">
             <a:avLst/>
@@ -22841,13 +22650,21 @@
           <a:lstStyle/>
           <a:p>
             <a:r>
-              <a:rPr lang="en-US" dirty="0"/>
+              <a:rPr lang="en-US" dirty="0">
+                <a:latin typeface="Libertinus Serif" panose="02000503000000000000" pitchFamily="2" charset="0"/>
+                <a:ea typeface="Libertinus Serif" panose="02000503000000000000" pitchFamily="2" charset="0"/>
+                <a:cs typeface="Libertinus Serif" panose="02000503000000000000" pitchFamily="2" charset="0"/>
+              </a:rPr>
               <a:t>feature map/</a:t>
             </a:r>
           </a:p>
           <a:p>
             <a:r>
-              <a:rPr lang="en-US" dirty="0"/>
+              <a:rPr lang="en-US" dirty="0">
+                <a:latin typeface="Libertinus Serif" panose="02000503000000000000" pitchFamily="2" charset="0"/>
+                <a:ea typeface="Libertinus Serif" panose="02000503000000000000" pitchFamily="2" charset="0"/>
+                <a:cs typeface="Libertinus Serif" panose="02000503000000000000" pitchFamily="2" charset="0"/>
+              </a:rPr>
               <a:t>feature vector</a:t>
             </a:r>
           </a:p>
@@ -22868,7 +22685,7 @@
         <p:spPr>
           <a:xfrm>
             <a:off x="8979508" y="4741515"/>
-            <a:ext cx="1311641" cy="369332"/>
+            <a:ext cx="1241045" cy="369332"/>
           </a:xfrm>
           <a:prstGeom prst="rect">
             <a:avLst/>
@@ -22882,7 +22699,11 @@
           <a:lstStyle/>
           <a:p>
             <a:r>
-              <a:rPr lang="en-US" dirty="0"/>
+              <a:rPr lang="en-US" dirty="0">
+                <a:latin typeface="Libertinus Serif" panose="02000503000000000000" pitchFamily="2" charset="0"/>
+                <a:ea typeface="Libertinus Serif" panose="02000503000000000000" pitchFamily="2" charset="0"/>
+                <a:cs typeface="Libertinus Serif" panose="02000503000000000000" pitchFamily="2" charset="0"/>
+              </a:rPr>
               <a:t>predictions</a:t>
             </a:r>
           </a:p>
@@ -22905,8 +22726,8 @@
         </p:nvCxnSpPr>
         <p:spPr>
           <a:xfrm flipV="1">
-            <a:off x="7467464" y="4782959"/>
-            <a:ext cx="625925" cy="340522"/>
+            <a:off x="7437167" y="4782959"/>
+            <a:ext cx="656222" cy="340522"/>
           </a:xfrm>
           <a:prstGeom prst="line">
             <a:avLst/>
@@ -22946,7 +22767,7 @@
         <p:spPr>
           <a:xfrm>
             <a:off x="8836873" y="4445980"/>
-            <a:ext cx="798456" cy="295535"/>
+            <a:ext cx="763158" cy="295535"/>
           </a:xfrm>
           <a:prstGeom prst="line">
             <a:avLst/>
@@ -23088,7 +22909,9 @@
                 <a:solidFill>
                   <a:srgbClr val="000000"/>
                 </a:solidFill>
-                <a:latin typeface="-webkit-standard"/>
+                <a:latin typeface="Libertinus Serif" panose="02000503000000000000" pitchFamily="2" charset="0"/>
+                <a:ea typeface="Libertinus Serif" panose="02000503000000000000" pitchFamily="2" charset="0"/>
+                <a:cs typeface="Libertinus Serif" panose="02000503000000000000" pitchFamily="2" charset="0"/>
               </a:rPr>
               <a:t>T1-weighted MRI </a:t>
             </a:r>
@@ -23097,7 +22920,9 @@
                 <a:solidFill>
                   <a:srgbClr val="000000"/>
                 </a:solidFill>
-                <a:latin typeface="-webkit-standard"/>
+                <a:latin typeface="Libertinus Serif" panose="02000503000000000000" pitchFamily="2" charset="0"/>
+                <a:ea typeface="Libertinus Serif" panose="02000503000000000000" pitchFamily="2" charset="0"/>
+                <a:cs typeface="Libertinus Serif" panose="02000503000000000000" pitchFamily="2" charset="0"/>
               </a:rPr>
               <a:t>scans</a:t>
             </a:r>
@@ -23106,7 +22931,9 @@
                 <a:solidFill>
                   <a:srgbClr val="000000"/>
                 </a:solidFill>
-                <a:latin typeface="-webkit-standard"/>
+                <a:latin typeface="Libertinus Serif" panose="02000503000000000000" pitchFamily="2" charset="0"/>
+                <a:ea typeface="Libertinus Serif" panose="02000503000000000000" pitchFamily="2" charset="0"/>
+                <a:cs typeface="Libertinus Serif" panose="02000503000000000000" pitchFamily="2" charset="0"/>
               </a:rPr>
               <a:t> </a:t>
             </a:r>
@@ -23115,7 +22942,9 @@
                 <a:solidFill>
                   <a:srgbClr val="000000"/>
                 </a:solidFill>
-                <a:latin typeface="-webkit-standard"/>
+                <a:latin typeface="Libertinus Serif" panose="02000503000000000000" pitchFamily="2" charset="0"/>
+                <a:ea typeface="Libertinus Serif" panose="02000503000000000000" pitchFamily="2" charset="0"/>
+                <a:cs typeface="Libertinus Serif" panose="02000503000000000000" pitchFamily="2" charset="0"/>
               </a:rPr>
               <a:t>from</a:t>
             </a:r>
@@ -23124,7 +22953,9 @@
                 <a:solidFill>
                   <a:srgbClr val="000000"/>
                 </a:solidFill>
-                <a:latin typeface="-webkit-standard"/>
+                <a:latin typeface="Libertinus Serif" panose="02000503000000000000" pitchFamily="2" charset="0"/>
+                <a:ea typeface="Libertinus Serif" panose="02000503000000000000" pitchFamily="2" charset="0"/>
+                <a:cs typeface="Libertinus Serif" panose="02000503000000000000" pitchFamily="2" charset="0"/>
               </a:rPr>
               <a:t> 416 </a:t>
             </a:r>
@@ -23133,7 +22964,9 @@
                 <a:solidFill>
                   <a:srgbClr val="000000"/>
                 </a:solidFill>
-                <a:latin typeface="-webkit-standard"/>
+                <a:latin typeface="Libertinus Serif" panose="02000503000000000000" pitchFamily="2" charset="0"/>
+                <a:ea typeface="Libertinus Serif" panose="02000503000000000000" pitchFamily="2" charset="0"/>
+                <a:cs typeface="Libertinus Serif" panose="02000503000000000000" pitchFamily="2" charset="0"/>
               </a:rPr>
               <a:t>individuals</a:t>
             </a:r>
@@ -23142,7 +22975,9 @@
                 <a:solidFill>
                   <a:srgbClr val="000000"/>
                 </a:solidFill>
-                <a:latin typeface="-webkit-standard"/>
+                <a:latin typeface="Libertinus Serif" panose="02000503000000000000" pitchFamily="2" charset="0"/>
+                <a:ea typeface="Libertinus Serif" panose="02000503000000000000" pitchFamily="2" charset="0"/>
+                <a:cs typeface="Libertinus Serif" panose="02000503000000000000" pitchFamily="2" charset="0"/>
               </a:rPr>
               <a:t>, 100 </a:t>
             </a:r>
@@ -23151,7 +22986,9 @@
                 <a:solidFill>
                   <a:srgbClr val="000000"/>
                 </a:solidFill>
-                <a:latin typeface="-webkit-standard"/>
+                <a:latin typeface="Libertinus Serif" panose="02000503000000000000" pitchFamily="2" charset="0"/>
+                <a:ea typeface="Libertinus Serif" panose="02000503000000000000" pitchFamily="2" charset="0"/>
+                <a:cs typeface="Libertinus Serif" panose="02000503000000000000" pitchFamily="2" charset="0"/>
               </a:rPr>
               <a:t>with</a:t>
             </a:r>
@@ -23160,7 +22997,9 @@
                 <a:solidFill>
                   <a:srgbClr val="000000"/>
                 </a:solidFill>
-                <a:latin typeface="-webkit-standard"/>
+                <a:latin typeface="Libertinus Serif" panose="02000503000000000000" pitchFamily="2" charset="0"/>
+                <a:ea typeface="Libertinus Serif" panose="02000503000000000000" pitchFamily="2" charset="0"/>
+                <a:cs typeface="Libertinus Serif" panose="02000503000000000000" pitchFamily="2" charset="0"/>
               </a:rPr>
               <a:t> AD </a:t>
             </a:r>
@@ -23171,7 +23010,9 @@
                 <a:solidFill>
                   <a:srgbClr val="000000"/>
                 </a:solidFill>
-                <a:latin typeface="-webkit-standard"/>
+                <a:latin typeface="Libertinus Serif" panose="02000503000000000000" pitchFamily="2" charset="0"/>
+                <a:ea typeface="Libertinus Serif" panose="02000503000000000000" pitchFamily="2" charset="0"/>
+                <a:cs typeface="Libertinus Serif" panose="02000503000000000000" pitchFamily="2" charset="0"/>
               </a:rPr>
               <a:t>C</a:t>
             </a:r>
@@ -23181,7 +23022,9 @@
                   <a:srgbClr val="000000"/>
                 </a:solidFill>
                 <a:effectLst/>
-                <a:latin typeface="-webkit-standard"/>
+                <a:latin typeface="Libertinus Serif" panose="02000503000000000000" pitchFamily="2" charset="0"/>
+                <a:ea typeface="Libertinus Serif" panose="02000503000000000000" pitchFamily="2" charset="0"/>
+                <a:cs typeface="Libertinus Serif" panose="02000503000000000000" pitchFamily="2" charset="0"/>
               </a:rPr>
               <a:t>orrected</a:t>
             </a:r>
@@ -23191,7 +23034,9 @@
                   <a:srgbClr val="000000"/>
                 </a:solidFill>
                 <a:effectLst/>
-                <a:latin typeface="-webkit-standard"/>
+                <a:latin typeface="Libertinus Serif" panose="02000503000000000000" pitchFamily="2" charset="0"/>
+                <a:ea typeface="Libertinus Serif" panose="02000503000000000000" pitchFamily="2" charset="0"/>
+                <a:cs typeface="Libertinus Serif" panose="02000503000000000000" pitchFamily="2" charset="0"/>
               </a:rPr>
               <a:t> </a:t>
             </a:r>
@@ -23201,7 +23046,9 @@
                   <a:srgbClr val="000000"/>
                 </a:solidFill>
                 <a:effectLst/>
-                <a:latin typeface="-webkit-standard"/>
+                <a:latin typeface="Libertinus Serif" panose="02000503000000000000" pitchFamily="2" charset="0"/>
+                <a:ea typeface="Libertinus Serif" panose="02000503000000000000" pitchFamily="2" charset="0"/>
+                <a:cs typeface="Libertinus Serif" panose="02000503000000000000" pitchFamily="2" charset="0"/>
               </a:rPr>
               <a:t>for</a:t>
             </a:r>
@@ -23211,7 +23058,9 @@
                   <a:srgbClr val="000000"/>
                 </a:solidFill>
                 <a:effectLst/>
-                <a:latin typeface="-webkit-standard"/>
+                <a:latin typeface="Libertinus Serif" panose="02000503000000000000" pitchFamily="2" charset="0"/>
+                <a:ea typeface="Libertinus Serif" panose="02000503000000000000" pitchFamily="2" charset="0"/>
+                <a:cs typeface="Libertinus Serif" panose="02000503000000000000" pitchFamily="2" charset="0"/>
               </a:rPr>
               <a:t> </a:t>
             </a:r>
@@ -23221,7 +23070,9 @@
                   <a:srgbClr val="000000"/>
                 </a:solidFill>
                 <a:effectLst/>
-                <a:latin typeface="-webkit-standard"/>
+                <a:latin typeface="Libertinus Serif" panose="02000503000000000000" pitchFamily="2" charset="0"/>
+                <a:ea typeface="Libertinus Serif" panose="02000503000000000000" pitchFamily="2" charset="0"/>
+                <a:cs typeface="Libertinus Serif" panose="02000503000000000000" pitchFamily="2" charset="0"/>
               </a:rPr>
               <a:t>head</a:t>
             </a:r>
@@ -23231,7 +23082,9 @@
                   <a:srgbClr val="000000"/>
                 </a:solidFill>
                 <a:effectLst/>
-                <a:latin typeface="-webkit-standard"/>
+                <a:latin typeface="Libertinus Serif" panose="02000503000000000000" pitchFamily="2" charset="0"/>
+                <a:ea typeface="Libertinus Serif" panose="02000503000000000000" pitchFamily="2" charset="0"/>
+                <a:cs typeface="Libertinus Serif" panose="02000503000000000000" pitchFamily="2" charset="0"/>
               </a:rPr>
               <a:t> </a:t>
             </a:r>
@@ -23241,7 +23094,9 @@
                   <a:srgbClr val="000000"/>
                 </a:solidFill>
                 <a:effectLst/>
-                <a:latin typeface="-webkit-standard"/>
+                <a:latin typeface="Libertinus Serif" panose="02000503000000000000" pitchFamily="2" charset="0"/>
+                <a:ea typeface="Libertinus Serif" panose="02000503000000000000" pitchFamily="2" charset="0"/>
+                <a:cs typeface="Libertinus Serif" panose="02000503000000000000" pitchFamily="2" charset="0"/>
               </a:rPr>
               <a:t>movement</a:t>
             </a:r>
@@ -23251,7 +23106,9 @@
                   <a:srgbClr val="000000"/>
                 </a:solidFill>
                 <a:effectLst/>
-                <a:latin typeface="-webkit-standard"/>
+                <a:latin typeface="Libertinus Serif" panose="02000503000000000000" pitchFamily="2" charset="0"/>
+                <a:ea typeface="Libertinus Serif" panose="02000503000000000000" pitchFamily="2" charset="0"/>
+                <a:cs typeface="Libertinus Serif" panose="02000503000000000000" pitchFamily="2" charset="0"/>
               </a:rPr>
               <a:t> and </a:t>
             </a:r>
@@ -23261,7 +23118,9 @@
                   <a:srgbClr val="000000"/>
                 </a:solidFill>
                 <a:effectLst/>
-                <a:latin typeface="-webkit-standard"/>
+                <a:latin typeface="Libertinus Serif" panose="02000503000000000000" pitchFamily="2" charset="0"/>
+                <a:ea typeface="Libertinus Serif" panose="02000503000000000000" pitchFamily="2" charset="0"/>
+                <a:cs typeface="Libertinus Serif" panose="02000503000000000000" pitchFamily="2" charset="0"/>
               </a:rPr>
               <a:t>spatially</a:t>
             </a:r>
@@ -23271,7 +23130,9 @@
                   <a:srgbClr val="000000"/>
                 </a:solidFill>
                 <a:effectLst/>
-                <a:latin typeface="-webkit-standard"/>
+                <a:latin typeface="Libertinus Serif" panose="02000503000000000000" pitchFamily="2" charset="0"/>
+                <a:ea typeface="Libertinus Serif" panose="02000503000000000000" pitchFamily="2" charset="0"/>
+                <a:cs typeface="Libertinus Serif" panose="02000503000000000000" pitchFamily="2" charset="0"/>
               </a:rPr>
               <a:t> </a:t>
             </a:r>
@@ -23281,7 +23142,9 @@
                   <a:srgbClr val="000000"/>
                 </a:solidFill>
                 <a:effectLst/>
-                <a:latin typeface="-webkit-standard"/>
+                <a:latin typeface="Libertinus Serif" panose="02000503000000000000" pitchFamily="2" charset="0"/>
+                <a:ea typeface="Libertinus Serif" panose="02000503000000000000" pitchFamily="2" charset="0"/>
+                <a:cs typeface="Libertinus Serif" panose="02000503000000000000" pitchFamily="2" charset="0"/>
               </a:rPr>
               <a:t>aligned</a:t>
             </a:r>
@@ -23291,7 +23154,9 @@
                   <a:srgbClr val="000000"/>
                 </a:solidFill>
                 <a:effectLst/>
-                <a:latin typeface="-webkit-standard"/>
+                <a:latin typeface="Libertinus Serif" panose="02000503000000000000" pitchFamily="2" charset="0"/>
+                <a:ea typeface="Libertinus Serif" panose="02000503000000000000" pitchFamily="2" charset="0"/>
+                <a:cs typeface="Libertinus Serif" panose="02000503000000000000" pitchFamily="2" charset="0"/>
               </a:rPr>
               <a:t> </a:t>
             </a:r>
@@ -23301,7 +23166,9 @@
                   <a:srgbClr val="000000"/>
                 </a:solidFill>
                 <a:effectLst/>
-                <a:latin typeface="-webkit-standard"/>
+                <a:latin typeface="Libertinus Serif" panose="02000503000000000000" pitchFamily="2" charset="0"/>
+                <a:ea typeface="Libertinus Serif" panose="02000503000000000000" pitchFamily="2" charset="0"/>
+                <a:cs typeface="Libertinus Serif" panose="02000503000000000000" pitchFamily="2" charset="0"/>
               </a:rPr>
               <a:t>to</a:t>
             </a:r>
@@ -23311,7 +23178,9 @@
                   <a:srgbClr val="000000"/>
                 </a:solidFill>
                 <a:effectLst/>
-                <a:latin typeface="-webkit-standard"/>
+                <a:latin typeface="Libertinus Serif" panose="02000503000000000000" pitchFamily="2" charset="0"/>
+                <a:ea typeface="Libertinus Serif" panose="02000503000000000000" pitchFamily="2" charset="0"/>
+                <a:cs typeface="Libertinus Serif" panose="02000503000000000000" pitchFamily="2" charset="0"/>
               </a:rPr>
               <a:t> </a:t>
             </a:r>
@@ -23321,7 +23190,9 @@
                   <a:srgbClr val="000000"/>
                 </a:solidFill>
                 <a:effectLst/>
-                <a:latin typeface="-webkit-standard"/>
+                <a:latin typeface="Libertinus Serif" panose="02000503000000000000" pitchFamily="2" charset="0"/>
+                <a:ea typeface="Libertinus Serif" panose="02000503000000000000" pitchFamily="2" charset="0"/>
+                <a:cs typeface="Libertinus Serif" panose="02000503000000000000" pitchFamily="2" charset="0"/>
               </a:rPr>
               <a:t>the</a:t>
             </a:r>
@@ -23331,7 +23202,9 @@
                   <a:srgbClr val="000000"/>
                 </a:solidFill>
                 <a:effectLst/>
-                <a:latin typeface="-webkit-standard"/>
+                <a:latin typeface="Libertinus Serif" panose="02000503000000000000" pitchFamily="2" charset="0"/>
+                <a:ea typeface="Libertinus Serif" panose="02000503000000000000" pitchFamily="2" charset="0"/>
+                <a:cs typeface="Libertinus Serif" panose="02000503000000000000" pitchFamily="2" charset="0"/>
               </a:rPr>
               <a:t> </a:t>
             </a:r>
@@ -23341,7 +23214,9 @@
                   <a:srgbClr val="000000"/>
                 </a:solidFill>
                 <a:effectLst/>
-                <a:latin typeface="-webkit-standard"/>
+                <a:latin typeface="Libertinus Serif" panose="02000503000000000000" pitchFamily="2" charset="0"/>
+                <a:ea typeface="Libertinus Serif" panose="02000503000000000000" pitchFamily="2" charset="0"/>
+                <a:cs typeface="Libertinus Serif" panose="02000503000000000000" pitchFamily="2" charset="0"/>
               </a:rPr>
               <a:t>Talairach</a:t>
             </a:r>
@@ -23351,7 +23226,9 @@
                   <a:srgbClr val="000000"/>
                 </a:solidFill>
                 <a:effectLst/>
-                <a:latin typeface="-webkit-standard"/>
+                <a:latin typeface="Libertinus Serif" panose="02000503000000000000" pitchFamily="2" charset="0"/>
+                <a:ea typeface="Libertinus Serif" panose="02000503000000000000" pitchFamily="2" charset="0"/>
+                <a:cs typeface="Libertinus Serif" panose="02000503000000000000" pitchFamily="2" charset="0"/>
               </a:rPr>
               <a:t> and </a:t>
             </a:r>
@@ -23361,7 +23238,9 @@
                   <a:srgbClr val="000000"/>
                 </a:solidFill>
                 <a:effectLst/>
-                <a:latin typeface="-webkit-standard"/>
+                <a:latin typeface="Libertinus Serif" panose="02000503000000000000" pitchFamily="2" charset="0"/>
+                <a:ea typeface="Libertinus Serif" panose="02000503000000000000" pitchFamily="2" charset="0"/>
+                <a:cs typeface="Libertinus Serif" panose="02000503000000000000" pitchFamily="2" charset="0"/>
               </a:rPr>
               <a:t>Tournoux</a:t>
             </a:r>
@@ -23371,7 +23250,9 @@
                   <a:srgbClr val="000000"/>
                 </a:solidFill>
                 <a:effectLst/>
-                <a:latin typeface="-webkit-standard"/>
+                <a:latin typeface="Libertinus Serif" panose="02000503000000000000" pitchFamily="2" charset="0"/>
+                <a:ea typeface="Libertinus Serif" panose="02000503000000000000" pitchFamily="2" charset="0"/>
+                <a:cs typeface="Libertinus Serif" panose="02000503000000000000" pitchFamily="2" charset="0"/>
               </a:rPr>
               <a:t> </a:t>
             </a:r>
@@ -23381,7 +23262,9 @@
                   <a:srgbClr val="000000"/>
                 </a:solidFill>
                 <a:effectLst/>
-                <a:latin typeface="-webkit-standard"/>
+                <a:latin typeface="Libertinus Serif" panose="02000503000000000000" pitchFamily="2" charset="0"/>
+                <a:ea typeface="Libertinus Serif" panose="02000503000000000000" pitchFamily="2" charset="0"/>
+                <a:cs typeface="Libertinus Serif" panose="02000503000000000000" pitchFamily="2" charset="0"/>
               </a:rPr>
               <a:t>atlas</a:t>
             </a:r>
@@ -23391,7 +23274,9 @@
                   <a:srgbClr val="000000"/>
                 </a:solidFill>
                 <a:effectLst/>
-                <a:latin typeface="-webkit-standard"/>
+                <a:latin typeface="Libertinus Serif" panose="02000503000000000000" pitchFamily="2" charset="0"/>
+                <a:ea typeface="Libertinus Serif" panose="02000503000000000000" pitchFamily="2" charset="0"/>
+                <a:cs typeface="Libertinus Serif" panose="02000503000000000000" pitchFamily="2" charset="0"/>
               </a:rPr>
               <a:t> </a:t>
             </a:r>
@@ -23401,7 +23286,9 @@
                   <a:srgbClr val="000000"/>
                 </a:solidFill>
                 <a:effectLst/>
-                <a:latin typeface="-webkit-standard"/>
+                <a:latin typeface="Libertinus Serif" panose="02000503000000000000" pitchFamily="2" charset="0"/>
+                <a:ea typeface="Libertinus Serif" panose="02000503000000000000" pitchFamily="2" charset="0"/>
+                <a:cs typeface="Libertinus Serif" panose="02000503000000000000" pitchFamily="2" charset="0"/>
               </a:rPr>
               <a:t>space</a:t>
             </a:r>
@@ -23410,7 +23297,9 @@
                 <a:srgbClr val="000000"/>
               </a:solidFill>
               <a:effectLst/>
-              <a:latin typeface="-webkit-standard"/>
+              <a:latin typeface="Libertinus Serif" panose="02000503000000000000" pitchFamily="2" charset="0"/>
+              <a:ea typeface="Libertinus Serif" panose="02000503000000000000" pitchFamily="2" charset="0"/>
+              <a:cs typeface="Libertinus Serif" panose="02000503000000000000" pitchFamily="2" charset="0"/>
             </a:endParaRPr>
           </a:p>
           <a:p>
@@ -23419,7 +23308,9 @@
                 <a:solidFill>
                   <a:srgbClr val="000000"/>
                 </a:solidFill>
-                <a:latin typeface="-webkit-standard"/>
+                <a:latin typeface="Libertinus Serif" panose="02000503000000000000" pitchFamily="2" charset="0"/>
+                <a:ea typeface="Libertinus Serif" panose="02000503000000000000" pitchFamily="2" charset="0"/>
+                <a:cs typeface="Libertinus Serif" panose="02000503000000000000" pitchFamily="2" charset="0"/>
               </a:rPr>
               <a:t>C</a:t>
             </a:r>
@@ -23429,7 +23320,9 @@
                   <a:srgbClr val="000000"/>
                 </a:solidFill>
                 <a:effectLst/>
-                <a:latin typeface="-webkit-standard"/>
+                <a:latin typeface="Libertinus Serif" panose="02000503000000000000" pitchFamily="2" charset="0"/>
+                <a:ea typeface="Libertinus Serif" panose="02000503000000000000" pitchFamily="2" charset="0"/>
+                <a:cs typeface="Libertinus Serif" panose="02000503000000000000" pitchFamily="2" charset="0"/>
               </a:rPr>
               <a:t>ombined</a:t>
             </a:r>
@@ -23439,7 +23332,9 @@
                   <a:srgbClr val="000000"/>
                 </a:solidFill>
                 <a:effectLst/>
-                <a:latin typeface="-webkit-standard"/>
+                <a:latin typeface="Libertinus Serif" panose="02000503000000000000" pitchFamily="2" charset="0"/>
+                <a:ea typeface="Libertinus Serif" panose="02000503000000000000" pitchFamily="2" charset="0"/>
+                <a:cs typeface="Libertinus Serif" panose="02000503000000000000" pitchFamily="2" charset="0"/>
               </a:rPr>
               <a:t> </a:t>
             </a:r>
@@ -23449,7 +23344,9 @@
                   <a:srgbClr val="000000"/>
                 </a:solidFill>
                 <a:effectLst/>
-                <a:latin typeface="-webkit-standard"/>
+                <a:latin typeface="Libertinus Serif" panose="02000503000000000000" pitchFamily="2" charset="0"/>
+                <a:ea typeface="Libertinus Serif" panose="02000503000000000000" pitchFamily="2" charset="0"/>
+                <a:cs typeface="Libertinus Serif" panose="02000503000000000000" pitchFamily="2" charset="0"/>
               </a:rPr>
               <a:t>template</a:t>
             </a:r>
@@ -23459,7 +23356,9 @@
                   <a:srgbClr val="000000"/>
                 </a:solidFill>
                 <a:effectLst/>
-                <a:latin typeface="-webkit-standard"/>
+                <a:latin typeface="Libertinus Serif" panose="02000503000000000000" pitchFamily="2" charset="0"/>
+                <a:ea typeface="Libertinus Serif" panose="02000503000000000000" pitchFamily="2" charset="0"/>
+                <a:cs typeface="Libertinus Serif" panose="02000503000000000000" pitchFamily="2" charset="0"/>
               </a:rPr>
               <a:t> </a:t>
             </a:r>
@@ -23469,7 +23368,9 @@
                   <a:srgbClr val="000000"/>
                 </a:solidFill>
                 <a:effectLst/>
-                <a:latin typeface="-webkit-standard"/>
+                <a:latin typeface="Libertinus Serif" panose="02000503000000000000" pitchFamily="2" charset="0"/>
+                <a:ea typeface="Libertinus Serif" panose="02000503000000000000" pitchFamily="2" charset="0"/>
+                <a:cs typeface="Libertinus Serif" panose="02000503000000000000" pitchFamily="2" charset="0"/>
               </a:rPr>
               <a:t>atlas</a:t>
             </a:r>
@@ -23479,7 +23380,9 @@
                   <a:srgbClr val="000000"/>
                 </a:solidFill>
                 <a:effectLst/>
-                <a:latin typeface="-webkit-standard"/>
+                <a:latin typeface="Libertinus Serif" panose="02000503000000000000" pitchFamily="2" charset="0"/>
+                <a:ea typeface="Libertinus Serif" panose="02000503000000000000" pitchFamily="2" charset="0"/>
+                <a:cs typeface="Libertinus Serif" panose="02000503000000000000" pitchFamily="2" charset="0"/>
               </a:rPr>
               <a:t> </a:t>
             </a:r>
@@ -23489,7 +23392,9 @@
                   <a:srgbClr val="000000"/>
                 </a:solidFill>
                 <a:effectLst/>
-                <a:latin typeface="-webkit-standard"/>
+                <a:latin typeface="Libertinus Serif" panose="02000503000000000000" pitchFamily="2" charset="0"/>
+                <a:ea typeface="Libertinus Serif" panose="02000503000000000000" pitchFamily="2" charset="0"/>
+                <a:cs typeface="Libertinus Serif" panose="02000503000000000000" pitchFamily="2" charset="0"/>
               </a:rPr>
               <a:t>from</a:t>
             </a:r>
@@ -23499,7 +23404,9 @@
                   <a:srgbClr val="000000"/>
                 </a:solidFill>
                 <a:effectLst/>
-                <a:latin typeface="-webkit-standard"/>
+                <a:latin typeface="Libertinus Serif" panose="02000503000000000000" pitchFamily="2" charset="0"/>
+                <a:ea typeface="Libertinus Serif" panose="02000503000000000000" pitchFamily="2" charset="0"/>
+                <a:cs typeface="Libertinus Serif" panose="02000503000000000000" pitchFamily="2" charset="0"/>
               </a:rPr>
               <a:t> </a:t>
             </a:r>
@@ -23509,7 +23416,9 @@
                   <a:srgbClr val="000000"/>
                 </a:solidFill>
                 <a:effectLst/>
-                <a:latin typeface="-webkit-standard"/>
+                <a:latin typeface="Libertinus Serif" panose="02000503000000000000" pitchFamily="2" charset="0"/>
+                <a:ea typeface="Libertinus Serif" panose="02000503000000000000" pitchFamily="2" charset="0"/>
+                <a:cs typeface="Libertinus Serif" panose="02000503000000000000" pitchFamily="2" charset="0"/>
               </a:rPr>
               <a:t>young</a:t>
             </a:r>
@@ -23519,7 +23428,9 @@
                   <a:srgbClr val="000000"/>
                 </a:solidFill>
                 <a:effectLst/>
-                <a:latin typeface="-webkit-standard"/>
+                <a:latin typeface="Libertinus Serif" panose="02000503000000000000" pitchFamily="2" charset="0"/>
+                <a:ea typeface="Libertinus Serif" panose="02000503000000000000" pitchFamily="2" charset="0"/>
+                <a:cs typeface="Libertinus Serif" panose="02000503000000000000" pitchFamily="2" charset="0"/>
               </a:rPr>
               <a:t> and </a:t>
             </a:r>
@@ -23529,7 +23440,9 @@
                   <a:srgbClr val="000000"/>
                 </a:solidFill>
                 <a:effectLst/>
-                <a:latin typeface="-webkit-standard"/>
+                <a:latin typeface="Libertinus Serif" panose="02000503000000000000" pitchFamily="2" charset="0"/>
+                <a:ea typeface="Libertinus Serif" panose="02000503000000000000" pitchFamily="2" charset="0"/>
+                <a:cs typeface="Libertinus Serif" panose="02000503000000000000" pitchFamily="2" charset="0"/>
               </a:rPr>
               <a:t>elderly</a:t>
             </a:r>
@@ -23539,7 +23452,9 @@
                   <a:srgbClr val="000000"/>
                 </a:solidFill>
                 <a:effectLst/>
-                <a:latin typeface="-webkit-standard"/>
+                <a:latin typeface="Libertinus Serif" panose="02000503000000000000" pitchFamily="2" charset="0"/>
+                <a:ea typeface="Libertinus Serif" panose="02000503000000000000" pitchFamily="2" charset="0"/>
+                <a:cs typeface="Libertinus Serif" panose="02000503000000000000" pitchFamily="2" charset="0"/>
               </a:rPr>
               <a:t> </a:t>
             </a:r>
@@ -23549,7 +23464,9 @@
                   <a:srgbClr val="000000"/>
                 </a:solidFill>
                 <a:effectLst/>
-                <a:latin typeface="-webkit-standard"/>
+                <a:latin typeface="Libertinus Serif" panose="02000503000000000000" pitchFamily="2" charset="0"/>
+                <a:ea typeface="Libertinus Serif" panose="02000503000000000000" pitchFamily="2" charset="0"/>
+                <a:cs typeface="Libertinus Serif" panose="02000503000000000000" pitchFamily="2" charset="0"/>
               </a:rPr>
               <a:t>subjects</a:t>
             </a:r>
@@ -23559,7 +23476,9 @@
                   <a:srgbClr val="000000"/>
                 </a:solidFill>
                 <a:effectLst/>
-                <a:latin typeface="-webkit-standard"/>
+                <a:latin typeface="Libertinus Serif" panose="02000503000000000000" pitchFamily="2" charset="0"/>
+                <a:ea typeface="Libertinus Serif" panose="02000503000000000000" pitchFamily="2" charset="0"/>
+                <a:cs typeface="Libertinus Serif" panose="02000503000000000000" pitchFamily="2" charset="0"/>
               </a:rPr>
               <a:t> </a:t>
             </a:r>
@@ -23569,7 +23488,9 @@
                   <a:srgbClr val="000000"/>
                 </a:solidFill>
                 <a:effectLst/>
-                <a:latin typeface="-webkit-standard"/>
+                <a:latin typeface="Libertinus Serif" panose="02000503000000000000" pitchFamily="2" charset="0"/>
+                <a:ea typeface="Libertinus Serif" panose="02000503000000000000" pitchFamily="2" charset="0"/>
+                <a:cs typeface="Libertinus Serif" panose="02000503000000000000" pitchFamily="2" charset="0"/>
               </a:rPr>
               <a:t>without</a:t>
             </a:r>
@@ -23579,7 +23500,9 @@
                   <a:srgbClr val="000000"/>
                 </a:solidFill>
                 <a:effectLst/>
-                <a:latin typeface="-webkit-standard"/>
+                <a:latin typeface="Libertinus Serif" panose="02000503000000000000" pitchFamily="2" charset="0"/>
+                <a:ea typeface="Libertinus Serif" panose="02000503000000000000" pitchFamily="2" charset="0"/>
+                <a:cs typeface="Libertinus Serif" panose="02000503000000000000" pitchFamily="2" charset="0"/>
               </a:rPr>
               <a:t> </a:t>
             </a:r>
@@ -23589,7 +23512,9 @@
                   <a:srgbClr val="000000"/>
                 </a:solidFill>
                 <a:effectLst/>
-                <a:latin typeface="-webkit-standard"/>
+                <a:latin typeface="Libertinus Serif" panose="02000503000000000000" pitchFamily="2" charset="0"/>
+                <a:ea typeface="Libertinus Serif" panose="02000503000000000000" pitchFamily="2" charset="0"/>
+                <a:cs typeface="Libertinus Serif" panose="02000503000000000000" pitchFamily="2" charset="0"/>
               </a:rPr>
               <a:t>dementia</a:t>
             </a:r>
@@ -23599,7 +23524,9 @@
                   <a:srgbClr val="000000"/>
                 </a:solidFill>
                 <a:effectLst/>
-                <a:latin typeface="-webkit-standard"/>
+                <a:latin typeface="Libertinus Serif" panose="02000503000000000000" pitchFamily="2" charset="0"/>
+                <a:ea typeface="Libertinus Serif" panose="02000503000000000000" pitchFamily="2" charset="0"/>
+                <a:cs typeface="Libertinus Serif" panose="02000503000000000000" pitchFamily="2" charset="0"/>
               </a:rPr>
               <a:t> was </a:t>
             </a:r>
@@ -23609,7 +23536,9 @@
                   <a:srgbClr val="000000"/>
                 </a:solidFill>
                 <a:effectLst/>
-                <a:latin typeface="-webkit-standard"/>
+                <a:latin typeface="Libertinus Serif" panose="02000503000000000000" pitchFamily="2" charset="0"/>
+                <a:ea typeface="Libertinus Serif" panose="02000503000000000000" pitchFamily="2" charset="0"/>
+                <a:cs typeface="Libertinus Serif" panose="02000503000000000000" pitchFamily="2" charset="0"/>
               </a:rPr>
               <a:t>used</a:t>
             </a:r>
@@ -23619,7 +23548,9 @@
                   <a:srgbClr val="000000"/>
                 </a:solidFill>
                 <a:effectLst/>
-                <a:latin typeface="-webkit-standard"/>
+                <a:latin typeface="Libertinus Serif" panose="02000503000000000000" pitchFamily="2" charset="0"/>
+                <a:ea typeface="Libertinus Serif" panose="02000503000000000000" pitchFamily="2" charset="0"/>
+                <a:cs typeface="Libertinus Serif" panose="02000503000000000000" pitchFamily="2" charset="0"/>
               </a:rPr>
               <a:t> </a:t>
             </a:r>
@@ -23629,7 +23560,9 @@
                   <a:srgbClr val="000000"/>
                 </a:solidFill>
                 <a:effectLst/>
-                <a:latin typeface="-webkit-standard"/>
+                <a:latin typeface="Libertinus Serif" panose="02000503000000000000" pitchFamily="2" charset="0"/>
+                <a:ea typeface="Libertinus Serif" panose="02000503000000000000" pitchFamily="2" charset="0"/>
+                <a:cs typeface="Libertinus Serif" panose="02000503000000000000" pitchFamily="2" charset="0"/>
               </a:rPr>
               <a:t>to</a:t>
             </a:r>
@@ -23639,7 +23572,9 @@
                   <a:srgbClr val="000000"/>
                 </a:solidFill>
                 <a:effectLst/>
-                <a:latin typeface="-webkit-standard"/>
+                <a:latin typeface="Libertinus Serif" panose="02000503000000000000" pitchFamily="2" charset="0"/>
+                <a:ea typeface="Libertinus Serif" panose="02000503000000000000" pitchFamily="2" charset="0"/>
+                <a:cs typeface="Libertinus Serif" panose="02000503000000000000" pitchFamily="2" charset="0"/>
               </a:rPr>
               <a:t> </a:t>
             </a:r>
@@ -23649,7 +23584,9 @@
                   <a:srgbClr val="000000"/>
                 </a:solidFill>
                 <a:effectLst/>
-                <a:latin typeface="-webkit-standard"/>
+                <a:latin typeface="Libertinus Serif" panose="02000503000000000000" pitchFamily="2" charset="0"/>
+                <a:ea typeface="Libertinus Serif" panose="02000503000000000000" pitchFamily="2" charset="0"/>
+                <a:cs typeface="Libertinus Serif" panose="02000503000000000000" pitchFamily="2" charset="0"/>
               </a:rPr>
               <a:t>minimize</a:t>
             </a:r>
@@ -23659,7 +23596,9 @@
                   <a:srgbClr val="000000"/>
                 </a:solidFill>
                 <a:effectLst/>
-                <a:latin typeface="-webkit-standard"/>
+                <a:latin typeface="Libertinus Serif" panose="02000503000000000000" pitchFamily="2" charset="0"/>
+                <a:ea typeface="Libertinus Serif" panose="02000503000000000000" pitchFamily="2" charset="0"/>
+                <a:cs typeface="Libertinus Serif" panose="02000503000000000000" pitchFamily="2" charset="0"/>
               </a:rPr>
               <a:t> </a:t>
             </a:r>
@@ -23669,7 +23608,9 @@
                   <a:srgbClr val="000000"/>
                 </a:solidFill>
                 <a:effectLst/>
-                <a:latin typeface="-webkit-standard"/>
+                <a:latin typeface="Libertinus Serif" panose="02000503000000000000" pitchFamily="2" charset="0"/>
+                <a:ea typeface="Libertinus Serif" panose="02000503000000000000" pitchFamily="2" charset="0"/>
+                <a:cs typeface="Libertinus Serif" panose="02000503000000000000" pitchFamily="2" charset="0"/>
               </a:rPr>
               <a:t>age</a:t>
             </a:r>
@@ -23679,7 +23620,9 @@
                   <a:srgbClr val="000000"/>
                 </a:solidFill>
                 <a:effectLst/>
-                <a:latin typeface="-webkit-standard"/>
+                <a:latin typeface="Libertinus Serif" panose="02000503000000000000" pitchFamily="2" charset="0"/>
+                <a:ea typeface="Libertinus Serif" panose="02000503000000000000" pitchFamily="2" charset="0"/>
+                <a:cs typeface="Libertinus Serif" panose="02000503000000000000" pitchFamily="2" charset="0"/>
               </a:rPr>
               <a:t> </a:t>
             </a:r>
@@ -23689,7 +23632,9 @@
                   <a:srgbClr val="000000"/>
                 </a:solidFill>
                 <a:effectLst/>
-                <a:latin typeface="-webkit-standard"/>
+                <a:latin typeface="Libertinus Serif" panose="02000503000000000000" pitchFamily="2" charset="0"/>
+                <a:ea typeface="Libertinus Serif" panose="02000503000000000000" pitchFamily="2" charset="0"/>
+                <a:cs typeface="Libertinus Serif" panose="02000503000000000000" pitchFamily="2" charset="0"/>
               </a:rPr>
               <a:t>biases</a:t>
             </a:r>
@@ -23698,12 +23643,18 @@
                 <a:srgbClr val="000000"/>
               </a:solidFill>
               <a:effectLst/>
-              <a:latin typeface="-webkit-standard"/>
+              <a:latin typeface="Libertinus Serif" panose="02000503000000000000" pitchFamily="2" charset="0"/>
+              <a:ea typeface="Libertinus Serif" panose="02000503000000000000" pitchFamily="2" charset="0"/>
+              <a:cs typeface="Libertinus Serif" panose="02000503000000000000" pitchFamily="2" charset="0"/>
             </a:endParaRPr>
           </a:p>
           <a:p>
             <a:r>
-              <a:rPr lang="en-US" dirty="0"/>
+              <a:rPr lang="en-US" dirty="0">
+                <a:latin typeface="Libertinus Serif" panose="02000503000000000000" pitchFamily="2" charset="0"/>
+                <a:ea typeface="Libertinus Serif" panose="02000503000000000000" pitchFamily="2" charset="0"/>
+                <a:cs typeface="Libertinus Serif" panose="02000503000000000000" pitchFamily="2" charset="0"/>
+              </a:rPr>
               <a:t>Versions with and without skull </a:t>
             </a:r>
           </a:p>
@@ -23856,7 +23807,11 @@
           <a:p>
             <a:pPr algn="ctr"/>
             <a:r>
-              <a:rPr lang="en-US" sz="2800" dirty="0"/>
+              <a:rPr lang="en-US" sz="2800" dirty="0">
+                <a:latin typeface="Libertinus Serif" panose="02000503000000000000" pitchFamily="2" charset="0"/>
+                <a:ea typeface="Libertinus Serif" panose="02000503000000000000" pitchFamily="2" charset="0"/>
+                <a:cs typeface="Libertinus Serif" panose="02000503000000000000" pitchFamily="2" charset="0"/>
+              </a:rPr>
               <a:t>Data Imbalance with few individual samples</a:t>
             </a:r>
           </a:p>
@@ -23931,7 +23886,11 @@
           <a:p>
             <a:pPr algn="ctr"/>
             <a:r>
-              <a:rPr lang="en-US" sz="2800" dirty="0"/>
+              <a:rPr lang="en-US" sz="2800" dirty="0">
+                <a:latin typeface="Libertinus Serif" panose="02000503000000000000" pitchFamily="2" charset="0"/>
+                <a:ea typeface="Libertinus Serif" panose="02000503000000000000" pitchFamily="2" charset="0"/>
+                <a:cs typeface="Libertinus Serif" panose="02000503000000000000" pitchFamily="2" charset="0"/>
+              </a:rPr>
               <a:t>Large Data Volume &amp; Computational Restrictions</a:t>
             </a:r>
           </a:p>
@@ -23982,7 +23941,9 @@
                   <a:srgbClr val="000000"/>
                 </a:solidFill>
                 <a:effectLst/>
-                <a:latin typeface="-webkit-standard"/>
+                <a:latin typeface="Libertinus Serif" panose="02000503000000000000" pitchFamily="2" charset="0"/>
+                <a:ea typeface="Libertinus Serif" panose="02000503000000000000" pitchFamily="2" charset="0"/>
+                <a:cs typeface="Libertinus Serif" panose="02000503000000000000" pitchFamily="2" charset="0"/>
               </a:rPr>
               <a:t>MRI Scans </a:t>
             </a:r>
@@ -23991,7 +23952,9 @@
                 <a:solidFill>
                   <a:srgbClr val="000000"/>
                 </a:solidFill>
-                <a:latin typeface="-webkit-standard"/>
+                <a:latin typeface="Libertinus Serif" panose="02000503000000000000" pitchFamily="2" charset="0"/>
+                <a:ea typeface="Libertinus Serif" panose="02000503000000000000" pitchFamily="2" charset="0"/>
+                <a:cs typeface="Libertinus Serif" panose="02000503000000000000" pitchFamily="2" charset="0"/>
               </a:rPr>
               <a:t>r</a:t>
             </a:r>
@@ -24001,7 +23964,9 @@
                   <a:srgbClr val="000000"/>
                 </a:solidFill>
                 <a:effectLst/>
-                <a:latin typeface="-webkit-standard"/>
+                <a:latin typeface="Libertinus Serif" panose="02000503000000000000" pitchFamily="2" charset="0"/>
+                <a:ea typeface="Libertinus Serif" panose="02000503000000000000" pitchFamily="2" charset="0"/>
+                <a:cs typeface="Libertinus Serif" panose="02000503000000000000" pitchFamily="2" charset="0"/>
               </a:rPr>
               <a:t>equire</a:t>
             </a:r>
@@ -24011,7 +23976,9 @@
                   <a:srgbClr val="000000"/>
                 </a:solidFill>
                 <a:effectLst/>
-                <a:latin typeface="-webkit-standard"/>
+                <a:latin typeface="Libertinus Serif" panose="02000503000000000000" pitchFamily="2" charset="0"/>
+                <a:ea typeface="Libertinus Serif" panose="02000503000000000000" pitchFamily="2" charset="0"/>
+                <a:cs typeface="Libertinus Serif" panose="02000503000000000000" pitchFamily="2" charset="0"/>
               </a:rPr>
               <a:t> </a:t>
             </a:r>
@@ -24020,7 +23987,9 @@
                 <a:solidFill>
                   <a:srgbClr val="000000"/>
                 </a:solidFill>
-                <a:latin typeface="-webkit-standard"/>
+                <a:latin typeface="Libertinus Serif" panose="02000503000000000000" pitchFamily="2" charset="0"/>
+                <a:ea typeface="Libertinus Serif" panose="02000503000000000000" pitchFamily="2" charset="0"/>
+                <a:cs typeface="Libertinus Serif" panose="02000503000000000000" pitchFamily="2" charset="0"/>
               </a:rPr>
               <a:t>s</a:t>
             </a:r>
@@ -24030,7 +23999,9 @@
                   <a:srgbClr val="000000"/>
                 </a:solidFill>
                 <a:effectLst/>
-                <a:latin typeface="-webkit-standard"/>
+                <a:latin typeface="Libertinus Serif" panose="02000503000000000000" pitchFamily="2" charset="0"/>
+                <a:ea typeface="Libertinus Serif" panose="02000503000000000000" pitchFamily="2" charset="0"/>
+                <a:cs typeface="Libertinus Serif" panose="02000503000000000000" pitchFamily="2" charset="0"/>
               </a:rPr>
               <a:t>ignificant</a:t>
             </a:r>
@@ -24040,7 +24011,9 @@
                   <a:srgbClr val="000000"/>
                 </a:solidFill>
                 <a:effectLst/>
-                <a:latin typeface="-webkit-standard"/>
+                <a:latin typeface="Libertinus Serif" panose="02000503000000000000" pitchFamily="2" charset="0"/>
+                <a:ea typeface="Libertinus Serif" panose="02000503000000000000" pitchFamily="2" charset="0"/>
+                <a:cs typeface="Libertinus Serif" panose="02000503000000000000" pitchFamily="2" charset="0"/>
               </a:rPr>
               <a:t> </a:t>
             </a:r>
@@ -24050,7 +24023,9 @@
                   <a:srgbClr val="000000"/>
                 </a:solidFill>
                 <a:effectLst/>
-                <a:latin typeface="-webkit-standard"/>
+                <a:latin typeface="Libertinus Serif" panose="02000503000000000000" pitchFamily="2" charset="0"/>
+                <a:ea typeface="Libertinus Serif" panose="02000503000000000000" pitchFamily="2" charset="0"/>
+                <a:cs typeface="Libertinus Serif" panose="02000503000000000000" pitchFamily="2" charset="0"/>
               </a:rPr>
               <a:t>memory</a:t>
             </a:r>
@@ -24060,7 +24035,9 @@
                   <a:srgbClr val="000000"/>
                 </a:solidFill>
                 <a:effectLst/>
-                <a:latin typeface="-webkit-standard"/>
+                <a:latin typeface="Libertinus Serif" panose="02000503000000000000" pitchFamily="2" charset="0"/>
+                <a:ea typeface="Libertinus Serif" panose="02000503000000000000" pitchFamily="2" charset="0"/>
+                <a:cs typeface="Libertinus Serif" panose="02000503000000000000" pitchFamily="2" charset="0"/>
               </a:rPr>
               <a:t> </a:t>
             </a:r>
@@ -24070,7 +24047,9 @@
                   <a:srgbClr val="000000"/>
                 </a:solidFill>
                 <a:effectLst/>
-                <a:latin typeface="-webkit-standard"/>
+                <a:latin typeface="Libertinus Serif" panose="02000503000000000000" pitchFamily="2" charset="0"/>
+                <a:ea typeface="Libertinus Serif" panose="02000503000000000000" pitchFamily="2" charset="0"/>
+                <a:cs typeface="Libertinus Serif" panose="02000503000000000000" pitchFamily="2" charset="0"/>
               </a:rPr>
               <a:t>resources</a:t>
             </a:r>
@@ -24079,7 +24058,9 @@
                 <a:srgbClr val="000000"/>
               </a:solidFill>
               <a:effectLst/>
-              <a:latin typeface="-webkit-standard"/>
+              <a:latin typeface="Libertinus Serif" panose="02000503000000000000" pitchFamily="2" charset="0"/>
+              <a:ea typeface="Libertinus Serif" panose="02000503000000000000" pitchFamily="2" charset="0"/>
+              <a:cs typeface="Libertinus Serif" panose="02000503000000000000" pitchFamily="2" charset="0"/>
             </a:endParaRPr>
           </a:p>
           <a:p>
@@ -24089,7 +24070,9 @@
                   <a:srgbClr val="000000"/>
                 </a:solidFill>
                 <a:effectLst/>
-                <a:latin typeface="-webkit-standard"/>
+                <a:latin typeface="Libertinus Serif" panose="02000503000000000000" pitchFamily="2" charset="0"/>
+                <a:ea typeface="Libertinus Serif" panose="02000503000000000000" pitchFamily="2" charset="0"/>
+                <a:cs typeface="Libertinus Serif" panose="02000503000000000000" pitchFamily="2" charset="0"/>
               </a:rPr>
               <a:t>Single GPU </a:t>
             </a:r>
@@ -24099,7 +24082,9 @@
                   <a:srgbClr val="000000"/>
                 </a:solidFill>
                 <a:effectLst/>
-                <a:latin typeface="-webkit-standard"/>
+                <a:latin typeface="Libertinus Serif" panose="02000503000000000000" pitchFamily="2" charset="0"/>
+                <a:ea typeface="Libertinus Serif" panose="02000503000000000000" pitchFamily="2" charset="0"/>
+                <a:cs typeface="Libertinus Serif" panose="02000503000000000000" pitchFamily="2" charset="0"/>
               </a:rPr>
               <a:t>with</a:t>
             </a:r>
@@ -24109,7 +24094,9 @@
                   <a:srgbClr val="000000"/>
                 </a:solidFill>
                 <a:effectLst/>
-                <a:latin typeface="-webkit-standard"/>
+                <a:latin typeface="Libertinus Serif" panose="02000503000000000000" pitchFamily="2" charset="0"/>
+                <a:ea typeface="Libertinus Serif" panose="02000503000000000000" pitchFamily="2" charset="0"/>
+                <a:cs typeface="Libertinus Serif" panose="02000503000000000000" pitchFamily="2" charset="0"/>
               </a:rPr>
               <a:t> 14 GB </a:t>
             </a:r>
@@ -24119,7 +24106,9 @@
                   <a:srgbClr val="000000"/>
                 </a:solidFill>
                 <a:effectLst/>
-                <a:latin typeface="-webkit-standard"/>
+                <a:latin typeface="Libertinus Serif" panose="02000503000000000000" pitchFamily="2" charset="0"/>
+                <a:ea typeface="Libertinus Serif" panose="02000503000000000000" pitchFamily="2" charset="0"/>
+                <a:cs typeface="Libertinus Serif" panose="02000503000000000000" pitchFamily="2" charset="0"/>
               </a:rPr>
               <a:t>memory</a:t>
             </a:r>
@@ -24129,7 +24118,9 @@
                   <a:srgbClr val="000000"/>
                 </a:solidFill>
                 <a:effectLst/>
-                <a:latin typeface="-webkit-standard"/>
+                <a:latin typeface="Libertinus Serif" panose="02000503000000000000" pitchFamily="2" charset="0"/>
+                <a:ea typeface="Libertinus Serif" panose="02000503000000000000" pitchFamily="2" charset="0"/>
+                <a:cs typeface="Libertinus Serif" panose="02000503000000000000" pitchFamily="2" charset="0"/>
               </a:rPr>
               <a:t> </a:t>
             </a:r>
@@ -24138,7 +24129,9 @@
                 <a:solidFill>
                   <a:srgbClr val="000000"/>
                 </a:solidFill>
-                <a:latin typeface="-webkit-standard"/>
+                <a:latin typeface="Libertinus Serif" panose="02000503000000000000" pitchFamily="2" charset="0"/>
+                <a:ea typeface="Libertinus Serif" panose="02000503000000000000" pitchFamily="2" charset="0"/>
+                <a:cs typeface="Libertinus Serif" panose="02000503000000000000" pitchFamily="2" charset="0"/>
               </a:rPr>
               <a:t>c</a:t>
             </a:r>
@@ -24148,7 +24141,9 @@
                   <a:srgbClr val="000000"/>
                 </a:solidFill>
                 <a:effectLst/>
-                <a:latin typeface="-webkit-standard"/>
+                <a:latin typeface="Libertinus Serif" panose="02000503000000000000" pitchFamily="2" charset="0"/>
+                <a:ea typeface="Libertinus Serif" panose="02000503000000000000" pitchFamily="2" charset="0"/>
+                <a:cs typeface="Libertinus Serif" panose="02000503000000000000" pitchFamily="2" charset="0"/>
               </a:rPr>
               <a:t>apacity</a:t>
             </a:r>
@@ -24156,7 +24151,9 @@
               <a:solidFill>
                 <a:srgbClr val="000000"/>
               </a:solidFill>
-              <a:latin typeface="-webkit-standard"/>
+              <a:latin typeface="Libertinus Serif" panose="02000503000000000000" pitchFamily="2" charset="0"/>
+              <a:ea typeface="Libertinus Serif" panose="02000503000000000000" pitchFamily="2" charset="0"/>
+              <a:cs typeface="Libertinus Serif" panose="02000503000000000000" pitchFamily="2" charset="0"/>
             </a:endParaRPr>
           </a:p>
         </p:txBody>
@@ -24195,7 +24192,9 @@
                 <a:solidFill>
                   <a:srgbClr val="000000"/>
                 </a:solidFill>
-                <a:latin typeface="-webkit-standard"/>
+                <a:latin typeface="Libertinus Serif" panose="02000503000000000000" pitchFamily="2" charset="0"/>
+                <a:ea typeface="Libertinus Serif" panose="02000503000000000000" pitchFamily="2" charset="0"/>
+                <a:cs typeface="Libertinus Serif" panose="02000503000000000000" pitchFamily="2" charset="0"/>
               </a:rPr>
               <a:t>Only</a:t>
             </a:r>
@@ -24204,7 +24203,9 @@
                 <a:solidFill>
                   <a:srgbClr val="000000"/>
                 </a:solidFill>
-                <a:latin typeface="-webkit-standard"/>
+                <a:latin typeface="Libertinus Serif" panose="02000503000000000000" pitchFamily="2" charset="0"/>
+                <a:ea typeface="Libertinus Serif" panose="02000503000000000000" pitchFamily="2" charset="0"/>
+                <a:cs typeface="Libertinus Serif" panose="02000503000000000000" pitchFamily="2" charset="0"/>
               </a:rPr>
               <a:t> 416 </a:t>
             </a:r>
@@ -24213,7 +24214,9 @@
                 <a:solidFill>
                   <a:srgbClr val="000000"/>
                 </a:solidFill>
-                <a:latin typeface="-webkit-standard"/>
+                <a:latin typeface="Libertinus Serif" panose="02000503000000000000" pitchFamily="2" charset="0"/>
+                <a:ea typeface="Libertinus Serif" panose="02000503000000000000" pitchFamily="2" charset="0"/>
+                <a:cs typeface="Libertinus Serif" panose="02000503000000000000" pitchFamily="2" charset="0"/>
               </a:rPr>
               <a:t>independent</a:t>
             </a:r>
@@ -24222,20 +24225,28 @@
                 <a:solidFill>
                   <a:srgbClr val="000000"/>
                 </a:solidFill>
-                <a:latin typeface="-webkit-standard"/>
+                <a:latin typeface="Libertinus Serif" panose="02000503000000000000" pitchFamily="2" charset="0"/>
+                <a:ea typeface="Libertinus Serif" panose="02000503000000000000" pitchFamily="2" charset="0"/>
+                <a:cs typeface="Libertinus Serif" panose="02000503000000000000" pitchFamily="2" charset="0"/>
               </a:rPr>
               <a:t> </a:t>
             </a:r>
             <a:r>
-              <a:rPr lang="de-DE" sz="1800" dirty="0" err="1">
+              <a:rPr lang="de-DE" sz="1800">
                 <a:solidFill>
                   <a:srgbClr val="000000"/>
                 </a:solidFill>
-                <a:latin typeface="-webkit-standard"/>
-              </a:rPr>
-              <a:t>samples</a:t>
-            </a:r>
-            <a:endParaRPr lang="en-US" sz="1800" dirty="0"/>
+                <a:latin typeface="Libertinus Serif" panose="02000503000000000000" pitchFamily="2" charset="0"/>
+                <a:ea typeface="Libertinus Serif" panose="02000503000000000000" pitchFamily="2" charset="0"/>
+                <a:cs typeface="Libertinus Serif" panose="02000503000000000000" pitchFamily="2" charset="0"/>
+              </a:rPr>
+              <a:t>instances</a:t>
+            </a:r>
+            <a:endParaRPr lang="en-US" sz="1800" dirty="0">
+              <a:latin typeface="Libertinus Serif" panose="02000503000000000000" pitchFamily="2" charset="0"/>
+              <a:ea typeface="Libertinus Serif" panose="02000503000000000000" pitchFamily="2" charset="0"/>
+              <a:cs typeface="Libertinus Serif" panose="02000503000000000000" pitchFamily="2" charset="0"/>
+            </a:endParaRPr>
           </a:p>
         </p:txBody>
       </p:sp>
@@ -24389,9 +24400,10 @@
           <a:p>
             <a:pPr algn="l"/>
             <a:r>
-              <a:rPr lang="en-US" dirty="0"/>
+              <a:rPr lang="en-US" sz="5400" dirty="0"/>
               <a:t>Preprocessing</a:t>
             </a:r>
+            <a:endParaRPr lang="en-US" dirty="0"/>
           </a:p>
         </p:txBody>
       </p:sp>
@@ -24854,7 +24866,7 @@
         <p:spPr>
           <a:xfrm>
             <a:off x="2386980" y="2187873"/>
-            <a:ext cx="2380780" cy="369332"/>
+            <a:ext cx="2210862" cy="369332"/>
           </a:xfrm>
           <a:prstGeom prst="rect">
             <a:avLst/>
@@ -24868,7 +24880,11 @@
           <a:lstStyle/>
           <a:p>
             <a:r>
-              <a:rPr lang="en-US" dirty="0"/>
+              <a:rPr lang="en-US" dirty="0">
+                <a:latin typeface="Libertinus Serif" panose="02000503000000000000" pitchFamily="2" charset="0"/>
+                <a:ea typeface="Libertinus Serif" panose="02000503000000000000" pitchFamily="2" charset="0"/>
+                <a:cs typeface="Libertinus Serif" panose="02000503000000000000" pitchFamily="2" charset="0"/>
+              </a:rPr>
               <a:t>Slice 0, Slice 1, Slice 2</a:t>
             </a:r>
           </a:p>
@@ -24889,7 +24905,7 @@
         <p:spPr>
           <a:xfrm>
             <a:off x="3098180" y="2875423"/>
-            <a:ext cx="2380780" cy="369332"/>
+            <a:ext cx="2210862" cy="369332"/>
           </a:xfrm>
           <a:prstGeom prst="rect">
             <a:avLst/>
@@ -24903,7 +24919,11 @@
           <a:lstStyle/>
           <a:p>
             <a:r>
-              <a:rPr lang="en-US" dirty="0"/>
+              <a:rPr lang="en-US" dirty="0">
+                <a:latin typeface="Libertinus Serif" panose="02000503000000000000" pitchFamily="2" charset="0"/>
+                <a:ea typeface="Libertinus Serif" panose="02000503000000000000" pitchFamily="2" charset="0"/>
+                <a:cs typeface="Libertinus Serif" panose="02000503000000000000" pitchFamily="2" charset="0"/>
+              </a:rPr>
               <a:t>Slice 3, Slice 4, Slice 5</a:t>
             </a:r>
           </a:p>
@@ -24924,7 +24944,7 @@
         <p:spPr>
           <a:xfrm>
             <a:off x="4560945" y="4419315"/>
-            <a:ext cx="1200970" cy="923330"/>
+            <a:ext cx="1111202" cy="923330"/>
           </a:xfrm>
           <a:prstGeom prst="rect">
             <a:avLst/>
@@ -24938,19 +24958,31 @@
           <a:lstStyle/>
           <a:p>
             <a:r>
-              <a:rPr lang="en-US" dirty="0"/>
+              <a:rPr lang="en-US" dirty="0">
+                <a:latin typeface="Libertinus Serif" panose="02000503000000000000" pitchFamily="2" charset="0"/>
+                <a:ea typeface="Libertinus Serif" panose="02000503000000000000" pitchFamily="2" charset="0"/>
+                <a:cs typeface="Libertinus Serif" panose="02000503000000000000" pitchFamily="2" charset="0"/>
+              </a:rPr>
               <a:t>Slice 174, </a:t>
             </a:r>
           </a:p>
           <a:p>
             <a:r>
-              <a:rPr lang="en-US" dirty="0"/>
+              <a:rPr lang="en-US" dirty="0">
+                <a:latin typeface="Libertinus Serif" panose="02000503000000000000" pitchFamily="2" charset="0"/>
+                <a:ea typeface="Libertinus Serif" panose="02000503000000000000" pitchFamily="2" charset="0"/>
+                <a:cs typeface="Libertinus Serif" panose="02000503000000000000" pitchFamily="2" charset="0"/>
+              </a:rPr>
               <a:t>Slice 175, </a:t>
             </a:r>
           </a:p>
           <a:p>
             <a:r>
-              <a:rPr lang="en-US" dirty="0"/>
+              <a:rPr lang="en-US" dirty="0">
+                <a:latin typeface="Libertinus Serif" panose="02000503000000000000" pitchFamily="2" charset="0"/>
+                <a:ea typeface="Libertinus Serif" panose="02000503000000000000" pitchFamily="2" charset="0"/>
+                <a:cs typeface="Libertinus Serif" panose="02000503000000000000" pitchFamily="2" charset="0"/>
+              </a:rPr>
               <a:t>Slice 176</a:t>
             </a:r>
           </a:p>
@@ -24972,8 +25004,8 @@
         </p:nvSpPr>
         <p:spPr>
           <a:xfrm>
-            <a:off x="6113465" y="570018"/>
-            <a:ext cx="5712771" cy="5811677"/>
+            <a:off x="5965981" y="570018"/>
+            <a:ext cx="5661042" cy="5811677"/>
           </a:xfrm>
           <a:prstGeom prst="rect">
             <a:avLst/>
@@ -25160,7 +25192,9 @@
                 <a:solidFill>
                   <a:srgbClr val="000000"/>
                 </a:solidFill>
-                <a:latin typeface="-webkit-standard"/>
+                <a:latin typeface="Libertinus Serif" panose="02000503000000000000" pitchFamily="2" charset="0"/>
+                <a:ea typeface="Libertinus Serif" panose="02000503000000000000" pitchFamily="2" charset="0"/>
+                <a:cs typeface="Libertinus Serif" panose="02000503000000000000" pitchFamily="2" charset="0"/>
               </a:rPr>
               <a:t>Dividing</a:t>
             </a:r>
@@ -25169,7 +25203,9 @@
                 <a:solidFill>
                   <a:srgbClr val="000000"/>
                 </a:solidFill>
-                <a:latin typeface="-webkit-standard"/>
+                <a:latin typeface="Libertinus Serif" panose="02000503000000000000" pitchFamily="2" charset="0"/>
+                <a:ea typeface="Libertinus Serif" panose="02000503000000000000" pitchFamily="2" charset="0"/>
+                <a:cs typeface="Libertinus Serif" panose="02000503000000000000" pitchFamily="2" charset="0"/>
               </a:rPr>
               <a:t> MRI </a:t>
             </a:r>
@@ -25178,7 +25214,9 @@
                 <a:solidFill>
                   <a:srgbClr val="000000"/>
                 </a:solidFill>
-                <a:latin typeface="-webkit-standard"/>
+                <a:latin typeface="Libertinus Serif" panose="02000503000000000000" pitchFamily="2" charset="0"/>
+                <a:ea typeface="Libertinus Serif" panose="02000503000000000000" pitchFamily="2" charset="0"/>
+                <a:cs typeface="Libertinus Serif" panose="02000503000000000000" pitchFamily="2" charset="0"/>
               </a:rPr>
               <a:t>scans</a:t>
             </a:r>
@@ -25187,7 +25225,9 @@
                 <a:solidFill>
                   <a:srgbClr val="000000"/>
                 </a:solidFill>
-                <a:latin typeface="-webkit-standard"/>
+                <a:latin typeface="Libertinus Serif" panose="02000503000000000000" pitchFamily="2" charset="0"/>
+                <a:ea typeface="Libertinus Serif" panose="02000503000000000000" pitchFamily="2" charset="0"/>
+                <a:cs typeface="Libertinus Serif" panose="02000503000000000000" pitchFamily="2" charset="0"/>
               </a:rPr>
               <a:t> </a:t>
             </a:r>
@@ -25196,7 +25236,9 @@
                 <a:solidFill>
                   <a:srgbClr val="000000"/>
                 </a:solidFill>
-                <a:latin typeface="-webkit-standard"/>
+                <a:latin typeface="Libertinus Serif" panose="02000503000000000000" pitchFamily="2" charset="0"/>
+                <a:ea typeface="Libertinus Serif" panose="02000503000000000000" pitchFamily="2" charset="0"/>
+                <a:cs typeface="Libertinus Serif" panose="02000503000000000000" pitchFamily="2" charset="0"/>
               </a:rPr>
               <a:t>into</a:t>
             </a:r>
@@ -25205,7 +25247,9 @@
                 <a:solidFill>
                   <a:srgbClr val="000000"/>
                 </a:solidFill>
-                <a:latin typeface="-webkit-standard"/>
+                <a:latin typeface="Libertinus Serif" panose="02000503000000000000" pitchFamily="2" charset="0"/>
+                <a:ea typeface="Libertinus Serif" panose="02000503000000000000" pitchFamily="2" charset="0"/>
+                <a:cs typeface="Libertinus Serif" panose="02000503000000000000" pitchFamily="2" charset="0"/>
               </a:rPr>
               <a:t> 176 </a:t>
             </a:r>
@@ -25214,7 +25258,9 @@
                 <a:solidFill>
                   <a:srgbClr val="000000"/>
                 </a:solidFill>
-                <a:latin typeface="-webkit-standard"/>
+                <a:latin typeface="Libertinus Serif" panose="02000503000000000000" pitchFamily="2" charset="0"/>
+                <a:ea typeface="Libertinus Serif" panose="02000503000000000000" pitchFamily="2" charset="0"/>
+                <a:cs typeface="Libertinus Serif" panose="02000503000000000000" pitchFamily="2" charset="0"/>
               </a:rPr>
               <a:t>manageable</a:t>
             </a:r>
@@ -25223,7 +25269,9 @@
                 <a:solidFill>
                   <a:srgbClr val="000000"/>
                 </a:solidFill>
-                <a:latin typeface="-webkit-standard"/>
+                <a:latin typeface="Libertinus Serif" panose="02000503000000000000" pitchFamily="2" charset="0"/>
+                <a:ea typeface="Libertinus Serif" panose="02000503000000000000" pitchFamily="2" charset="0"/>
+                <a:cs typeface="Libertinus Serif" panose="02000503000000000000" pitchFamily="2" charset="0"/>
               </a:rPr>
               <a:t> </a:t>
             </a:r>
@@ -25232,7 +25280,9 @@
                 <a:solidFill>
                   <a:srgbClr val="000000"/>
                 </a:solidFill>
-                <a:latin typeface="-webkit-standard"/>
+                <a:latin typeface="Libertinus Serif" panose="02000503000000000000" pitchFamily="2" charset="0"/>
+                <a:ea typeface="Libertinus Serif" panose="02000503000000000000" pitchFamily="2" charset="0"/>
+                <a:cs typeface="Libertinus Serif" panose="02000503000000000000" pitchFamily="2" charset="0"/>
               </a:rPr>
               <a:t>slices</a:t>
             </a:r>
@@ -25240,7 +25290,9 @@
               <a:solidFill>
                 <a:srgbClr val="000000"/>
               </a:solidFill>
-              <a:latin typeface="-webkit-standard"/>
+              <a:latin typeface="Libertinus Serif" panose="02000503000000000000" pitchFamily="2" charset="0"/>
+              <a:ea typeface="Libertinus Serif" panose="02000503000000000000" pitchFamily="2" charset="0"/>
+              <a:cs typeface="Libertinus Serif" panose="02000503000000000000" pitchFamily="2" charset="0"/>
             </a:endParaRPr>
           </a:p>
           <a:p>
@@ -25256,7 +25308,9 @@
                 <a:solidFill>
                   <a:srgbClr val="000000"/>
                 </a:solidFill>
-                <a:latin typeface="-webkit-standard"/>
+                <a:latin typeface="Libertinus Serif" panose="02000503000000000000" pitchFamily="2" charset="0"/>
+                <a:ea typeface="Libertinus Serif" panose="02000503000000000000" pitchFamily="2" charset="0"/>
+                <a:cs typeface="Libertinus Serif" panose="02000503000000000000" pitchFamily="2" charset="0"/>
               </a:rPr>
               <a:t>Combining</a:t>
             </a:r>
@@ -25265,7 +25319,9 @@
                 <a:solidFill>
                   <a:srgbClr val="000000"/>
                 </a:solidFill>
-                <a:latin typeface="-webkit-standard"/>
+                <a:latin typeface="Libertinus Serif" panose="02000503000000000000" pitchFamily="2" charset="0"/>
+                <a:ea typeface="Libertinus Serif" panose="02000503000000000000" pitchFamily="2" charset="0"/>
+                <a:cs typeface="Libertinus Serif" panose="02000503000000000000" pitchFamily="2" charset="0"/>
               </a:rPr>
               <a:t> 3 </a:t>
             </a:r>
@@ -25274,7 +25330,9 @@
                 <a:solidFill>
                   <a:srgbClr val="000000"/>
                 </a:solidFill>
-                <a:latin typeface="-webkit-standard"/>
+                <a:latin typeface="Libertinus Serif" panose="02000503000000000000" pitchFamily="2" charset="0"/>
+                <a:ea typeface="Libertinus Serif" panose="02000503000000000000" pitchFamily="2" charset="0"/>
+                <a:cs typeface="Libertinus Serif" panose="02000503000000000000" pitchFamily="2" charset="0"/>
               </a:rPr>
               <a:t>adjacent</a:t>
             </a:r>
@@ -25283,7 +25341,9 @@
                 <a:solidFill>
                   <a:srgbClr val="000000"/>
                 </a:solidFill>
-                <a:latin typeface="-webkit-standard"/>
+                <a:latin typeface="Libertinus Serif" panose="02000503000000000000" pitchFamily="2" charset="0"/>
+                <a:ea typeface="Libertinus Serif" panose="02000503000000000000" pitchFamily="2" charset="0"/>
+                <a:cs typeface="Libertinus Serif" panose="02000503000000000000" pitchFamily="2" charset="0"/>
               </a:rPr>
               <a:t> </a:t>
             </a:r>
@@ -25292,7 +25352,9 @@
                 <a:solidFill>
                   <a:srgbClr val="000000"/>
                 </a:solidFill>
-                <a:latin typeface="-webkit-standard"/>
+                <a:latin typeface="Libertinus Serif" panose="02000503000000000000" pitchFamily="2" charset="0"/>
+                <a:ea typeface="Libertinus Serif" panose="02000503000000000000" pitchFamily="2" charset="0"/>
+                <a:cs typeface="Libertinus Serif" panose="02000503000000000000" pitchFamily="2" charset="0"/>
               </a:rPr>
               <a:t>slices</a:t>
             </a:r>
@@ -25301,7 +25363,9 @@
                 <a:solidFill>
                   <a:srgbClr val="000000"/>
                 </a:solidFill>
-                <a:latin typeface="-webkit-standard"/>
+                <a:latin typeface="Libertinus Serif" panose="02000503000000000000" pitchFamily="2" charset="0"/>
+                <a:ea typeface="Libertinus Serif" panose="02000503000000000000" pitchFamily="2" charset="0"/>
+                <a:cs typeface="Libertinus Serif" panose="02000503000000000000" pitchFamily="2" charset="0"/>
               </a:rPr>
               <a:t> </a:t>
             </a:r>
@@ -25310,7 +25374,9 @@
                 <a:solidFill>
                   <a:srgbClr val="000000"/>
                 </a:solidFill>
-                <a:latin typeface="-webkit-standard"/>
+                <a:latin typeface="Libertinus Serif" panose="02000503000000000000" pitchFamily="2" charset="0"/>
+                <a:ea typeface="Libertinus Serif" panose="02000503000000000000" pitchFamily="2" charset="0"/>
+                <a:cs typeface="Libertinus Serif" panose="02000503000000000000" pitchFamily="2" charset="0"/>
               </a:rPr>
               <a:t>into</a:t>
             </a:r>
@@ -25319,7 +25385,9 @@
                 <a:solidFill>
                   <a:srgbClr val="000000"/>
                 </a:solidFill>
-                <a:latin typeface="-webkit-standard"/>
+                <a:latin typeface="Libertinus Serif" panose="02000503000000000000" pitchFamily="2" charset="0"/>
+                <a:ea typeface="Libertinus Serif" panose="02000503000000000000" pitchFamily="2" charset="0"/>
+                <a:cs typeface="Libertinus Serif" panose="02000503000000000000" pitchFamily="2" charset="0"/>
               </a:rPr>
               <a:t> a </a:t>
             </a:r>
@@ -25328,7 +25396,9 @@
                 <a:solidFill>
                   <a:srgbClr val="000000"/>
                 </a:solidFill>
-                <a:latin typeface="-webkit-standard"/>
+                <a:latin typeface="Libertinus Serif" panose="02000503000000000000" pitchFamily="2" charset="0"/>
+                <a:ea typeface="Libertinus Serif" panose="02000503000000000000" pitchFamily="2" charset="0"/>
+                <a:cs typeface="Libertinus Serif" panose="02000503000000000000" pitchFamily="2" charset="0"/>
               </a:rPr>
               <a:t>single</a:t>
             </a:r>
@@ -25337,7 +25407,9 @@
                 <a:solidFill>
                   <a:srgbClr val="000000"/>
                 </a:solidFill>
-                <a:latin typeface="-webkit-standard"/>
+                <a:latin typeface="Libertinus Serif" panose="02000503000000000000" pitchFamily="2" charset="0"/>
+                <a:ea typeface="Libertinus Serif" panose="02000503000000000000" pitchFamily="2" charset="0"/>
+                <a:cs typeface="Libertinus Serif" panose="02000503000000000000" pitchFamily="2" charset="0"/>
               </a:rPr>
               <a:t> 3-channel </a:t>
             </a:r>
@@ -25346,7 +25418,9 @@
                 <a:solidFill>
                   <a:srgbClr val="000000"/>
                 </a:solidFill>
-                <a:latin typeface="-webkit-standard"/>
+                <a:latin typeface="Libertinus Serif" panose="02000503000000000000" pitchFamily="2" charset="0"/>
+                <a:ea typeface="Libertinus Serif" panose="02000503000000000000" pitchFamily="2" charset="0"/>
+                <a:cs typeface="Libertinus Serif" panose="02000503000000000000" pitchFamily="2" charset="0"/>
               </a:rPr>
               <a:t>image</a:t>
             </a:r>
@@ -25354,7 +25428,9 @@
               <a:solidFill>
                 <a:srgbClr val="000000"/>
               </a:solidFill>
-              <a:latin typeface="-webkit-standard"/>
+              <a:latin typeface="Libertinus Serif" panose="02000503000000000000" pitchFamily="2" charset="0"/>
+              <a:ea typeface="Libertinus Serif" panose="02000503000000000000" pitchFamily="2" charset="0"/>
+              <a:cs typeface="Libertinus Serif" panose="02000503000000000000" pitchFamily="2" charset="0"/>
             </a:endParaRPr>
           </a:p>
           <a:p>
@@ -25368,7 +25444,9 @@
                 <a:solidFill>
                   <a:srgbClr val="000000"/>
                 </a:solidFill>
-                <a:latin typeface="-webkit-standard"/>
+                <a:latin typeface="Libertinus Serif" panose="02000503000000000000" pitchFamily="2" charset="0"/>
+                <a:ea typeface="Libertinus Serif" panose="02000503000000000000" pitchFamily="2" charset="0"/>
+                <a:cs typeface="Libertinus Serif" panose="02000503000000000000" pitchFamily="2" charset="0"/>
               </a:rPr>
               <a:t>Advantages:</a:t>
             </a:r>
@@ -25386,7 +25464,9 @@
                 <a:solidFill>
                   <a:srgbClr val="000000"/>
                 </a:solidFill>
-                <a:latin typeface="-webkit-standard"/>
+                <a:latin typeface="Libertinus Serif" panose="02000503000000000000" pitchFamily="2" charset="0"/>
+                <a:ea typeface="Libertinus Serif" panose="02000503000000000000" pitchFamily="2" charset="0"/>
+                <a:cs typeface="Libertinus Serif" panose="02000503000000000000" pitchFamily="2" charset="0"/>
               </a:rPr>
               <a:t>Reduces</a:t>
             </a:r>
@@ -25395,7 +25475,9 @@
                 <a:solidFill>
                   <a:srgbClr val="000000"/>
                 </a:solidFill>
-                <a:latin typeface="-webkit-standard"/>
+                <a:latin typeface="Libertinus Serif" panose="02000503000000000000" pitchFamily="2" charset="0"/>
+                <a:ea typeface="Libertinus Serif" panose="02000503000000000000" pitchFamily="2" charset="0"/>
+                <a:cs typeface="Libertinus Serif" panose="02000503000000000000" pitchFamily="2" charset="0"/>
               </a:rPr>
               <a:t> </a:t>
             </a:r>
@@ -25404,7 +25486,9 @@
                 <a:solidFill>
                   <a:srgbClr val="000000"/>
                 </a:solidFill>
-                <a:latin typeface="-webkit-standard"/>
+                <a:latin typeface="Libertinus Serif" panose="02000503000000000000" pitchFamily="2" charset="0"/>
+                <a:ea typeface="Libertinus Serif" panose="02000503000000000000" pitchFamily="2" charset="0"/>
+                <a:cs typeface="Libertinus Serif" panose="02000503000000000000" pitchFamily="2" charset="0"/>
               </a:rPr>
               <a:t>input</a:t>
             </a:r>
@@ -25413,7 +25497,9 @@
                 <a:solidFill>
                   <a:srgbClr val="000000"/>
                 </a:solidFill>
-                <a:latin typeface="-webkit-standard"/>
+                <a:latin typeface="Libertinus Serif" panose="02000503000000000000" pitchFamily="2" charset="0"/>
+                <a:ea typeface="Libertinus Serif" panose="02000503000000000000" pitchFamily="2" charset="0"/>
+                <a:cs typeface="Libertinus Serif" panose="02000503000000000000" pitchFamily="2" charset="0"/>
               </a:rPr>
               <a:t> </a:t>
             </a:r>
@@ -25422,7 +25508,9 @@
                 <a:solidFill>
                   <a:srgbClr val="000000"/>
                 </a:solidFill>
-                <a:latin typeface="-webkit-standard"/>
+                <a:latin typeface="Libertinus Serif" panose="02000503000000000000" pitchFamily="2" charset="0"/>
+                <a:ea typeface="Libertinus Serif" panose="02000503000000000000" pitchFamily="2" charset="0"/>
+                <a:cs typeface="Libertinus Serif" panose="02000503000000000000" pitchFamily="2" charset="0"/>
               </a:rPr>
               <a:t>size</a:t>
             </a:r>
@@ -25431,7 +25519,9 @@
                 <a:solidFill>
                   <a:srgbClr val="000000"/>
                 </a:solidFill>
-                <a:latin typeface="-webkit-standard"/>
+                <a:latin typeface="Libertinus Serif" panose="02000503000000000000" pitchFamily="2" charset="0"/>
+                <a:ea typeface="Libertinus Serif" panose="02000503000000000000" pitchFamily="2" charset="0"/>
+                <a:cs typeface="Libertinus Serif" panose="02000503000000000000" pitchFamily="2" charset="0"/>
               </a:rPr>
               <a:t> </a:t>
             </a:r>
@@ -25440,7 +25530,9 @@
                 <a:solidFill>
                   <a:srgbClr val="000000"/>
                 </a:solidFill>
-                <a:latin typeface="-webkit-standard"/>
+                <a:latin typeface="Libertinus Serif" panose="02000503000000000000" pitchFamily="2" charset="0"/>
+                <a:ea typeface="Libertinus Serif" panose="02000503000000000000" pitchFamily="2" charset="0"/>
+                <a:cs typeface="Libertinus Serif" panose="02000503000000000000" pitchFamily="2" charset="0"/>
               </a:rPr>
               <a:t>to</a:t>
             </a:r>
@@ -25449,7 +25541,9 @@
                 <a:solidFill>
                   <a:srgbClr val="000000"/>
                 </a:solidFill>
-                <a:latin typeface="-webkit-standard"/>
+                <a:latin typeface="Libertinus Serif" panose="02000503000000000000" pitchFamily="2" charset="0"/>
+                <a:ea typeface="Libertinus Serif" panose="02000503000000000000" pitchFamily="2" charset="0"/>
+                <a:cs typeface="Libertinus Serif" panose="02000503000000000000" pitchFamily="2" charset="0"/>
               </a:rPr>
               <a:t> a </a:t>
             </a:r>
@@ -25458,7 +25552,9 @@
                 <a:solidFill>
                   <a:srgbClr val="000000"/>
                 </a:solidFill>
-                <a:latin typeface="-webkit-standard"/>
+                <a:latin typeface="Libertinus Serif" panose="02000503000000000000" pitchFamily="2" charset="0"/>
+                <a:ea typeface="Libertinus Serif" panose="02000503000000000000" pitchFamily="2" charset="0"/>
+                <a:cs typeface="Libertinus Serif" panose="02000503000000000000" pitchFamily="2" charset="0"/>
               </a:rPr>
               <a:t>manageable</a:t>
             </a:r>
@@ -25467,7 +25563,9 @@
                 <a:solidFill>
                   <a:srgbClr val="000000"/>
                 </a:solidFill>
-                <a:latin typeface="-webkit-standard"/>
+                <a:latin typeface="Libertinus Serif" panose="02000503000000000000" pitchFamily="2" charset="0"/>
+                <a:ea typeface="Libertinus Serif" panose="02000503000000000000" pitchFamily="2" charset="0"/>
+                <a:cs typeface="Libertinus Serif" panose="02000503000000000000" pitchFamily="2" charset="0"/>
               </a:rPr>
               <a:t> </a:t>
             </a:r>
@@ -25476,7 +25574,9 @@
                 <a:solidFill>
                   <a:srgbClr val="000000"/>
                 </a:solidFill>
-                <a:latin typeface="-webkit-standard"/>
+                <a:latin typeface="Libertinus Serif" panose="02000503000000000000" pitchFamily="2" charset="0"/>
+                <a:ea typeface="Libertinus Serif" panose="02000503000000000000" pitchFamily="2" charset="0"/>
+                <a:cs typeface="Libertinus Serif" panose="02000503000000000000" pitchFamily="2" charset="0"/>
               </a:rPr>
               <a:t>level</a:t>
             </a:r>
@@ -25484,7 +25584,9 @@
               <a:solidFill>
                 <a:srgbClr val="000000"/>
               </a:solidFill>
-              <a:latin typeface="-webkit-standard"/>
+              <a:latin typeface="Libertinus Serif" panose="02000503000000000000" pitchFamily="2" charset="0"/>
+              <a:ea typeface="Libertinus Serif" panose="02000503000000000000" pitchFamily="2" charset="0"/>
+              <a:cs typeface="Libertinus Serif" panose="02000503000000000000" pitchFamily="2" charset="0"/>
             </a:endParaRPr>
           </a:p>
           <a:p>
@@ -25500,7 +25602,9 @@
                 <a:solidFill>
                   <a:srgbClr val="000000"/>
                 </a:solidFill>
-                <a:latin typeface="-webkit-standard"/>
+                <a:latin typeface="Libertinus Serif" panose="02000503000000000000" pitchFamily="2" charset="0"/>
+                <a:ea typeface="Libertinus Serif" panose="02000503000000000000" pitchFamily="2" charset="0"/>
+                <a:cs typeface="Libertinus Serif" panose="02000503000000000000" pitchFamily="2" charset="0"/>
               </a:rPr>
               <a:t>Enables</a:t>
             </a:r>
@@ -25509,7 +25613,9 @@
                 <a:solidFill>
                   <a:srgbClr val="000000"/>
                 </a:solidFill>
-                <a:latin typeface="-webkit-standard"/>
+                <a:latin typeface="Libertinus Serif" panose="02000503000000000000" pitchFamily="2" charset="0"/>
+                <a:ea typeface="Libertinus Serif" panose="02000503000000000000" pitchFamily="2" charset="0"/>
+                <a:cs typeface="Libertinus Serif" panose="02000503000000000000" pitchFamily="2" charset="0"/>
               </a:rPr>
               <a:t> </a:t>
             </a:r>
@@ -25518,7 +25624,9 @@
                 <a:solidFill>
                   <a:srgbClr val="000000"/>
                 </a:solidFill>
-                <a:latin typeface="-webkit-standard"/>
+                <a:latin typeface="Libertinus Serif" panose="02000503000000000000" pitchFamily="2" charset="0"/>
+                <a:ea typeface="Libertinus Serif" panose="02000503000000000000" pitchFamily="2" charset="0"/>
+                <a:cs typeface="Libertinus Serif" panose="02000503000000000000" pitchFamily="2" charset="0"/>
               </a:rPr>
               <a:t>use</a:t>
             </a:r>
@@ -25527,7 +25635,9 @@
                 <a:solidFill>
                   <a:srgbClr val="000000"/>
                 </a:solidFill>
-                <a:latin typeface="-webkit-standard"/>
+                <a:latin typeface="Libertinus Serif" panose="02000503000000000000" pitchFamily="2" charset="0"/>
+                <a:ea typeface="Libertinus Serif" panose="02000503000000000000" pitchFamily="2" charset="0"/>
+                <a:cs typeface="Libertinus Serif" panose="02000503000000000000" pitchFamily="2" charset="0"/>
               </a:rPr>
               <a:t> </a:t>
             </a:r>
@@ -25536,7 +25646,9 @@
                 <a:solidFill>
                   <a:srgbClr val="000000"/>
                 </a:solidFill>
-                <a:latin typeface="-webkit-standard"/>
+                <a:latin typeface="Libertinus Serif" panose="02000503000000000000" pitchFamily="2" charset="0"/>
+                <a:ea typeface="Libertinus Serif" panose="02000503000000000000" pitchFamily="2" charset="0"/>
+                <a:cs typeface="Libertinus Serif" panose="02000503000000000000" pitchFamily="2" charset="0"/>
               </a:rPr>
               <a:t>of</a:t>
             </a:r>
@@ -25545,7 +25657,9 @@
                 <a:solidFill>
                   <a:srgbClr val="000000"/>
                 </a:solidFill>
-                <a:latin typeface="-webkit-standard"/>
+                <a:latin typeface="Libertinus Serif" panose="02000503000000000000" pitchFamily="2" charset="0"/>
+                <a:ea typeface="Libertinus Serif" panose="02000503000000000000" pitchFamily="2" charset="0"/>
+                <a:cs typeface="Libertinus Serif" panose="02000503000000000000" pitchFamily="2" charset="0"/>
               </a:rPr>
               <a:t> </a:t>
             </a:r>
@@ -25554,7 +25668,9 @@
                 <a:solidFill>
                   <a:srgbClr val="000000"/>
                 </a:solidFill>
-                <a:latin typeface="-webkit-standard"/>
+                <a:latin typeface="Libertinus Serif" panose="02000503000000000000" pitchFamily="2" charset="0"/>
+                <a:ea typeface="Libertinus Serif" panose="02000503000000000000" pitchFamily="2" charset="0"/>
+                <a:cs typeface="Libertinus Serif" panose="02000503000000000000" pitchFamily="2" charset="0"/>
               </a:rPr>
               <a:t>pretrained</a:t>
             </a:r>
@@ -25563,7 +25679,9 @@
                 <a:solidFill>
                   <a:srgbClr val="000000"/>
                 </a:solidFill>
-                <a:latin typeface="-webkit-standard"/>
+                <a:latin typeface="Libertinus Serif" panose="02000503000000000000" pitchFamily="2" charset="0"/>
+                <a:ea typeface="Libertinus Serif" panose="02000503000000000000" pitchFamily="2" charset="0"/>
+                <a:cs typeface="Libertinus Serif" panose="02000503000000000000" pitchFamily="2" charset="0"/>
               </a:rPr>
               <a:t> </a:t>
             </a:r>
@@ -25572,7 +25690,9 @@
                 <a:solidFill>
                   <a:srgbClr val="000000"/>
                 </a:solidFill>
-                <a:latin typeface="-webkit-standard"/>
+                <a:latin typeface="Libertinus Serif" panose="02000503000000000000" pitchFamily="2" charset="0"/>
+                <a:ea typeface="Libertinus Serif" panose="02000503000000000000" pitchFamily="2" charset="0"/>
+                <a:cs typeface="Libertinus Serif" panose="02000503000000000000" pitchFamily="2" charset="0"/>
               </a:rPr>
               <a:t>models</a:t>
             </a:r>
@@ -25581,7 +25701,9 @@
                 <a:solidFill>
                   <a:srgbClr val="000000"/>
                 </a:solidFill>
-                <a:latin typeface="-webkit-standard"/>
+                <a:latin typeface="Libertinus Serif" panose="02000503000000000000" pitchFamily="2" charset="0"/>
+                <a:ea typeface="Libertinus Serif" panose="02000503000000000000" pitchFamily="2" charset="0"/>
+                <a:cs typeface="Libertinus Serif" panose="02000503000000000000" pitchFamily="2" charset="0"/>
               </a:rPr>
               <a:t> and </a:t>
             </a:r>
@@ -25590,7 +25712,9 @@
                 <a:solidFill>
                   <a:srgbClr val="000000"/>
                 </a:solidFill>
-                <a:latin typeface="-webkit-standard"/>
+                <a:latin typeface="Libertinus Serif" panose="02000503000000000000" pitchFamily="2" charset="0"/>
+                <a:ea typeface="Libertinus Serif" panose="02000503000000000000" pitchFamily="2" charset="0"/>
+                <a:cs typeface="Libertinus Serif" panose="02000503000000000000" pitchFamily="2" charset="0"/>
               </a:rPr>
               <a:t>their</a:t>
             </a:r>
@@ -25599,7 +25723,9 @@
                 <a:solidFill>
                   <a:srgbClr val="000000"/>
                 </a:solidFill>
-                <a:latin typeface="-webkit-standard"/>
+                <a:latin typeface="Libertinus Serif" panose="02000503000000000000" pitchFamily="2" charset="0"/>
+                <a:ea typeface="Libertinus Serif" panose="02000503000000000000" pitchFamily="2" charset="0"/>
+                <a:cs typeface="Libertinus Serif" panose="02000503000000000000" pitchFamily="2" charset="0"/>
               </a:rPr>
               <a:t> </a:t>
             </a:r>
@@ -25608,7 +25734,9 @@
                 <a:solidFill>
                   <a:srgbClr val="000000"/>
                 </a:solidFill>
-                <a:latin typeface="-webkit-standard"/>
+                <a:latin typeface="Libertinus Serif" panose="02000503000000000000" pitchFamily="2" charset="0"/>
+                <a:ea typeface="Libertinus Serif" panose="02000503000000000000" pitchFamily="2" charset="0"/>
+                <a:cs typeface="Libertinus Serif" panose="02000503000000000000" pitchFamily="2" charset="0"/>
               </a:rPr>
               <a:t>learned</a:t>
             </a:r>
@@ -25617,7 +25745,9 @@
                 <a:solidFill>
                   <a:srgbClr val="000000"/>
                 </a:solidFill>
-                <a:latin typeface="-webkit-standard"/>
+                <a:latin typeface="Libertinus Serif" panose="02000503000000000000" pitchFamily="2" charset="0"/>
+                <a:ea typeface="Libertinus Serif" panose="02000503000000000000" pitchFamily="2" charset="0"/>
+                <a:cs typeface="Libertinus Serif" panose="02000503000000000000" pitchFamily="2" charset="0"/>
               </a:rPr>
               <a:t> </a:t>
             </a:r>
@@ -25626,7 +25756,9 @@
                 <a:solidFill>
                   <a:srgbClr val="000000"/>
                 </a:solidFill>
-                <a:latin typeface="-webkit-standard"/>
+                <a:latin typeface="Libertinus Serif" panose="02000503000000000000" pitchFamily="2" charset="0"/>
+                <a:ea typeface="Libertinus Serif" panose="02000503000000000000" pitchFamily="2" charset="0"/>
+                <a:cs typeface="Libertinus Serif" panose="02000503000000000000" pitchFamily="2" charset="0"/>
               </a:rPr>
               <a:t>features</a:t>
             </a:r>
@@ -25634,7 +25766,9 @@
               <a:solidFill>
                 <a:srgbClr val="000000"/>
               </a:solidFill>
-              <a:latin typeface="-webkit-standard"/>
+              <a:latin typeface="Libertinus Serif" panose="02000503000000000000" pitchFamily="2" charset="0"/>
+              <a:ea typeface="Libertinus Serif" panose="02000503000000000000" pitchFamily="2" charset="0"/>
+              <a:cs typeface="Libertinus Serif" panose="02000503000000000000" pitchFamily="2" charset="0"/>
             </a:endParaRPr>
           </a:p>
           <a:p>
@@ -25650,7 +25784,9 @@
                 <a:solidFill>
                   <a:srgbClr val="000000"/>
                 </a:solidFill>
-                <a:latin typeface="-webkit-standard"/>
+                <a:latin typeface="Libertinus Serif" panose="02000503000000000000" pitchFamily="2" charset="0"/>
+                <a:ea typeface="Libertinus Serif" panose="02000503000000000000" pitchFamily="2" charset="0"/>
+                <a:cs typeface="Libertinus Serif" panose="02000503000000000000" pitchFamily="2" charset="0"/>
               </a:rPr>
               <a:t>Preserves</a:t>
             </a:r>
@@ -25659,7 +25795,9 @@
                 <a:solidFill>
                   <a:srgbClr val="000000"/>
                 </a:solidFill>
-                <a:latin typeface="-webkit-standard"/>
+                <a:latin typeface="Libertinus Serif" panose="02000503000000000000" pitchFamily="2" charset="0"/>
+                <a:ea typeface="Libertinus Serif" panose="02000503000000000000" pitchFamily="2" charset="0"/>
+                <a:cs typeface="Libertinus Serif" panose="02000503000000000000" pitchFamily="2" charset="0"/>
               </a:rPr>
               <a:t> </a:t>
             </a:r>
@@ -25668,7 +25806,9 @@
                 <a:solidFill>
                   <a:srgbClr val="000000"/>
                 </a:solidFill>
-                <a:latin typeface="-webkit-standard"/>
+                <a:latin typeface="Libertinus Serif" panose="02000503000000000000" pitchFamily="2" charset="0"/>
+                <a:ea typeface="Libertinus Serif" panose="02000503000000000000" pitchFamily="2" charset="0"/>
+                <a:cs typeface="Libertinus Serif" panose="02000503000000000000" pitchFamily="2" charset="0"/>
               </a:rPr>
               <a:t>some</a:t>
             </a:r>
@@ -25677,7 +25817,9 @@
                 <a:solidFill>
                   <a:srgbClr val="000000"/>
                 </a:solidFill>
-                <a:latin typeface="-webkit-standard"/>
+                <a:latin typeface="Libertinus Serif" panose="02000503000000000000" pitchFamily="2" charset="0"/>
+                <a:ea typeface="Libertinus Serif" panose="02000503000000000000" pitchFamily="2" charset="0"/>
+                <a:cs typeface="Libertinus Serif" panose="02000503000000000000" pitchFamily="2" charset="0"/>
               </a:rPr>
               <a:t> </a:t>
             </a:r>
@@ -25686,7 +25828,9 @@
                 <a:solidFill>
                   <a:srgbClr val="000000"/>
                 </a:solidFill>
-                <a:latin typeface="-webkit-standard"/>
+                <a:latin typeface="Libertinus Serif" panose="02000503000000000000" pitchFamily="2" charset="0"/>
+                <a:ea typeface="Libertinus Serif" panose="02000503000000000000" pitchFamily="2" charset="0"/>
+                <a:cs typeface="Libertinus Serif" panose="02000503000000000000" pitchFamily="2" charset="0"/>
               </a:rPr>
               <a:t>three</a:t>
             </a:r>
@@ -25695,7 +25839,9 @@
                 <a:solidFill>
                   <a:srgbClr val="000000"/>
                 </a:solidFill>
-                <a:latin typeface="-webkit-standard"/>
+                <a:latin typeface="Libertinus Serif" panose="02000503000000000000" pitchFamily="2" charset="0"/>
+                <a:ea typeface="Libertinus Serif" panose="02000503000000000000" pitchFamily="2" charset="0"/>
+                <a:cs typeface="Libertinus Serif" panose="02000503000000000000" pitchFamily="2" charset="0"/>
               </a:rPr>
               <a:t>-dimensional </a:t>
             </a:r>
@@ -25704,7 +25850,9 @@
                 <a:solidFill>
                   <a:srgbClr val="000000"/>
                 </a:solidFill>
-                <a:latin typeface="-webkit-standard"/>
+                <a:latin typeface="Libertinus Serif" panose="02000503000000000000" pitchFamily="2" charset="0"/>
+                <a:ea typeface="Libertinus Serif" panose="02000503000000000000" pitchFamily="2" charset="0"/>
+                <a:cs typeface="Libertinus Serif" panose="02000503000000000000" pitchFamily="2" charset="0"/>
               </a:rPr>
               <a:t>structural</a:t>
             </a:r>
@@ -25713,7 +25861,9 @@
                 <a:solidFill>
                   <a:srgbClr val="000000"/>
                 </a:solidFill>
-                <a:latin typeface="-webkit-standard"/>
+                <a:latin typeface="Libertinus Serif" panose="02000503000000000000" pitchFamily="2" charset="0"/>
+                <a:ea typeface="Libertinus Serif" panose="02000503000000000000" pitchFamily="2" charset="0"/>
+                <a:cs typeface="Libertinus Serif" panose="02000503000000000000" pitchFamily="2" charset="0"/>
               </a:rPr>
               <a:t> </a:t>
             </a:r>
@@ -25722,7 +25872,9 @@
                 <a:solidFill>
                   <a:srgbClr val="000000"/>
                 </a:solidFill>
-                <a:latin typeface="-webkit-standard"/>
+                <a:latin typeface="Libertinus Serif" panose="02000503000000000000" pitchFamily="2" charset="0"/>
+                <a:ea typeface="Libertinus Serif" panose="02000503000000000000" pitchFamily="2" charset="0"/>
+                <a:cs typeface="Libertinus Serif" panose="02000503000000000000" pitchFamily="2" charset="0"/>
               </a:rPr>
               <a:t>information</a:t>
             </a:r>
@@ -25736,7 +25888,9 @@
               <a:solidFill>
                 <a:srgbClr val="000000"/>
               </a:solidFill>
-              <a:latin typeface="-webkit-standard"/>
+              <a:latin typeface="Libertinus Serif" panose="02000503000000000000" pitchFamily="2" charset="0"/>
+              <a:ea typeface="Libertinus Serif" panose="02000503000000000000" pitchFamily="2" charset="0"/>
+              <a:cs typeface="Libertinus Serif" panose="02000503000000000000" pitchFamily="2" charset="0"/>
             </a:endParaRPr>
           </a:p>
         </p:txBody>
@@ -25757,7 +25911,7 @@
         </p:nvCxnSpPr>
         <p:spPr>
           <a:xfrm>
-            <a:off x="5906000" y="589281"/>
+            <a:off x="5758515" y="589281"/>
             <a:ext cx="0" cy="5593805"/>
           </a:xfrm>
           <a:prstGeom prst="line">
@@ -26144,7 +26298,11 @@
           <a:lstStyle/>
           <a:p>
             <a:pPr algn="ctr"/>
-            <a:endParaRPr lang="en-US" dirty="0"/>
+            <a:endParaRPr lang="en-US" dirty="0">
+              <a:latin typeface="Libertinus Serif" panose="02000503000000000000" pitchFamily="2" charset="0"/>
+              <a:ea typeface="Libertinus Serif" panose="02000503000000000000" pitchFamily="2" charset="0"/>
+              <a:cs typeface="Libertinus Serif" panose="02000503000000000000" pitchFamily="2" charset="0"/>
+            </a:endParaRPr>
           </a:p>
         </p:txBody>
       </p:sp>
@@ -26419,9 +26577,10 @@
           <a:p>
             <a:pPr algn="l"/>
             <a:r>
-              <a:rPr lang="en-US" dirty="0"/>
+              <a:rPr lang="en-US" sz="5400" dirty="0"/>
               <a:t>Preprocessing</a:t>
             </a:r>
+            <a:endParaRPr lang="en-US" dirty="0"/>
           </a:p>
         </p:txBody>
       </p:sp>
@@ -26439,8 +26598,8 @@
         </p:nvSpPr>
         <p:spPr>
           <a:xfrm>
-            <a:off x="4903218" y="2474520"/>
-            <a:ext cx="1920494" cy="593586"/>
+            <a:off x="4903217" y="2474520"/>
+            <a:ext cx="1923055" cy="593586"/>
           </a:xfrm>
           <a:prstGeom prst="roundRect">
             <a:avLst/>
@@ -26471,11 +26630,19 @@
           <a:p>
             <a:pPr algn="ctr"/>
             <a:r>
-              <a:rPr lang="en-US" sz="2000" dirty="0" err="1"/>
+              <a:rPr lang="en-US" sz="2000" dirty="0" err="1">
+                <a:latin typeface="Libertinus Serif" panose="02000503000000000000" pitchFamily="2" charset="0"/>
+                <a:ea typeface="Libertinus Serif" panose="02000503000000000000" pitchFamily="2" charset="0"/>
+                <a:cs typeface="Libertinus Serif" panose="02000503000000000000" pitchFamily="2" charset="0"/>
+              </a:rPr>
               <a:t>MobileVit-xs</a:t>
             </a:r>
             <a:r>
-              <a:rPr lang="en-US" sz="2000" dirty="0"/>
+              <a:rPr lang="en-US" sz="2000" dirty="0">
+                <a:latin typeface="Libertinus Serif" panose="02000503000000000000" pitchFamily="2" charset="0"/>
+                <a:ea typeface="Libertinus Serif" panose="02000503000000000000" pitchFamily="2" charset="0"/>
+                <a:cs typeface="Libertinus Serif" panose="02000503000000000000" pitchFamily="2" charset="0"/>
+              </a:rPr>
               <a:t> 1</a:t>
             </a:r>
           </a:p>
@@ -26495,8 +26662,8 @@
         </p:nvSpPr>
         <p:spPr>
           <a:xfrm>
-            <a:off x="4903218" y="3159218"/>
-            <a:ext cx="1920494" cy="593586"/>
+            <a:off x="4903217" y="3159218"/>
+            <a:ext cx="1923055" cy="593586"/>
           </a:xfrm>
           <a:prstGeom prst="roundRect">
             <a:avLst/>
@@ -26527,11 +26694,19 @@
           <a:p>
             <a:pPr algn="ctr"/>
             <a:r>
-              <a:rPr lang="en-US" sz="2000" dirty="0" err="1"/>
+              <a:rPr lang="en-US" sz="2000" dirty="0" err="1">
+                <a:latin typeface="Libertinus Serif" panose="02000503000000000000" pitchFamily="2" charset="0"/>
+                <a:ea typeface="Libertinus Serif" panose="02000503000000000000" pitchFamily="2" charset="0"/>
+                <a:cs typeface="Libertinus Serif" panose="02000503000000000000" pitchFamily="2" charset="0"/>
+              </a:rPr>
               <a:t>MobileVit-xs</a:t>
             </a:r>
             <a:r>
-              <a:rPr lang="en-US" sz="2000" dirty="0"/>
+              <a:rPr lang="en-US" sz="2000" dirty="0">
+                <a:latin typeface="Libertinus Serif" panose="02000503000000000000" pitchFamily="2" charset="0"/>
+                <a:ea typeface="Libertinus Serif" panose="02000503000000000000" pitchFamily="2" charset="0"/>
+                <a:cs typeface="Libertinus Serif" panose="02000503000000000000" pitchFamily="2" charset="0"/>
+              </a:rPr>
               <a:t> 2</a:t>
             </a:r>
           </a:p>
@@ -26551,8 +26726,8 @@
         </p:nvSpPr>
         <p:spPr>
           <a:xfrm>
-            <a:off x="4903218" y="3830031"/>
-            <a:ext cx="1920494" cy="593586"/>
+            <a:off x="4903217" y="3830031"/>
+            <a:ext cx="1923055" cy="593586"/>
           </a:xfrm>
           <a:prstGeom prst="roundRect">
             <a:avLst/>
@@ -26583,7 +26758,11 @@
           <a:p>
             <a:pPr algn="ctr"/>
             <a:r>
-              <a:rPr lang="en-US" sz="2000" dirty="0"/>
+              <a:rPr lang="en-US" sz="2000" dirty="0">
+                <a:latin typeface="Libertinus Serif" panose="02000503000000000000" pitchFamily="2" charset="0"/>
+                <a:ea typeface="Libertinus Serif" panose="02000503000000000000" pitchFamily="2" charset="0"/>
+                <a:cs typeface="Libertinus Serif" panose="02000503000000000000" pitchFamily="2" charset="0"/>
+              </a:rPr>
               <a:t>…</a:t>
             </a:r>
           </a:p>
@@ -26603,8 +26782,8 @@
         </p:nvSpPr>
         <p:spPr>
           <a:xfrm>
-            <a:off x="4903218" y="4513151"/>
-            <a:ext cx="1920494" cy="593586"/>
+            <a:off x="4903217" y="4513151"/>
+            <a:ext cx="1923055" cy="593586"/>
           </a:xfrm>
           <a:prstGeom prst="roundRect">
             <a:avLst/>
@@ -26635,11 +26814,19 @@
           <a:p>
             <a:pPr algn="ctr"/>
             <a:r>
-              <a:rPr lang="en-US" sz="2000" dirty="0" err="1"/>
+              <a:rPr lang="en-US" sz="2000" dirty="0" err="1">
+                <a:latin typeface="Libertinus Serif" panose="02000503000000000000" pitchFamily="2" charset="0"/>
+                <a:ea typeface="Libertinus Serif" panose="02000503000000000000" pitchFamily="2" charset="0"/>
+                <a:cs typeface="Libertinus Serif" panose="02000503000000000000" pitchFamily="2" charset="0"/>
+              </a:rPr>
               <a:t>MobileVit-xs</a:t>
             </a:r>
             <a:r>
-              <a:rPr lang="en-US" sz="2000" dirty="0"/>
+              <a:rPr lang="en-US" sz="2000" dirty="0">
+                <a:latin typeface="Libertinus Serif" panose="02000503000000000000" pitchFamily="2" charset="0"/>
+                <a:ea typeface="Libertinus Serif" panose="02000503000000000000" pitchFamily="2" charset="0"/>
+                <a:cs typeface="Libertinus Serif" panose="02000503000000000000" pitchFamily="2" charset="0"/>
+              </a:rPr>
               <a:t> 59</a:t>
             </a:r>
           </a:p>
@@ -26824,7 +27011,7 @@
         <p:spPr>
           <a:xfrm>
             <a:off x="7404655" y="2474520"/>
-            <a:ext cx="1296546" cy="593586"/>
+            <a:ext cx="1202521" cy="593586"/>
           </a:xfrm>
           <a:prstGeom prst="roundRect">
             <a:avLst/>
@@ -26855,7 +27042,11 @@
           <a:p>
             <a:pPr algn="ctr"/>
             <a:r>
-              <a:rPr lang="en-US" sz="2000" dirty="0"/>
+              <a:rPr lang="en-US" sz="2000" dirty="0">
+                <a:latin typeface="Libertinus Serif" panose="02000503000000000000" pitchFamily="2" charset="0"/>
+                <a:ea typeface="Libertinus Serif" panose="02000503000000000000" pitchFamily="2" charset="0"/>
+                <a:cs typeface="Libertinus Serif" panose="02000503000000000000" pitchFamily="2" charset="0"/>
+              </a:rPr>
               <a:t>F1-Score</a:t>
             </a:r>
           </a:p>
@@ -26918,7 +27109,7 @@
         <p:spPr>
           <a:xfrm>
             <a:off x="7408079" y="3153699"/>
-            <a:ext cx="1296546" cy="593586"/>
+            <a:ext cx="1202521" cy="593586"/>
           </a:xfrm>
           <a:prstGeom prst="roundRect">
             <a:avLst/>
@@ -26949,7 +27140,11 @@
           <a:p>
             <a:pPr algn="ctr"/>
             <a:r>
-              <a:rPr lang="en-US" sz="2000" dirty="0"/>
+              <a:rPr lang="en-US" sz="2000" dirty="0">
+                <a:latin typeface="Libertinus Serif" panose="02000503000000000000" pitchFamily="2" charset="0"/>
+                <a:ea typeface="Libertinus Serif" panose="02000503000000000000" pitchFamily="2" charset="0"/>
+                <a:cs typeface="Libertinus Serif" panose="02000503000000000000" pitchFamily="2" charset="0"/>
+              </a:rPr>
               <a:t>F1-Score</a:t>
             </a:r>
           </a:p>
@@ -27012,7 +27207,7 @@
         <p:spPr>
           <a:xfrm>
             <a:off x="7404655" y="3830031"/>
-            <a:ext cx="1296546" cy="593586"/>
+            <a:ext cx="1202521" cy="593586"/>
           </a:xfrm>
           <a:prstGeom prst="roundRect">
             <a:avLst/>
@@ -27043,7 +27238,11 @@
           <a:p>
             <a:pPr algn="ctr"/>
             <a:r>
-              <a:rPr lang="en-US" sz="2000" dirty="0"/>
+              <a:rPr lang="en-US" sz="2000" dirty="0">
+                <a:latin typeface="Libertinus Serif" panose="02000503000000000000" pitchFamily="2" charset="0"/>
+                <a:ea typeface="Libertinus Serif" panose="02000503000000000000" pitchFamily="2" charset="0"/>
+                <a:cs typeface="Libertinus Serif" panose="02000503000000000000" pitchFamily="2" charset="0"/>
+              </a:rPr>
               <a:t>F1-Score</a:t>
             </a:r>
           </a:p>
@@ -27106,7 +27305,7 @@
         <p:spPr>
           <a:xfrm>
             <a:off x="7408079" y="4513151"/>
-            <a:ext cx="1296546" cy="593586"/>
+            <a:ext cx="1202521" cy="593586"/>
           </a:xfrm>
           <a:prstGeom prst="roundRect">
             <a:avLst/>
@@ -27137,7 +27336,11 @@
           <a:p>
             <a:pPr algn="ctr"/>
             <a:r>
-              <a:rPr lang="en-US" sz="2000" dirty="0"/>
+              <a:rPr lang="en-US" sz="2000" dirty="0">
+                <a:latin typeface="Libertinus Serif" panose="02000503000000000000" pitchFamily="2" charset="0"/>
+                <a:ea typeface="Libertinus Serif" panose="02000503000000000000" pitchFamily="2" charset="0"/>
+                <a:cs typeface="Libertinus Serif" panose="02000503000000000000" pitchFamily="2" charset="0"/>
+              </a:rPr>
               <a:t>F1-Score</a:t>
             </a:r>
           </a:p>
@@ -27200,7 +27403,7 @@
         <p:spPr>
           <a:xfrm>
             <a:off x="4811067" y="5403530"/>
-            <a:ext cx="2137559" cy="646331"/>
+            <a:ext cx="2140409" cy="646331"/>
           </a:xfrm>
           <a:prstGeom prst="rect">
             <a:avLst/>
@@ -27215,11 +27418,19 @@
           <a:p>
             <a:pPr algn="ctr"/>
             <a:r>
-              <a:rPr lang="en-US" b="1" dirty="0"/>
+              <a:rPr lang="en-US" b="1" dirty="0">
+                <a:latin typeface="Libertinus Serif" panose="02000503000000000000" pitchFamily="2" charset="0"/>
+                <a:ea typeface="Libertinus Serif" panose="02000503000000000000" pitchFamily="2" charset="0"/>
+                <a:cs typeface="Libertinus Serif" panose="02000503000000000000" pitchFamily="2" charset="0"/>
+              </a:rPr>
               <a:t>1. </a:t>
             </a:r>
             <a:r>
-              <a:rPr lang="en-US" dirty="0"/>
+              <a:rPr lang="en-US" dirty="0">
+                <a:latin typeface="Libertinus Serif" panose="02000503000000000000" pitchFamily="2" charset="0"/>
+                <a:ea typeface="Libertinus Serif" panose="02000503000000000000" pitchFamily="2" charset="0"/>
+                <a:cs typeface="Libertinus Serif" panose="02000503000000000000" pitchFamily="2" charset="0"/>
+              </a:rPr>
               <a:t>Train one model per slice group</a:t>
             </a:r>
           </a:p>
@@ -27240,7 +27451,7 @@
         <p:spPr>
           <a:xfrm>
             <a:off x="7130430" y="5309470"/>
-            <a:ext cx="1859035" cy="923330"/>
+            <a:ext cx="1850631" cy="646331"/>
           </a:xfrm>
           <a:prstGeom prst="rect">
             <a:avLst/>
@@ -27255,11 +27466,19 @@
           <a:p>
             <a:pPr algn="ctr"/>
             <a:r>
-              <a:rPr lang="en-US" b="1" dirty="0"/>
+              <a:rPr lang="en-US" b="1" dirty="0">
+                <a:latin typeface="Libertinus Serif" panose="02000503000000000000" pitchFamily="2" charset="0"/>
+                <a:ea typeface="Libertinus Serif" panose="02000503000000000000" pitchFamily="2" charset="0"/>
+                <a:cs typeface="Libertinus Serif" panose="02000503000000000000" pitchFamily="2" charset="0"/>
+              </a:rPr>
               <a:t>2. </a:t>
             </a:r>
             <a:r>
-              <a:rPr lang="en-US" dirty="0"/>
+              <a:rPr lang="en-US" dirty="0">
+                <a:latin typeface="Libertinus Serif" panose="02000503000000000000" pitchFamily="2" charset="0"/>
+                <a:ea typeface="Libertinus Serif" panose="02000503000000000000" pitchFamily="2" charset="0"/>
+                <a:cs typeface="Libertinus Serif" panose="02000503000000000000" pitchFamily="2" charset="0"/>
+              </a:rPr>
               <a:t>Evaluate individual models</a:t>
             </a:r>
           </a:p>
@@ -27315,7 +27534,11 @@
           <a:lstStyle/>
           <a:p>
             <a:pPr algn="ctr"/>
-            <a:endParaRPr lang="en-US" dirty="0"/>
+            <a:endParaRPr lang="en-US" dirty="0">
+              <a:latin typeface="Libertinus Serif" panose="02000503000000000000" pitchFamily="2" charset="0"/>
+              <a:ea typeface="Libertinus Serif" panose="02000503000000000000" pitchFamily="2" charset="0"/>
+              <a:cs typeface="Libertinus Serif" panose="02000503000000000000" pitchFamily="2" charset="0"/>
+            </a:endParaRPr>
           </a:p>
         </p:txBody>
       </p:sp>
@@ -27447,13 +27670,13 @@
           <p:nvPr/>
         </p:nvCxnSpPr>
         <p:spPr>
-          <a:xfrm rot="5400000" flipH="1">
-            <a:off x="4718375" y="2891227"/>
-            <a:ext cx="218540" cy="6464606"/>
+          <a:xfrm rot="5400000">
+            <a:off x="4796315" y="2754828"/>
+            <a:ext cx="58459" cy="6460404"/>
           </a:xfrm>
           <a:prstGeom prst="curvedConnector3">
             <a:avLst>
-              <a:gd name="adj1" fmla="val -104603"/>
+              <a:gd name="adj1" fmla="val 491043"/>
             </a:avLst>
           </a:prstGeom>
           <a:ln>
@@ -27504,11 +27727,19 @@
           <a:lstStyle/>
           <a:p>
             <a:r>
-              <a:rPr lang="en-US" b="1" dirty="0"/>
+              <a:rPr lang="en-US" b="1" dirty="0">
+                <a:latin typeface="Libertinus Serif" panose="02000503000000000000" pitchFamily="2" charset="0"/>
+                <a:ea typeface="Libertinus Serif" panose="02000503000000000000" pitchFamily="2" charset="0"/>
+                <a:cs typeface="Libertinus Serif" panose="02000503000000000000" pitchFamily="2" charset="0"/>
+              </a:rPr>
               <a:t>3. </a:t>
             </a:r>
             <a:r>
-              <a:rPr lang="en-US" dirty="0"/>
+              <a:rPr lang="en-US" dirty="0">
+                <a:latin typeface="Libertinus Serif" panose="02000503000000000000" pitchFamily="2" charset="0"/>
+                <a:ea typeface="Libertinus Serif" panose="02000503000000000000" pitchFamily="2" charset="0"/>
+                <a:cs typeface="Libertinus Serif" panose="02000503000000000000" pitchFamily="2" charset="0"/>
+              </a:rPr>
               <a:t>Proceed only with best scoring slice groups</a:t>
             </a:r>
           </a:p>
@@ -27530,8 +27761,8 @@
         </p:nvSpPr>
         <p:spPr>
           <a:xfrm>
-            <a:off x="8981061" y="1356509"/>
-            <a:ext cx="2872672" cy="4540884"/>
+            <a:off x="8942961" y="1356509"/>
+            <a:ext cx="2819905" cy="4540884"/>
           </a:xfrm>
           <a:prstGeom prst="rect">
             <a:avLst/>
@@ -27716,7 +27947,9 @@
                 <a:solidFill>
                   <a:srgbClr val="000000"/>
                 </a:solidFill>
-                <a:latin typeface="-webkit-standard"/>
+                <a:latin typeface="Libertinus Serif" panose="02000503000000000000" pitchFamily="2" charset="0"/>
+                <a:ea typeface="Libertinus Serif" panose="02000503000000000000" pitchFamily="2" charset="0"/>
+                <a:cs typeface="Libertinus Serif" panose="02000503000000000000" pitchFamily="2" charset="0"/>
               </a:rPr>
               <a:t>Advantages:</a:t>
             </a:r>
@@ -27734,7 +27967,9 @@
                 <a:solidFill>
                   <a:srgbClr val="000000"/>
                 </a:solidFill>
-                <a:latin typeface="-webkit-standard"/>
+                <a:latin typeface="Libertinus Serif" panose="02000503000000000000" pitchFamily="2" charset="0"/>
+                <a:ea typeface="Libertinus Serif" panose="02000503000000000000" pitchFamily="2" charset="0"/>
+                <a:cs typeface="Libertinus Serif" panose="02000503000000000000" pitchFamily="2" charset="0"/>
               </a:rPr>
               <a:t>Further </a:t>
             </a:r>
@@ -27743,7 +27978,9 @@
                 <a:solidFill>
                   <a:srgbClr val="000000"/>
                 </a:solidFill>
-                <a:latin typeface="-webkit-standard"/>
+                <a:latin typeface="Libertinus Serif" panose="02000503000000000000" pitchFamily="2" charset="0"/>
+                <a:ea typeface="Libertinus Serif" panose="02000503000000000000" pitchFamily="2" charset="0"/>
+                <a:cs typeface="Libertinus Serif" panose="02000503000000000000" pitchFamily="2" charset="0"/>
               </a:rPr>
               <a:t>reduce</a:t>
             </a:r>
@@ -27752,7 +27989,9 @@
                 <a:solidFill>
                   <a:srgbClr val="000000"/>
                 </a:solidFill>
-                <a:latin typeface="-webkit-standard"/>
+                <a:latin typeface="Libertinus Serif" panose="02000503000000000000" pitchFamily="2" charset="0"/>
+                <a:ea typeface="Libertinus Serif" panose="02000503000000000000" pitchFamily="2" charset="0"/>
+                <a:cs typeface="Libertinus Serif" panose="02000503000000000000" pitchFamily="2" charset="0"/>
               </a:rPr>
               <a:t> </a:t>
             </a:r>
@@ -27761,7 +28000,9 @@
                 <a:solidFill>
                   <a:srgbClr val="000000"/>
                 </a:solidFill>
-                <a:latin typeface="-webkit-standard"/>
+                <a:latin typeface="Libertinus Serif" panose="02000503000000000000" pitchFamily="2" charset="0"/>
+                <a:ea typeface="Libertinus Serif" panose="02000503000000000000" pitchFamily="2" charset="0"/>
+                <a:cs typeface="Libertinus Serif" panose="02000503000000000000" pitchFamily="2" charset="0"/>
               </a:rPr>
               <a:t>the</a:t>
             </a:r>
@@ -27770,7 +28011,9 @@
                 <a:solidFill>
                   <a:srgbClr val="000000"/>
                 </a:solidFill>
-                <a:latin typeface="-webkit-standard"/>
+                <a:latin typeface="Libertinus Serif" panose="02000503000000000000" pitchFamily="2" charset="0"/>
+                <a:ea typeface="Libertinus Serif" panose="02000503000000000000" pitchFamily="2" charset="0"/>
+                <a:cs typeface="Libertinus Serif" panose="02000503000000000000" pitchFamily="2" charset="0"/>
               </a:rPr>
               <a:t> </a:t>
             </a:r>
@@ -27779,7 +28022,9 @@
                 <a:solidFill>
                   <a:srgbClr val="000000"/>
                 </a:solidFill>
-                <a:latin typeface="-webkit-standard"/>
+                <a:latin typeface="Libertinus Serif" panose="02000503000000000000" pitchFamily="2" charset="0"/>
+                <a:ea typeface="Libertinus Serif" panose="02000503000000000000" pitchFamily="2" charset="0"/>
+                <a:cs typeface="Libertinus Serif" panose="02000503000000000000" pitchFamily="2" charset="0"/>
               </a:rPr>
               <a:t>computational</a:t>
             </a:r>
@@ -27788,7 +28033,9 @@
                 <a:solidFill>
                   <a:srgbClr val="000000"/>
                 </a:solidFill>
-                <a:latin typeface="-webkit-standard"/>
+                <a:latin typeface="Libertinus Serif" panose="02000503000000000000" pitchFamily="2" charset="0"/>
+                <a:ea typeface="Libertinus Serif" panose="02000503000000000000" pitchFamily="2" charset="0"/>
+                <a:cs typeface="Libertinus Serif" panose="02000503000000000000" pitchFamily="2" charset="0"/>
               </a:rPr>
               <a:t> </a:t>
             </a:r>
@@ -27797,7 +28044,9 @@
                 <a:solidFill>
                   <a:srgbClr val="000000"/>
                 </a:solidFill>
-                <a:latin typeface="-webkit-standard"/>
+                <a:latin typeface="Libertinus Serif" panose="02000503000000000000" pitchFamily="2" charset="0"/>
+                <a:ea typeface="Libertinus Serif" panose="02000503000000000000" pitchFamily="2" charset="0"/>
+                <a:cs typeface="Libertinus Serif" panose="02000503000000000000" pitchFamily="2" charset="0"/>
               </a:rPr>
               <a:t>burden</a:t>
             </a:r>
@@ -27806,7 +28055,9 @@
                 <a:solidFill>
                   <a:srgbClr val="000000"/>
                 </a:solidFill>
-                <a:latin typeface="-webkit-standard"/>
+                <a:latin typeface="Libertinus Serif" panose="02000503000000000000" pitchFamily="2" charset="0"/>
+                <a:ea typeface="Libertinus Serif" panose="02000503000000000000" pitchFamily="2" charset="0"/>
+                <a:cs typeface="Libertinus Serif" panose="02000503000000000000" pitchFamily="2" charset="0"/>
               </a:rPr>
               <a:t> </a:t>
             </a:r>
@@ -27815,7 +28066,9 @@
                 <a:solidFill>
                   <a:srgbClr val="000000"/>
                 </a:solidFill>
-                <a:latin typeface="-webkit-standard"/>
+                <a:latin typeface="Libertinus Serif" panose="02000503000000000000" pitchFamily="2" charset="0"/>
+                <a:ea typeface="Libertinus Serif" panose="02000503000000000000" pitchFamily="2" charset="0"/>
+                <a:cs typeface="Libertinus Serif" panose="02000503000000000000" pitchFamily="2" charset="0"/>
               </a:rPr>
               <a:t>of</a:t>
             </a:r>
@@ -27824,7 +28077,9 @@
                 <a:solidFill>
                   <a:srgbClr val="000000"/>
                 </a:solidFill>
-                <a:latin typeface="-webkit-standard"/>
+                <a:latin typeface="Libertinus Serif" panose="02000503000000000000" pitchFamily="2" charset="0"/>
+                <a:ea typeface="Libertinus Serif" panose="02000503000000000000" pitchFamily="2" charset="0"/>
+                <a:cs typeface="Libertinus Serif" panose="02000503000000000000" pitchFamily="2" charset="0"/>
               </a:rPr>
               <a:t> a large </a:t>
             </a:r>
@@ -27833,7 +28088,9 @@
                 <a:solidFill>
                   <a:srgbClr val="000000"/>
                 </a:solidFill>
-                <a:latin typeface="-webkit-standard"/>
+                <a:latin typeface="Libertinus Serif" panose="02000503000000000000" pitchFamily="2" charset="0"/>
+                <a:ea typeface="Libertinus Serif" panose="02000503000000000000" pitchFamily="2" charset="0"/>
+                <a:cs typeface="Libertinus Serif" panose="02000503000000000000" pitchFamily="2" charset="0"/>
               </a:rPr>
               <a:t>dataset</a:t>
             </a:r>
@@ -27841,7 +28098,9 @@
               <a:solidFill>
                 <a:srgbClr val="000000"/>
               </a:solidFill>
-              <a:latin typeface="-webkit-standard"/>
+              <a:latin typeface="Libertinus Serif" panose="02000503000000000000" pitchFamily="2" charset="0"/>
+              <a:ea typeface="Libertinus Serif" panose="02000503000000000000" pitchFamily="2" charset="0"/>
+              <a:cs typeface="Libertinus Serif" panose="02000503000000000000" pitchFamily="2" charset="0"/>
             </a:endParaRPr>
           </a:p>
           <a:p>
@@ -27857,7 +28116,9 @@
                 <a:solidFill>
                   <a:srgbClr val="000000"/>
                 </a:solidFill>
-                <a:latin typeface="-webkit-standard"/>
+                <a:latin typeface="Libertinus Serif" panose="02000503000000000000" pitchFamily="2" charset="0"/>
+                <a:ea typeface="Libertinus Serif" panose="02000503000000000000" pitchFamily="2" charset="0"/>
+                <a:cs typeface="Libertinus Serif" panose="02000503000000000000" pitchFamily="2" charset="0"/>
               </a:rPr>
               <a:t>Keep </a:t>
             </a:r>
@@ -27866,7 +28127,9 @@
                 <a:solidFill>
                   <a:srgbClr val="000000"/>
                 </a:solidFill>
-                <a:latin typeface="-webkit-standard"/>
+                <a:latin typeface="Libertinus Serif" panose="02000503000000000000" pitchFamily="2" charset="0"/>
+                <a:ea typeface="Libertinus Serif" panose="02000503000000000000" pitchFamily="2" charset="0"/>
+                <a:cs typeface="Libertinus Serif" panose="02000503000000000000" pitchFamily="2" charset="0"/>
               </a:rPr>
               <a:t>slices</a:t>
             </a:r>
@@ -27875,7 +28138,9 @@
                 <a:solidFill>
                   <a:srgbClr val="000000"/>
                 </a:solidFill>
-                <a:latin typeface="-webkit-standard"/>
+                <a:latin typeface="Libertinus Serif" panose="02000503000000000000" pitchFamily="2" charset="0"/>
+                <a:ea typeface="Libertinus Serif" panose="02000503000000000000" pitchFamily="2" charset="0"/>
+                <a:cs typeface="Libertinus Serif" panose="02000503000000000000" pitchFamily="2" charset="0"/>
               </a:rPr>
               <a:t> </a:t>
             </a:r>
@@ -27884,7 +28149,9 @@
                 <a:solidFill>
                   <a:srgbClr val="000000"/>
                 </a:solidFill>
-                <a:latin typeface="-webkit-standard"/>
+                <a:latin typeface="Libertinus Serif" panose="02000503000000000000" pitchFamily="2" charset="0"/>
+                <a:ea typeface="Libertinus Serif" panose="02000503000000000000" pitchFamily="2" charset="0"/>
+                <a:cs typeface="Libertinus Serif" panose="02000503000000000000" pitchFamily="2" charset="0"/>
               </a:rPr>
               <a:t>presumed</a:t>
             </a:r>
@@ -27893,7 +28160,9 @@
                 <a:solidFill>
                   <a:srgbClr val="000000"/>
                 </a:solidFill>
-                <a:latin typeface="-webkit-standard"/>
+                <a:latin typeface="Libertinus Serif" panose="02000503000000000000" pitchFamily="2" charset="0"/>
+                <a:ea typeface="Libertinus Serif" panose="02000503000000000000" pitchFamily="2" charset="0"/>
+                <a:cs typeface="Libertinus Serif" panose="02000503000000000000" pitchFamily="2" charset="0"/>
               </a:rPr>
               <a:t> </a:t>
             </a:r>
@@ -27902,7 +28171,9 @@
                 <a:solidFill>
                   <a:srgbClr val="000000"/>
                 </a:solidFill>
-                <a:latin typeface="-webkit-standard"/>
+                <a:latin typeface="Libertinus Serif" panose="02000503000000000000" pitchFamily="2" charset="0"/>
+                <a:ea typeface="Libertinus Serif" panose="02000503000000000000" pitchFamily="2" charset="0"/>
+                <a:cs typeface="Libertinus Serif" panose="02000503000000000000" pitchFamily="2" charset="0"/>
               </a:rPr>
               <a:t>to</a:t>
             </a:r>
@@ -27911,7 +28182,9 @@
                 <a:solidFill>
                   <a:srgbClr val="000000"/>
                 </a:solidFill>
-                <a:latin typeface="-webkit-standard"/>
+                <a:latin typeface="Libertinus Serif" panose="02000503000000000000" pitchFamily="2" charset="0"/>
+                <a:ea typeface="Libertinus Serif" panose="02000503000000000000" pitchFamily="2" charset="0"/>
+                <a:cs typeface="Libertinus Serif" panose="02000503000000000000" pitchFamily="2" charset="0"/>
               </a:rPr>
               <a:t> </a:t>
             </a:r>
@@ -27920,7 +28193,9 @@
                 <a:solidFill>
                   <a:srgbClr val="000000"/>
                 </a:solidFill>
-                <a:latin typeface="-webkit-standard"/>
+                <a:latin typeface="Libertinus Serif" panose="02000503000000000000" pitchFamily="2" charset="0"/>
+                <a:ea typeface="Libertinus Serif" panose="02000503000000000000" pitchFamily="2" charset="0"/>
+                <a:cs typeface="Libertinus Serif" panose="02000503000000000000" pitchFamily="2" charset="0"/>
               </a:rPr>
               <a:t>have</a:t>
             </a:r>
@@ -27929,7 +28204,9 @@
                 <a:solidFill>
                   <a:srgbClr val="000000"/>
                 </a:solidFill>
-                <a:latin typeface="-webkit-standard"/>
+                <a:latin typeface="Libertinus Serif" panose="02000503000000000000" pitchFamily="2" charset="0"/>
+                <a:ea typeface="Libertinus Serif" panose="02000503000000000000" pitchFamily="2" charset="0"/>
+                <a:cs typeface="Libertinus Serif" panose="02000503000000000000" pitchFamily="2" charset="0"/>
               </a:rPr>
               <a:t> </a:t>
             </a:r>
@@ -27938,7 +28215,9 @@
                 <a:solidFill>
                   <a:srgbClr val="000000"/>
                 </a:solidFill>
-                <a:latin typeface="-webkit-standard"/>
+                <a:latin typeface="Libertinus Serif" panose="02000503000000000000" pitchFamily="2" charset="0"/>
+                <a:ea typeface="Libertinus Serif" panose="02000503000000000000" pitchFamily="2" charset="0"/>
+                <a:cs typeface="Libertinus Serif" panose="02000503000000000000" pitchFamily="2" charset="0"/>
               </a:rPr>
               <a:t>diagnostic</a:t>
             </a:r>
@@ -27947,7 +28226,9 @@
                 <a:solidFill>
                   <a:srgbClr val="000000"/>
                 </a:solidFill>
-                <a:latin typeface="-webkit-standard"/>
+                <a:latin typeface="Libertinus Serif" panose="02000503000000000000" pitchFamily="2" charset="0"/>
+                <a:ea typeface="Libertinus Serif" panose="02000503000000000000" pitchFamily="2" charset="0"/>
+                <a:cs typeface="Libertinus Serif" panose="02000503000000000000" pitchFamily="2" charset="0"/>
               </a:rPr>
               <a:t> </a:t>
             </a:r>
@@ -27956,7 +28237,9 @@
                 <a:solidFill>
                   <a:srgbClr val="000000"/>
                 </a:solidFill>
-                <a:latin typeface="-webkit-standard"/>
+                <a:latin typeface="Libertinus Serif" panose="02000503000000000000" pitchFamily="2" charset="0"/>
+                <a:ea typeface="Libertinus Serif" panose="02000503000000000000" pitchFamily="2" charset="0"/>
+                <a:cs typeface="Libertinus Serif" panose="02000503000000000000" pitchFamily="2" charset="0"/>
               </a:rPr>
               <a:t>value</a:t>
             </a:r>
@@ -27964,7 +28247,9 @@
               <a:solidFill>
                 <a:srgbClr val="000000"/>
               </a:solidFill>
-              <a:latin typeface="-webkit-standard"/>
+              <a:latin typeface="Libertinus Serif" panose="02000503000000000000" pitchFamily="2" charset="0"/>
+              <a:ea typeface="Libertinus Serif" panose="02000503000000000000" pitchFamily="2" charset="0"/>
+              <a:cs typeface="Libertinus Serif" panose="02000503000000000000" pitchFamily="2" charset="0"/>
             </a:endParaRPr>
           </a:p>
           <a:p>
@@ -27976,7 +28261,9 @@
               <a:solidFill>
                 <a:srgbClr val="000000"/>
               </a:solidFill>
-              <a:latin typeface="-webkit-standard"/>
+              <a:latin typeface="Libertinus Serif" panose="02000503000000000000" pitchFamily="2" charset="0"/>
+              <a:ea typeface="Libertinus Serif" panose="02000503000000000000" pitchFamily="2" charset="0"/>
+              <a:cs typeface="Libertinus Serif" panose="02000503000000000000" pitchFamily="2" charset="0"/>
             </a:endParaRPr>
           </a:p>
         </p:txBody>
@@ -28003,10 +28290,18 @@
           <a:lstStyle/>
           <a:p>
             <a:fld id="{4BEC7EF7-4506-1E42-9433-EDC596BA2DDB}" type="slidenum">
-              <a:rPr lang="de-DE" smtClean="0"/>
+              <a:rPr lang="de-DE" smtClean="0">
+                <a:latin typeface="Libertinus Serif" panose="02000503000000000000" pitchFamily="2" charset="0"/>
+                <a:ea typeface="Libertinus Serif" panose="02000503000000000000" pitchFamily="2" charset="0"/>
+                <a:cs typeface="Libertinus Serif" panose="02000503000000000000" pitchFamily="2" charset="0"/>
+              </a:rPr>
               <a:t>6</a:t>
             </a:fld>
-            <a:endParaRPr lang="de-DE"/>
+            <a:endParaRPr lang="de-DE">
+              <a:latin typeface="Libertinus Serif" panose="02000503000000000000" pitchFamily="2" charset="0"/>
+              <a:ea typeface="Libertinus Serif" panose="02000503000000000000" pitchFamily="2" charset="0"/>
+              <a:cs typeface="Libertinus Serif" panose="02000503000000000000" pitchFamily="2" charset="0"/>
+            </a:endParaRPr>
           </a:p>
         </p:txBody>
       </p:sp>
@@ -28102,24 +28397,36 @@
                   <a:buNone/>
                 </a:pPr>
                 <a:r>
-                  <a:rPr lang="de-DE" dirty="0" err="1"/>
-                  <a:t>Conventional</a:t>
+                  <a:rPr lang="de-DE" dirty="0">
+                    <a:latin typeface="Libertinus Serif" panose="02000503000000000000" pitchFamily="2" charset="0"/>
+                    <a:ea typeface="Libertinus Serif" panose="02000503000000000000" pitchFamily="2" charset="0"/>
+                    <a:cs typeface="Libertinus Serif" panose="02000503000000000000" pitchFamily="2" charset="0"/>
+                  </a:rPr>
+                  <a:t>Conventional Sampling </a:t>
                 </a:r>
                 <a:r>
-                  <a:rPr lang="de-DE" dirty="0"/>
-                  <a:t> Sampling </a:t>
-                </a:r>
-                <a:r>
-                  <a:rPr lang="de-DE" dirty="0" err="1"/>
+                  <a:rPr lang="de-DE" dirty="0" err="1">
+                    <a:latin typeface="Libertinus Serif" panose="02000503000000000000" pitchFamily="2" charset="0"/>
+                    <a:ea typeface="Libertinus Serif" panose="02000503000000000000" pitchFamily="2" charset="0"/>
+                    <a:cs typeface="Libertinus Serif" panose="02000503000000000000" pitchFamily="2" charset="0"/>
+                  </a:rPr>
                   <a:t>Strategies</a:t>
                 </a:r>
-                <a:endParaRPr lang="de-DE" dirty="0"/>
+                <a:endParaRPr lang="de-DE" dirty="0">
+                  <a:latin typeface="Libertinus Serif" panose="02000503000000000000" pitchFamily="2" charset="0"/>
+                  <a:ea typeface="Libertinus Serif" panose="02000503000000000000" pitchFamily="2" charset="0"/>
+                  <a:cs typeface="Libertinus Serif" panose="02000503000000000000" pitchFamily="2" charset="0"/>
+                </a:endParaRPr>
               </a:p>
               <a:p>
                 <a:pPr marL="0" indent="0" algn="ctr">
                   <a:buNone/>
                 </a:pPr>
-                <a:endParaRPr lang="de-DE" dirty="0"/>
+                <a:endParaRPr lang="de-DE" dirty="0">
+                  <a:latin typeface="Libertinus Serif" panose="02000503000000000000" pitchFamily="2" charset="0"/>
+                  <a:ea typeface="Libertinus Serif" panose="02000503000000000000" pitchFamily="2" charset="0"/>
+                  <a:cs typeface="Libertinus Serif" panose="02000503000000000000" pitchFamily="2" charset="0"/>
+                </a:endParaRPr>
               </a:p>
               <a:p>
                 <a:pPr algn="ctr"/>
@@ -28172,11 +28479,27 @@
                           </a:rPr>
                           <m:t>𝑁</m:t>
                         </m:r>
+                        <m:r>
+                          <a:rPr lang="de-DE" sz="2400" b="0" i="1" smtClean="0">
+                            <a:latin typeface="Cambria Math" panose="02040503050406030204" pitchFamily="18" charset="0"/>
+                          </a:rPr>
+                          <m:t>+</m:t>
+                        </m:r>
+                        <m:r>
+                          <a:rPr lang="de-DE" sz="2400" b="0" i="1" smtClean="0">
+                            <a:latin typeface="Cambria Math" panose="02040503050406030204" pitchFamily="18" charset="0"/>
+                          </a:rPr>
+                          <m:t>𝑆</m:t>
+                        </m:r>
                       </m:den>
                     </m:f>
                   </m:oMath>
                 </a14:m>
-                <a:endParaRPr lang="de-DE" sz="2400" b="0" dirty="0"/>
+                <a:endParaRPr lang="de-DE" sz="2400" b="0" dirty="0">
+                  <a:latin typeface="Libertinus Serif" panose="02000503000000000000" pitchFamily="2" charset="0"/>
+                  <a:ea typeface="Libertinus Serif" panose="02000503000000000000" pitchFamily="2" charset="0"/>
+                  <a:cs typeface="Libertinus Serif" panose="02000503000000000000" pitchFamily="2" charset="0"/>
+                </a:endParaRPr>
               </a:p>
               <a:p>
                 <a:pPr algn="ctr"/>
@@ -28240,13 +28563,29 @@
                               </a:rPr>
                               <m:t>𝑁</m:t>
                             </m:r>
+                            <m:r>
+                              <a:rPr lang="de-DE" sz="2400" b="0" i="1" smtClean="0">
+                                <a:latin typeface="Cambria Math" panose="02040503050406030204" pitchFamily="18" charset="0"/>
+                              </a:rPr>
+                              <m:t>+</m:t>
+                            </m:r>
+                            <m:r>
+                              <a:rPr lang="de-DE" sz="2400" b="0" i="1" smtClean="0">
+                                <a:latin typeface="Cambria Math" panose="02040503050406030204" pitchFamily="18" charset="0"/>
+                              </a:rPr>
+                              <m:t>𝑆</m:t>
+                            </m:r>
                           </m:e>
                         </m:rad>
                       </m:den>
                     </m:f>
                   </m:oMath>
                 </a14:m>
-                <a:endParaRPr lang="de-DE" sz="2400" b="0" dirty="0"/>
+                <a:endParaRPr lang="de-DE" sz="2400" b="0" dirty="0">
+                  <a:latin typeface="Libertinus Serif" panose="02000503000000000000" pitchFamily="2" charset="0"/>
+                  <a:ea typeface="Libertinus Serif" panose="02000503000000000000" pitchFamily="2" charset="0"/>
+                  <a:cs typeface="Libertinus Serif" panose="02000503000000000000" pitchFamily="2" charset="0"/>
+                </a:endParaRPr>
               </a:p>
               <a:p>
                 <a:pPr algn="ctr"/>
@@ -28319,19 +28658,39 @@
                               </a:rPr>
                               <m:t>𝑁</m:t>
                             </m:r>
+                            <m:r>
+                              <a:rPr lang="de-DE" sz="2400" b="0" i="1" smtClean="0">
+                                <a:latin typeface="Cambria Math" panose="02040503050406030204" pitchFamily="18" charset="0"/>
+                              </a:rPr>
+                              <m:t>+</m:t>
+                            </m:r>
+                            <m:r>
+                              <a:rPr lang="de-DE" sz="2400" b="0" i="1" smtClean="0">
+                                <a:latin typeface="Cambria Math" panose="02040503050406030204" pitchFamily="18" charset="0"/>
+                              </a:rPr>
+                              <m:t>𝑆</m:t>
+                            </m:r>
                           </m:e>
                         </m:func>
                       </m:den>
                     </m:f>
                   </m:oMath>
                 </a14:m>
-                <a:endParaRPr lang="de-DE" b="0" dirty="0"/>
+                <a:endParaRPr lang="de-DE" b="0" dirty="0">
+                  <a:latin typeface="Libertinus Serif" panose="02000503000000000000" pitchFamily="2" charset="0"/>
+                  <a:ea typeface="Libertinus Serif" panose="02000503000000000000" pitchFamily="2" charset="0"/>
+                  <a:cs typeface="Libertinus Serif" panose="02000503000000000000" pitchFamily="2" charset="0"/>
+                </a:endParaRPr>
               </a:p>
               <a:p>
                 <a:pPr marL="0" indent="0" algn="ctr">
                   <a:buNone/>
                 </a:pPr>
-                <a:endParaRPr lang="en-US" dirty="0"/>
+                <a:endParaRPr lang="en-US" dirty="0">
+                  <a:latin typeface="Libertinus Serif" panose="02000503000000000000" pitchFamily="2" charset="0"/>
+                  <a:ea typeface="Libertinus Serif" panose="02000503000000000000" pitchFamily="2" charset="0"/>
+                  <a:cs typeface="Libertinus Serif" panose="02000503000000000000" pitchFamily="2" charset="0"/>
+                </a:endParaRPr>
               </a:p>
             </p:txBody>
           </p:sp>
@@ -28361,7 +28720,7 @@
               <a:blipFill>
                 <a:blip r:embed="rId3"/>
                 <a:stretch>
-                  <a:fillRect t="-4472" r="-617" b="-1626"/>
+                  <a:fillRect t="-4472" b="-1626"/>
                 </a:stretch>
               </a:blipFill>
             </p:spPr>
@@ -28426,7 +28785,7 @@
             <p:spPr>
               <a:xfrm>
                 <a:off x="838200" y="5288989"/>
-                <a:ext cx="4055533" cy="400110"/>
+                <a:ext cx="4055533" cy="707886"/>
               </a:xfrm>
               <a:prstGeom prst="rect">
                 <a:avLst/>
@@ -28530,7 +28889,64 @@
                     </m:oMath>
                   </m:oMathPara>
                 </a14:m>
-                <a:endParaRPr lang="en-US" sz="2000" dirty="0"/>
+                <a:endParaRPr lang="de-DE" sz="2000" b="0" i="0" dirty="0">
+                  <a:latin typeface="Libertinus Serif" panose="02000503000000000000" pitchFamily="2" charset="0"/>
+                  <a:ea typeface="Libertinus Serif" panose="02000503000000000000" pitchFamily="2" charset="0"/>
+                  <a:cs typeface="Libertinus Serif" panose="02000503000000000000" pitchFamily="2" charset="0"/>
+                </a:endParaRPr>
+              </a:p>
+              <a:p>
+                <a:pPr/>
+                <a14:m>
+                  <m:oMathPara xmlns:m="http://schemas.openxmlformats.org/officeDocument/2006/math">
+                    <m:oMathParaPr>
+                      <m:jc m:val="centerGroup"/>
+                    </m:oMathParaPr>
+                    <m:oMath xmlns:m="http://schemas.openxmlformats.org/officeDocument/2006/math">
+                      <m:r>
+                        <a:rPr lang="de-DE" sz="2000" b="0" i="1" smtClean="0">
+                          <a:latin typeface="Cambria Math" panose="02040503050406030204" pitchFamily="18" charset="0"/>
+                        </a:rPr>
+                        <m:t>𝑆</m:t>
+                      </m:r>
+                      <m:r>
+                        <a:rPr lang="de-DE" sz="2000" b="0" i="1" smtClean="0">
+                          <a:latin typeface="Cambria Math" panose="02040503050406030204" pitchFamily="18" charset="0"/>
+                        </a:rPr>
+                        <m:t>=</m:t>
+                      </m:r>
+                      <m:r>
+                        <m:rPr>
+                          <m:sty m:val="p"/>
+                        </m:rPr>
+                        <a:rPr lang="de-DE" sz="2000" b="0" i="0" smtClean="0">
+                          <a:latin typeface="Cambria Math" panose="02040503050406030204" pitchFamily="18" charset="0"/>
+                        </a:rPr>
+                        <m:t>Smoothing</m:t>
+                      </m:r>
+                      <m:r>
+                        <a:rPr lang="de-DE" sz="2000" b="0" i="0" smtClean="0">
+                          <a:latin typeface="Cambria Math" panose="02040503050406030204" pitchFamily="18" charset="0"/>
+                        </a:rPr>
+                        <m:t> </m:t>
+                      </m:r>
+                      <m:r>
+                        <m:rPr>
+                          <m:sty m:val="p"/>
+                        </m:rPr>
+                        <a:rPr lang="de-DE" sz="2000" b="0" i="0" smtClean="0">
+                          <a:latin typeface="Cambria Math" panose="02040503050406030204" pitchFamily="18" charset="0"/>
+                        </a:rPr>
+                        <m:t>Factor</m:t>
+                      </m:r>
+                    </m:oMath>
+                  </m:oMathPara>
+                </a14:m>
+                <a:endParaRPr lang="de-DE" sz="2000" b="0" dirty="0">
+                  <a:latin typeface="Libertinus Serif" panose="02000503000000000000" pitchFamily="2" charset="0"/>
+                  <a:ea typeface="Libertinus Serif" panose="02000503000000000000" pitchFamily="2" charset="0"/>
+                  <a:cs typeface="Libertinus Serif" panose="02000503000000000000" pitchFamily="2" charset="0"/>
+                </a:endParaRPr>
               </a:p>
             </p:txBody>
           </p:sp>
@@ -28553,7 +28969,7 @@
             <p:spPr>
               <a:xfrm>
                 <a:off x="838200" y="5288989"/>
-                <a:ext cx="4055533" cy="400110"/>
+                <a:ext cx="4055533" cy="707886"/>
               </a:xfrm>
               <a:prstGeom prst="rect">
                 <a:avLst/>
@@ -28561,7 +28977,7 @@
               <a:blipFill>
                 <a:blip r:embed="rId4"/>
                 <a:stretch>
-                  <a:fillRect b="-18750"/>
+                  <a:fillRect b="-8772"/>
                 </a:stretch>
               </a:blipFill>
             </p:spPr>
@@ -28815,31 +29231,59 @@
               <a:buNone/>
             </a:pPr>
             <a:r>
-              <a:rPr lang="de-DE" dirty="0"/>
+              <a:rPr lang="de-DE" dirty="0">
+                <a:latin typeface="Libertinus Serif" panose="02000503000000000000" pitchFamily="2" charset="0"/>
+                <a:ea typeface="Libertinus Serif" panose="02000503000000000000" pitchFamily="2" charset="0"/>
+                <a:cs typeface="Libertinus Serif" panose="02000503000000000000" pitchFamily="2" charset="0"/>
+              </a:rPr>
               <a:t>Custom </a:t>
             </a:r>
             <a:r>
-              <a:rPr lang="de-DE" dirty="0" err="1"/>
+              <a:rPr lang="de-DE" dirty="0" err="1">
+                <a:latin typeface="Libertinus Serif" panose="02000503000000000000" pitchFamily="2" charset="0"/>
+                <a:ea typeface="Libertinus Serif" panose="02000503000000000000" pitchFamily="2" charset="0"/>
+                <a:cs typeface="Libertinus Serif" panose="02000503000000000000" pitchFamily="2" charset="0"/>
+              </a:rPr>
               <a:t>Weights</a:t>
             </a:r>
             <a:r>
-              <a:rPr lang="de-DE" dirty="0"/>
+              <a:rPr lang="de-DE" dirty="0">
+                <a:latin typeface="Libertinus Serif" panose="02000503000000000000" pitchFamily="2" charset="0"/>
+                <a:ea typeface="Libertinus Serif" panose="02000503000000000000" pitchFamily="2" charset="0"/>
+                <a:cs typeface="Libertinus Serif" panose="02000503000000000000" pitchFamily="2" charset="0"/>
+              </a:rPr>
               <a:t> </a:t>
             </a:r>
             <a:r>
-              <a:rPr lang="de-DE" dirty="0" err="1"/>
+              <a:rPr lang="de-DE" dirty="0" err="1">
+                <a:latin typeface="Libertinus Serif" panose="02000503000000000000" pitchFamily="2" charset="0"/>
+                <a:ea typeface="Libertinus Serif" panose="02000503000000000000" pitchFamily="2" charset="0"/>
+                <a:cs typeface="Libertinus Serif" panose="02000503000000000000" pitchFamily="2" charset="0"/>
+              </a:rPr>
               <a:t>found</a:t>
             </a:r>
             <a:r>
-              <a:rPr lang="de-DE" dirty="0"/>
+              <a:rPr lang="de-DE" dirty="0">
+                <a:latin typeface="Libertinus Serif" panose="02000503000000000000" pitchFamily="2" charset="0"/>
+                <a:ea typeface="Libertinus Serif" panose="02000503000000000000" pitchFamily="2" charset="0"/>
+                <a:cs typeface="Libertinus Serif" panose="02000503000000000000" pitchFamily="2" charset="0"/>
+              </a:rPr>
               <a:t> </a:t>
             </a:r>
             <a:r>
-              <a:rPr lang="de-DE" dirty="0" err="1"/>
+              <a:rPr lang="de-DE" dirty="0" err="1">
+                <a:latin typeface="Libertinus Serif" panose="02000503000000000000" pitchFamily="2" charset="0"/>
+                <a:ea typeface="Libertinus Serif" panose="02000503000000000000" pitchFamily="2" charset="0"/>
+                <a:cs typeface="Libertinus Serif" panose="02000503000000000000" pitchFamily="2" charset="0"/>
+              </a:rPr>
               <a:t>by</a:t>
             </a:r>
             <a:r>
-              <a:rPr lang="de-DE" dirty="0"/>
+              <a:rPr lang="de-DE" dirty="0">
+                <a:latin typeface="Libertinus Serif" panose="02000503000000000000" pitchFamily="2" charset="0"/>
+                <a:ea typeface="Libertinus Serif" panose="02000503000000000000" pitchFamily="2" charset="0"/>
+                <a:cs typeface="Libertinus Serif" panose="02000503000000000000" pitchFamily="2" charset="0"/>
+              </a:rPr>
               <a:t> Random Search</a:t>
             </a:r>
           </a:p>
@@ -28848,7 +29292,11 @@
               <a:buFont typeface="Arial" panose="020B0604020202020204" pitchFamily="34" charset="0"/>
               <a:buNone/>
             </a:pPr>
-            <a:endParaRPr lang="de-DE" dirty="0"/>
+            <a:endParaRPr lang="de-DE" dirty="0">
+              <a:latin typeface="Libertinus Serif" panose="02000503000000000000" pitchFamily="2" charset="0"/>
+              <a:ea typeface="Libertinus Serif" panose="02000503000000000000" pitchFamily="2" charset="0"/>
+              <a:cs typeface="Libertinus Serif" panose="02000503000000000000" pitchFamily="2" charset="0"/>
+            </a:endParaRPr>
           </a:p>
           <a:p>
             <a:pPr marL="514350" indent="-514350" algn="ctr">
@@ -28856,46 +29304,90 @@
               <a:buAutoNum type="arabicPeriod"/>
             </a:pPr>
             <a:r>
-              <a:rPr lang="de-DE" sz="2400" dirty="0"/>
+              <a:rPr lang="de-DE" sz="2400" dirty="0">
+                <a:latin typeface="Libertinus Serif" panose="02000503000000000000" pitchFamily="2" charset="0"/>
+                <a:ea typeface="Libertinus Serif" panose="02000503000000000000" pitchFamily="2" charset="0"/>
+                <a:cs typeface="Libertinus Serif" panose="02000503000000000000" pitchFamily="2" charset="0"/>
+              </a:rPr>
               <a:t>20 Trainings </a:t>
             </a:r>
             <a:r>
-              <a:rPr lang="de-DE" sz="2400" dirty="0" err="1"/>
+              <a:rPr lang="de-DE" sz="2400" dirty="0" err="1">
+                <a:latin typeface="Libertinus Serif" panose="02000503000000000000" pitchFamily="2" charset="0"/>
+                <a:ea typeface="Libertinus Serif" panose="02000503000000000000" pitchFamily="2" charset="0"/>
+                <a:cs typeface="Libertinus Serif" panose="02000503000000000000" pitchFamily="2" charset="0"/>
+              </a:rPr>
               <a:t>with</a:t>
             </a:r>
             <a:r>
-              <a:rPr lang="de-DE" sz="2400" dirty="0"/>
+              <a:rPr lang="de-DE" sz="2400" dirty="0">
+                <a:latin typeface="Libertinus Serif" panose="02000503000000000000" pitchFamily="2" charset="0"/>
+                <a:ea typeface="Libertinus Serif" panose="02000503000000000000" pitchFamily="2" charset="0"/>
+                <a:cs typeface="Libertinus Serif" panose="02000503000000000000" pitchFamily="2" charset="0"/>
+              </a:rPr>
               <a:t> </a:t>
             </a:r>
             <a:r>
-              <a:rPr lang="de-DE" sz="2400" dirty="0" err="1"/>
+              <a:rPr lang="de-DE" sz="2400" dirty="0" err="1">
+                <a:latin typeface="Libertinus Serif" panose="02000503000000000000" pitchFamily="2" charset="0"/>
+                <a:ea typeface="Libertinus Serif" panose="02000503000000000000" pitchFamily="2" charset="0"/>
+                <a:cs typeface="Libertinus Serif" panose="02000503000000000000" pitchFamily="2" charset="0"/>
+              </a:rPr>
               <a:t>set</a:t>
             </a:r>
             <a:r>
-              <a:rPr lang="de-DE" sz="2400" dirty="0"/>
+              <a:rPr lang="de-DE" sz="2400" dirty="0">
+                <a:latin typeface="Libertinus Serif" panose="02000503000000000000" pitchFamily="2" charset="0"/>
+                <a:ea typeface="Libertinus Serif" panose="02000503000000000000" pitchFamily="2" charset="0"/>
+                <a:cs typeface="Libertinus Serif" panose="02000503000000000000" pitchFamily="2" charset="0"/>
+              </a:rPr>
               <a:t> </a:t>
             </a:r>
             <a:r>
-              <a:rPr lang="de-DE" sz="2400" dirty="0" err="1"/>
+              <a:rPr lang="de-DE" sz="2400" dirty="0" err="1">
+                <a:latin typeface="Libertinus Serif" panose="02000503000000000000" pitchFamily="2" charset="0"/>
+                <a:ea typeface="Libertinus Serif" panose="02000503000000000000" pitchFamily="2" charset="0"/>
+                <a:cs typeface="Libertinus Serif" panose="02000503000000000000" pitchFamily="2" charset="0"/>
+              </a:rPr>
               <a:t>of</a:t>
             </a:r>
             <a:r>
-              <a:rPr lang="de-DE" sz="2400" dirty="0"/>
+              <a:rPr lang="de-DE" sz="2400" dirty="0">
+                <a:latin typeface="Libertinus Serif" panose="02000503000000000000" pitchFamily="2" charset="0"/>
+                <a:ea typeface="Libertinus Serif" panose="02000503000000000000" pitchFamily="2" charset="0"/>
+                <a:cs typeface="Libertinus Serif" panose="02000503000000000000" pitchFamily="2" charset="0"/>
+              </a:rPr>
               <a:t> </a:t>
             </a:r>
             <a:r>
-              <a:rPr lang="de-DE" sz="2400" dirty="0" err="1"/>
+              <a:rPr lang="de-DE" sz="2400" dirty="0" err="1">
+                <a:latin typeface="Libertinus Serif" panose="02000503000000000000" pitchFamily="2" charset="0"/>
+                <a:ea typeface="Libertinus Serif" panose="02000503000000000000" pitchFamily="2" charset="0"/>
+                <a:cs typeface="Libertinus Serif" panose="02000503000000000000" pitchFamily="2" charset="0"/>
+              </a:rPr>
               <a:t>random</a:t>
             </a:r>
             <a:r>
-              <a:rPr lang="de-DE" sz="2400" dirty="0"/>
+              <a:rPr lang="de-DE" sz="2400" dirty="0">
+                <a:latin typeface="Libertinus Serif" panose="02000503000000000000" pitchFamily="2" charset="0"/>
+                <a:ea typeface="Libertinus Serif" panose="02000503000000000000" pitchFamily="2" charset="0"/>
+                <a:cs typeface="Libertinus Serif" panose="02000503000000000000" pitchFamily="2" charset="0"/>
+              </a:rPr>
               <a:t> </a:t>
             </a:r>
             <a:r>
-              <a:rPr lang="de-DE" sz="2400" dirty="0" err="1"/>
+              <a:rPr lang="de-DE" sz="2400" dirty="0" err="1">
+                <a:latin typeface="Libertinus Serif" panose="02000503000000000000" pitchFamily="2" charset="0"/>
+                <a:ea typeface="Libertinus Serif" panose="02000503000000000000" pitchFamily="2" charset="0"/>
+                <a:cs typeface="Libertinus Serif" panose="02000503000000000000" pitchFamily="2" charset="0"/>
+              </a:rPr>
               <a:t>weights</a:t>
             </a:r>
-            <a:endParaRPr lang="de-DE" sz="2400" dirty="0"/>
+            <a:endParaRPr lang="de-DE" sz="2400" dirty="0">
+              <a:latin typeface="Libertinus Serif" panose="02000503000000000000" pitchFamily="2" charset="0"/>
+              <a:ea typeface="Libertinus Serif" panose="02000503000000000000" pitchFamily="2" charset="0"/>
+              <a:cs typeface="Libertinus Serif" panose="02000503000000000000" pitchFamily="2" charset="0"/>
+            </a:endParaRPr>
           </a:p>
           <a:p>
             <a:pPr marL="514350" indent="-514350" algn="ctr">
@@ -28903,60 +29395,112 @@
               <a:buAutoNum type="arabicPeriod"/>
             </a:pPr>
             <a:r>
-              <a:rPr lang="de-DE" sz="2400" dirty="0"/>
+              <a:rPr lang="de-DE" sz="2400" dirty="0">
+                <a:latin typeface="Libertinus Serif" panose="02000503000000000000" pitchFamily="2" charset="0"/>
+                <a:ea typeface="Libertinus Serif" panose="02000503000000000000" pitchFamily="2" charset="0"/>
+                <a:cs typeface="Libertinus Serif" panose="02000503000000000000" pitchFamily="2" charset="0"/>
+              </a:rPr>
               <a:t>Average top 3 </a:t>
             </a:r>
             <a:r>
-              <a:rPr lang="de-DE" sz="2400" dirty="0" err="1"/>
+              <a:rPr lang="de-DE" sz="2400" dirty="0" err="1">
+                <a:latin typeface="Libertinus Serif" panose="02000503000000000000" pitchFamily="2" charset="0"/>
+                <a:ea typeface="Libertinus Serif" panose="02000503000000000000" pitchFamily="2" charset="0"/>
+                <a:cs typeface="Libertinus Serif" panose="02000503000000000000" pitchFamily="2" charset="0"/>
+              </a:rPr>
               <a:t>weights</a:t>
             </a:r>
             <a:r>
-              <a:rPr lang="de-DE" sz="2400" dirty="0"/>
+              <a:rPr lang="de-DE" sz="2400" dirty="0">
+                <a:latin typeface="Libertinus Serif" panose="02000503000000000000" pitchFamily="2" charset="0"/>
+                <a:ea typeface="Libertinus Serif" panose="02000503000000000000" pitchFamily="2" charset="0"/>
+                <a:cs typeface="Libertinus Serif" panose="02000503000000000000" pitchFamily="2" charset="0"/>
+              </a:rPr>
               <a:t> </a:t>
             </a:r>
             <a:r>
-              <a:rPr lang="de-DE" sz="2400" dirty="0" err="1"/>
+              <a:rPr lang="de-DE" sz="2400" dirty="0" err="1">
+                <a:latin typeface="Libertinus Serif" panose="02000503000000000000" pitchFamily="2" charset="0"/>
+                <a:ea typeface="Libertinus Serif" panose="02000503000000000000" pitchFamily="2" charset="0"/>
+                <a:cs typeface="Libertinus Serif" panose="02000503000000000000" pitchFamily="2" charset="0"/>
+              </a:rPr>
               <a:t>according</a:t>
             </a:r>
             <a:r>
-              <a:rPr lang="de-DE" sz="2400" dirty="0"/>
+              <a:rPr lang="de-DE" sz="2400" dirty="0">
+                <a:latin typeface="Libertinus Serif" panose="02000503000000000000" pitchFamily="2" charset="0"/>
+                <a:ea typeface="Libertinus Serif" panose="02000503000000000000" pitchFamily="2" charset="0"/>
+                <a:cs typeface="Libertinus Serif" panose="02000503000000000000" pitchFamily="2" charset="0"/>
+              </a:rPr>
               <a:t> </a:t>
             </a:r>
             <a:r>
-              <a:rPr lang="de-DE" sz="2400" dirty="0" err="1"/>
+              <a:rPr lang="de-DE" sz="2400" dirty="0" err="1">
+                <a:latin typeface="Libertinus Serif" panose="02000503000000000000" pitchFamily="2" charset="0"/>
+                <a:ea typeface="Libertinus Serif" panose="02000503000000000000" pitchFamily="2" charset="0"/>
+                <a:cs typeface="Libertinus Serif" panose="02000503000000000000" pitchFamily="2" charset="0"/>
+              </a:rPr>
               <a:t>to</a:t>
             </a:r>
             <a:r>
-              <a:rPr lang="de-DE" sz="2400" dirty="0"/>
+              <a:rPr lang="de-DE" sz="2400" dirty="0">
+                <a:latin typeface="Libertinus Serif" panose="02000503000000000000" pitchFamily="2" charset="0"/>
+                <a:ea typeface="Libertinus Serif" panose="02000503000000000000" pitchFamily="2" charset="0"/>
+                <a:cs typeface="Libertinus Serif" panose="02000503000000000000" pitchFamily="2" charset="0"/>
+              </a:rPr>
               <a:t> </a:t>
             </a:r>
             <a:r>
-              <a:rPr lang="de-DE" sz="2400" dirty="0" err="1"/>
+              <a:rPr lang="de-DE" sz="2400" dirty="0" err="1">
+                <a:latin typeface="Libertinus Serif" panose="02000503000000000000" pitchFamily="2" charset="0"/>
+                <a:ea typeface="Libertinus Serif" panose="02000503000000000000" pitchFamily="2" charset="0"/>
+                <a:cs typeface="Libertinus Serif" panose="02000503000000000000" pitchFamily="2" charset="0"/>
+              </a:rPr>
               <a:t>validation</a:t>
             </a:r>
             <a:r>
-              <a:rPr lang="de-DE" sz="2400" dirty="0"/>
+              <a:rPr lang="de-DE" sz="2400" dirty="0">
+                <a:latin typeface="Libertinus Serif" panose="02000503000000000000" pitchFamily="2" charset="0"/>
+                <a:ea typeface="Libertinus Serif" panose="02000503000000000000" pitchFamily="2" charset="0"/>
+                <a:cs typeface="Libertinus Serif" panose="02000503000000000000" pitchFamily="2" charset="0"/>
+              </a:rPr>
               <a:t> </a:t>
             </a:r>
             <a:r>
-              <a:rPr lang="de-DE" sz="2400" dirty="0" err="1"/>
+              <a:rPr lang="de-DE" sz="2400" dirty="0" err="1">
+                <a:latin typeface="Libertinus Serif" panose="02000503000000000000" pitchFamily="2" charset="0"/>
+                <a:ea typeface="Libertinus Serif" panose="02000503000000000000" pitchFamily="2" charset="0"/>
+                <a:cs typeface="Libertinus Serif" panose="02000503000000000000" pitchFamily="2" charset="0"/>
+              </a:rPr>
               <a:t>loss</a:t>
             </a:r>
-            <a:endParaRPr lang="de-DE" sz="2400" dirty="0"/>
+            <a:endParaRPr lang="de-DE" sz="2400" dirty="0">
+              <a:latin typeface="Libertinus Serif" panose="02000503000000000000" pitchFamily="2" charset="0"/>
+              <a:ea typeface="Libertinus Serif" panose="02000503000000000000" pitchFamily="2" charset="0"/>
+              <a:cs typeface="Libertinus Serif" panose="02000503000000000000" pitchFamily="2" charset="0"/>
+            </a:endParaRPr>
           </a:p>
           <a:p>
             <a:pPr marL="0" indent="0" algn="ctr">
               <a:buFont typeface="Arial" panose="020B0604020202020204" pitchFamily="34" charset="0"/>
               <a:buNone/>
             </a:pPr>
-            <a:endParaRPr lang="de-DE" dirty="0"/>
+            <a:endParaRPr lang="de-DE" dirty="0">
+              <a:latin typeface="Libertinus Serif" panose="02000503000000000000" pitchFamily="2" charset="0"/>
+              <a:ea typeface="Libertinus Serif" panose="02000503000000000000" pitchFamily="2" charset="0"/>
+              <a:cs typeface="Libertinus Serif" panose="02000503000000000000" pitchFamily="2" charset="0"/>
+            </a:endParaRPr>
           </a:p>
           <a:p>
             <a:pPr marL="0" indent="0" algn="ctr">
               <a:buFont typeface="Arial" panose="020B0604020202020204" pitchFamily="34" charset="0"/>
               <a:buNone/>
             </a:pPr>
-            <a:endParaRPr lang="en-US" dirty="0"/>
+            <a:endParaRPr lang="en-US" dirty="0">
+              <a:latin typeface="Libertinus Serif" panose="02000503000000000000" pitchFamily="2" charset="0"/>
+              <a:ea typeface="Libertinus Serif" panose="02000503000000000000" pitchFamily="2" charset="0"/>
+              <a:cs typeface="Libertinus Serif" panose="02000503000000000000" pitchFamily="2" charset="0"/>
+            </a:endParaRPr>
           </a:p>
         </p:txBody>
       </p:sp>
@@ -29266,7 +29810,7 @@
         <p:spPr>
           <a:xfrm>
             <a:off x="13241122" y="3413103"/>
-            <a:ext cx="1483804" cy="1754326"/>
+            <a:ext cx="1483804" cy="1477328"/>
           </a:xfrm>
           <a:prstGeom prst="rect">
             <a:avLst/>
@@ -29309,12 +29853,6 @@
               <a:t>Inverse:0.77</a:t>
             </a:r>
           </a:p>
-          <a:p>
-            <a:r>
-              <a:rPr lang="en-US" dirty="0"/>
-              <a:t>Exp: 0</a:t>
-            </a:r>
-          </a:p>
         </p:txBody>
       </p:sp>
       <p:sp>
@@ -29332,7 +29870,7 @@
         <p:spPr>
           <a:xfrm>
             <a:off x="13231154" y="1590498"/>
-            <a:ext cx="1483804" cy="1754326"/>
+            <a:ext cx="1483804" cy="1477328"/>
           </a:xfrm>
           <a:prstGeom prst="rect">
             <a:avLst/>
@@ -29373,12 +29911,6 @@
             <a:r>
               <a:rPr lang="en-US" dirty="0"/>
               <a:t>Inverse: 0.71</a:t>
-            </a:r>
-          </a:p>
-          <a:p>
-            <a:r>
-              <a:rPr lang="en-US" dirty="0"/>
-              <a:t>Exp: 0</a:t>
             </a:r>
           </a:p>
         </p:txBody>

--- a/Presentation.pptx
+++ b/Presentation.pptx
@@ -5,11 +5,11 @@
     <p:sldMasterId id="2147483648" r:id="rId1"/>
   </p:sldMasterIdLst>
   <p:notesMasterIdLst>
-    <p:notesMasterId r:id="rId22"/>
+    <p:notesMasterId r:id="rId24"/>
   </p:notesMasterIdLst>
   <p:sldIdLst>
     <p:sldId id="259" r:id="rId2"/>
-    <p:sldId id="260" r:id="rId3"/>
+    <p:sldId id="280" r:id="rId3"/>
     <p:sldId id="261" r:id="rId4"/>
     <p:sldId id="262" r:id="rId5"/>
     <p:sldId id="263" r:id="rId6"/>
@@ -28,6 +28,8 @@
     <p:sldId id="277" r:id="rId19"/>
     <p:sldId id="273" r:id="rId20"/>
     <p:sldId id="275" r:id="rId21"/>
+    <p:sldId id="279" r:id="rId22"/>
+    <p:sldId id="260" r:id="rId23"/>
   </p:sldIdLst>
   <p:sldSz cx="12192000" cy="6858000"/>
   <p:notesSz cx="6858000" cy="9144000"/>
@@ -530,7 +532,15 @@
           <a:p>
             <a:r>
               <a:rPr lang="en-US" dirty="0"/>
-              <a:t>Briefly explain validation and test set: While training you have a validation set, that you use to test the model after every training iteration. If the results stop getting better it’s a sign that the model starts overfitting on the training data. Final evaluation is done on a separate test set to not cherry pick the model, that best suits the test set.</a:t>
+              <a:t>First of all I would like to use this situation to thank you for giving me the opportunity to do this project on decoding </a:t>
+            </a:r>
+            <a:r>
+              <a:rPr lang="en-US" dirty="0" err="1"/>
+              <a:t>alzheimers</a:t>
+            </a:r>
+            <a:r>
+              <a:rPr lang="en-US" dirty="0"/>
+              <a:t>... </a:t>
             </a:r>
           </a:p>
         </p:txBody>
@@ -552,7 +562,7 @@
           <a:p>
             <a:fld id="{39369F5A-4740-0C47-8901-3C36761C77B8}" type="slidenum">
               <a:rPr lang="en-US" smtClean="0"/>
-              <a:t>4</a:t>
+              <a:t>1</a:t>
             </a:fld>
             <a:endParaRPr lang="en-US"/>
           </a:p>
@@ -561,7 +571,7 @@
     </p:spTree>
     <p:extLst>
       <p:ext uri="{BB962C8B-B14F-4D97-AF65-F5344CB8AC3E}">
-        <p14:creationId xmlns:p14="http://schemas.microsoft.com/office/powerpoint/2010/main" val="1275636030"/>
+        <p14:creationId xmlns:p14="http://schemas.microsoft.com/office/powerpoint/2010/main" val="295014563"/>
       </p:ext>
     </p:extLst>
   </p:cSld>
@@ -617,7 +627,103 @@
           <a:p>
             <a:r>
               <a:rPr lang="en-US" dirty="0"/>
+              <a:t>To see if the implementations are of some practical value..</a:t>
+            </a:r>
+          </a:p>
+        </p:txBody>
+      </p:sp>
+      <p:sp>
+        <p:nvSpPr>
+          <p:cNvPr id="4" name="Foliennummernplatzhalter 3"/>
+          <p:cNvSpPr>
+            <a:spLocks noGrp="1"/>
+          </p:cNvSpPr>
+          <p:nvPr>
+            <p:ph type="sldNum" sz="quarter" idx="5"/>
+          </p:nvPr>
+        </p:nvSpPr>
+        <p:spPr/>
+        <p:txBody>
+          <a:bodyPr/>
+          <a:lstStyle/>
+          <a:p>
+            <a:fld id="{39369F5A-4740-0C47-8901-3C36761C77B8}" type="slidenum">
+              <a:rPr lang="en-US" smtClean="0"/>
+              <a:t>19</a:t>
+            </a:fld>
+            <a:endParaRPr lang="en-US"/>
+          </a:p>
+        </p:txBody>
+      </p:sp>
+    </p:spTree>
+    <p:extLst>
+      <p:ext uri="{BB962C8B-B14F-4D97-AF65-F5344CB8AC3E}">
+        <p14:creationId xmlns:p14="http://schemas.microsoft.com/office/powerpoint/2010/main" val="528183431"/>
+      </p:ext>
+    </p:extLst>
+  </p:cSld>
+  <p:clrMapOvr>
+    <a:masterClrMapping/>
+  </p:clrMapOvr>
+</p:notes>
+</file>
+
+<file path=ppt/notesSlides/notesSlide11.xml><?xml version="1.0" encoding="utf-8"?>
+<p:notes xmlns:a="http://schemas.openxmlformats.org/drawingml/2006/main" xmlns:r="http://schemas.openxmlformats.org/officeDocument/2006/relationships" xmlns:p="http://schemas.openxmlformats.org/presentationml/2006/main">
+  <p:cSld>
+    <p:spTree>
+      <p:nvGrpSpPr>
+        <p:cNvPr id="1" name=""/>
+        <p:cNvGrpSpPr/>
+        <p:nvPr/>
+      </p:nvGrpSpPr>
+      <p:grpSpPr>
+        <a:xfrm>
+          <a:off x="0" y="0"/>
+          <a:ext cx="0" cy="0"/>
+          <a:chOff x="0" y="0"/>
+          <a:chExt cx="0" cy="0"/>
+        </a:xfrm>
+      </p:grpSpPr>
+      <p:sp>
+        <p:nvSpPr>
+          <p:cNvPr id="2" name="Folienbildplatzhalter 1"/>
+          <p:cNvSpPr>
+            <a:spLocks noGrp="1" noRot="1" noChangeAspect="1"/>
+          </p:cNvSpPr>
+          <p:nvPr>
+            <p:ph type="sldImg"/>
+          </p:nvPr>
+        </p:nvSpPr>
+        <p:spPr/>
+      </p:sp>
+      <p:sp>
+        <p:nvSpPr>
+          <p:cNvPr id="3" name="Notizenplatzhalter 2"/>
+          <p:cNvSpPr>
+            <a:spLocks noGrp="1"/>
+          </p:cNvSpPr>
+          <p:nvPr>
+            <p:ph type="body" idx="1"/>
+          </p:nvPr>
+        </p:nvSpPr>
+        <p:spPr/>
+        <p:txBody>
+          <a:bodyPr/>
+          <a:lstStyle/>
+          <a:p>
+            <a:r>
+              <a:rPr lang="en-US" dirty="0"/>
               <a:t>Looking into the actual predictions, I have seen, that the models struggle to distinguish between very mild ad and mild ad…</a:t>
+            </a:r>
+          </a:p>
+          <a:p>
+            <a:endParaRPr lang="en-US" dirty="0"/>
+          </a:p>
+          <a:p>
+            <a:r>
+              <a:rPr lang="en-US" dirty="0"/>
+              <a:t>practical utility</a:t>
             </a:r>
           </a:p>
         </p:txBody>
@@ -704,7 +810,7 @@
           <a:p>
             <a:r>
               <a:rPr lang="en-US" dirty="0"/>
-              <a:t>To address the problem of MRI scans being very memory intensive..</a:t>
+              <a:t>Briefly explain validation and test set: While training you have a validation set, that you use to test the model after every training iteration. If the results stop getting better it’s a sign that the model starts overfitting on the training data. Final evaluation is done on a separate test set to not cherry pick the model, that best suits the test set.</a:t>
             </a:r>
           </a:p>
         </p:txBody>
@@ -726,7 +832,7 @@
           <a:p>
             <a:fld id="{39369F5A-4740-0C47-8901-3C36761C77B8}" type="slidenum">
               <a:rPr lang="en-US" smtClean="0"/>
-              <a:t>5</a:t>
+              <a:t>4</a:t>
             </a:fld>
             <a:endParaRPr lang="en-US"/>
           </a:p>
@@ -735,7 +841,7 @@
     </p:spTree>
     <p:extLst>
       <p:ext uri="{BB962C8B-B14F-4D97-AF65-F5344CB8AC3E}">
-        <p14:creationId xmlns:p14="http://schemas.microsoft.com/office/powerpoint/2010/main" val="3320522868"/>
+        <p14:creationId xmlns:p14="http://schemas.microsoft.com/office/powerpoint/2010/main" val="1275636030"/>
       </p:ext>
     </p:extLst>
   </p:cSld>
@@ -791,7 +897,7 @@
           <a:p>
             <a:r>
               <a:rPr lang="en-US" dirty="0"/>
-              <a:t>In a second step to even further reduce the computational burden I have trained…</a:t>
+              <a:t>To address the problem of MRI scans being very memory intensive..</a:t>
             </a:r>
           </a:p>
         </p:txBody>
@@ -813,7 +919,7 @@
           <a:p>
             <a:fld id="{39369F5A-4740-0C47-8901-3C36761C77B8}" type="slidenum">
               <a:rPr lang="en-US" smtClean="0"/>
-              <a:t>6</a:t>
+              <a:t>5</a:t>
             </a:fld>
             <a:endParaRPr lang="en-US"/>
           </a:p>
@@ -822,7 +928,7 @@
     </p:spTree>
     <p:extLst>
       <p:ext uri="{BB962C8B-B14F-4D97-AF65-F5344CB8AC3E}">
-        <p14:creationId xmlns:p14="http://schemas.microsoft.com/office/powerpoint/2010/main" val="3919681780"/>
+        <p14:creationId xmlns:p14="http://schemas.microsoft.com/office/powerpoint/2010/main" val="3320522868"/>
       </p:ext>
     </p:extLst>
   </p:cSld>
@@ -878,57 +984,7 @@
           <a:p>
             <a:r>
               <a:rPr lang="en-US" dirty="0"/>
-              <a:t>The other mayor challenge I was facing was the unbalanced dataset. There are different strategies how you can deal with this, with the most common approach being using a sampling strategy. This means that in each training iteration a class can get over or </a:t>
-            </a:r>
-            <a:r>
-              <a:rPr lang="en-US" dirty="0" err="1"/>
-              <a:t>undersampled</a:t>
-            </a:r>
-            <a:r>
-              <a:rPr lang="en-US" dirty="0"/>
-              <a:t> according to a weight you give to a class.</a:t>
-            </a:r>
-          </a:p>
-          <a:p>
-            <a:endParaRPr lang="en-US" dirty="0"/>
-          </a:p>
-          <a:p>
-            <a:r>
-              <a:rPr lang="en-US" dirty="0"/>
-              <a:t>weights</a:t>
-            </a:r>
-          </a:p>
-          <a:p>
-            <a:endParaRPr lang="en-US" dirty="0"/>
-          </a:p>
-          <a:p>
-            <a:r>
-              <a:rPr lang="en-US" dirty="0"/>
-              <a:t>However, there are some issues with these conventional approaches which I am going to address later.</a:t>
-            </a:r>
-          </a:p>
-          <a:p>
-            <a:endParaRPr lang="en-US" dirty="0"/>
-          </a:p>
-          <a:p>
-            <a:endParaRPr lang="en-US" dirty="0"/>
-          </a:p>
-          <a:p>
-            <a:r>
-              <a:rPr lang="en-US" dirty="0"/>
-              <a:t>Another approach that I hope to be better is using custom weights</a:t>
-            </a:r>
-          </a:p>
-          <a:p>
-            <a:endParaRPr lang="en-US" dirty="0"/>
-          </a:p>
-          <a:p>
-            <a:endParaRPr lang="en-US" dirty="0"/>
-          </a:p>
-          <a:p>
-            <a:r>
-              <a:rPr lang="en-US" dirty="0"/>
-              <a:t>Now you might say, that random search does not sound like a very effective and systematic approach to finding a good set of weights..</a:t>
+              <a:t>In a second step to even further reduce the computational burden I have trained…</a:t>
             </a:r>
           </a:p>
         </p:txBody>
@@ -950,7 +1006,7 @@
           <a:p>
             <a:fld id="{39369F5A-4740-0C47-8901-3C36761C77B8}" type="slidenum">
               <a:rPr lang="en-US" smtClean="0"/>
-              <a:t>7</a:t>
+              <a:t>6</a:t>
             </a:fld>
             <a:endParaRPr lang="en-US"/>
           </a:p>
@@ -959,7 +1015,7 @@
     </p:spTree>
     <p:extLst>
       <p:ext uri="{BB962C8B-B14F-4D97-AF65-F5344CB8AC3E}">
-        <p14:creationId xmlns:p14="http://schemas.microsoft.com/office/powerpoint/2010/main" val="871841819"/>
+        <p14:creationId xmlns:p14="http://schemas.microsoft.com/office/powerpoint/2010/main" val="3919681780"/>
       </p:ext>
     </p:extLst>
   </p:cSld>
@@ -1015,7 +1071,57 @@
           <a:p>
             <a:r>
               <a:rPr lang="en-US" dirty="0"/>
-              <a:t>In reality there is a smooth transition between the classes</a:t>
+              <a:t>The other mayor challenge I was facing was the unbalanced dataset. There are different strategies how you can deal with this, with the most common approach being using a sampling strategy. This means that in each training iteration a class can get over or </a:t>
+            </a:r>
+            <a:r>
+              <a:rPr lang="en-US" dirty="0" err="1"/>
+              <a:t>undersampled</a:t>
+            </a:r>
+            <a:r>
+              <a:rPr lang="en-US" dirty="0"/>
+              <a:t> according to a weight you give to a class.</a:t>
+            </a:r>
+          </a:p>
+          <a:p>
+            <a:endParaRPr lang="en-US" dirty="0"/>
+          </a:p>
+          <a:p>
+            <a:r>
+              <a:rPr lang="en-US" dirty="0"/>
+              <a:t>weights</a:t>
+            </a:r>
+          </a:p>
+          <a:p>
+            <a:endParaRPr lang="en-US" dirty="0"/>
+          </a:p>
+          <a:p>
+            <a:r>
+              <a:rPr lang="en-US" dirty="0"/>
+              <a:t>However, there are some issues with these conventional approaches which I am going to address later.</a:t>
+            </a:r>
+          </a:p>
+          <a:p>
+            <a:endParaRPr lang="en-US" dirty="0"/>
+          </a:p>
+          <a:p>
+            <a:endParaRPr lang="en-US" dirty="0"/>
+          </a:p>
+          <a:p>
+            <a:r>
+              <a:rPr lang="en-US" dirty="0"/>
+              <a:t>Another approach that I hope to be better is using custom weights</a:t>
+            </a:r>
+          </a:p>
+          <a:p>
+            <a:endParaRPr lang="en-US" dirty="0"/>
+          </a:p>
+          <a:p>
+            <a:endParaRPr lang="en-US" dirty="0"/>
+          </a:p>
+          <a:p>
+            <a:r>
+              <a:rPr lang="en-US" dirty="0"/>
+              <a:t>Now you might say, that random search does not sound like a very effective and systematic approach to finding a good set of weights..</a:t>
             </a:r>
           </a:p>
         </p:txBody>
@@ -1037,7 +1143,7 @@
           <a:p>
             <a:fld id="{39369F5A-4740-0C47-8901-3C36761C77B8}" type="slidenum">
               <a:rPr lang="en-US" smtClean="0"/>
-              <a:t>10</a:t>
+              <a:t>7</a:t>
             </a:fld>
             <a:endParaRPr lang="en-US"/>
           </a:p>
@@ -1046,7 +1152,7 @@
     </p:spTree>
     <p:extLst>
       <p:ext uri="{BB962C8B-B14F-4D97-AF65-F5344CB8AC3E}">
-        <p14:creationId xmlns:p14="http://schemas.microsoft.com/office/powerpoint/2010/main" val="735400912"/>
+        <p14:creationId xmlns:p14="http://schemas.microsoft.com/office/powerpoint/2010/main" val="871841819"/>
       </p:ext>
     </p:extLst>
   </p:cSld>
@@ -1102,7 +1208,7 @@
           <a:p>
             <a:r>
               <a:rPr lang="en-US" dirty="0"/>
-              <a:t>WEIGHTED F1</a:t>
+              <a:t>In reality there is a smooth transition between the classes</a:t>
             </a:r>
           </a:p>
         </p:txBody>
@@ -1124,7 +1230,7 @@
           <a:p>
             <a:fld id="{39369F5A-4740-0C47-8901-3C36761C77B8}" type="slidenum">
               <a:rPr lang="en-US" smtClean="0"/>
-              <a:t>15</a:t>
+              <a:t>10</a:t>
             </a:fld>
             <a:endParaRPr lang="en-US"/>
           </a:p>
@@ -1133,7 +1239,7 @@
     </p:spTree>
     <p:extLst>
       <p:ext uri="{BB962C8B-B14F-4D97-AF65-F5344CB8AC3E}">
-        <p14:creationId xmlns:p14="http://schemas.microsoft.com/office/powerpoint/2010/main" val="2307577458"/>
+        <p14:creationId xmlns:p14="http://schemas.microsoft.com/office/powerpoint/2010/main" val="735400912"/>
       </p:ext>
     </p:extLst>
   </p:cSld>
@@ -1187,7 +1293,10 @@
           <a:bodyPr/>
           <a:lstStyle/>
           <a:p>
-            <a:endParaRPr lang="en-US" dirty="0"/>
+            <a:r>
+              <a:rPr lang="en-US" dirty="0"/>
+              <a:t>WEIGHTED F1</a:t>
+            </a:r>
           </a:p>
         </p:txBody>
       </p:sp>
@@ -1208,7 +1317,7 @@
           <a:p>
             <a:fld id="{39369F5A-4740-0C47-8901-3C36761C77B8}" type="slidenum">
               <a:rPr lang="en-US" smtClean="0"/>
-              <a:t>17</a:t>
+              <a:t>15</a:t>
             </a:fld>
             <a:endParaRPr lang="en-US"/>
           </a:p>
@@ -1217,7 +1326,7 @@
     </p:spTree>
     <p:extLst>
       <p:ext uri="{BB962C8B-B14F-4D97-AF65-F5344CB8AC3E}">
-        <p14:creationId xmlns:p14="http://schemas.microsoft.com/office/powerpoint/2010/main" val="407399588"/>
+        <p14:creationId xmlns:p14="http://schemas.microsoft.com/office/powerpoint/2010/main" val="2307577458"/>
       </p:ext>
     </p:extLst>
   </p:cSld>
@@ -1228,114 +1337,6 @@
 </file>
 
 <file path=ppt/notesSlides/notesSlide8.xml><?xml version="1.0" encoding="utf-8"?>
-<p:notes xmlns:a="http://schemas.openxmlformats.org/drawingml/2006/main" xmlns:r="http://schemas.openxmlformats.org/officeDocument/2006/relationships" xmlns:p="http://schemas.openxmlformats.org/presentationml/2006/main">
-  <p:cSld>
-    <p:spTree>
-      <p:nvGrpSpPr>
-        <p:cNvPr id="1" name="">
-          <a:extLst>
-            <a:ext uri="{FF2B5EF4-FFF2-40B4-BE49-F238E27FC236}">
-              <a16:creationId xmlns:a16="http://schemas.microsoft.com/office/drawing/2014/main" id="{5A2F13BB-1BBB-A9EC-559B-F7E329E453F3}"/>
-            </a:ext>
-          </a:extLst>
-        </p:cNvPr>
-        <p:cNvGrpSpPr/>
-        <p:nvPr/>
-      </p:nvGrpSpPr>
-      <p:grpSpPr>
-        <a:xfrm>
-          <a:off x="0" y="0"/>
-          <a:ext cx="0" cy="0"/>
-          <a:chOff x="0" y="0"/>
-          <a:chExt cx="0" cy="0"/>
-        </a:xfrm>
-      </p:grpSpPr>
-      <p:sp>
-        <p:nvSpPr>
-          <p:cNvPr id="2" name="Folienbildplatzhalter 1">
-            <a:extLst>
-              <a:ext uri="{FF2B5EF4-FFF2-40B4-BE49-F238E27FC236}">
-                <a16:creationId xmlns:a16="http://schemas.microsoft.com/office/drawing/2014/main" id="{42F11D2E-84D9-5E5D-2C99-B39B62492A90}"/>
-              </a:ext>
-            </a:extLst>
-          </p:cNvPr>
-          <p:cNvSpPr>
-            <a:spLocks noGrp="1" noRot="1" noChangeAspect="1"/>
-          </p:cNvSpPr>
-          <p:nvPr>
-            <p:ph type="sldImg"/>
-          </p:nvPr>
-        </p:nvSpPr>
-        <p:spPr/>
-      </p:sp>
-      <p:sp>
-        <p:nvSpPr>
-          <p:cNvPr id="3" name="Notizenplatzhalter 2">
-            <a:extLst>
-              <a:ext uri="{FF2B5EF4-FFF2-40B4-BE49-F238E27FC236}">
-                <a16:creationId xmlns:a16="http://schemas.microsoft.com/office/drawing/2014/main" id="{1E91BF6D-E7EC-6516-BAC4-24A18767C28B}"/>
-              </a:ext>
-            </a:extLst>
-          </p:cNvPr>
-          <p:cNvSpPr>
-            <a:spLocks noGrp="1"/>
-          </p:cNvSpPr>
-          <p:nvPr>
-            <p:ph type="body" idx="1"/>
-          </p:nvPr>
-        </p:nvSpPr>
-        <p:spPr/>
-        <p:txBody>
-          <a:bodyPr/>
-          <a:lstStyle/>
-          <a:p>
-            <a:endParaRPr lang="en-US" dirty="0"/>
-          </a:p>
-        </p:txBody>
-      </p:sp>
-      <p:sp>
-        <p:nvSpPr>
-          <p:cNvPr id="4" name="Foliennummernplatzhalter 3">
-            <a:extLst>
-              <a:ext uri="{FF2B5EF4-FFF2-40B4-BE49-F238E27FC236}">
-                <a16:creationId xmlns:a16="http://schemas.microsoft.com/office/drawing/2014/main" id="{85551C1D-4FC9-7788-419B-419D7B3EB544}"/>
-              </a:ext>
-            </a:extLst>
-          </p:cNvPr>
-          <p:cNvSpPr>
-            <a:spLocks noGrp="1"/>
-          </p:cNvSpPr>
-          <p:nvPr>
-            <p:ph type="sldNum" sz="quarter" idx="5"/>
-          </p:nvPr>
-        </p:nvSpPr>
-        <p:spPr/>
-        <p:txBody>
-          <a:bodyPr/>
-          <a:lstStyle/>
-          <a:p>
-            <a:fld id="{39369F5A-4740-0C47-8901-3C36761C77B8}" type="slidenum">
-              <a:rPr lang="en-US" smtClean="0"/>
-              <a:t>18</a:t>
-            </a:fld>
-            <a:endParaRPr lang="en-US"/>
-          </a:p>
-        </p:txBody>
-      </p:sp>
-    </p:spTree>
-    <p:extLst>
-      <p:ext uri="{BB962C8B-B14F-4D97-AF65-F5344CB8AC3E}">
-        <p14:creationId xmlns:p14="http://schemas.microsoft.com/office/powerpoint/2010/main" val="3121094087"/>
-      </p:ext>
-    </p:extLst>
-  </p:cSld>
-  <p:clrMapOvr>
-    <a:masterClrMapping/>
-  </p:clrMapOvr>
-</p:notes>
-</file>
-
-<file path=ppt/notesSlides/notesSlide9.xml><?xml version="1.0" encoding="utf-8"?>
 <p:notes xmlns:a="http://schemas.openxmlformats.org/drawingml/2006/main" xmlns:r="http://schemas.openxmlformats.org/officeDocument/2006/relationships" xmlns:p="http://schemas.openxmlformats.org/presentationml/2006/main">
   <p:cSld>
     <p:spTree>
@@ -1400,7 +1401,7 @@
           <a:p>
             <a:fld id="{39369F5A-4740-0C47-8901-3C36761C77B8}" type="slidenum">
               <a:rPr lang="en-US" smtClean="0"/>
-              <a:t>19</a:t>
+              <a:t>17</a:t>
             </a:fld>
             <a:endParaRPr lang="en-US"/>
           </a:p>
@@ -1409,7 +1410,115 @@
     </p:spTree>
     <p:extLst>
       <p:ext uri="{BB962C8B-B14F-4D97-AF65-F5344CB8AC3E}">
-        <p14:creationId xmlns:p14="http://schemas.microsoft.com/office/powerpoint/2010/main" val="528183431"/>
+        <p14:creationId xmlns:p14="http://schemas.microsoft.com/office/powerpoint/2010/main" val="407399588"/>
+      </p:ext>
+    </p:extLst>
+  </p:cSld>
+  <p:clrMapOvr>
+    <a:masterClrMapping/>
+  </p:clrMapOvr>
+</p:notes>
+</file>
+
+<file path=ppt/notesSlides/notesSlide9.xml><?xml version="1.0" encoding="utf-8"?>
+<p:notes xmlns:a="http://schemas.openxmlformats.org/drawingml/2006/main" xmlns:r="http://schemas.openxmlformats.org/officeDocument/2006/relationships" xmlns:p="http://schemas.openxmlformats.org/presentationml/2006/main">
+  <p:cSld>
+    <p:spTree>
+      <p:nvGrpSpPr>
+        <p:cNvPr id="1" name="">
+          <a:extLst>
+            <a:ext uri="{FF2B5EF4-FFF2-40B4-BE49-F238E27FC236}">
+              <a16:creationId xmlns:a16="http://schemas.microsoft.com/office/drawing/2014/main" id="{5A2F13BB-1BBB-A9EC-559B-F7E329E453F3}"/>
+            </a:ext>
+          </a:extLst>
+        </p:cNvPr>
+        <p:cNvGrpSpPr/>
+        <p:nvPr/>
+      </p:nvGrpSpPr>
+      <p:grpSpPr>
+        <a:xfrm>
+          <a:off x="0" y="0"/>
+          <a:ext cx="0" cy="0"/>
+          <a:chOff x="0" y="0"/>
+          <a:chExt cx="0" cy="0"/>
+        </a:xfrm>
+      </p:grpSpPr>
+      <p:sp>
+        <p:nvSpPr>
+          <p:cNvPr id="2" name="Folienbildplatzhalter 1">
+            <a:extLst>
+              <a:ext uri="{FF2B5EF4-FFF2-40B4-BE49-F238E27FC236}">
+                <a16:creationId xmlns:a16="http://schemas.microsoft.com/office/drawing/2014/main" id="{42F11D2E-84D9-5E5D-2C99-B39B62492A90}"/>
+              </a:ext>
+            </a:extLst>
+          </p:cNvPr>
+          <p:cNvSpPr>
+            <a:spLocks noGrp="1" noRot="1" noChangeAspect="1"/>
+          </p:cNvSpPr>
+          <p:nvPr>
+            <p:ph type="sldImg"/>
+          </p:nvPr>
+        </p:nvSpPr>
+        <p:spPr/>
+      </p:sp>
+      <p:sp>
+        <p:nvSpPr>
+          <p:cNvPr id="3" name="Notizenplatzhalter 2">
+            <a:extLst>
+              <a:ext uri="{FF2B5EF4-FFF2-40B4-BE49-F238E27FC236}">
+                <a16:creationId xmlns:a16="http://schemas.microsoft.com/office/drawing/2014/main" id="{1E91BF6D-E7EC-6516-BAC4-24A18767C28B}"/>
+              </a:ext>
+            </a:extLst>
+          </p:cNvPr>
+          <p:cNvSpPr>
+            <a:spLocks noGrp="1"/>
+          </p:cNvSpPr>
+          <p:nvPr>
+            <p:ph type="body" idx="1"/>
+          </p:nvPr>
+        </p:nvSpPr>
+        <p:spPr/>
+        <p:txBody>
+          <a:bodyPr/>
+          <a:lstStyle/>
+          <a:p>
+            <a:endParaRPr lang="en-US" dirty="0"/>
+          </a:p>
+        </p:txBody>
+      </p:sp>
+      <p:sp>
+        <p:nvSpPr>
+          <p:cNvPr id="4" name="Foliennummernplatzhalter 3">
+            <a:extLst>
+              <a:ext uri="{FF2B5EF4-FFF2-40B4-BE49-F238E27FC236}">
+                <a16:creationId xmlns:a16="http://schemas.microsoft.com/office/drawing/2014/main" id="{85551C1D-4FC9-7788-419B-419D7B3EB544}"/>
+              </a:ext>
+            </a:extLst>
+          </p:cNvPr>
+          <p:cNvSpPr>
+            <a:spLocks noGrp="1"/>
+          </p:cNvSpPr>
+          <p:nvPr>
+            <p:ph type="sldNum" sz="quarter" idx="5"/>
+          </p:nvPr>
+        </p:nvSpPr>
+        <p:spPr/>
+        <p:txBody>
+          <a:bodyPr/>
+          <a:lstStyle/>
+          <a:p>
+            <a:fld id="{39369F5A-4740-0C47-8901-3C36761C77B8}" type="slidenum">
+              <a:rPr lang="en-US" smtClean="0"/>
+              <a:t>18</a:t>
+            </a:fld>
+            <a:endParaRPr lang="en-US"/>
+          </a:p>
+        </p:txBody>
+      </p:sp>
+    </p:spTree>
+    <p:extLst>
+      <p:ext uri="{BB962C8B-B14F-4D97-AF65-F5344CB8AC3E}">
+        <p14:creationId xmlns:p14="http://schemas.microsoft.com/office/powerpoint/2010/main" val="3121094087"/>
       </p:ext>
     </p:extLst>
   </p:cSld>
@@ -21505,7 +21614,580 @@
           <p:cNvPr id="2" name="Titel 1">
             <a:extLst>
               <a:ext uri="{FF2B5EF4-FFF2-40B4-BE49-F238E27FC236}">
-                <a16:creationId xmlns:a16="http://schemas.microsoft.com/office/drawing/2014/main" id="{6CE089AD-FE41-B8DD-370B-78A228BB0CEB}"/>
+                <a16:creationId xmlns:a16="http://schemas.microsoft.com/office/drawing/2014/main" id="{CA0F0CE4-AD84-1F8A-9BB5-6DA14DCCBC34}"/>
+              </a:ext>
+            </a:extLst>
+          </p:cNvPr>
+          <p:cNvSpPr>
+            <a:spLocks noGrp="1"/>
+          </p:cNvSpPr>
+          <p:nvPr>
+            <p:ph type="title"/>
+          </p:nvPr>
+        </p:nvSpPr>
+        <p:spPr>
+          <a:xfrm>
+            <a:off x="335280" y="796448"/>
+            <a:ext cx="10515600" cy="1325563"/>
+          </a:xfrm>
+        </p:spPr>
+        <p:txBody>
+          <a:bodyPr>
+            <a:normAutofit/>
+          </a:bodyPr>
+          <a:lstStyle/>
+          <a:p>
+            <a:pPr algn="ctr"/>
+            <a:r>
+              <a:rPr lang="en-US" sz="4000" dirty="0"/>
+              <a:t>Why?</a:t>
+            </a:r>
+          </a:p>
+        </p:txBody>
+      </p:sp>
+      <p:sp>
+        <p:nvSpPr>
+          <p:cNvPr id="3" name="Inhaltsplatzhalter 2">
+            <a:extLst>
+              <a:ext uri="{FF2B5EF4-FFF2-40B4-BE49-F238E27FC236}">
+                <a16:creationId xmlns:a16="http://schemas.microsoft.com/office/drawing/2014/main" id="{52864A26-A9D3-76C0-4404-6184F491AB8F}"/>
+              </a:ext>
+            </a:extLst>
+          </p:cNvPr>
+          <p:cNvSpPr>
+            <a:spLocks noGrp="1"/>
+          </p:cNvSpPr>
+          <p:nvPr>
+            <p:ph idx="1"/>
+          </p:nvPr>
+        </p:nvSpPr>
+        <p:spPr>
+          <a:xfrm>
+            <a:off x="4629150" y="1825625"/>
+            <a:ext cx="6926580" cy="4351338"/>
+          </a:xfrm>
+        </p:spPr>
+        <p:txBody>
+          <a:bodyPr>
+            <a:normAutofit fontScale="92500"/>
+          </a:bodyPr>
+          <a:lstStyle/>
+          <a:p>
+            <a:pPr>
+              <a:lnSpc>
+                <a:spcPct val="150000"/>
+              </a:lnSpc>
+            </a:pPr>
+            <a:r>
+              <a:rPr lang="en-US" sz="2400" dirty="0"/>
+              <a:t>Early detection of dementia is crucial for an effective treatment.</a:t>
+            </a:r>
+          </a:p>
+          <a:p>
+            <a:pPr>
+              <a:lnSpc>
+                <a:spcPct val="150000"/>
+              </a:lnSpc>
+            </a:pPr>
+            <a:r>
+              <a:rPr lang="en-US" sz="2400" dirty="0"/>
+              <a:t>Traditional methods are time consuming and prone to human error.</a:t>
+            </a:r>
+          </a:p>
+          <a:p>
+            <a:pPr>
+              <a:lnSpc>
+                <a:spcPct val="150000"/>
+              </a:lnSpc>
+            </a:pPr>
+            <a:r>
+              <a:rPr lang="en-US" sz="2400" dirty="0"/>
+              <a:t>My research is supposed to help identifying potential cases quicker and thereby guiding understaffed medical professionals to focus on the most relevant cases.</a:t>
+            </a:r>
+          </a:p>
+        </p:txBody>
+      </p:sp>
+      <p:sp>
+        <p:nvSpPr>
+          <p:cNvPr id="4" name="Foliennummernplatzhalter 3">
+            <a:extLst>
+              <a:ext uri="{FF2B5EF4-FFF2-40B4-BE49-F238E27FC236}">
+                <a16:creationId xmlns:a16="http://schemas.microsoft.com/office/drawing/2014/main" id="{56381ED1-EDE6-E108-EFF3-52957FB34BB7}"/>
+              </a:ext>
+            </a:extLst>
+          </p:cNvPr>
+          <p:cNvSpPr>
+            <a:spLocks noGrp="1"/>
+          </p:cNvSpPr>
+          <p:nvPr>
+            <p:ph type="sldNum" sz="quarter" idx="12"/>
+          </p:nvPr>
+        </p:nvSpPr>
+        <p:spPr/>
+        <p:txBody>
+          <a:bodyPr/>
+          <a:lstStyle/>
+          <a:p>
+            <a:fld id="{4BEC7EF7-4506-1E42-9433-EDC596BA2DDB}" type="slidenum">
+              <a:rPr lang="de-DE" smtClean="0"/>
+              <a:pPr/>
+              <a:t>2</a:t>
+            </a:fld>
+            <a:endParaRPr lang="de-DE"/>
+          </a:p>
+        </p:txBody>
+      </p:sp>
+      <p:pic>
+        <p:nvPicPr>
+          <p:cNvPr id="6" name="Grafik 5" descr="Sanduhr 90% mit einfarbiger Füllung">
+            <a:extLst>
+              <a:ext uri="{FF2B5EF4-FFF2-40B4-BE49-F238E27FC236}">
+                <a16:creationId xmlns:a16="http://schemas.microsoft.com/office/drawing/2014/main" id="{7701BA36-B4CA-4BBA-BDC8-46F65091B9E8}"/>
+              </a:ext>
+            </a:extLst>
+          </p:cNvPr>
+          <p:cNvPicPr>
+            <a:picLocks noChangeAspect="1"/>
+          </p:cNvPicPr>
+          <p:nvPr/>
+        </p:nvPicPr>
+        <p:blipFill>
+          <a:blip r:embed="rId2">
+            <a:extLst>
+              <a:ext uri="{96DAC541-7B7A-43D3-8B79-37D633B846F1}">
+                <asvg:svgBlip xmlns:asvg="http://schemas.microsoft.com/office/drawing/2016/SVG/main" r:embed="rId3"/>
+              </a:ext>
+            </a:extLst>
+          </a:blip>
+          <a:stretch>
+            <a:fillRect/>
+          </a:stretch>
+        </p:blipFill>
+        <p:spPr>
+          <a:xfrm>
+            <a:off x="426562" y="1120140"/>
+            <a:ext cx="4446270" cy="4446270"/>
+          </a:xfrm>
+          <a:prstGeom prst="rect">
+            <a:avLst/>
+          </a:prstGeom>
+        </p:spPr>
+      </p:pic>
+    </p:spTree>
+    <p:extLst>
+      <p:ext uri="{BB962C8B-B14F-4D97-AF65-F5344CB8AC3E}">
+        <p14:creationId xmlns:p14="http://schemas.microsoft.com/office/powerpoint/2010/main" val="2546161434"/>
+      </p:ext>
+    </p:extLst>
+  </p:cSld>
+  <p:clrMapOvr>
+    <a:masterClrMapping/>
+  </p:clrMapOvr>
+</p:sld>
+</file>
+
+<file path=ppt/slides/slide20.xml><?xml version="1.0" encoding="utf-8"?>
+<p:sld xmlns:a="http://schemas.openxmlformats.org/drawingml/2006/main" xmlns:r="http://schemas.openxmlformats.org/officeDocument/2006/relationships" xmlns:p="http://schemas.openxmlformats.org/presentationml/2006/main">
+  <p:cSld>
+    <p:spTree>
+      <p:nvGrpSpPr>
+        <p:cNvPr id="1" name=""/>
+        <p:cNvGrpSpPr/>
+        <p:nvPr/>
+      </p:nvGrpSpPr>
+      <p:grpSpPr>
+        <a:xfrm>
+          <a:off x="0" y="0"/>
+          <a:ext cx="0" cy="0"/>
+          <a:chOff x="0" y="0"/>
+          <a:chExt cx="0" cy="0"/>
+        </a:xfrm>
+      </p:grpSpPr>
+      <p:sp>
+        <p:nvSpPr>
+          <p:cNvPr id="2" name="Titel 1">
+            <a:extLst>
+              <a:ext uri="{FF2B5EF4-FFF2-40B4-BE49-F238E27FC236}">
+                <a16:creationId xmlns:a16="http://schemas.microsoft.com/office/drawing/2014/main" id="{2072F90C-D253-89BF-EC68-3D3242F600C3}"/>
+              </a:ext>
+            </a:extLst>
+          </p:cNvPr>
+          <p:cNvSpPr>
+            <a:spLocks noGrp="1"/>
+          </p:cNvSpPr>
+          <p:nvPr>
+            <p:ph type="title"/>
+          </p:nvPr>
+        </p:nvSpPr>
+        <p:spPr/>
+        <p:txBody>
+          <a:bodyPr>
+            <a:normAutofit/>
+          </a:bodyPr>
+          <a:lstStyle/>
+          <a:p>
+            <a:r>
+              <a:rPr lang="en-US" sz="3200" dirty="0">
+                <a:latin typeface="Libertinus Serif" panose="02000503000000000000" pitchFamily="2" charset="0"/>
+                <a:ea typeface="Libertinus Serif" panose="02000503000000000000" pitchFamily="2" charset="0"/>
+                <a:cs typeface="Libertinus Serif" panose="02000503000000000000" pitchFamily="2" charset="0"/>
+              </a:rPr>
+              <a:t>Last but not least…</a:t>
+            </a:r>
+          </a:p>
+        </p:txBody>
+      </p:sp>
+      <p:pic>
+        <p:nvPicPr>
+          <p:cNvPr id="6" name="Inhaltsplatzhalter 5">
+            <a:extLst>
+              <a:ext uri="{FF2B5EF4-FFF2-40B4-BE49-F238E27FC236}">
+                <a16:creationId xmlns:a16="http://schemas.microsoft.com/office/drawing/2014/main" id="{258C6F63-DC25-D0DD-914D-E13E1DFA3B5A}"/>
+              </a:ext>
+            </a:extLst>
+          </p:cNvPr>
+          <p:cNvPicPr>
+            <a:picLocks noGrp="1" noChangeAspect="1"/>
+          </p:cNvPicPr>
+          <p:nvPr>
+            <p:ph idx="1"/>
+          </p:nvPr>
+        </p:nvPicPr>
+        <p:blipFill>
+          <a:blip r:embed="rId3"/>
+          <a:stretch>
+            <a:fillRect/>
+          </a:stretch>
+        </p:blipFill>
+        <p:spPr>
+          <a:xfrm>
+            <a:off x="6756908" y="1386928"/>
+            <a:ext cx="4257934" cy="3768846"/>
+          </a:xfrm>
+        </p:spPr>
+      </p:pic>
+      <p:sp>
+        <p:nvSpPr>
+          <p:cNvPr id="4" name="Foliennummernplatzhalter 3">
+            <a:extLst>
+              <a:ext uri="{FF2B5EF4-FFF2-40B4-BE49-F238E27FC236}">
+                <a16:creationId xmlns:a16="http://schemas.microsoft.com/office/drawing/2014/main" id="{8096C1EA-E357-E4CB-F89A-56A04A0B1946}"/>
+              </a:ext>
+            </a:extLst>
+          </p:cNvPr>
+          <p:cNvSpPr>
+            <a:spLocks noGrp="1"/>
+          </p:cNvSpPr>
+          <p:nvPr>
+            <p:ph type="sldNum" sz="quarter" idx="12"/>
+          </p:nvPr>
+        </p:nvSpPr>
+        <p:spPr/>
+        <p:txBody>
+          <a:bodyPr/>
+          <a:lstStyle/>
+          <a:p>
+            <a:fld id="{4BEC7EF7-4506-1E42-9433-EDC596BA2DDB}" type="slidenum">
+              <a:rPr lang="de-DE" smtClean="0"/>
+              <a:t>20</a:t>
+            </a:fld>
+            <a:endParaRPr lang="de-DE"/>
+          </a:p>
+        </p:txBody>
+      </p:sp>
+      <p:pic>
+        <p:nvPicPr>
+          <p:cNvPr id="8" name="Grafik 7">
+            <a:extLst>
+              <a:ext uri="{FF2B5EF4-FFF2-40B4-BE49-F238E27FC236}">
+                <a16:creationId xmlns:a16="http://schemas.microsoft.com/office/drawing/2014/main" id="{D118FDDF-774E-D536-D835-E7342D71A9A0}"/>
+              </a:ext>
+            </a:extLst>
+          </p:cNvPr>
+          <p:cNvPicPr>
+            <a:picLocks noChangeAspect="1"/>
+          </p:cNvPicPr>
+          <p:nvPr/>
+        </p:nvPicPr>
+        <p:blipFill>
+          <a:blip r:embed="rId4"/>
+          <a:stretch>
+            <a:fillRect/>
+          </a:stretch>
+        </p:blipFill>
+        <p:spPr>
+          <a:xfrm>
+            <a:off x="1177160" y="1451659"/>
+            <a:ext cx="4257934" cy="3639382"/>
+          </a:xfrm>
+          <a:prstGeom prst="rect">
+            <a:avLst/>
+          </a:prstGeom>
+        </p:spPr>
+      </p:pic>
+      <p:sp>
+        <p:nvSpPr>
+          <p:cNvPr id="9" name="Titel 1">
+            <a:extLst>
+              <a:ext uri="{FF2B5EF4-FFF2-40B4-BE49-F238E27FC236}">
+                <a16:creationId xmlns:a16="http://schemas.microsoft.com/office/drawing/2014/main" id="{4B01868E-D0FC-18E0-4E73-E42E64F285B7}"/>
+              </a:ext>
+            </a:extLst>
+          </p:cNvPr>
+          <p:cNvSpPr txBox="1">
+            <a:spLocks/>
+          </p:cNvSpPr>
+          <p:nvPr/>
+        </p:nvSpPr>
+        <p:spPr>
+          <a:xfrm>
+            <a:off x="838200" y="5030787"/>
+            <a:ext cx="10408920" cy="1325563"/>
+          </a:xfrm>
+          <a:prstGeom prst="rect">
+            <a:avLst/>
+          </a:prstGeom>
+        </p:spPr>
+        <p:txBody>
+          <a:bodyPr vert="horz" lIns="91440" tIns="45720" rIns="91440" bIns="45720" rtlCol="0" anchor="ctr">
+            <a:normAutofit/>
+          </a:bodyPr>
+          <a:lstStyle>
+            <a:lvl1pPr algn="l" defTabSz="914400" rtl="0" eaLnBrk="1" latinLnBrk="0" hangingPunct="1">
+              <a:lnSpc>
+                <a:spcPct val="90000"/>
+              </a:lnSpc>
+              <a:spcBef>
+                <a:spcPct val="0"/>
+              </a:spcBef>
+              <a:buNone/>
+              <a:defRPr sz="4400" kern="1200">
+                <a:solidFill>
+                  <a:schemeClr val="tx1"/>
+                </a:solidFill>
+                <a:latin typeface="+mj-lt"/>
+                <a:ea typeface="+mj-ea"/>
+                <a:cs typeface="+mj-cs"/>
+              </a:defRPr>
+            </a:lvl1pPr>
+          </a:lstStyle>
+          <a:p>
+            <a:pPr algn="r"/>
+            <a:r>
+              <a:rPr lang="en-US" sz="3200" dirty="0">
+                <a:latin typeface="Libertinus Serif" panose="02000503000000000000" pitchFamily="2" charset="0"/>
+                <a:ea typeface="Libertinus Serif" panose="02000503000000000000" pitchFamily="2" charset="0"/>
+                <a:cs typeface="Libertinus Serif" panose="02000503000000000000" pitchFamily="2" charset="0"/>
+              </a:rPr>
+              <a:t>… it could serve as an initial screening tool.</a:t>
+            </a:r>
+          </a:p>
+        </p:txBody>
+      </p:sp>
+    </p:spTree>
+    <p:extLst>
+      <p:ext uri="{BB962C8B-B14F-4D97-AF65-F5344CB8AC3E}">
+        <p14:creationId xmlns:p14="http://schemas.microsoft.com/office/powerpoint/2010/main" val="2380441944"/>
+      </p:ext>
+    </p:extLst>
+  </p:cSld>
+  <p:clrMapOvr>
+    <a:masterClrMapping/>
+  </p:clrMapOvr>
+  <p:timing>
+    <p:tnLst>
+      <p:par>
+        <p:cTn id="1" dur="indefinite" restart="never" nodeType="tmRoot">
+          <p:childTnLst>
+            <p:seq concurrent="1" nextAc="seek">
+              <p:cTn id="2" dur="indefinite" nodeType="mainSeq">
+                <p:childTnLst>
+                  <p:par>
+                    <p:cTn id="3" fill="hold">
+                      <p:stCondLst>
+                        <p:cond delay="indefinite"/>
+                      </p:stCondLst>
+                      <p:childTnLst>
+                        <p:par>
+                          <p:cTn id="4" fill="hold">
+                            <p:stCondLst>
+                              <p:cond delay="0"/>
+                            </p:stCondLst>
+                            <p:childTnLst>
+                              <p:par>
+                                <p:cTn id="5" presetID="1" presetClass="entr" presetSubtype="0" fill="hold" nodeType="clickEffect">
+                                  <p:stCondLst>
+                                    <p:cond delay="0"/>
+                                  </p:stCondLst>
+                                  <p:childTnLst>
+                                    <p:set>
+                                      <p:cBhvr>
+                                        <p:cTn id="6" dur="1" fill="hold">
+                                          <p:stCondLst>
+                                            <p:cond delay="0"/>
+                                          </p:stCondLst>
+                                        </p:cTn>
+                                        <p:tgtEl>
+                                          <p:spTgt spid="8"/>
+                                        </p:tgtEl>
+                                        <p:attrNameLst>
+                                          <p:attrName>style.visibility</p:attrName>
+                                        </p:attrNameLst>
+                                      </p:cBhvr>
+                                      <p:to>
+                                        <p:strVal val="visible"/>
+                                      </p:to>
+                                    </p:set>
+                                  </p:childTnLst>
+                                </p:cTn>
+                              </p:par>
+                            </p:childTnLst>
+                          </p:cTn>
+                        </p:par>
+                      </p:childTnLst>
+                    </p:cTn>
+                  </p:par>
+                  <p:par>
+                    <p:cTn id="7" fill="hold">
+                      <p:stCondLst>
+                        <p:cond delay="indefinite"/>
+                      </p:stCondLst>
+                      <p:childTnLst>
+                        <p:par>
+                          <p:cTn id="8" fill="hold">
+                            <p:stCondLst>
+                              <p:cond delay="0"/>
+                            </p:stCondLst>
+                            <p:childTnLst>
+                              <p:par>
+                                <p:cTn id="9" presetID="1" presetClass="entr" presetSubtype="0" fill="hold" nodeType="clickEffect">
+                                  <p:stCondLst>
+                                    <p:cond delay="0"/>
+                                  </p:stCondLst>
+                                  <p:childTnLst>
+                                    <p:set>
+                                      <p:cBhvr>
+                                        <p:cTn id="10" dur="1" fill="hold">
+                                          <p:stCondLst>
+                                            <p:cond delay="0"/>
+                                          </p:stCondLst>
+                                        </p:cTn>
+                                        <p:tgtEl>
+                                          <p:spTgt spid="6"/>
+                                        </p:tgtEl>
+                                        <p:attrNameLst>
+                                          <p:attrName>style.visibility</p:attrName>
+                                        </p:attrNameLst>
+                                      </p:cBhvr>
+                                      <p:to>
+                                        <p:strVal val="visible"/>
+                                      </p:to>
+                                    </p:set>
+                                  </p:childTnLst>
+                                </p:cTn>
+                              </p:par>
+                            </p:childTnLst>
+                          </p:cTn>
+                        </p:par>
+                      </p:childTnLst>
+                    </p:cTn>
+                  </p:par>
+                  <p:par>
+                    <p:cTn id="11" fill="hold">
+                      <p:stCondLst>
+                        <p:cond delay="indefinite"/>
+                      </p:stCondLst>
+                      <p:childTnLst>
+                        <p:par>
+                          <p:cTn id="12" fill="hold">
+                            <p:stCondLst>
+                              <p:cond delay="0"/>
+                            </p:stCondLst>
+                            <p:childTnLst>
+                              <p:par>
+                                <p:cTn id="13" presetID="1" presetClass="entr" presetSubtype="0" fill="hold" grpId="0" nodeType="clickEffect">
+                                  <p:stCondLst>
+                                    <p:cond delay="0"/>
+                                  </p:stCondLst>
+                                  <p:childTnLst>
+                                    <p:set>
+                                      <p:cBhvr>
+                                        <p:cTn id="14" dur="1" fill="hold">
+                                          <p:stCondLst>
+                                            <p:cond delay="0"/>
+                                          </p:stCondLst>
+                                        </p:cTn>
+                                        <p:tgtEl>
+                                          <p:spTgt spid="9"/>
+                                        </p:tgtEl>
+                                        <p:attrNameLst>
+                                          <p:attrName>style.visibility</p:attrName>
+                                        </p:attrNameLst>
+                                      </p:cBhvr>
+                                      <p:to>
+                                        <p:strVal val="visible"/>
+                                      </p:to>
+                                    </p:set>
+                                  </p:childTnLst>
+                                </p:cTn>
+                              </p:par>
+                            </p:childTnLst>
+                          </p:cTn>
+                        </p:par>
+                      </p:childTnLst>
+                    </p:cTn>
+                  </p:par>
+                </p:childTnLst>
+              </p:cTn>
+              <p:prevCondLst>
+                <p:cond evt="onPrev" delay="0">
+                  <p:tgtEl>
+                    <p:sldTgt/>
+                  </p:tgtEl>
+                </p:cond>
+              </p:prevCondLst>
+              <p:nextCondLst>
+                <p:cond evt="onNext" delay="0">
+                  <p:tgtEl>
+                    <p:sldTgt/>
+                  </p:tgtEl>
+                </p:cond>
+              </p:nextCondLst>
+            </p:seq>
+          </p:childTnLst>
+        </p:cTn>
+      </p:par>
+    </p:tnLst>
+    <p:bldLst>
+      <p:bldP spid="9" grpId="0"/>
+    </p:bldLst>
+  </p:timing>
+</p:sld>
+</file>
+
+<file path=ppt/slides/slide21.xml><?xml version="1.0" encoding="utf-8"?>
+<p:sld xmlns:a="http://schemas.openxmlformats.org/drawingml/2006/main" xmlns:r="http://schemas.openxmlformats.org/officeDocument/2006/relationships" xmlns:p="http://schemas.openxmlformats.org/presentationml/2006/main">
+  <p:cSld>
+    <p:spTree>
+      <p:nvGrpSpPr>
+        <p:cNvPr id="1" name=""/>
+        <p:cNvGrpSpPr/>
+        <p:nvPr/>
+      </p:nvGrpSpPr>
+      <p:grpSpPr>
+        <a:xfrm>
+          <a:off x="0" y="0"/>
+          <a:ext cx="0" cy="0"/>
+          <a:chOff x="0" y="0"/>
+          <a:chExt cx="0" cy="0"/>
+        </a:xfrm>
+      </p:grpSpPr>
+      <p:sp>
+        <p:nvSpPr>
+          <p:cNvPr id="2" name="Titel 1">
+            <a:extLst>
+              <a:ext uri="{FF2B5EF4-FFF2-40B4-BE49-F238E27FC236}">
+                <a16:creationId xmlns:a16="http://schemas.microsoft.com/office/drawing/2014/main" id="{D7FD8242-8B95-647E-97F8-4E94140B524A}"/>
               </a:ext>
             </a:extLst>
           </p:cNvPr>
@@ -21521,6 +22203,122 @@
           <a:bodyPr/>
           <a:lstStyle/>
           <a:p>
+            <a:endParaRPr lang="en-US"/>
+          </a:p>
+        </p:txBody>
+      </p:sp>
+      <p:sp>
+        <p:nvSpPr>
+          <p:cNvPr id="3" name="Inhaltsplatzhalter 2">
+            <a:extLst>
+              <a:ext uri="{FF2B5EF4-FFF2-40B4-BE49-F238E27FC236}">
+                <a16:creationId xmlns:a16="http://schemas.microsoft.com/office/drawing/2014/main" id="{3E25B8A7-2835-39C2-1DB5-07D6DBF1AAC3}"/>
+              </a:ext>
+            </a:extLst>
+          </p:cNvPr>
+          <p:cNvSpPr>
+            <a:spLocks noGrp="1"/>
+          </p:cNvSpPr>
+          <p:nvPr>
+            <p:ph idx="1"/>
+          </p:nvPr>
+        </p:nvSpPr>
+        <p:spPr/>
+        <p:txBody>
+          <a:bodyPr/>
+          <a:lstStyle/>
+          <a:p>
+            <a:endParaRPr lang="en-US"/>
+          </a:p>
+        </p:txBody>
+      </p:sp>
+      <p:sp>
+        <p:nvSpPr>
+          <p:cNvPr id="4" name="Foliennummernplatzhalter 3">
+            <a:extLst>
+              <a:ext uri="{FF2B5EF4-FFF2-40B4-BE49-F238E27FC236}">
+                <a16:creationId xmlns:a16="http://schemas.microsoft.com/office/drawing/2014/main" id="{E8469058-5F55-8B00-9CA0-B66D86254F15}"/>
+              </a:ext>
+            </a:extLst>
+          </p:cNvPr>
+          <p:cNvSpPr>
+            <a:spLocks noGrp="1"/>
+          </p:cNvSpPr>
+          <p:nvPr>
+            <p:ph type="sldNum" sz="quarter" idx="12"/>
+          </p:nvPr>
+        </p:nvSpPr>
+        <p:spPr/>
+        <p:txBody>
+          <a:bodyPr/>
+          <a:lstStyle/>
+          <a:p>
+            <a:fld id="{4BEC7EF7-4506-1E42-9433-EDC596BA2DDB}" type="slidenum">
+              <a:rPr lang="de-DE" smtClean="0"/>
+              <a:pPr/>
+              <a:t>21</a:t>
+            </a:fld>
+            <a:endParaRPr lang="de-DE"/>
+          </a:p>
+        </p:txBody>
+      </p:sp>
+    </p:spTree>
+    <p:extLst>
+      <p:ext uri="{BB962C8B-B14F-4D97-AF65-F5344CB8AC3E}">
+        <p14:creationId xmlns:p14="http://schemas.microsoft.com/office/powerpoint/2010/main" val="2433119375"/>
+      </p:ext>
+    </p:extLst>
+  </p:cSld>
+  <p:clrMapOvr>
+    <a:masterClrMapping/>
+  </p:clrMapOvr>
+</p:sld>
+</file>
+
+<file path=ppt/slides/slide22.xml><?xml version="1.0" encoding="utf-8"?>
+<p:sld xmlns:a="http://schemas.openxmlformats.org/drawingml/2006/main" xmlns:r="http://schemas.openxmlformats.org/officeDocument/2006/relationships" xmlns:p="http://schemas.openxmlformats.org/presentationml/2006/main">
+  <p:cSld>
+    <p:spTree>
+      <p:nvGrpSpPr>
+        <p:cNvPr id="1" name="">
+          <a:extLst>
+            <a:ext uri="{FF2B5EF4-FFF2-40B4-BE49-F238E27FC236}">
+              <a16:creationId xmlns:a16="http://schemas.microsoft.com/office/drawing/2014/main" id="{EE3D8C44-393C-517C-5CAE-FAD3884137E4}"/>
+            </a:ext>
+          </a:extLst>
+        </p:cNvPr>
+        <p:cNvGrpSpPr/>
+        <p:nvPr/>
+      </p:nvGrpSpPr>
+      <p:grpSpPr>
+        <a:xfrm>
+          <a:off x="0" y="0"/>
+          <a:ext cx="0" cy="0"/>
+          <a:chOff x="0" y="0"/>
+          <a:chExt cx="0" cy="0"/>
+        </a:xfrm>
+      </p:grpSpPr>
+      <p:sp>
+        <p:nvSpPr>
+          <p:cNvPr id="2" name="Titel 1">
+            <a:extLst>
+              <a:ext uri="{FF2B5EF4-FFF2-40B4-BE49-F238E27FC236}">
+                <a16:creationId xmlns:a16="http://schemas.microsoft.com/office/drawing/2014/main" id="{F7B3B500-7C9E-F869-483F-01CE22937565}"/>
+              </a:ext>
+            </a:extLst>
+          </p:cNvPr>
+          <p:cNvSpPr>
+            <a:spLocks noGrp="1"/>
+          </p:cNvSpPr>
+          <p:nvPr>
+            <p:ph type="title"/>
+          </p:nvPr>
+        </p:nvSpPr>
+        <p:spPr/>
+        <p:txBody>
+          <a:bodyPr/>
+          <a:lstStyle/>
+          <a:p>
             <a:r>
               <a:rPr lang="en-US" dirty="0"/>
               <a:t>Background: Supervised Learning</a:t>
@@ -21533,7 +22331,7 @@
           <p:cNvPr id="4" name="Oval 3">
             <a:extLst>
               <a:ext uri="{FF2B5EF4-FFF2-40B4-BE49-F238E27FC236}">
-                <a16:creationId xmlns:a16="http://schemas.microsoft.com/office/drawing/2014/main" id="{6277823F-1D0D-DDAE-BEE4-8176D002AFD7}"/>
+                <a16:creationId xmlns:a16="http://schemas.microsoft.com/office/drawing/2014/main" id="{132F0340-505C-A8BB-F226-33A17F0CBB12}"/>
               </a:ext>
             </a:extLst>
           </p:cNvPr>
@@ -21583,7 +22381,7 @@
           <p:cNvPr id="5" name="Oval 4">
             <a:extLst>
               <a:ext uri="{FF2B5EF4-FFF2-40B4-BE49-F238E27FC236}">
-                <a16:creationId xmlns:a16="http://schemas.microsoft.com/office/drawing/2014/main" id="{3D94D029-AAA4-2EB5-EE55-F7203003AE6C}"/>
+                <a16:creationId xmlns:a16="http://schemas.microsoft.com/office/drawing/2014/main" id="{016AB2B1-81FA-0535-36C3-6EEC6E98F2F5}"/>
               </a:ext>
             </a:extLst>
           </p:cNvPr>
@@ -21633,7 +22431,7 @@
           <p:cNvPr id="8" name="Oval 7">
             <a:extLst>
               <a:ext uri="{FF2B5EF4-FFF2-40B4-BE49-F238E27FC236}">
-                <a16:creationId xmlns:a16="http://schemas.microsoft.com/office/drawing/2014/main" id="{838CCEB8-4BFC-6BAB-1882-C236247EBE5E}"/>
+                <a16:creationId xmlns:a16="http://schemas.microsoft.com/office/drawing/2014/main" id="{09E5916A-3EC7-DABD-0DAF-DC5F71DBCF87}"/>
               </a:ext>
             </a:extLst>
           </p:cNvPr>
@@ -21683,7 +22481,7 @@
           <p:cNvPr id="9" name="Oval 8">
             <a:extLst>
               <a:ext uri="{FF2B5EF4-FFF2-40B4-BE49-F238E27FC236}">
-                <a16:creationId xmlns:a16="http://schemas.microsoft.com/office/drawing/2014/main" id="{E58EEA4A-7B3A-4857-771C-7EF9B0BA4717}"/>
+                <a16:creationId xmlns:a16="http://schemas.microsoft.com/office/drawing/2014/main" id="{2867A2DD-0AB4-A433-B39E-8CA07F5FC549}"/>
               </a:ext>
             </a:extLst>
           </p:cNvPr>
@@ -21733,7 +22531,7 @@
           <p:cNvPr id="10" name="Oval 9">
             <a:extLst>
               <a:ext uri="{FF2B5EF4-FFF2-40B4-BE49-F238E27FC236}">
-                <a16:creationId xmlns:a16="http://schemas.microsoft.com/office/drawing/2014/main" id="{119EAFCC-B448-CE0B-B0C8-4B2046A97BD6}"/>
+                <a16:creationId xmlns:a16="http://schemas.microsoft.com/office/drawing/2014/main" id="{FD74FE97-802E-6789-FAC4-C8442589494B}"/>
               </a:ext>
             </a:extLst>
           </p:cNvPr>
@@ -21783,7 +22581,7 @@
           <p:cNvPr id="11" name="Oval 10">
             <a:extLst>
               <a:ext uri="{FF2B5EF4-FFF2-40B4-BE49-F238E27FC236}">
-                <a16:creationId xmlns:a16="http://schemas.microsoft.com/office/drawing/2014/main" id="{7C0C64CA-5031-B6AB-6B8A-68B75645CF96}"/>
+                <a16:creationId xmlns:a16="http://schemas.microsoft.com/office/drawing/2014/main" id="{0CAF2195-8091-36DA-950F-3BBCFF99B5F9}"/>
               </a:ext>
             </a:extLst>
           </p:cNvPr>
@@ -21833,7 +22631,7 @@
           <p:cNvPr id="12" name="Oval 11">
             <a:extLst>
               <a:ext uri="{FF2B5EF4-FFF2-40B4-BE49-F238E27FC236}">
-                <a16:creationId xmlns:a16="http://schemas.microsoft.com/office/drawing/2014/main" id="{9D53B00B-29AD-ECA2-6B31-0A529C1739A3}"/>
+                <a16:creationId xmlns:a16="http://schemas.microsoft.com/office/drawing/2014/main" id="{C6CB0BEB-FE65-E65C-9DCC-21B788C480CE}"/>
               </a:ext>
             </a:extLst>
           </p:cNvPr>
@@ -21883,7 +22681,7 @@
           <p:cNvPr id="13" name="Oval 12">
             <a:extLst>
               <a:ext uri="{FF2B5EF4-FFF2-40B4-BE49-F238E27FC236}">
-                <a16:creationId xmlns:a16="http://schemas.microsoft.com/office/drawing/2014/main" id="{96312393-A172-CD0B-82BE-A3EEA9B660E5}"/>
+                <a16:creationId xmlns:a16="http://schemas.microsoft.com/office/drawing/2014/main" id="{326501B7-E56A-7A44-EC83-66424487B96C}"/>
               </a:ext>
             </a:extLst>
           </p:cNvPr>
@@ -21933,7 +22731,7 @@
           <p:cNvPr id="14" name="Oval 13">
             <a:extLst>
               <a:ext uri="{FF2B5EF4-FFF2-40B4-BE49-F238E27FC236}">
-                <a16:creationId xmlns:a16="http://schemas.microsoft.com/office/drawing/2014/main" id="{42792664-04BC-4588-3EB7-35E0CA9EBDE1}"/>
+                <a16:creationId xmlns:a16="http://schemas.microsoft.com/office/drawing/2014/main" id="{1AD7B875-9598-6228-39F7-58C2E4563971}"/>
               </a:ext>
             </a:extLst>
           </p:cNvPr>
@@ -21983,7 +22781,7 @@
           <p:cNvPr id="15" name="Oval 14">
             <a:extLst>
               <a:ext uri="{FF2B5EF4-FFF2-40B4-BE49-F238E27FC236}">
-                <a16:creationId xmlns:a16="http://schemas.microsoft.com/office/drawing/2014/main" id="{508BBAE1-FF15-845C-9375-525B3B4AA2A6}"/>
+                <a16:creationId xmlns:a16="http://schemas.microsoft.com/office/drawing/2014/main" id="{5EBE8C2F-8681-54A9-A9BE-189120BFAA1B}"/>
               </a:ext>
             </a:extLst>
           </p:cNvPr>
@@ -22033,7 +22831,7 @@
           <p:cNvPr id="16" name="Oval 15">
             <a:extLst>
               <a:ext uri="{FF2B5EF4-FFF2-40B4-BE49-F238E27FC236}">
-                <a16:creationId xmlns:a16="http://schemas.microsoft.com/office/drawing/2014/main" id="{B2B4C331-FB0D-6839-3BEB-5E1C10C2A3BB}"/>
+                <a16:creationId xmlns:a16="http://schemas.microsoft.com/office/drawing/2014/main" id="{24AC81CF-E3CB-5C69-6041-D1001977B339}"/>
               </a:ext>
             </a:extLst>
           </p:cNvPr>
@@ -22083,7 +22881,7 @@
           <p:cNvPr id="17" name="Oval 16">
             <a:extLst>
               <a:ext uri="{FF2B5EF4-FFF2-40B4-BE49-F238E27FC236}">
-                <a16:creationId xmlns:a16="http://schemas.microsoft.com/office/drawing/2014/main" id="{90C304B3-BCF8-8A36-54B1-E7FECA57ED97}"/>
+                <a16:creationId xmlns:a16="http://schemas.microsoft.com/office/drawing/2014/main" id="{54E9F828-439C-7AE3-CCEF-51C08E1CAC5C}"/>
               </a:ext>
             </a:extLst>
           </p:cNvPr>
@@ -22133,7 +22931,7 @@
           <p:cNvPr id="18" name="Oval 17">
             <a:extLst>
               <a:ext uri="{FF2B5EF4-FFF2-40B4-BE49-F238E27FC236}">
-                <a16:creationId xmlns:a16="http://schemas.microsoft.com/office/drawing/2014/main" id="{D6588071-B6D8-99BB-0EC3-6EFD21EC35D5}"/>
+                <a16:creationId xmlns:a16="http://schemas.microsoft.com/office/drawing/2014/main" id="{5510ABB3-1C08-AF5A-2757-6028EBB5DF2E}"/>
               </a:ext>
             </a:extLst>
           </p:cNvPr>
@@ -22183,7 +22981,7 @@
           <p:cNvPr id="19" name="Oval 18">
             <a:extLst>
               <a:ext uri="{FF2B5EF4-FFF2-40B4-BE49-F238E27FC236}">
-                <a16:creationId xmlns:a16="http://schemas.microsoft.com/office/drawing/2014/main" id="{9DF4CF01-8E4D-EA1A-AE6D-6111D6DF747B}"/>
+                <a16:creationId xmlns:a16="http://schemas.microsoft.com/office/drawing/2014/main" id="{E93D3B4C-FA50-A4E8-8A3E-0DDF859CC13F}"/>
               </a:ext>
             </a:extLst>
           </p:cNvPr>
@@ -22233,7 +23031,7 @@
           <p:cNvPr id="20" name="Oval 19">
             <a:extLst>
               <a:ext uri="{FF2B5EF4-FFF2-40B4-BE49-F238E27FC236}">
-                <a16:creationId xmlns:a16="http://schemas.microsoft.com/office/drawing/2014/main" id="{AD6B4A37-7BA4-433A-0FB2-5ACE9AE4CC0B}"/>
+                <a16:creationId xmlns:a16="http://schemas.microsoft.com/office/drawing/2014/main" id="{B5809A44-565E-6171-9425-8CF707A08829}"/>
               </a:ext>
             </a:extLst>
           </p:cNvPr>
@@ -22283,7 +23081,7 @@
           <p:cNvPr id="21" name="Oval 20">
             <a:extLst>
               <a:ext uri="{FF2B5EF4-FFF2-40B4-BE49-F238E27FC236}">
-                <a16:creationId xmlns:a16="http://schemas.microsoft.com/office/drawing/2014/main" id="{D0D350AA-172F-445E-FFBB-B22821FCD706}"/>
+                <a16:creationId xmlns:a16="http://schemas.microsoft.com/office/drawing/2014/main" id="{9483A0E9-DFF1-FE84-A32B-D75BB645C377}"/>
               </a:ext>
             </a:extLst>
           </p:cNvPr>
@@ -22333,7 +23131,7 @@
           <p:cNvPr id="69" name="Gerade Verbindung 68">
             <a:extLst>
               <a:ext uri="{FF2B5EF4-FFF2-40B4-BE49-F238E27FC236}">
-                <a16:creationId xmlns:a16="http://schemas.microsoft.com/office/drawing/2014/main" id="{B4AADE3F-D49B-3C9E-3955-971D9092FBFE}"/>
+                <a16:creationId xmlns:a16="http://schemas.microsoft.com/office/drawing/2014/main" id="{FFEE50AA-80B2-B8DE-F341-EC3EE4AE2902}"/>
               </a:ext>
             </a:extLst>
           </p:cNvPr>
@@ -22373,7 +23171,7 @@
           <p:cNvPr id="71" name="Gerade Verbindung 70">
             <a:extLst>
               <a:ext uri="{FF2B5EF4-FFF2-40B4-BE49-F238E27FC236}">
-                <a16:creationId xmlns:a16="http://schemas.microsoft.com/office/drawing/2014/main" id="{A77ED4FE-B84F-CE88-F481-12C7DE2158D4}"/>
+                <a16:creationId xmlns:a16="http://schemas.microsoft.com/office/drawing/2014/main" id="{3163FD79-251F-BEA4-BBEC-03ECFCAF36CB}"/>
               </a:ext>
             </a:extLst>
           </p:cNvPr>
@@ -22413,7 +23211,7 @@
           <p:cNvPr id="72" name="Gerade Verbindung 71">
             <a:extLst>
               <a:ext uri="{FF2B5EF4-FFF2-40B4-BE49-F238E27FC236}">
-                <a16:creationId xmlns:a16="http://schemas.microsoft.com/office/drawing/2014/main" id="{8317CF24-8EFC-DD82-18B3-27D17743EC48}"/>
+                <a16:creationId xmlns:a16="http://schemas.microsoft.com/office/drawing/2014/main" id="{254E7CF5-290E-4DD3-942D-8572A06CF8BE}"/>
               </a:ext>
             </a:extLst>
           </p:cNvPr>
@@ -22453,7 +23251,7 @@
           <p:cNvPr id="73" name="Gerade Verbindung 72">
             <a:extLst>
               <a:ext uri="{FF2B5EF4-FFF2-40B4-BE49-F238E27FC236}">
-                <a16:creationId xmlns:a16="http://schemas.microsoft.com/office/drawing/2014/main" id="{BDE83081-5903-362F-A6C5-60D133AA1F2D}"/>
+                <a16:creationId xmlns:a16="http://schemas.microsoft.com/office/drawing/2014/main" id="{E9BE3397-6FB6-7F75-672A-F52D83D51A7B}"/>
               </a:ext>
             </a:extLst>
           </p:cNvPr>
@@ -22493,7 +23291,7 @@
           <p:cNvPr id="81" name="Gerade Verbindung 80">
             <a:extLst>
               <a:ext uri="{FF2B5EF4-FFF2-40B4-BE49-F238E27FC236}">
-                <a16:creationId xmlns:a16="http://schemas.microsoft.com/office/drawing/2014/main" id="{06AEACFB-A395-0855-0C21-E17A336B5B17}"/>
+                <a16:creationId xmlns:a16="http://schemas.microsoft.com/office/drawing/2014/main" id="{A58440E3-99A9-AC80-5DBF-E6F0941435A2}"/>
               </a:ext>
             </a:extLst>
           </p:cNvPr>
@@ -22533,7 +23331,7 @@
           <p:cNvPr id="84" name="Gerade Verbindung 83">
             <a:extLst>
               <a:ext uri="{FF2B5EF4-FFF2-40B4-BE49-F238E27FC236}">
-                <a16:creationId xmlns:a16="http://schemas.microsoft.com/office/drawing/2014/main" id="{898F3ADC-1C86-F2EF-7A63-FA0B1E586D56}"/>
+                <a16:creationId xmlns:a16="http://schemas.microsoft.com/office/drawing/2014/main" id="{1E66FC55-97B8-7017-6D1D-76049BC4ADE8}"/>
               </a:ext>
             </a:extLst>
           </p:cNvPr>
@@ -22573,7 +23371,7 @@
           <p:cNvPr id="87" name="Gerade Verbindung 86">
             <a:extLst>
               <a:ext uri="{FF2B5EF4-FFF2-40B4-BE49-F238E27FC236}">
-                <a16:creationId xmlns:a16="http://schemas.microsoft.com/office/drawing/2014/main" id="{14E91CF5-D09E-5F57-A18F-9ACDBF75565C}"/>
+                <a16:creationId xmlns:a16="http://schemas.microsoft.com/office/drawing/2014/main" id="{4A821A05-F4B0-F862-DF47-1A002C2AF0E9}"/>
               </a:ext>
             </a:extLst>
           </p:cNvPr>
@@ -22613,7 +23411,7 @@
           <p:cNvPr id="88" name="Gerade Verbindung 87">
             <a:extLst>
               <a:ext uri="{FF2B5EF4-FFF2-40B4-BE49-F238E27FC236}">
-                <a16:creationId xmlns:a16="http://schemas.microsoft.com/office/drawing/2014/main" id="{0AD415FC-E710-038B-6E5E-5DF4561C892A}"/>
+                <a16:creationId xmlns:a16="http://schemas.microsoft.com/office/drawing/2014/main" id="{BD023CC0-B8D4-678D-8AF9-E6DCDFB2932B}"/>
               </a:ext>
             </a:extLst>
           </p:cNvPr>
@@ -22653,7 +23451,7 @@
           <p:cNvPr id="89" name="Gerade Verbindung 88">
             <a:extLst>
               <a:ext uri="{FF2B5EF4-FFF2-40B4-BE49-F238E27FC236}">
-                <a16:creationId xmlns:a16="http://schemas.microsoft.com/office/drawing/2014/main" id="{98B49166-9C3B-36DC-1351-4A841A3EB15E}"/>
+                <a16:creationId xmlns:a16="http://schemas.microsoft.com/office/drawing/2014/main" id="{E4817372-59D4-E037-90A5-60AA4991A347}"/>
               </a:ext>
             </a:extLst>
           </p:cNvPr>
@@ -22693,7 +23491,7 @@
           <p:cNvPr id="90" name="Gerade Verbindung 89">
             <a:extLst>
               <a:ext uri="{FF2B5EF4-FFF2-40B4-BE49-F238E27FC236}">
-                <a16:creationId xmlns:a16="http://schemas.microsoft.com/office/drawing/2014/main" id="{FFDEAC1F-ED90-8083-1C2C-95DBA1D8CA4E}"/>
+                <a16:creationId xmlns:a16="http://schemas.microsoft.com/office/drawing/2014/main" id="{042B2125-B7FC-0BF8-E590-5DA26FF8C7FB}"/>
               </a:ext>
             </a:extLst>
           </p:cNvPr>
@@ -22733,7 +23531,7 @@
           <p:cNvPr id="91" name="Gerade Verbindung 90">
             <a:extLst>
               <a:ext uri="{FF2B5EF4-FFF2-40B4-BE49-F238E27FC236}">
-                <a16:creationId xmlns:a16="http://schemas.microsoft.com/office/drawing/2014/main" id="{C857BE87-A357-CD56-9A3E-A9E0C6C7D305}"/>
+                <a16:creationId xmlns:a16="http://schemas.microsoft.com/office/drawing/2014/main" id="{AEF817F4-9AF4-CEDC-81BC-9C8F76831FE3}"/>
               </a:ext>
             </a:extLst>
           </p:cNvPr>
@@ -22773,7 +23571,7 @@
           <p:cNvPr id="92" name="Gerade Verbindung 91">
             <a:extLst>
               <a:ext uri="{FF2B5EF4-FFF2-40B4-BE49-F238E27FC236}">
-                <a16:creationId xmlns:a16="http://schemas.microsoft.com/office/drawing/2014/main" id="{3AA9E483-29AB-27D9-8EA4-9A564FB3FD82}"/>
+                <a16:creationId xmlns:a16="http://schemas.microsoft.com/office/drawing/2014/main" id="{3204A48D-37D5-FE51-2C94-33A51499620D}"/>
               </a:ext>
             </a:extLst>
           </p:cNvPr>
@@ -22813,7 +23611,7 @@
           <p:cNvPr id="105" name="Gerade Verbindung 104">
             <a:extLst>
               <a:ext uri="{FF2B5EF4-FFF2-40B4-BE49-F238E27FC236}">
-                <a16:creationId xmlns:a16="http://schemas.microsoft.com/office/drawing/2014/main" id="{36E0CDA1-6CB2-511F-B7BD-D9541A9B88D8}"/>
+                <a16:creationId xmlns:a16="http://schemas.microsoft.com/office/drawing/2014/main" id="{C30E39CA-FB1D-1E85-4A27-54DF48B463BC}"/>
               </a:ext>
             </a:extLst>
           </p:cNvPr>
@@ -22853,7 +23651,7 @@
           <p:cNvPr id="106" name="Gerade Verbindung 105">
             <a:extLst>
               <a:ext uri="{FF2B5EF4-FFF2-40B4-BE49-F238E27FC236}">
-                <a16:creationId xmlns:a16="http://schemas.microsoft.com/office/drawing/2014/main" id="{029AD624-946C-C698-52DF-E13406E1C064}"/>
+                <a16:creationId xmlns:a16="http://schemas.microsoft.com/office/drawing/2014/main" id="{DDAEF780-BB9C-7BED-53A6-48F88007A8A1}"/>
               </a:ext>
             </a:extLst>
           </p:cNvPr>
@@ -22893,7 +23691,7 @@
           <p:cNvPr id="107" name="Gerade Verbindung 106">
             <a:extLst>
               <a:ext uri="{FF2B5EF4-FFF2-40B4-BE49-F238E27FC236}">
-                <a16:creationId xmlns:a16="http://schemas.microsoft.com/office/drawing/2014/main" id="{49413BDA-D653-1991-9B70-5617F512E6E8}"/>
+                <a16:creationId xmlns:a16="http://schemas.microsoft.com/office/drawing/2014/main" id="{A69E157C-770C-92D9-7C96-112475CAE3CC}"/>
               </a:ext>
             </a:extLst>
           </p:cNvPr>
@@ -22933,7 +23731,7 @@
           <p:cNvPr id="108" name="Gerade Verbindung 107">
             <a:extLst>
               <a:ext uri="{FF2B5EF4-FFF2-40B4-BE49-F238E27FC236}">
-                <a16:creationId xmlns:a16="http://schemas.microsoft.com/office/drawing/2014/main" id="{D35085C7-32BA-D72A-D271-A9985FCDE841}"/>
+                <a16:creationId xmlns:a16="http://schemas.microsoft.com/office/drawing/2014/main" id="{F0435AD6-6D42-3263-BF00-F170C8B6A449}"/>
               </a:ext>
             </a:extLst>
           </p:cNvPr>
@@ -22973,7 +23771,7 @@
           <p:cNvPr id="109" name="Gerade Verbindung 108">
             <a:extLst>
               <a:ext uri="{FF2B5EF4-FFF2-40B4-BE49-F238E27FC236}">
-                <a16:creationId xmlns:a16="http://schemas.microsoft.com/office/drawing/2014/main" id="{0C0256DE-9721-76FA-0897-2CD3CA7B08D0}"/>
+                <a16:creationId xmlns:a16="http://schemas.microsoft.com/office/drawing/2014/main" id="{61622589-D055-AF7E-7C97-29443F0D2B9E}"/>
               </a:ext>
             </a:extLst>
           </p:cNvPr>
@@ -23013,7 +23811,7 @@
           <p:cNvPr id="110" name="Gerade Verbindung 109">
             <a:extLst>
               <a:ext uri="{FF2B5EF4-FFF2-40B4-BE49-F238E27FC236}">
-                <a16:creationId xmlns:a16="http://schemas.microsoft.com/office/drawing/2014/main" id="{75FA0AE7-B281-C87B-2517-5B243398D8DF}"/>
+                <a16:creationId xmlns:a16="http://schemas.microsoft.com/office/drawing/2014/main" id="{AA2B038D-160C-DF74-06D2-49D35821D6A8}"/>
               </a:ext>
             </a:extLst>
           </p:cNvPr>
@@ -23053,7 +23851,7 @@
           <p:cNvPr id="123" name="Gerade Verbindung 122">
             <a:extLst>
               <a:ext uri="{FF2B5EF4-FFF2-40B4-BE49-F238E27FC236}">
-                <a16:creationId xmlns:a16="http://schemas.microsoft.com/office/drawing/2014/main" id="{E3D87344-45B0-6EAA-16A4-F0BA25C0596E}"/>
+                <a16:creationId xmlns:a16="http://schemas.microsoft.com/office/drawing/2014/main" id="{7C121E43-80F2-73A9-5ED1-07BE2892D294}"/>
               </a:ext>
             </a:extLst>
           </p:cNvPr>
@@ -23093,7 +23891,7 @@
           <p:cNvPr id="124" name="Gerade Verbindung 123">
             <a:extLst>
               <a:ext uri="{FF2B5EF4-FFF2-40B4-BE49-F238E27FC236}">
-                <a16:creationId xmlns:a16="http://schemas.microsoft.com/office/drawing/2014/main" id="{34F59FCA-EE09-EF4E-EDF7-9DF33E44F21A}"/>
+                <a16:creationId xmlns:a16="http://schemas.microsoft.com/office/drawing/2014/main" id="{931425E8-298E-2154-1B50-438F33B312F6}"/>
               </a:ext>
             </a:extLst>
           </p:cNvPr>
@@ -23133,7 +23931,7 @@
           <p:cNvPr id="125" name="Gerade Verbindung 124">
             <a:extLst>
               <a:ext uri="{FF2B5EF4-FFF2-40B4-BE49-F238E27FC236}">
-                <a16:creationId xmlns:a16="http://schemas.microsoft.com/office/drawing/2014/main" id="{1FC21484-513A-3D3B-46BD-31CFE9BE1063}"/>
+                <a16:creationId xmlns:a16="http://schemas.microsoft.com/office/drawing/2014/main" id="{25174AF5-95BC-19E1-3840-DAD034F35AE6}"/>
               </a:ext>
             </a:extLst>
           </p:cNvPr>
@@ -23173,7 +23971,7 @@
           <p:cNvPr id="126" name="Gerade Verbindung 125">
             <a:extLst>
               <a:ext uri="{FF2B5EF4-FFF2-40B4-BE49-F238E27FC236}">
-                <a16:creationId xmlns:a16="http://schemas.microsoft.com/office/drawing/2014/main" id="{114F58AC-32E7-00F1-5B4B-8BE7A0DD0BC5}"/>
+                <a16:creationId xmlns:a16="http://schemas.microsoft.com/office/drawing/2014/main" id="{5717789A-63E7-2CB2-1E05-1AD30B109F8C}"/>
               </a:ext>
             </a:extLst>
           </p:cNvPr>
@@ -23213,7 +24011,7 @@
           <p:cNvPr id="127" name="Gerade Verbindung 126">
             <a:extLst>
               <a:ext uri="{FF2B5EF4-FFF2-40B4-BE49-F238E27FC236}">
-                <a16:creationId xmlns:a16="http://schemas.microsoft.com/office/drawing/2014/main" id="{6014EAE1-870B-C99C-0BD1-8DF08F12D15B}"/>
+                <a16:creationId xmlns:a16="http://schemas.microsoft.com/office/drawing/2014/main" id="{0B5F73D5-109E-DF3F-B384-AA14DEE068F1}"/>
               </a:ext>
             </a:extLst>
           </p:cNvPr>
@@ -23253,7 +24051,7 @@
           <p:cNvPr id="128" name="Gerade Verbindung 127">
             <a:extLst>
               <a:ext uri="{FF2B5EF4-FFF2-40B4-BE49-F238E27FC236}">
-                <a16:creationId xmlns:a16="http://schemas.microsoft.com/office/drawing/2014/main" id="{F1033B0E-7A9D-1DAC-9591-9A9974F995B7}"/>
+                <a16:creationId xmlns:a16="http://schemas.microsoft.com/office/drawing/2014/main" id="{24D22241-2B77-D6F6-6CAC-8D227AA546F0}"/>
               </a:ext>
             </a:extLst>
           </p:cNvPr>
@@ -23293,7 +24091,7 @@
           <p:cNvPr id="141" name="Gerade Verbindung 140">
             <a:extLst>
               <a:ext uri="{FF2B5EF4-FFF2-40B4-BE49-F238E27FC236}">
-                <a16:creationId xmlns:a16="http://schemas.microsoft.com/office/drawing/2014/main" id="{72372D3D-EFFB-76C2-AB3D-0510E8659B1C}"/>
+                <a16:creationId xmlns:a16="http://schemas.microsoft.com/office/drawing/2014/main" id="{1AF4D799-B4B8-FF7D-3F71-0BC92AFBC395}"/>
               </a:ext>
             </a:extLst>
           </p:cNvPr>
@@ -23331,7 +24129,7 @@
           <p:cNvPr id="142" name="Gerade Verbindung 141">
             <a:extLst>
               <a:ext uri="{FF2B5EF4-FFF2-40B4-BE49-F238E27FC236}">
-                <a16:creationId xmlns:a16="http://schemas.microsoft.com/office/drawing/2014/main" id="{9C137EC0-C7AB-D0AF-7237-F9D2D17D0252}"/>
+                <a16:creationId xmlns:a16="http://schemas.microsoft.com/office/drawing/2014/main" id="{C2A6DC28-AB61-CCEF-CAE5-A26D26517159}"/>
               </a:ext>
             </a:extLst>
           </p:cNvPr>
@@ -23369,7 +24167,7 @@
           <p:cNvPr id="143" name="Gerade Verbindung 142">
             <a:extLst>
               <a:ext uri="{FF2B5EF4-FFF2-40B4-BE49-F238E27FC236}">
-                <a16:creationId xmlns:a16="http://schemas.microsoft.com/office/drawing/2014/main" id="{B631043B-90AE-1C83-65FE-BA0DC93CE246}"/>
+                <a16:creationId xmlns:a16="http://schemas.microsoft.com/office/drawing/2014/main" id="{78D2D2DB-1C2D-39D0-D2E3-E6F0D552DC71}"/>
               </a:ext>
             </a:extLst>
           </p:cNvPr>
@@ -23407,7 +24205,7 @@
           <p:cNvPr id="144" name="Gerade Verbindung 143">
             <a:extLst>
               <a:ext uri="{FF2B5EF4-FFF2-40B4-BE49-F238E27FC236}">
-                <a16:creationId xmlns:a16="http://schemas.microsoft.com/office/drawing/2014/main" id="{0F8E2B2C-44FF-B2C2-1DA3-994FFBBDD90F}"/>
+                <a16:creationId xmlns:a16="http://schemas.microsoft.com/office/drawing/2014/main" id="{A6171594-A4CD-6788-B528-E8A308109224}"/>
               </a:ext>
             </a:extLst>
           </p:cNvPr>
@@ -23445,7 +24243,7 @@
           <p:cNvPr id="145" name="Gerade Verbindung 144">
             <a:extLst>
               <a:ext uri="{FF2B5EF4-FFF2-40B4-BE49-F238E27FC236}">
-                <a16:creationId xmlns:a16="http://schemas.microsoft.com/office/drawing/2014/main" id="{04B15425-A2AB-99BD-557E-40426FE61C0C}"/>
+                <a16:creationId xmlns:a16="http://schemas.microsoft.com/office/drawing/2014/main" id="{72F183D7-D871-7FCF-3259-105658A2498B}"/>
               </a:ext>
             </a:extLst>
           </p:cNvPr>
@@ -23483,7 +24281,7 @@
           <p:cNvPr id="146" name="Gerade Verbindung 145">
             <a:extLst>
               <a:ext uri="{FF2B5EF4-FFF2-40B4-BE49-F238E27FC236}">
-                <a16:creationId xmlns:a16="http://schemas.microsoft.com/office/drawing/2014/main" id="{6EDD1992-F69C-DEFE-C77D-9417B72F37EB}"/>
+                <a16:creationId xmlns:a16="http://schemas.microsoft.com/office/drawing/2014/main" id="{3C3A48DD-5087-73D9-EDB9-4A1CF9E74AF6}"/>
               </a:ext>
             </a:extLst>
           </p:cNvPr>
@@ -23521,7 +24319,7 @@
           <p:cNvPr id="147" name="Gerade Verbindung 146">
             <a:extLst>
               <a:ext uri="{FF2B5EF4-FFF2-40B4-BE49-F238E27FC236}">
-                <a16:creationId xmlns:a16="http://schemas.microsoft.com/office/drawing/2014/main" id="{ABEFC9CC-C3D9-6B7F-B665-1031EA0A03E0}"/>
+                <a16:creationId xmlns:a16="http://schemas.microsoft.com/office/drawing/2014/main" id="{A7AD6A54-70AE-24E0-4B16-6449038899E0}"/>
               </a:ext>
             </a:extLst>
           </p:cNvPr>
@@ -23559,7 +24357,7 @@
           <p:cNvPr id="148" name="Gerade Verbindung 147">
             <a:extLst>
               <a:ext uri="{FF2B5EF4-FFF2-40B4-BE49-F238E27FC236}">
-                <a16:creationId xmlns:a16="http://schemas.microsoft.com/office/drawing/2014/main" id="{70D72DAC-5AFA-6230-B6C9-9D142DECE6A3}"/>
+                <a16:creationId xmlns:a16="http://schemas.microsoft.com/office/drawing/2014/main" id="{2C048A16-4CAF-A718-40AA-86A2C0F6B1BF}"/>
               </a:ext>
             </a:extLst>
           </p:cNvPr>
@@ -23597,7 +24395,7 @@
           <p:cNvPr id="149" name="Gerade Verbindung 148">
             <a:extLst>
               <a:ext uri="{FF2B5EF4-FFF2-40B4-BE49-F238E27FC236}">
-                <a16:creationId xmlns:a16="http://schemas.microsoft.com/office/drawing/2014/main" id="{9D9DF3BA-88EE-884C-B921-C2F5B0BFA73F}"/>
+                <a16:creationId xmlns:a16="http://schemas.microsoft.com/office/drawing/2014/main" id="{9C98B230-2347-7622-22DB-B31B74002A3A}"/>
               </a:ext>
             </a:extLst>
           </p:cNvPr>
@@ -23635,7 +24433,7 @@
           <p:cNvPr id="150" name="Gerade Verbindung 149">
             <a:extLst>
               <a:ext uri="{FF2B5EF4-FFF2-40B4-BE49-F238E27FC236}">
-                <a16:creationId xmlns:a16="http://schemas.microsoft.com/office/drawing/2014/main" id="{21C8E891-3114-C9C5-EF80-7094DDA17C81}"/>
+                <a16:creationId xmlns:a16="http://schemas.microsoft.com/office/drawing/2014/main" id="{6E53021D-0A21-6FEF-66E2-14E121C2E5F7}"/>
               </a:ext>
             </a:extLst>
           </p:cNvPr>
@@ -23673,7 +24471,7 @@
           <p:cNvPr id="151" name="Gerade Verbindung 150">
             <a:extLst>
               <a:ext uri="{FF2B5EF4-FFF2-40B4-BE49-F238E27FC236}">
-                <a16:creationId xmlns:a16="http://schemas.microsoft.com/office/drawing/2014/main" id="{C88104C6-488C-4F55-335C-D7BBB86AF3F8}"/>
+                <a16:creationId xmlns:a16="http://schemas.microsoft.com/office/drawing/2014/main" id="{E4B754F1-8371-B400-3275-CED9D928E3A4}"/>
               </a:ext>
             </a:extLst>
           </p:cNvPr>
@@ -23711,7 +24509,7 @@
           <p:cNvPr id="152" name="Gerade Verbindung 151">
             <a:extLst>
               <a:ext uri="{FF2B5EF4-FFF2-40B4-BE49-F238E27FC236}">
-                <a16:creationId xmlns:a16="http://schemas.microsoft.com/office/drawing/2014/main" id="{C93D4646-E9C7-B169-6402-23233038624D}"/>
+                <a16:creationId xmlns:a16="http://schemas.microsoft.com/office/drawing/2014/main" id="{D46E225D-4A17-DAEE-7900-45CC3E23CBCE}"/>
               </a:ext>
             </a:extLst>
           </p:cNvPr>
@@ -23749,7 +24547,7 @@
           <p:cNvPr id="153" name="Gerade Verbindung 152">
             <a:extLst>
               <a:ext uri="{FF2B5EF4-FFF2-40B4-BE49-F238E27FC236}">
-                <a16:creationId xmlns:a16="http://schemas.microsoft.com/office/drawing/2014/main" id="{78772954-A630-057A-ED51-77736365414D}"/>
+                <a16:creationId xmlns:a16="http://schemas.microsoft.com/office/drawing/2014/main" id="{95706A07-AE98-6C15-DE57-7B6042DB4D1B}"/>
               </a:ext>
             </a:extLst>
           </p:cNvPr>
@@ -23787,7 +24585,7 @@
           <p:cNvPr id="154" name="Gerade Verbindung 153">
             <a:extLst>
               <a:ext uri="{FF2B5EF4-FFF2-40B4-BE49-F238E27FC236}">
-                <a16:creationId xmlns:a16="http://schemas.microsoft.com/office/drawing/2014/main" id="{F755391D-904B-52B7-B924-041F4B6EE31E}"/>
+                <a16:creationId xmlns:a16="http://schemas.microsoft.com/office/drawing/2014/main" id="{31BB9B3B-4BF9-96F0-8D15-575A9E2CB651}"/>
               </a:ext>
             </a:extLst>
           </p:cNvPr>
@@ -23825,7 +24623,7 @@
           <p:cNvPr id="155" name="Gerade Verbindung 154">
             <a:extLst>
               <a:ext uri="{FF2B5EF4-FFF2-40B4-BE49-F238E27FC236}">
-                <a16:creationId xmlns:a16="http://schemas.microsoft.com/office/drawing/2014/main" id="{971BD8D0-65CE-85EE-DC12-98A9DC032B4D}"/>
+                <a16:creationId xmlns:a16="http://schemas.microsoft.com/office/drawing/2014/main" id="{F9B38F2A-2D4F-98DB-4609-08D16576C8B0}"/>
               </a:ext>
             </a:extLst>
           </p:cNvPr>
@@ -23863,7 +24661,7 @@
           <p:cNvPr id="156" name="Gerade Verbindung 155">
             <a:extLst>
               <a:ext uri="{FF2B5EF4-FFF2-40B4-BE49-F238E27FC236}">
-                <a16:creationId xmlns:a16="http://schemas.microsoft.com/office/drawing/2014/main" id="{81241A95-9479-17D0-792B-714EF4EFCCE9}"/>
+                <a16:creationId xmlns:a16="http://schemas.microsoft.com/office/drawing/2014/main" id="{A998EA83-5C7C-D75B-B082-97BD3A882AE4}"/>
               </a:ext>
             </a:extLst>
           </p:cNvPr>
@@ -23901,7 +24699,7 @@
           <p:cNvPr id="157" name="Gerade Verbindung 156">
             <a:extLst>
               <a:ext uri="{FF2B5EF4-FFF2-40B4-BE49-F238E27FC236}">
-                <a16:creationId xmlns:a16="http://schemas.microsoft.com/office/drawing/2014/main" id="{7CEE4D06-F4E9-8D24-3649-94B3FFE03B10}"/>
+                <a16:creationId xmlns:a16="http://schemas.microsoft.com/office/drawing/2014/main" id="{0E046673-91D7-BC3F-E121-937FABDF8FD8}"/>
               </a:ext>
             </a:extLst>
           </p:cNvPr>
@@ -23939,7 +24737,7 @@
           <p:cNvPr id="158" name="Gerade Verbindung 157">
             <a:extLst>
               <a:ext uri="{FF2B5EF4-FFF2-40B4-BE49-F238E27FC236}">
-                <a16:creationId xmlns:a16="http://schemas.microsoft.com/office/drawing/2014/main" id="{A4303108-7A38-9A75-F37F-D71435019DA0}"/>
+                <a16:creationId xmlns:a16="http://schemas.microsoft.com/office/drawing/2014/main" id="{8BB9E469-7520-60C7-CDFB-7CE859D73EC9}"/>
               </a:ext>
             </a:extLst>
           </p:cNvPr>
@@ -23977,7 +24775,7 @@
           <p:cNvPr id="159" name="Gerade Verbindung 158">
             <a:extLst>
               <a:ext uri="{FF2B5EF4-FFF2-40B4-BE49-F238E27FC236}">
-                <a16:creationId xmlns:a16="http://schemas.microsoft.com/office/drawing/2014/main" id="{850CD797-B332-91A3-DA68-22A3CA68FC4F}"/>
+                <a16:creationId xmlns:a16="http://schemas.microsoft.com/office/drawing/2014/main" id="{CD843F5E-2E0C-7FFC-A01E-A57793CCDC53}"/>
               </a:ext>
             </a:extLst>
           </p:cNvPr>
@@ -24015,7 +24813,7 @@
           <p:cNvPr id="160" name="Gerade Verbindung 159">
             <a:extLst>
               <a:ext uri="{FF2B5EF4-FFF2-40B4-BE49-F238E27FC236}">
-                <a16:creationId xmlns:a16="http://schemas.microsoft.com/office/drawing/2014/main" id="{A9865A76-3339-BAEB-9602-E986281C3BD0}"/>
+                <a16:creationId xmlns:a16="http://schemas.microsoft.com/office/drawing/2014/main" id="{0C74973A-8C82-7C2C-562F-DF3489A5EA22}"/>
               </a:ext>
             </a:extLst>
           </p:cNvPr>
@@ -24053,7 +24851,7 @@
           <p:cNvPr id="161" name="Gerade Verbindung 160">
             <a:extLst>
               <a:ext uri="{FF2B5EF4-FFF2-40B4-BE49-F238E27FC236}">
-                <a16:creationId xmlns:a16="http://schemas.microsoft.com/office/drawing/2014/main" id="{CEB63699-C3FE-0203-3B5F-5238DB2EDF6A}"/>
+                <a16:creationId xmlns:a16="http://schemas.microsoft.com/office/drawing/2014/main" id="{31115208-8140-6486-47D0-08B705D851A8}"/>
               </a:ext>
             </a:extLst>
           </p:cNvPr>
@@ -24091,7 +24889,7 @@
           <p:cNvPr id="162" name="Gerade Verbindung 161">
             <a:extLst>
               <a:ext uri="{FF2B5EF4-FFF2-40B4-BE49-F238E27FC236}">
-                <a16:creationId xmlns:a16="http://schemas.microsoft.com/office/drawing/2014/main" id="{0B0B945A-D73D-C510-FBCF-82EFD20DB547}"/>
+                <a16:creationId xmlns:a16="http://schemas.microsoft.com/office/drawing/2014/main" id="{FF08312C-F2D2-C918-021F-2D7D26F7D2B9}"/>
               </a:ext>
             </a:extLst>
           </p:cNvPr>
@@ -24129,7 +24927,7 @@
           <p:cNvPr id="163" name="Gerade Verbindung 162">
             <a:extLst>
               <a:ext uri="{FF2B5EF4-FFF2-40B4-BE49-F238E27FC236}">
-                <a16:creationId xmlns:a16="http://schemas.microsoft.com/office/drawing/2014/main" id="{E648D39E-5392-8F2C-9110-2FB7E1722AB2}"/>
+                <a16:creationId xmlns:a16="http://schemas.microsoft.com/office/drawing/2014/main" id="{7D192BD0-5314-7756-A929-2E1CA2C2910B}"/>
               </a:ext>
             </a:extLst>
           </p:cNvPr>
@@ -24167,7 +24965,7 @@
           <p:cNvPr id="164" name="Gerade Verbindung 163">
             <a:extLst>
               <a:ext uri="{FF2B5EF4-FFF2-40B4-BE49-F238E27FC236}">
-                <a16:creationId xmlns:a16="http://schemas.microsoft.com/office/drawing/2014/main" id="{C45173D8-7676-F128-9642-E4A6AED1FBA9}"/>
+                <a16:creationId xmlns:a16="http://schemas.microsoft.com/office/drawing/2014/main" id="{EE04F278-4377-3FAC-F79C-E3ECCFBBFFA0}"/>
               </a:ext>
             </a:extLst>
           </p:cNvPr>
@@ -24205,7 +25003,7 @@
           <p:cNvPr id="165" name="Gerade Verbindung 164">
             <a:extLst>
               <a:ext uri="{FF2B5EF4-FFF2-40B4-BE49-F238E27FC236}">
-                <a16:creationId xmlns:a16="http://schemas.microsoft.com/office/drawing/2014/main" id="{F96DD5B4-3ED7-F4AD-F90C-D0116175EDB9}"/>
+                <a16:creationId xmlns:a16="http://schemas.microsoft.com/office/drawing/2014/main" id="{F799BB60-5F2C-AA0C-33EA-8AF449E26079}"/>
               </a:ext>
             </a:extLst>
           </p:cNvPr>
@@ -24245,7 +25043,7 @@
           <p:cNvPr id="168" name="Gerade Verbindung 167">
             <a:extLst>
               <a:ext uri="{FF2B5EF4-FFF2-40B4-BE49-F238E27FC236}">
-                <a16:creationId xmlns:a16="http://schemas.microsoft.com/office/drawing/2014/main" id="{47C60A5B-2A29-A033-051F-281E90D448BF}"/>
+                <a16:creationId xmlns:a16="http://schemas.microsoft.com/office/drawing/2014/main" id="{A1AF3853-8E4E-F976-D107-B06941367E59}"/>
               </a:ext>
             </a:extLst>
           </p:cNvPr>
@@ -24285,7 +25083,7 @@
           <p:cNvPr id="171" name="Gerade Verbindung 170">
             <a:extLst>
               <a:ext uri="{FF2B5EF4-FFF2-40B4-BE49-F238E27FC236}">
-                <a16:creationId xmlns:a16="http://schemas.microsoft.com/office/drawing/2014/main" id="{39585FFC-F904-3558-CCAF-3C0BBC58BEE8}"/>
+                <a16:creationId xmlns:a16="http://schemas.microsoft.com/office/drawing/2014/main" id="{E5BC3F95-4502-9B0C-A673-1B724B6C3339}"/>
               </a:ext>
             </a:extLst>
           </p:cNvPr>
@@ -24325,7 +25123,7 @@
           <p:cNvPr id="174" name="Gerade Verbindung 173">
             <a:extLst>
               <a:ext uri="{FF2B5EF4-FFF2-40B4-BE49-F238E27FC236}">
-                <a16:creationId xmlns:a16="http://schemas.microsoft.com/office/drawing/2014/main" id="{23D5AC21-81E9-06E2-BDCC-CA1C81B7FB8A}"/>
+                <a16:creationId xmlns:a16="http://schemas.microsoft.com/office/drawing/2014/main" id="{6AF7B70F-E5CA-9FCF-EECA-4A94089B1C6E}"/>
               </a:ext>
             </a:extLst>
           </p:cNvPr>
@@ -24365,7 +25163,7 @@
           <p:cNvPr id="177" name="Gerade Verbindung 176">
             <a:extLst>
               <a:ext uri="{FF2B5EF4-FFF2-40B4-BE49-F238E27FC236}">
-                <a16:creationId xmlns:a16="http://schemas.microsoft.com/office/drawing/2014/main" id="{6AD71BF2-EEC6-2FBE-9FB8-28A52DD5A7BF}"/>
+                <a16:creationId xmlns:a16="http://schemas.microsoft.com/office/drawing/2014/main" id="{60B84800-ED66-F5DA-1F30-1C2A2EC04601}"/>
               </a:ext>
             </a:extLst>
           </p:cNvPr>
@@ -24405,7 +25203,7 @@
           <p:cNvPr id="180" name="Gerade Verbindung 179">
             <a:extLst>
               <a:ext uri="{FF2B5EF4-FFF2-40B4-BE49-F238E27FC236}">
-                <a16:creationId xmlns:a16="http://schemas.microsoft.com/office/drawing/2014/main" id="{F820C40D-6A79-30C9-67BE-E44C2A52F7E4}"/>
+                <a16:creationId xmlns:a16="http://schemas.microsoft.com/office/drawing/2014/main" id="{4AA26173-DDBD-5DFD-FCA8-AC83A51C7F4F}"/>
               </a:ext>
             </a:extLst>
           </p:cNvPr>
@@ -24445,7 +25243,7 @@
           <p:cNvPr id="183" name="Gerade Verbindung 182">
             <a:extLst>
               <a:ext uri="{FF2B5EF4-FFF2-40B4-BE49-F238E27FC236}">
-                <a16:creationId xmlns:a16="http://schemas.microsoft.com/office/drawing/2014/main" id="{BE1A35E1-CCE7-3C4A-9077-7E6A19B47AC0}"/>
+                <a16:creationId xmlns:a16="http://schemas.microsoft.com/office/drawing/2014/main" id="{83F3144A-5738-DF2F-21D5-F3629D534F80}"/>
               </a:ext>
             </a:extLst>
           </p:cNvPr>
@@ -24485,7 +25283,7 @@
           <p:cNvPr id="186" name="Gerade Verbindung 185">
             <a:extLst>
               <a:ext uri="{FF2B5EF4-FFF2-40B4-BE49-F238E27FC236}">
-                <a16:creationId xmlns:a16="http://schemas.microsoft.com/office/drawing/2014/main" id="{9ACCF47D-047F-AD00-74B0-93AC3072A7D2}"/>
+                <a16:creationId xmlns:a16="http://schemas.microsoft.com/office/drawing/2014/main" id="{3E55CA88-6510-B7AB-BA5E-342809F58D5F}"/>
               </a:ext>
             </a:extLst>
           </p:cNvPr>
@@ -24525,7 +25323,7 @@
           <p:cNvPr id="189" name="Gerade Verbindung 188">
             <a:extLst>
               <a:ext uri="{FF2B5EF4-FFF2-40B4-BE49-F238E27FC236}">
-                <a16:creationId xmlns:a16="http://schemas.microsoft.com/office/drawing/2014/main" id="{36006034-DF23-6CEE-8AF9-ABA0C23F0B52}"/>
+                <a16:creationId xmlns:a16="http://schemas.microsoft.com/office/drawing/2014/main" id="{B4784FE9-B6FF-1324-4816-BAC3E3C062CF}"/>
               </a:ext>
             </a:extLst>
           </p:cNvPr>
@@ -24565,7 +25363,7 @@
           <p:cNvPr id="192" name="Gerade Verbindung 191">
             <a:extLst>
               <a:ext uri="{FF2B5EF4-FFF2-40B4-BE49-F238E27FC236}">
-                <a16:creationId xmlns:a16="http://schemas.microsoft.com/office/drawing/2014/main" id="{49DFC2FC-A31E-2C72-C9BB-BA8437FFB368}"/>
+                <a16:creationId xmlns:a16="http://schemas.microsoft.com/office/drawing/2014/main" id="{AD9F1D07-F027-F0A6-6F5E-FB7E80D11B51}"/>
               </a:ext>
             </a:extLst>
           </p:cNvPr>
@@ -24605,7 +25403,7 @@
           <p:cNvPr id="195" name="Gerade Verbindung 194">
             <a:extLst>
               <a:ext uri="{FF2B5EF4-FFF2-40B4-BE49-F238E27FC236}">
-                <a16:creationId xmlns:a16="http://schemas.microsoft.com/office/drawing/2014/main" id="{5733FA30-6594-7A6C-FBF9-82B5F3CF292E}"/>
+                <a16:creationId xmlns:a16="http://schemas.microsoft.com/office/drawing/2014/main" id="{2D5DD5D8-7374-0983-EA10-7BED00BE0510}"/>
               </a:ext>
             </a:extLst>
           </p:cNvPr>
@@ -24645,7 +25443,7 @@
           <p:cNvPr id="198" name="Gerade Verbindung 197">
             <a:extLst>
               <a:ext uri="{FF2B5EF4-FFF2-40B4-BE49-F238E27FC236}">
-                <a16:creationId xmlns:a16="http://schemas.microsoft.com/office/drawing/2014/main" id="{E7D9038D-354C-B14B-C097-2D510A74785C}"/>
+                <a16:creationId xmlns:a16="http://schemas.microsoft.com/office/drawing/2014/main" id="{ADD6B906-34AD-C80F-6128-E9CF365C22A7}"/>
               </a:ext>
             </a:extLst>
           </p:cNvPr>
@@ -24687,7 +25485,7 @@
               <p:cNvPr id="201" name="Oval 200">
                 <a:extLst>
                   <a:ext uri="{FF2B5EF4-FFF2-40B4-BE49-F238E27FC236}">
-                    <a16:creationId xmlns:a16="http://schemas.microsoft.com/office/drawing/2014/main" id="{5418422C-7113-301A-8878-FF2F9397923B}"/>
+                    <a16:creationId xmlns:a16="http://schemas.microsoft.com/office/drawing/2014/main" id="{34D38979-7B1C-C213-4C54-84E22BCD5918}"/>
                   </a:ext>
                 </a:extLst>
               </p:cNvPr>
@@ -24815,7 +25613,7 @@
               <p:cNvPr id="202" name="Oval 201">
                 <a:extLst>
                   <a:ext uri="{FF2B5EF4-FFF2-40B4-BE49-F238E27FC236}">
-                    <a16:creationId xmlns:a16="http://schemas.microsoft.com/office/drawing/2014/main" id="{1CA63517-1FCD-DA83-B5BF-EB9DB882BDC2}"/>
+                    <a16:creationId xmlns:a16="http://schemas.microsoft.com/office/drawing/2014/main" id="{841F39AA-15BC-1AB1-D3D7-56AB870253A4}"/>
                   </a:ext>
                 </a:extLst>
               </p:cNvPr>
@@ -24943,7 +25741,7 @@
               <p:cNvPr id="203" name="Oval 202">
                 <a:extLst>
                   <a:ext uri="{FF2B5EF4-FFF2-40B4-BE49-F238E27FC236}">
-                    <a16:creationId xmlns:a16="http://schemas.microsoft.com/office/drawing/2014/main" id="{4CF5195F-DF21-2549-F1C5-98B75CD2787D}"/>
+                    <a16:creationId xmlns:a16="http://schemas.microsoft.com/office/drawing/2014/main" id="{1DADC38B-6A4F-F715-9189-28E3BBCDD33C}"/>
                   </a:ext>
                 </a:extLst>
               </p:cNvPr>
@@ -25075,7 +25873,7 @@
           <p:cNvPr id="206" name="Gerade Verbindung 205">
             <a:extLst>
               <a:ext uri="{FF2B5EF4-FFF2-40B4-BE49-F238E27FC236}">
-                <a16:creationId xmlns:a16="http://schemas.microsoft.com/office/drawing/2014/main" id="{628E1027-14DD-6AAE-5F6E-8EB50E4AC73F}"/>
+                <a16:creationId xmlns:a16="http://schemas.microsoft.com/office/drawing/2014/main" id="{8AF99DC2-AFEF-AF67-D648-BEA7ECE22DC7}"/>
               </a:ext>
             </a:extLst>
           </p:cNvPr>
@@ -25115,7 +25913,7 @@
           <p:cNvPr id="208" name="Gerade Verbindung 207">
             <a:extLst>
               <a:ext uri="{FF2B5EF4-FFF2-40B4-BE49-F238E27FC236}">
-                <a16:creationId xmlns:a16="http://schemas.microsoft.com/office/drawing/2014/main" id="{938AFD27-C570-AD7E-2F83-4B72AF7999DC}"/>
+                <a16:creationId xmlns:a16="http://schemas.microsoft.com/office/drawing/2014/main" id="{8EACCEBB-A462-0391-908C-7349BACE19AE}"/>
               </a:ext>
             </a:extLst>
           </p:cNvPr>
@@ -25157,7 +25955,7 @@
               <p:cNvPr id="212" name="Textfeld 211">
                 <a:extLst>
                   <a:ext uri="{FF2B5EF4-FFF2-40B4-BE49-F238E27FC236}">
-                    <a16:creationId xmlns:a16="http://schemas.microsoft.com/office/drawing/2014/main" id="{EBA5F4F7-D929-2EA2-E6FC-0B0BB7E8467D}"/>
+                    <a16:creationId xmlns:a16="http://schemas.microsoft.com/office/drawing/2014/main" id="{BDFA7972-A775-8C10-16F0-67A000498D69}"/>
                   </a:ext>
                 </a:extLst>
               </p:cNvPr>
@@ -25272,7 +26070,7 @@
               <p:cNvPr id="213" name="Textfeld 212">
                 <a:extLst>
                   <a:ext uri="{FF2B5EF4-FFF2-40B4-BE49-F238E27FC236}">
-                    <a16:creationId xmlns:a16="http://schemas.microsoft.com/office/drawing/2014/main" id="{B3F0BA7E-D4E8-A1A7-7932-07C8D13BD013}"/>
+                    <a16:creationId xmlns:a16="http://schemas.microsoft.com/office/drawing/2014/main" id="{0F721A09-B422-6504-D21C-B92B2B26B6A3}"/>
                   </a:ext>
                 </a:extLst>
               </p:cNvPr>
@@ -25387,7 +26185,7 @@
               <p:cNvPr id="214" name="Textfeld 213">
                 <a:extLst>
                   <a:ext uri="{FF2B5EF4-FFF2-40B4-BE49-F238E27FC236}">
-                    <a16:creationId xmlns:a16="http://schemas.microsoft.com/office/drawing/2014/main" id="{04613B5A-71A5-0A8F-B012-3E23E68F3B10}"/>
+                    <a16:creationId xmlns:a16="http://schemas.microsoft.com/office/drawing/2014/main" id="{BB9E6DE8-4FD9-1FA9-28D7-AE3E353C963D}"/>
                   </a:ext>
                 </a:extLst>
               </p:cNvPr>
@@ -25744,7 +26542,7 @@
           <p:cNvPr id="267" name="Gruppieren 266">
             <a:extLst>
               <a:ext uri="{FF2B5EF4-FFF2-40B4-BE49-F238E27FC236}">
-                <a16:creationId xmlns:a16="http://schemas.microsoft.com/office/drawing/2014/main" id="{3E7BE04C-5548-1682-200F-AF4FF5144641}"/>
+                <a16:creationId xmlns:a16="http://schemas.microsoft.com/office/drawing/2014/main" id="{C6314245-4489-58C8-72AA-D44B20E2F44F}"/>
               </a:ext>
             </a:extLst>
           </p:cNvPr>
@@ -25764,7 +26562,7 @@
             <p:cNvPr id="215" name="Oval 214">
               <a:extLst>
                 <a:ext uri="{FF2B5EF4-FFF2-40B4-BE49-F238E27FC236}">
-                  <a16:creationId xmlns:a16="http://schemas.microsoft.com/office/drawing/2014/main" id="{AF6B1CE1-70F0-884B-56C7-D6B348E5009C}"/>
+                  <a16:creationId xmlns:a16="http://schemas.microsoft.com/office/drawing/2014/main" id="{613A9609-5DA3-20D8-B1CE-5725D12826FE}"/>
                 </a:ext>
               </a:extLst>
             </p:cNvPr>
@@ -25814,7 +26612,7 @@
             <p:cNvPr id="216" name="Oval 215">
               <a:extLst>
                 <a:ext uri="{FF2B5EF4-FFF2-40B4-BE49-F238E27FC236}">
-                  <a16:creationId xmlns:a16="http://schemas.microsoft.com/office/drawing/2014/main" id="{F87EB9AD-F2F4-1CAB-DBE8-56780D89E739}"/>
+                  <a16:creationId xmlns:a16="http://schemas.microsoft.com/office/drawing/2014/main" id="{1B56B4DA-2B0D-27BA-212A-532F646A7F73}"/>
                 </a:ext>
               </a:extLst>
             </p:cNvPr>
@@ -25864,7 +26662,7 @@
             <p:cNvPr id="217" name="Oval 216">
               <a:extLst>
                 <a:ext uri="{FF2B5EF4-FFF2-40B4-BE49-F238E27FC236}">
-                  <a16:creationId xmlns:a16="http://schemas.microsoft.com/office/drawing/2014/main" id="{DC68279D-046F-0BF4-0F34-49206C07EBC0}"/>
+                  <a16:creationId xmlns:a16="http://schemas.microsoft.com/office/drawing/2014/main" id="{0BC0BA13-3543-6284-81B2-771DE532DA35}"/>
                 </a:ext>
               </a:extLst>
             </p:cNvPr>
@@ -25914,7 +26712,7 @@
             <p:cNvPr id="218" name="Oval 217">
               <a:extLst>
                 <a:ext uri="{FF2B5EF4-FFF2-40B4-BE49-F238E27FC236}">
-                  <a16:creationId xmlns:a16="http://schemas.microsoft.com/office/drawing/2014/main" id="{16F68E6C-531F-4FA7-2D75-84F6CA9C44F3}"/>
+                  <a16:creationId xmlns:a16="http://schemas.microsoft.com/office/drawing/2014/main" id="{3A5B97DD-4DD0-32DA-1F53-F0695F9314DD}"/>
                 </a:ext>
               </a:extLst>
             </p:cNvPr>
@@ -25964,7 +26762,7 @@
             <p:cNvPr id="219" name="Gerade Verbindung 218">
               <a:extLst>
                 <a:ext uri="{FF2B5EF4-FFF2-40B4-BE49-F238E27FC236}">
-                  <a16:creationId xmlns:a16="http://schemas.microsoft.com/office/drawing/2014/main" id="{48A52DF3-6DE3-E519-D1B5-CA6296FE99B8}"/>
+                  <a16:creationId xmlns:a16="http://schemas.microsoft.com/office/drawing/2014/main" id="{4E5B8ABC-A998-4622-61B6-D3D1A2A80CDC}"/>
                 </a:ext>
               </a:extLst>
             </p:cNvPr>
@@ -26003,7 +26801,7 @@
             <p:cNvPr id="220" name="Gerade Verbindung 219">
               <a:extLst>
                 <a:ext uri="{FF2B5EF4-FFF2-40B4-BE49-F238E27FC236}">
-                  <a16:creationId xmlns:a16="http://schemas.microsoft.com/office/drawing/2014/main" id="{0727970A-6433-70E0-D37D-62726BD0FFF8}"/>
+                  <a16:creationId xmlns:a16="http://schemas.microsoft.com/office/drawing/2014/main" id="{802D5070-F079-7587-8C92-A1931F43F5EE}"/>
                 </a:ext>
               </a:extLst>
             </p:cNvPr>
@@ -26042,7 +26840,7 @@
             <p:cNvPr id="221" name="Gerade Verbindung 220">
               <a:extLst>
                 <a:ext uri="{FF2B5EF4-FFF2-40B4-BE49-F238E27FC236}">
-                  <a16:creationId xmlns:a16="http://schemas.microsoft.com/office/drawing/2014/main" id="{760C1065-BEB4-D299-A21F-58BE3475FF15}"/>
+                  <a16:creationId xmlns:a16="http://schemas.microsoft.com/office/drawing/2014/main" id="{3974FBCA-113C-69AC-0E74-6FBE0F3DC23E}"/>
                 </a:ext>
               </a:extLst>
             </p:cNvPr>
@@ -26081,7 +26879,7 @@
             <p:cNvPr id="222" name="Gerade Verbindung 221">
               <a:extLst>
                 <a:ext uri="{FF2B5EF4-FFF2-40B4-BE49-F238E27FC236}">
-                  <a16:creationId xmlns:a16="http://schemas.microsoft.com/office/drawing/2014/main" id="{C5E69087-1C68-98DA-BDD8-0E4853AAA138}"/>
+                  <a16:creationId xmlns:a16="http://schemas.microsoft.com/office/drawing/2014/main" id="{1B91D754-5626-2311-3085-3726841215CB}"/>
                 </a:ext>
               </a:extLst>
             </p:cNvPr>
@@ -26120,7 +26918,7 @@
             <p:cNvPr id="223" name="Gerade Verbindung 222">
               <a:extLst>
                 <a:ext uri="{FF2B5EF4-FFF2-40B4-BE49-F238E27FC236}">
-                  <a16:creationId xmlns:a16="http://schemas.microsoft.com/office/drawing/2014/main" id="{51360F5C-9454-A47F-69FE-6DA2488EF2CB}"/>
+                  <a16:creationId xmlns:a16="http://schemas.microsoft.com/office/drawing/2014/main" id="{AC0674F4-655C-20E4-433B-C08712EF2F33}"/>
                 </a:ext>
               </a:extLst>
             </p:cNvPr>
@@ -26159,7 +26957,7 @@
             <p:cNvPr id="224" name="Gerade Verbindung 223">
               <a:extLst>
                 <a:ext uri="{FF2B5EF4-FFF2-40B4-BE49-F238E27FC236}">
-                  <a16:creationId xmlns:a16="http://schemas.microsoft.com/office/drawing/2014/main" id="{E7F4DCB4-86BC-F20E-0F98-9B9386600057}"/>
+                  <a16:creationId xmlns:a16="http://schemas.microsoft.com/office/drawing/2014/main" id="{4A3E561A-C424-5F10-8762-20A419415953}"/>
                 </a:ext>
               </a:extLst>
             </p:cNvPr>
@@ -26198,7 +26996,7 @@
             <p:cNvPr id="225" name="Gerade Verbindung 224">
               <a:extLst>
                 <a:ext uri="{FF2B5EF4-FFF2-40B4-BE49-F238E27FC236}">
-                  <a16:creationId xmlns:a16="http://schemas.microsoft.com/office/drawing/2014/main" id="{BB642031-83B6-6102-03C5-5280D64C7916}"/>
+                  <a16:creationId xmlns:a16="http://schemas.microsoft.com/office/drawing/2014/main" id="{1D703EF9-AEAE-1D85-9405-274452513712}"/>
                 </a:ext>
               </a:extLst>
             </p:cNvPr>
@@ -26237,7 +27035,7 @@
             <p:cNvPr id="226" name="Gerade Verbindung 225">
               <a:extLst>
                 <a:ext uri="{FF2B5EF4-FFF2-40B4-BE49-F238E27FC236}">
-                  <a16:creationId xmlns:a16="http://schemas.microsoft.com/office/drawing/2014/main" id="{FBF796E5-A724-26A8-225F-083D150FBB30}"/>
+                  <a16:creationId xmlns:a16="http://schemas.microsoft.com/office/drawing/2014/main" id="{789DD7E9-FF49-C951-9E82-85324895BD36}"/>
                 </a:ext>
               </a:extLst>
             </p:cNvPr>
@@ -26276,7 +27074,7 @@
             <p:cNvPr id="227" name="Gerade Verbindung 226">
               <a:extLst>
                 <a:ext uri="{FF2B5EF4-FFF2-40B4-BE49-F238E27FC236}">
-                  <a16:creationId xmlns:a16="http://schemas.microsoft.com/office/drawing/2014/main" id="{EF8D22D9-FFB8-1211-7755-B85735ECA0CD}"/>
+                  <a16:creationId xmlns:a16="http://schemas.microsoft.com/office/drawing/2014/main" id="{5000DCA4-7565-C502-81F1-C6D54FAD06D5}"/>
                 </a:ext>
               </a:extLst>
             </p:cNvPr>
@@ -26315,7 +27113,7 @@
             <p:cNvPr id="228" name="Gerade Verbindung 227">
               <a:extLst>
                 <a:ext uri="{FF2B5EF4-FFF2-40B4-BE49-F238E27FC236}">
-                  <a16:creationId xmlns:a16="http://schemas.microsoft.com/office/drawing/2014/main" id="{6A0C3A64-E963-0F92-5E27-6A37FCF58C68}"/>
+                  <a16:creationId xmlns:a16="http://schemas.microsoft.com/office/drawing/2014/main" id="{0D0BF030-A5EE-556B-B14D-C7DCA402D2E0}"/>
                 </a:ext>
               </a:extLst>
             </p:cNvPr>
@@ -26354,7 +27152,7 @@
             <p:cNvPr id="229" name="Gerade Verbindung 228">
               <a:extLst>
                 <a:ext uri="{FF2B5EF4-FFF2-40B4-BE49-F238E27FC236}">
-                  <a16:creationId xmlns:a16="http://schemas.microsoft.com/office/drawing/2014/main" id="{85BD206F-D30A-A9EA-1A75-82B8B46B88F7}"/>
+                  <a16:creationId xmlns:a16="http://schemas.microsoft.com/office/drawing/2014/main" id="{E7983358-B2DC-9417-BB4A-BAA1821D6C02}"/>
                 </a:ext>
               </a:extLst>
             </p:cNvPr>
@@ -26393,7 +27191,7 @@
             <p:cNvPr id="230" name="Gerade Verbindung 229">
               <a:extLst>
                 <a:ext uri="{FF2B5EF4-FFF2-40B4-BE49-F238E27FC236}">
-                  <a16:creationId xmlns:a16="http://schemas.microsoft.com/office/drawing/2014/main" id="{9E24A5EA-3B0A-D529-6F60-238B80C620F5}"/>
+                  <a16:creationId xmlns:a16="http://schemas.microsoft.com/office/drawing/2014/main" id="{396FB5AD-CB78-8559-9328-A4F63076C2FC}"/>
                 </a:ext>
               </a:extLst>
             </p:cNvPr>
@@ -26432,7 +27230,7 @@
             <p:cNvPr id="231" name="Gerade Verbindung 230">
               <a:extLst>
                 <a:ext uri="{FF2B5EF4-FFF2-40B4-BE49-F238E27FC236}">
-                  <a16:creationId xmlns:a16="http://schemas.microsoft.com/office/drawing/2014/main" id="{CEEBFADE-C050-87C6-9F14-F2BACDE6CDFE}"/>
+                  <a16:creationId xmlns:a16="http://schemas.microsoft.com/office/drawing/2014/main" id="{233ADA81-D262-4A51-CA37-3BD7CBD1E98C}"/>
                 </a:ext>
               </a:extLst>
             </p:cNvPr>
@@ -26471,7 +27269,7 @@
             <p:cNvPr id="232" name="Gerade Verbindung 231">
               <a:extLst>
                 <a:ext uri="{FF2B5EF4-FFF2-40B4-BE49-F238E27FC236}">
-                  <a16:creationId xmlns:a16="http://schemas.microsoft.com/office/drawing/2014/main" id="{45725818-9B1A-CE9B-82D4-F143A64380F5}"/>
+                  <a16:creationId xmlns:a16="http://schemas.microsoft.com/office/drawing/2014/main" id="{E3C1DF9F-E091-F0EA-5A88-1135E4218705}"/>
                 </a:ext>
               </a:extLst>
             </p:cNvPr>
@@ -26510,7 +27308,7 @@
             <p:cNvPr id="233" name="Gerade Verbindung 232">
               <a:extLst>
                 <a:ext uri="{FF2B5EF4-FFF2-40B4-BE49-F238E27FC236}">
-                  <a16:creationId xmlns:a16="http://schemas.microsoft.com/office/drawing/2014/main" id="{806ACEC9-AA05-3BBA-A561-58FFAF0F36AF}"/>
+                  <a16:creationId xmlns:a16="http://schemas.microsoft.com/office/drawing/2014/main" id="{FF4F4028-5992-2081-ACE9-16557C31622D}"/>
                 </a:ext>
               </a:extLst>
             </p:cNvPr>
@@ -26549,7 +27347,7 @@
             <p:cNvPr id="234" name="Gerade Verbindung 233">
               <a:extLst>
                 <a:ext uri="{FF2B5EF4-FFF2-40B4-BE49-F238E27FC236}">
-                  <a16:creationId xmlns:a16="http://schemas.microsoft.com/office/drawing/2014/main" id="{9941A46B-8234-B50E-DEA0-3136850C0207}"/>
+                  <a16:creationId xmlns:a16="http://schemas.microsoft.com/office/drawing/2014/main" id="{6D866880-716B-5B95-7966-A0481E2E6AD1}"/>
                 </a:ext>
               </a:extLst>
             </p:cNvPr>
@@ -26588,7 +27386,7 @@
             <p:cNvPr id="235" name="Gerade Verbindung 234">
               <a:extLst>
                 <a:ext uri="{FF2B5EF4-FFF2-40B4-BE49-F238E27FC236}">
-                  <a16:creationId xmlns:a16="http://schemas.microsoft.com/office/drawing/2014/main" id="{2047C9B2-B525-8DED-119C-7B16E2CFF827}"/>
+                  <a16:creationId xmlns:a16="http://schemas.microsoft.com/office/drawing/2014/main" id="{8F089D06-56B8-3F68-7946-C6B3273CA2F3}"/>
                 </a:ext>
               </a:extLst>
             </p:cNvPr>
@@ -26627,7 +27425,7 @@
             <p:cNvPr id="236" name="Gerade Verbindung 235">
               <a:extLst>
                 <a:ext uri="{FF2B5EF4-FFF2-40B4-BE49-F238E27FC236}">
-                  <a16:creationId xmlns:a16="http://schemas.microsoft.com/office/drawing/2014/main" id="{04B48646-1821-C231-3B0B-84F4A102F915}"/>
+                  <a16:creationId xmlns:a16="http://schemas.microsoft.com/office/drawing/2014/main" id="{0FFEC77B-1C4E-EF2E-DA83-AB6146993F63}"/>
                 </a:ext>
               </a:extLst>
             </p:cNvPr>
@@ -26666,7 +27464,7 @@
             <p:cNvPr id="237" name="Gerade Verbindung 236">
               <a:extLst>
                 <a:ext uri="{FF2B5EF4-FFF2-40B4-BE49-F238E27FC236}">
-                  <a16:creationId xmlns:a16="http://schemas.microsoft.com/office/drawing/2014/main" id="{52A0405F-C446-B856-0C01-4C6D33EE81DB}"/>
+                  <a16:creationId xmlns:a16="http://schemas.microsoft.com/office/drawing/2014/main" id="{A2AF565D-6A1C-8A7B-E319-7369E41D5323}"/>
                 </a:ext>
               </a:extLst>
             </p:cNvPr>
@@ -26705,7 +27503,7 @@
             <p:cNvPr id="238" name="Gerade Verbindung 237">
               <a:extLst>
                 <a:ext uri="{FF2B5EF4-FFF2-40B4-BE49-F238E27FC236}">
-                  <a16:creationId xmlns:a16="http://schemas.microsoft.com/office/drawing/2014/main" id="{637F3596-6CDB-09A4-F133-BCCF794B8204}"/>
+                  <a16:creationId xmlns:a16="http://schemas.microsoft.com/office/drawing/2014/main" id="{AA02E6B0-FE49-3452-E682-F1B2A8020316}"/>
                 </a:ext>
               </a:extLst>
             </p:cNvPr>
@@ -26744,7 +27542,7 @@
             <p:cNvPr id="239" name="Gerade Verbindung 238">
               <a:extLst>
                 <a:ext uri="{FF2B5EF4-FFF2-40B4-BE49-F238E27FC236}">
-                  <a16:creationId xmlns:a16="http://schemas.microsoft.com/office/drawing/2014/main" id="{4980CBE6-9D03-8D66-7E82-7B3169B8A0E9}"/>
+                  <a16:creationId xmlns:a16="http://schemas.microsoft.com/office/drawing/2014/main" id="{D1D5742C-4517-8E52-184B-B6CAFCDD8225}"/>
                 </a:ext>
               </a:extLst>
             </p:cNvPr>
@@ -26783,7 +27581,7 @@
             <p:cNvPr id="240" name="Gerade Verbindung 239">
               <a:extLst>
                 <a:ext uri="{FF2B5EF4-FFF2-40B4-BE49-F238E27FC236}">
-                  <a16:creationId xmlns:a16="http://schemas.microsoft.com/office/drawing/2014/main" id="{BB265928-AE00-95B8-F048-021DBBD5351B}"/>
+                  <a16:creationId xmlns:a16="http://schemas.microsoft.com/office/drawing/2014/main" id="{2F79D996-1640-8935-DBCF-8437BA32FAB4}"/>
                 </a:ext>
               </a:extLst>
             </p:cNvPr>
@@ -26822,7 +27620,7 @@
             <p:cNvPr id="241" name="Gerade Verbindung 240">
               <a:extLst>
                 <a:ext uri="{FF2B5EF4-FFF2-40B4-BE49-F238E27FC236}">
-                  <a16:creationId xmlns:a16="http://schemas.microsoft.com/office/drawing/2014/main" id="{55FCA928-C0F8-6591-6414-575A6E3E8F70}"/>
+                  <a16:creationId xmlns:a16="http://schemas.microsoft.com/office/drawing/2014/main" id="{11E0DFC5-E1B5-C534-72EC-98DF080CF82F}"/>
                 </a:ext>
               </a:extLst>
             </p:cNvPr>
@@ -26861,7 +27659,7 @@
             <p:cNvPr id="242" name="Gerade Verbindung 241">
               <a:extLst>
                 <a:ext uri="{FF2B5EF4-FFF2-40B4-BE49-F238E27FC236}">
-                  <a16:creationId xmlns:a16="http://schemas.microsoft.com/office/drawing/2014/main" id="{136254D2-A2AF-6A5F-3AB7-0F362FF04C67}"/>
+                  <a16:creationId xmlns:a16="http://schemas.microsoft.com/office/drawing/2014/main" id="{8E30CBBA-2B70-FB75-70FA-16B318A240EB}"/>
                 </a:ext>
               </a:extLst>
             </p:cNvPr>
@@ -26901,7 +27699,7 @@
           <p:cNvPr id="268" name="Textfeld 267">
             <a:extLst>
               <a:ext uri="{FF2B5EF4-FFF2-40B4-BE49-F238E27FC236}">
-                <a16:creationId xmlns:a16="http://schemas.microsoft.com/office/drawing/2014/main" id="{A8582818-2696-939E-AA07-4325EBD304AB}"/>
+                <a16:creationId xmlns:a16="http://schemas.microsoft.com/office/drawing/2014/main" id="{9F58E82B-3B73-9C7E-3649-8E0434E71460}"/>
               </a:ext>
             </a:extLst>
           </p:cNvPr>
@@ -26940,7 +27738,7 @@
           <p:cNvPr id="269" name="Textfeld 268">
             <a:extLst>
               <a:ext uri="{FF2B5EF4-FFF2-40B4-BE49-F238E27FC236}">
-                <a16:creationId xmlns:a16="http://schemas.microsoft.com/office/drawing/2014/main" id="{26137314-2059-0436-B75A-9DA1ADEB5C71}"/>
+                <a16:creationId xmlns:a16="http://schemas.microsoft.com/office/drawing/2014/main" id="{4F8CC970-0753-F8C8-6442-8D1E05913277}"/>
               </a:ext>
             </a:extLst>
           </p:cNvPr>
@@ -26979,7 +27777,7 @@
           <p:cNvPr id="271" name="Textfeld 270">
             <a:extLst>
               <a:ext uri="{FF2B5EF4-FFF2-40B4-BE49-F238E27FC236}">
-                <a16:creationId xmlns:a16="http://schemas.microsoft.com/office/drawing/2014/main" id="{C5B68713-5B72-88B2-9828-9DB5A9016DC3}"/>
+                <a16:creationId xmlns:a16="http://schemas.microsoft.com/office/drawing/2014/main" id="{D92C9AB3-9522-21D5-0D8C-51C77B1E71DD}"/>
               </a:ext>
             </a:extLst>
           </p:cNvPr>
@@ -27018,7 +27816,7 @@
           <p:cNvPr id="272" name="Textfeld 271">
             <a:extLst>
               <a:ext uri="{FF2B5EF4-FFF2-40B4-BE49-F238E27FC236}">
-                <a16:creationId xmlns:a16="http://schemas.microsoft.com/office/drawing/2014/main" id="{8EFA62D5-89E7-D760-576C-680B1DC668AE}"/>
+                <a16:creationId xmlns:a16="http://schemas.microsoft.com/office/drawing/2014/main" id="{75E8E6CB-344D-0E1F-B79E-2267860293B2}"/>
               </a:ext>
             </a:extLst>
           </p:cNvPr>
@@ -27057,7 +27855,7 @@
           <p:cNvPr id="273" name="Textfeld 272">
             <a:extLst>
               <a:ext uri="{FF2B5EF4-FFF2-40B4-BE49-F238E27FC236}">
-                <a16:creationId xmlns:a16="http://schemas.microsoft.com/office/drawing/2014/main" id="{C9F9EA83-33A1-D1A8-5F66-08FD3212374D}"/>
+                <a16:creationId xmlns:a16="http://schemas.microsoft.com/office/drawing/2014/main" id="{C5F7A152-92E0-D44A-5754-A915BB19B749}"/>
               </a:ext>
             </a:extLst>
           </p:cNvPr>
@@ -27096,7 +27894,7 @@
           <p:cNvPr id="274" name="Textfeld 273">
             <a:extLst>
               <a:ext uri="{FF2B5EF4-FFF2-40B4-BE49-F238E27FC236}">
-                <a16:creationId xmlns:a16="http://schemas.microsoft.com/office/drawing/2014/main" id="{6C537ECA-FBC8-A1A6-F808-27D32953FD24}"/>
+                <a16:creationId xmlns:a16="http://schemas.microsoft.com/office/drawing/2014/main" id="{D785A862-D981-9017-674A-44CAB5C9E12E}"/>
               </a:ext>
             </a:extLst>
           </p:cNvPr>
@@ -27135,7 +27933,7 @@
           <p:cNvPr id="275" name="Textfeld 274">
             <a:extLst>
               <a:ext uri="{FF2B5EF4-FFF2-40B4-BE49-F238E27FC236}">
-                <a16:creationId xmlns:a16="http://schemas.microsoft.com/office/drawing/2014/main" id="{CA7EDF3F-47CB-8720-15A1-D5EB52D59AEA}"/>
+                <a16:creationId xmlns:a16="http://schemas.microsoft.com/office/drawing/2014/main" id="{58B805DC-621B-8F0E-1DD9-2BBEA645E5DB}"/>
               </a:ext>
             </a:extLst>
           </p:cNvPr>
@@ -27174,7 +27972,7 @@
           <p:cNvPr id="276" name="Textfeld 275">
             <a:extLst>
               <a:ext uri="{FF2B5EF4-FFF2-40B4-BE49-F238E27FC236}">
-                <a16:creationId xmlns:a16="http://schemas.microsoft.com/office/drawing/2014/main" id="{56E76B26-3A33-588F-336A-ACB61F9CA812}"/>
+                <a16:creationId xmlns:a16="http://schemas.microsoft.com/office/drawing/2014/main" id="{76A59700-06D1-542D-3ABE-5475B91FD5D5}"/>
               </a:ext>
             </a:extLst>
           </p:cNvPr>
@@ -27213,7 +28011,7 @@
           <p:cNvPr id="278" name="Rechteck 277">
             <a:extLst>
               <a:ext uri="{FF2B5EF4-FFF2-40B4-BE49-F238E27FC236}">
-                <a16:creationId xmlns:a16="http://schemas.microsoft.com/office/drawing/2014/main" id="{7331A74B-1CAE-141A-EE39-F6ADD3A15226}"/>
+                <a16:creationId xmlns:a16="http://schemas.microsoft.com/office/drawing/2014/main" id="{B02B0830-EED0-9654-8628-88BC9B468273}"/>
               </a:ext>
             </a:extLst>
           </p:cNvPr>
@@ -27270,7 +28068,7 @@
           <p:cNvPr id="279" name="Rechteck 278">
             <a:extLst>
               <a:ext uri="{FF2B5EF4-FFF2-40B4-BE49-F238E27FC236}">
-                <a16:creationId xmlns:a16="http://schemas.microsoft.com/office/drawing/2014/main" id="{EDF40810-D02A-5F0A-144F-505DC5CDF5DF}"/>
+                <a16:creationId xmlns:a16="http://schemas.microsoft.com/office/drawing/2014/main" id="{56AD6CF6-CF7D-C333-E8B7-C1E9BB4B9721}"/>
               </a:ext>
             </a:extLst>
           </p:cNvPr>
@@ -27327,7 +28125,7 @@
           <p:cNvPr id="280" name="Textfeld 279">
             <a:extLst>
               <a:ext uri="{FF2B5EF4-FFF2-40B4-BE49-F238E27FC236}">
-                <a16:creationId xmlns:a16="http://schemas.microsoft.com/office/drawing/2014/main" id="{92904740-7C59-70E6-3133-8262150F8D16}"/>
+                <a16:creationId xmlns:a16="http://schemas.microsoft.com/office/drawing/2014/main" id="{CC9AB573-06BA-83BD-0BA4-038CE0FDCE40}"/>
               </a:ext>
             </a:extLst>
           </p:cNvPr>
@@ -27376,7 +28174,7 @@
           <p:cNvPr id="281" name="Textfeld 280">
             <a:extLst>
               <a:ext uri="{FF2B5EF4-FFF2-40B4-BE49-F238E27FC236}">
-                <a16:creationId xmlns:a16="http://schemas.microsoft.com/office/drawing/2014/main" id="{85DD0616-D78E-5C7C-EEF2-F96B438D463F}"/>
+                <a16:creationId xmlns:a16="http://schemas.microsoft.com/office/drawing/2014/main" id="{B5E01309-F94C-0407-0028-22C79FCCB070}"/>
               </a:ext>
             </a:extLst>
           </p:cNvPr>
@@ -27415,7 +28213,7 @@
           <p:cNvPr id="283" name="Gerade Verbindung 282">
             <a:extLst>
               <a:ext uri="{FF2B5EF4-FFF2-40B4-BE49-F238E27FC236}">
-                <a16:creationId xmlns:a16="http://schemas.microsoft.com/office/drawing/2014/main" id="{785C13B2-FA54-9063-E1F4-BBEA75D9D414}"/>
+                <a16:creationId xmlns:a16="http://schemas.microsoft.com/office/drawing/2014/main" id="{1F14C05D-E52D-CB8C-66F3-3D7E16888A96}"/>
               </a:ext>
             </a:extLst>
           </p:cNvPr>
@@ -27455,7 +28253,7 @@
           <p:cNvPr id="287" name="Gerade Verbindung 286">
             <a:extLst>
               <a:ext uri="{FF2B5EF4-FFF2-40B4-BE49-F238E27FC236}">
-                <a16:creationId xmlns:a16="http://schemas.microsoft.com/office/drawing/2014/main" id="{E059688F-4777-7FCC-FB9C-936C18944E18}"/>
+                <a16:creationId xmlns:a16="http://schemas.microsoft.com/office/drawing/2014/main" id="{06AFACE6-8F94-A170-B09B-6FF2D1397F8D}"/>
               </a:ext>
             </a:extLst>
           </p:cNvPr>
@@ -27495,7 +28293,7 @@
           <p:cNvPr id="3" name="Foliennummernplatzhalter 2">
             <a:extLst>
               <a:ext uri="{FF2B5EF4-FFF2-40B4-BE49-F238E27FC236}">
-                <a16:creationId xmlns:a16="http://schemas.microsoft.com/office/drawing/2014/main" id="{5BEE38D1-EE7E-24EC-E82A-0DB8CEEA79DE}"/>
+                <a16:creationId xmlns:a16="http://schemas.microsoft.com/office/drawing/2014/main" id="{DAB1D876-07B4-F4C4-8FCE-703D871CBC96}"/>
               </a:ext>
             </a:extLst>
           </p:cNvPr>
@@ -27513,7 +28311,7 @@
           <a:p>
             <a:fld id="{4BEC7EF7-4506-1E42-9433-EDC596BA2DDB}" type="slidenum">
               <a:rPr lang="de-DE" smtClean="0"/>
-              <a:t>2</a:t>
+              <a:t>22</a:t>
             </a:fld>
             <a:endParaRPr lang="de-DE"/>
           </a:p>
@@ -27522,7 +28320,7 @@
     </p:spTree>
     <p:extLst>
       <p:ext uri="{BB962C8B-B14F-4D97-AF65-F5344CB8AC3E}">
-        <p14:creationId xmlns:p14="http://schemas.microsoft.com/office/powerpoint/2010/main" val="4264208574"/>
+        <p14:creationId xmlns:p14="http://schemas.microsoft.com/office/powerpoint/2010/main" val="460952367"/>
       </p:ext>
     </p:extLst>
   </p:cSld>
@@ -30067,217 +30865,6 @@
 </p:sld>
 </file>
 
-<file path=ppt/slides/slide20.xml><?xml version="1.0" encoding="utf-8"?>
-<p:sld xmlns:a="http://schemas.openxmlformats.org/drawingml/2006/main" xmlns:r="http://schemas.openxmlformats.org/officeDocument/2006/relationships" xmlns:p="http://schemas.openxmlformats.org/presentationml/2006/main">
-  <p:cSld>
-    <p:spTree>
-      <p:nvGrpSpPr>
-        <p:cNvPr id="1" name=""/>
-        <p:cNvGrpSpPr/>
-        <p:nvPr/>
-      </p:nvGrpSpPr>
-      <p:grpSpPr>
-        <a:xfrm>
-          <a:off x="0" y="0"/>
-          <a:ext cx="0" cy="0"/>
-          <a:chOff x="0" y="0"/>
-          <a:chExt cx="0" cy="0"/>
-        </a:xfrm>
-      </p:grpSpPr>
-      <p:sp>
-        <p:nvSpPr>
-          <p:cNvPr id="2" name="Titel 1">
-            <a:extLst>
-              <a:ext uri="{FF2B5EF4-FFF2-40B4-BE49-F238E27FC236}">
-                <a16:creationId xmlns:a16="http://schemas.microsoft.com/office/drawing/2014/main" id="{2072F90C-D253-89BF-EC68-3D3242F600C3}"/>
-              </a:ext>
-            </a:extLst>
-          </p:cNvPr>
-          <p:cNvSpPr>
-            <a:spLocks noGrp="1"/>
-          </p:cNvSpPr>
-          <p:nvPr>
-            <p:ph type="title"/>
-          </p:nvPr>
-        </p:nvSpPr>
-        <p:spPr/>
-        <p:txBody>
-          <a:bodyPr>
-            <a:normAutofit/>
-          </a:bodyPr>
-          <a:lstStyle/>
-          <a:p>
-            <a:r>
-              <a:rPr lang="en-US" sz="3200" dirty="0">
-                <a:latin typeface="Libertinus Serif" panose="02000503000000000000" pitchFamily="2" charset="0"/>
-                <a:ea typeface="Libertinus Serif" panose="02000503000000000000" pitchFamily="2" charset="0"/>
-                <a:cs typeface="Libertinus Serif" panose="02000503000000000000" pitchFamily="2" charset="0"/>
-              </a:rPr>
-              <a:t>Last but not least…</a:t>
-            </a:r>
-          </a:p>
-        </p:txBody>
-      </p:sp>
-      <p:pic>
-        <p:nvPicPr>
-          <p:cNvPr id="6" name="Inhaltsplatzhalter 5">
-            <a:extLst>
-              <a:ext uri="{FF2B5EF4-FFF2-40B4-BE49-F238E27FC236}">
-                <a16:creationId xmlns:a16="http://schemas.microsoft.com/office/drawing/2014/main" id="{258C6F63-DC25-D0DD-914D-E13E1DFA3B5A}"/>
-              </a:ext>
-            </a:extLst>
-          </p:cNvPr>
-          <p:cNvPicPr>
-            <a:picLocks noGrp="1" noChangeAspect="1"/>
-          </p:cNvPicPr>
-          <p:nvPr>
-            <p:ph idx="1"/>
-          </p:nvPr>
-        </p:nvPicPr>
-        <p:blipFill>
-          <a:blip r:embed="rId3"/>
-          <a:stretch>
-            <a:fillRect/>
-          </a:stretch>
-        </p:blipFill>
-        <p:spPr>
-          <a:xfrm>
-            <a:off x="6756908" y="1386928"/>
-            <a:ext cx="4257934" cy="3768846"/>
-          </a:xfrm>
-        </p:spPr>
-      </p:pic>
-      <p:sp>
-        <p:nvSpPr>
-          <p:cNvPr id="4" name="Foliennummernplatzhalter 3">
-            <a:extLst>
-              <a:ext uri="{FF2B5EF4-FFF2-40B4-BE49-F238E27FC236}">
-                <a16:creationId xmlns:a16="http://schemas.microsoft.com/office/drawing/2014/main" id="{8096C1EA-E357-E4CB-F89A-56A04A0B1946}"/>
-              </a:ext>
-            </a:extLst>
-          </p:cNvPr>
-          <p:cNvSpPr>
-            <a:spLocks noGrp="1"/>
-          </p:cNvSpPr>
-          <p:nvPr>
-            <p:ph type="sldNum" sz="quarter" idx="12"/>
-          </p:nvPr>
-        </p:nvSpPr>
-        <p:spPr/>
-        <p:txBody>
-          <a:bodyPr/>
-          <a:lstStyle/>
-          <a:p>
-            <a:fld id="{4BEC7EF7-4506-1E42-9433-EDC596BA2DDB}" type="slidenum">
-              <a:rPr lang="de-DE" smtClean="0"/>
-              <a:t>20</a:t>
-            </a:fld>
-            <a:endParaRPr lang="de-DE"/>
-          </a:p>
-        </p:txBody>
-      </p:sp>
-      <p:pic>
-        <p:nvPicPr>
-          <p:cNvPr id="8" name="Grafik 7">
-            <a:extLst>
-              <a:ext uri="{FF2B5EF4-FFF2-40B4-BE49-F238E27FC236}">
-                <a16:creationId xmlns:a16="http://schemas.microsoft.com/office/drawing/2014/main" id="{D118FDDF-774E-D536-D835-E7342D71A9A0}"/>
-              </a:ext>
-            </a:extLst>
-          </p:cNvPr>
-          <p:cNvPicPr>
-            <a:picLocks noChangeAspect="1"/>
-          </p:cNvPicPr>
-          <p:nvPr/>
-        </p:nvPicPr>
-        <p:blipFill>
-          <a:blip r:embed="rId4"/>
-          <a:stretch>
-            <a:fillRect/>
-          </a:stretch>
-        </p:blipFill>
-        <p:spPr>
-          <a:xfrm>
-            <a:off x="1177160" y="1451659"/>
-            <a:ext cx="4257934" cy="3639382"/>
-          </a:xfrm>
-          <a:prstGeom prst="rect">
-            <a:avLst/>
-          </a:prstGeom>
-        </p:spPr>
-      </p:pic>
-      <p:sp>
-        <p:nvSpPr>
-          <p:cNvPr id="9" name="Titel 1">
-            <a:extLst>
-              <a:ext uri="{FF2B5EF4-FFF2-40B4-BE49-F238E27FC236}">
-                <a16:creationId xmlns:a16="http://schemas.microsoft.com/office/drawing/2014/main" id="{4B01868E-D0FC-18E0-4E73-E42E64F285B7}"/>
-              </a:ext>
-            </a:extLst>
-          </p:cNvPr>
-          <p:cNvSpPr txBox="1">
-            <a:spLocks/>
-          </p:cNvSpPr>
-          <p:nvPr/>
-        </p:nvSpPr>
-        <p:spPr>
-          <a:xfrm>
-            <a:off x="838200" y="5030787"/>
-            <a:ext cx="9630103" cy="1325563"/>
-          </a:xfrm>
-          <a:prstGeom prst="rect">
-            <a:avLst/>
-          </a:prstGeom>
-        </p:spPr>
-        <p:txBody>
-          <a:bodyPr vert="horz" lIns="91440" tIns="45720" rIns="91440" bIns="45720" rtlCol="0" anchor="ctr">
-            <a:normAutofit/>
-          </a:bodyPr>
-          <a:lstStyle>
-            <a:lvl1pPr algn="l" defTabSz="914400" rtl="0" eaLnBrk="1" latinLnBrk="0" hangingPunct="1">
-              <a:lnSpc>
-                <a:spcPct val="90000"/>
-              </a:lnSpc>
-              <a:spcBef>
-                <a:spcPct val="0"/>
-              </a:spcBef>
-              <a:buNone/>
-              <a:defRPr sz="4400" kern="1200">
-                <a:solidFill>
-                  <a:schemeClr val="tx1"/>
-                </a:solidFill>
-                <a:latin typeface="+mj-lt"/>
-                <a:ea typeface="+mj-ea"/>
-                <a:cs typeface="+mj-cs"/>
-              </a:defRPr>
-            </a:lvl1pPr>
-          </a:lstStyle>
-          <a:p>
-            <a:pPr algn="r"/>
-            <a:r>
-              <a:rPr lang="en-US" sz="3200" dirty="0">
-                <a:latin typeface="Libertinus Serif" panose="02000503000000000000" pitchFamily="2" charset="0"/>
-                <a:ea typeface="Libertinus Serif" panose="02000503000000000000" pitchFamily="2" charset="0"/>
-                <a:cs typeface="Libertinus Serif" panose="02000503000000000000" pitchFamily="2" charset="0"/>
-              </a:rPr>
-              <a:t>…74% of work could be saved.</a:t>
-            </a:r>
-          </a:p>
-        </p:txBody>
-      </p:sp>
-    </p:spTree>
-    <p:extLst>
-      <p:ext uri="{BB962C8B-B14F-4D97-AF65-F5344CB8AC3E}">
-        <p14:creationId xmlns:p14="http://schemas.microsoft.com/office/powerpoint/2010/main" val="2380441944"/>
-      </p:ext>
-    </p:extLst>
-  </p:cSld>
-  <p:clrMapOvr>
-    <a:masterClrMapping/>
-  </p:clrMapOvr>
-</p:sld>
-</file>
-
 <file path=ppt/slides/slide3.xml><?xml version="1.0" encoding="utf-8"?>
 <p:sld xmlns:a="http://schemas.openxmlformats.org/drawingml/2006/main" xmlns:r="http://schemas.openxmlformats.org/officeDocument/2006/relationships" xmlns:p="http://schemas.openxmlformats.org/presentationml/2006/main">
   <p:cSld>
@@ -30316,6 +30903,7 @@
           <a:bodyPr/>
           <a:lstStyle/>
           <a:p>
+            <a:pPr algn="ctr"/>
             <a:r>
               <a:rPr lang="en-US" dirty="0"/>
               <a:t>Data</a:t>
@@ -30341,16 +30929,21 @@
         </p:nvSpPr>
         <p:spPr>
           <a:xfrm>
-            <a:off x="838200" y="2536371"/>
-            <a:ext cx="10515600" cy="2747963"/>
+            <a:off x="838200" y="1690688"/>
+            <a:ext cx="10515600" cy="3898581"/>
           </a:xfrm>
         </p:spPr>
         <p:txBody>
           <a:bodyPr>
-            <a:normAutofit lnSpcReduction="10000"/>
+            <a:normAutofit fontScale="92500" lnSpcReduction="10000"/>
           </a:bodyPr>
           <a:lstStyle/>
           <a:p>
+            <a:pPr>
+              <a:lnSpc>
+                <a:spcPct val="150000"/>
+              </a:lnSpc>
+            </a:pPr>
             <a:r>
               <a:rPr lang="de-DE" dirty="0">
                 <a:solidFill>
@@ -30452,6 +31045,11 @@
             </a:r>
           </a:p>
           <a:p>
+            <a:pPr>
+              <a:lnSpc>
+                <a:spcPct val="150000"/>
+              </a:lnSpc>
+            </a:pPr>
             <a:r>
               <a:rPr lang="de-DE" dirty="0" err="1">
                 <a:solidFill>
@@ -30750,6 +31348,11 @@
             </a:endParaRPr>
           </a:p>
           <a:p>
+            <a:pPr>
+              <a:lnSpc>
+                <a:spcPct val="150000"/>
+              </a:lnSpc>
+            </a:pPr>
             <a:r>
               <a:rPr lang="de-DE" dirty="0" err="1">
                 <a:solidFill>
@@ -31096,6 +31699,11 @@
             </a:endParaRPr>
           </a:p>
           <a:p>
+            <a:pPr>
+              <a:lnSpc>
+                <a:spcPct val="150000"/>
+              </a:lnSpc>
+            </a:pPr>
             <a:r>
               <a:rPr lang="en-US" dirty="0">
                 <a:latin typeface="Libertinus Serif" panose="02000503000000000000" pitchFamily="2" charset="0"/>
